--- a/관련 자료/HorizonNet 논문 해석.pptx
+++ b/관련 자료/HorizonNet 논문 해석.pptx
@@ -307,7 +307,7 @@
   <pc:docChgLst>
     <pc:chgData name="길 다영" userId="11d3a75bfe554e41" providerId="LiveId" clId="{994C51C8-A457-4A27-958A-4676B64138D0}"/>
     <pc:docChg chg="undo redo custSel addSld delSld modSld sldOrd">
-      <pc:chgData name="길 다영" userId="11d3a75bfe554e41" providerId="LiveId" clId="{994C51C8-A457-4A27-958A-4676B64138D0}" dt="2021-07-19T05:29:18.591" v="14965" actId="1076"/>
+      <pc:chgData name="길 다영" userId="11d3a75bfe554e41" providerId="LiveId" clId="{994C51C8-A457-4A27-958A-4676B64138D0}" dt="2021-07-19T05:32:17.777" v="14967" actId="207"/>
       <pc:docMkLst>
         <pc:docMk/>
       </pc:docMkLst>
@@ -794,13 +794,13 @@
         </pc:sldMkLst>
       </pc:sldChg>
       <pc:sldChg chg="addSp delSp modSp add mod ord modNotes">
-        <pc:chgData name="길 다영" userId="11d3a75bfe554e41" providerId="LiveId" clId="{994C51C8-A457-4A27-958A-4676B64138D0}" dt="2021-07-19T04:51:29.929" v="12853" actId="207"/>
+        <pc:chgData name="길 다영" userId="11d3a75bfe554e41" providerId="LiveId" clId="{994C51C8-A457-4A27-958A-4676B64138D0}" dt="2021-07-19T05:32:17.777" v="14967" actId="207"/>
         <pc:sldMkLst>
           <pc:docMk/>
           <pc:sldMk cId="1960918424" sldId="263"/>
         </pc:sldMkLst>
         <pc:spChg chg="add mod">
-          <ac:chgData name="길 다영" userId="11d3a75bfe554e41" providerId="LiveId" clId="{994C51C8-A457-4A27-958A-4676B64138D0}" dt="2021-07-12T04:38:05.476" v="2402" actId="1076"/>
+          <ac:chgData name="길 다영" userId="11d3a75bfe554e41" providerId="LiveId" clId="{994C51C8-A457-4A27-958A-4676B64138D0}" dt="2021-07-19T05:32:15.059" v="14966" actId="207"/>
           <ac:spMkLst>
             <pc:docMk/>
             <pc:sldMk cId="1960918424" sldId="263"/>
@@ -1088,7 +1088,7 @@
           </ac:spMkLst>
         </pc:spChg>
         <pc:spChg chg="add mod">
-          <ac:chgData name="길 다영" userId="11d3a75bfe554e41" providerId="LiveId" clId="{994C51C8-A457-4A27-958A-4676B64138D0}" dt="2021-07-12T04:01:37.504" v="1047" actId="14100"/>
+          <ac:chgData name="길 다영" userId="11d3a75bfe554e41" providerId="LiveId" clId="{994C51C8-A457-4A27-958A-4676B64138D0}" dt="2021-07-19T05:32:17.777" v="14967" actId="207"/>
           <ac:spMkLst>
             <pc:docMk/>
             <pc:sldMk cId="1960918424" sldId="263"/>
@@ -19910,9 +19910,8 @@
             <a:avLst/>
           </a:prstGeom>
           <a:solidFill>
-            <a:schemeClr val="accent2">
-              <a:lumMod val="25000"/>
-              <a:lumOff val="75000"/>
+            <a:schemeClr val="bg1">
+              <a:lumMod val="85000"/>
               <a:alpha val="30000"/>
             </a:schemeClr>
           </a:solidFill>
@@ -19966,9 +19965,9 @@
             <a:avLst/>
           </a:prstGeom>
           <a:solidFill>
-            <a:schemeClr val="accent3">
-              <a:lumMod val="40000"/>
-              <a:lumOff val="60000"/>
+            <a:schemeClr val="accent6">
+              <a:lumMod val="20000"/>
+              <a:lumOff val="80000"/>
               <a:alpha val="30000"/>
             </a:schemeClr>
           </a:solidFill>
@@ -22708,8 +22707,8 @@
           </a:p>
         </p:txBody>
       </p:sp>
-      <mc:AlternateContent xmlns:mc="http://schemas.openxmlformats.org/markup-compatibility/2006">
-        <mc:Choice xmlns:a14="http://schemas.microsoft.com/office/drawing/2010/main" Requires="a14">
+      <mc:AlternateContent xmlns:mc="http://schemas.openxmlformats.org/markup-compatibility/2006" xmlns:a14="http://schemas.microsoft.com/office/drawing/2010/main">
+        <mc:Choice Requires="a14">
           <p:sp>
             <p:nvSpPr>
               <p:cNvPr id="36" name="직사각형 35">
@@ -23337,7 +23336,7 @@
             </p:txBody>
           </p:sp>
         </mc:Choice>
-        <mc:Fallback>
+        <mc:Fallback xmlns="">
           <p:sp>
             <p:nvSpPr>
               <p:cNvPr id="36" name="직사각형 35">
@@ -24090,8 +24089,8 @@
           </a:p>
         </p:txBody>
       </p:sp>
-      <mc:AlternateContent xmlns:mc="http://schemas.openxmlformats.org/markup-compatibility/2006">
-        <mc:Choice xmlns:a14="http://schemas.microsoft.com/office/drawing/2010/main" Requires="a14">
+      <mc:AlternateContent xmlns:mc="http://schemas.openxmlformats.org/markup-compatibility/2006" xmlns:a14="http://schemas.microsoft.com/office/drawing/2010/main">
+        <mc:Choice Requires="a14">
           <p:sp>
             <p:nvSpPr>
               <p:cNvPr id="49" name="직사각형 48">
@@ -24520,7 +24519,7 @@
             </p:txBody>
           </p:sp>
         </mc:Choice>
-        <mc:Fallback>
+        <mc:Fallback xmlns="">
           <p:sp>
             <p:nvSpPr>
               <p:cNvPr id="49" name="직사각형 48">

--- a/관련 자료/HorizonNet 논문 해석.pptx
+++ b/관련 자료/HorizonNet 논문 해석.pptx
@@ -307,7 +307,7 @@
   <pc:docChgLst>
     <pc:chgData name="길 다영" userId="11d3a75bfe554e41" providerId="LiveId" clId="{994C51C8-A457-4A27-958A-4676B64138D0}"/>
     <pc:docChg chg="undo redo custSel addSld delSld modSld sldOrd">
-      <pc:chgData name="길 다영" userId="11d3a75bfe554e41" providerId="LiveId" clId="{994C51C8-A457-4A27-958A-4676B64138D0}" dt="2021-07-19T05:32:17.777" v="14967" actId="207"/>
+      <pc:chgData name="길 다영" userId="11d3a75bfe554e41" providerId="LiveId" clId="{994C51C8-A457-4A27-958A-4676B64138D0}" dt="2021-07-19T05:35:46.745" v="15020"/>
       <pc:docMkLst>
         <pc:docMk/>
       </pc:docMkLst>
@@ -3673,7 +3673,7 @@
         </pc:picChg>
       </pc:sldChg>
       <pc:sldChg chg="addSp delSp modSp add mod">
-        <pc:chgData name="길 다영" userId="11d3a75bfe554e41" providerId="LiveId" clId="{994C51C8-A457-4A27-958A-4676B64138D0}" dt="2021-07-19T05:29:18.591" v="14965" actId="1076"/>
+        <pc:chgData name="길 다영" userId="11d3a75bfe554e41" providerId="LiveId" clId="{994C51C8-A457-4A27-958A-4676B64138D0}" dt="2021-07-19T05:35:46.745" v="15020"/>
         <pc:sldMkLst>
           <pc:docMk/>
           <pc:sldMk cId="3526788571" sldId="271"/>
@@ -3719,11 +3719,19 @@
           </ac:spMkLst>
         </pc:spChg>
         <pc:spChg chg="add mod">
-          <ac:chgData name="길 다영" userId="11d3a75bfe554e41" providerId="LiveId" clId="{994C51C8-A457-4A27-958A-4676B64138D0}" dt="2021-07-19T05:29:18.591" v="14965" actId="1076"/>
+          <ac:chgData name="길 다영" userId="11d3a75bfe554e41" providerId="LiveId" clId="{994C51C8-A457-4A27-958A-4676B64138D0}" dt="2021-07-19T05:35:21.670" v="14977" actId="20577"/>
           <ac:spMkLst>
             <pc:docMk/>
             <pc:sldMk cId="3526788571" sldId="271"/>
             <ac:spMk id="16" creationId="{24F6BDB7-339C-4655-AA15-4DFAA3F4BEEC}"/>
+          </ac:spMkLst>
+        </pc:spChg>
+        <pc:spChg chg="add mod">
+          <ac:chgData name="길 다영" userId="11d3a75bfe554e41" providerId="LiveId" clId="{994C51C8-A457-4A27-958A-4676B64138D0}" dt="2021-07-19T05:35:46.745" v="15020"/>
+          <ac:spMkLst>
+            <pc:docMk/>
+            <pc:sldMk cId="3526788571" sldId="271"/>
+            <ac:spMk id="17" creationId="{141C52D6-65CB-4AFA-9A67-68C5EE0645E5}"/>
           </ac:spMkLst>
         </pc:spChg>
         <pc:spChg chg="del">
@@ -17432,14 +17440,14 @@
               <a:t>의 테스트 및 검증 분할에서 재구성된 </a:t>
             </a:r>
             <a:r>
-              <a:rPr lang="ko-KR" altLang="en-US" sz="900" dirty="0" err="1">
-                <a:solidFill>
-                  <a:schemeClr val="tx1"/>
-                </a:solidFill>
-                <a:latin typeface="서울한강체 L" panose="02020503020101020101" pitchFamily="18" charset="-127"/>
-                <a:ea typeface="서울한강체 L" panose="02020503020101020101" pitchFamily="18" charset="-127"/>
-              </a:rPr>
-              <a:t>비입방체</a:t>
+              <a:rPr lang="en-US" altLang="ko-KR" sz="900" dirty="0">
+                <a:solidFill>
+                  <a:schemeClr val="tx1"/>
+                </a:solidFill>
+                <a:latin typeface="서울한강체 L" panose="02020503020101020101" pitchFamily="18" charset="-127"/>
+                <a:ea typeface="서울한강체 L" panose="02020503020101020101" pitchFamily="18" charset="-127"/>
+              </a:rPr>
+              <a:t>non-cuboid</a:t>
             </a:r>
             <a:r>
               <a:rPr lang="ko-KR" altLang="en-US" sz="900" dirty="0">
@@ -17492,6 +17500,98 @@
               </a:rPr>
               <a:t>.</a:t>
             </a:r>
+          </a:p>
+        </p:txBody>
+      </p:sp>
+      <p:sp>
+        <p:nvSpPr>
+          <p:cNvPr id="17" name="사각형: 모서리가 접힌 도형 16">
+            <a:extLst>
+              <a:ext uri="{FF2B5EF4-FFF2-40B4-BE49-F238E27FC236}">
+                <a16:creationId xmlns:a16="http://schemas.microsoft.com/office/drawing/2014/main" id="{141C52D6-65CB-4AFA-9A67-68C5EE0645E5}"/>
+              </a:ext>
+            </a:extLst>
+          </p:cNvPr>
+          <p:cNvSpPr/>
+          <p:nvPr/>
+        </p:nvSpPr>
+        <p:spPr>
+          <a:xfrm>
+            <a:off x="5774742" y="4428856"/>
+            <a:ext cx="2666165" cy="454520"/>
+          </a:xfrm>
+          <a:prstGeom prst="foldedCorner">
+            <a:avLst>
+              <a:gd name="adj" fmla="val 15947"/>
+            </a:avLst>
+          </a:prstGeom>
+          <a:solidFill>
+            <a:schemeClr val="accent4">
+              <a:lumMod val="75000"/>
+            </a:schemeClr>
+          </a:solidFill>
+          <a:ln>
+            <a:solidFill>
+              <a:schemeClr val="accent4">
+                <a:lumMod val="20000"/>
+                <a:lumOff val="80000"/>
+              </a:schemeClr>
+            </a:solidFill>
+          </a:ln>
+        </p:spPr>
+        <p:style>
+          <a:lnRef idx="2">
+            <a:schemeClr val="accent1">
+              <a:shade val="50000"/>
+            </a:schemeClr>
+          </a:lnRef>
+          <a:fillRef idx="1">
+            <a:schemeClr val="accent1"/>
+          </a:fillRef>
+          <a:effectRef idx="0">
+            <a:schemeClr val="accent1"/>
+          </a:effectRef>
+          <a:fontRef idx="minor">
+            <a:schemeClr val="lt1"/>
+          </a:fontRef>
+        </p:style>
+        <p:txBody>
+          <a:bodyPr rtlCol="0" anchor="ctr"/>
+          <a:lstStyle/>
+          <a:p>
+            <a:r>
+              <a:rPr lang="en-US" altLang="ko-KR" sz="1050" b="1" dirty="0">
+                <a:solidFill>
+                  <a:schemeClr val="accent6">
+                    <a:lumMod val="20000"/>
+                    <a:lumOff val="80000"/>
+                  </a:schemeClr>
+                </a:solidFill>
+                <a:latin typeface="Bell MT" panose="02020503060305020303" pitchFamily="18" charset="0"/>
+              </a:rPr>
+              <a:t>Non-cuboid</a:t>
+            </a:r>
+            <a:r>
+              <a:rPr lang="ko-KR" altLang="en-US" sz="1050" b="1">
+                <a:solidFill>
+                  <a:schemeClr val="accent6">
+                    <a:lumMod val="20000"/>
+                    <a:lumOff val="80000"/>
+                  </a:schemeClr>
+                </a:solidFill>
+                <a:latin typeface="Bell MT" panose="02020503060305020303" pitchFamily="18" charset="0"/>
+              </a:rPr>
+              <a:t> 관련 보충</a:t>
+            </a:r>
+            <a:endParaRPr lang="nb-NO" altLang="ko-KR" sz="1050" b="1" dirty="0">
+              <a:solidFill>
+                <a:schemeClr val="accent6">
+                  <a:lumMod val="20000"/>
+                  <a:lumOff val="80000"/>
+                </a:schemeClr>
+              </a:solidFill>
+              <a:latin typeface="Bell MT" panose="02020503060305020303" pitchFamily="18" charset="0"/>
+            </a:endParaRPr>
           </a:p>
         </p:txBody>
       </p:sp>

--- a/관련 자료/HorizonNet 논문 해석.pptx
+++ b/관련 자료/HorizonNet 논문 해석.pptx
@@ -28,30 +28,43 @@
   <p:notesSz cx="6858000" cy="9144000"/>
   <p:embeddedFontLst>
     <p:embeddedFont>
-      <p:font typeface="Bell MT" panose="02020503060305020303" pitchFamily="18" charset="0"/>
+      <p:font typeface="Mapo마포나루" panose="02000500000000000000" pitchFamily="2" charset="-127"/>
       <p:regular r:id="rId18"/>
-      <p:bold r:id="rId19"/>
-      <p:italic r:id="rId20"/>
     </p:embeddedFont>
     <p:embeddedFont>
-      <p:font typeface="Cambria Math" panose="02040503050406030204" pitchFamily="18" charset="0"/>
+      <p:font typeface="메이플스토리" panose="02000300000000000000" pitchFamily="2" charset="-127"/>
+      <p:regular r:id="rId19"/>
+      <p:bold r:id="rId20"/>
+    </p:embeddedFont>
+    <p:embeddedFont>
+      <p:font typeface="서울한강 장체 B" panose="02020503020101020101" pitchFamily="18" charset="-127"/>
       <p:regular r:id="rId21"/>
     </p:embeddedFont>
     <p:embeddedFont>
-      <p:font typeface="서울한강 장체 B" panose="02020503020101020101" pitchFamily="18" charset="-127"/>
+      <p:font typeface="서울한강 장체 EB" panose="02020503020101020101" pitchFamily="18" charset="-127"/>
       <p:regular r:id="rId22"/>
     </p:embeddedFont>
     <p:embeddedFont>
-      <p:font typeface="서울한강 장체 EB" panose="02020503020101020101" pitchFamily="18" charset="-127"/>
+      <p:font typeface="서울한강 장체 L" panose="02020503020101020101" pitchFamily="18" charset="-127"/>
       <p:regular r:id="rId23"/>
     </p:embeddedFont>
     <p:embeddedFont>
-      <p:font typeface="서울한강 장체 L" panose="02020503020101020101" pitchFamily="18" charset="-127"/>
+      <p:font typeface="서울한강 장체 M" panose="02020503020101020101" pitchFamily="18" charset="-127"/>
       <p:regular r:id="rId24"/>
     </p:embeddedFont>
     <p:embeddedFont>
       <p:font typeface="서울한강체 L" panose="02020503020101020101" pitchFamily="18" charset="-127"/>
       <p:regular r:id="rId25"/>
+    </p:embeddedFont>
+    <p:embeddedFont>
+      <p:font typeface="Bell MT" panose="02020503060305020303" pitchFamily="18" charset="0"/>
+      <p:regular r:id="rId26"/>
+      <p:bold r:id="rId27"/>
+      <p:italic r:id="rId28"/>
+    </p:embeddedFont>
+    <p:embeddedFont>
+      <p:font typeface="Cambria Math" panose="02040503050406030204" pitchFamily="18" charset="0"/>
+      <p:regular r:id="rId29"/>
     </p:embeddedFont>
   </p:embeddedFontLst>
   <p:defaultTextStyle>
@@ -307,7 +320,7 @@
   <pc:docChgLst>
     <pc:chgData name="길 다영" userId="11d3a75bfe554e41" providerId="LiveId" clId="{994C51C8-A457-4A27-958A-4676B64138D0}"/>
     <pc:docChg chg="undo redo custSel addSld delSld modSld sldOrd">
-      <pc:chgData name="길 다영" userId="11d3a75bfe554e41" providerId="LiveId" clId="{994C51C8-A457-4A27-958A-4676B64138D0}" dt="2021-07-19T05:35:46.745" v="15020"/>
+      <pc:chgData name="길 다영" userId="11d3a75bfe554e41" providerId="LiveId" clId="{994C51C8-A457-4A27-958A-4676B64138D0}" dt="2021-07-22T05:21:22.139" v="15041" actId="2710"/>
       <pc:docMkLst>
         <pc:docMk/>
       </pc:docMkLst>
@@ -3362,7 +3375,7 @@
         </pc:picChg>
       </pc:sldChg>
       <pc:sldChg chg="addSp delSp modSp add mod">
-        <pc:chgData name="길 다영" userId="11d3a75bfe554e41" providerId="LiveId" clId="{994C51C8-A457-4A27-958A-4676B64138D0}" dt="2021-07-19T05:00:19.073" v="13174"/>
+        <pc:chgData name="길 다영" userId="11d3a75bfe554e41" providerId="LiveId" clId="{994C51C8-A457-4A27-958A-4676B64138D0}" dt="2021-07-22T05:21:22.139" v="15041" actId="2710"/>
         <pc:sldMkLst>
           <pc:docMk/>
           <pc:sldMk cId="2188600941" sldId="270"/>
@@ -3445,6 +3458,14 @@
             <pc:docMk/>
             <pc:sldMk cId="2188600941" sldId="270"/>
             <ac:spMk id="30" creationId="{2BED934D-E702-4DCB-89CF-028623B02FA7}"/>
+          </ac:spMkLst>
+        </pc:spChg>
+        <pc:spChg chg="add mod">
+          <ac:chgData name="길 다영" userId="11d3a75bfe554e41" providerId="LiveId" clId="{994C51C8-A457-4A27-958A-4676B64138D0}" dt="2021-07-22T05:21:22.139" v="15041" actId="2710"/>
+          <ac:spMkLst>
+            <pc:docMk/>
+            <pc:sldMk cId="2188600941" sldId="270"/>
+            <ac:spMk id="30" creationId="{F81B0C56-8914-4290-9D0E-2674FC4C5F8B}"/>
           </ac:spMkLst>
         </pc:spChg>
         <pc:spChg chg="del">
@@ -4450,6 +4471,194 @@
             <ac:picMk id="4" creationId="{48062636-1A48-4AD9-AFA3-F9C4C24AC6AF}"/>
           </ac:picMkLst>
         </pc:picChg>
+      </pc:sldChg>
+    </pc:docChg>
+  </pc:docChgLst>
+  <pc:docChgLst>
+    <pc:chgData name="길 다영" userId="11d3a75bfe554e41" providerId="LiveId" clId="{939E813B-B863-490A-A804-0EC73DE49EEA}"/>
+    <pc:docChg chg="custSel modSld">
+      <pc:chgData name="길 다영" userId="11d3a75bfe554e41" providerId="LiveId" clId="{939E813B-B863-490A-A804-0EC73DE49EEA}" dt="2021-07-22T06:29:54.214" v="66" actId="1076"/>
+      <pc:docMkLst>
+        <pc:docMk/>
+      </pc:docMkLst>
+      <pc:sldChg chg="addSp delSp modSp mod">
+        <pc:chgData name="길 다영" userId="11d3a75bfe554e41" providerId="LiveId" clId="{939E813B-B863-490A-A804-0EC73DE49EEA}" dt="2021-07-22T06:29:32.255" v="59" actId="1076"/>
+        <pc:sldMkLst>
+          <pc:docMk/>
+          <pc:sldMk cId="457547006" sldId="266"/>
+        </pc:sldMkLst>
+        <pc:spChg chg="mod">
+          <ac:chgData name="길 다영" userId="11d3a75bfe554e41" providerId="LiveId" clId="{939E813B-B863-490A-A804-0EC73DE49EEA}" dt="2021-07-22T06:20:10.322" v="37" actId="1076"/>
+          <ac:spMkLst>
+            <pc:docMk/>
+            <pc:sldMk cId="457547006" sldId="266"/>
+            <ac:spMk id="40" creationId="{603741A8-C0D3-45AF-A518-2E601E021896}"/>
+          </ac:spMkLst>
+        </pc:spChg>
+        <pc:spChg chg="del mod">
+          <ac:chgData name="길 다영" userId="11d3a75bfe554e41" providerId="LiveId" clId="{939E813B-B863-490A-A804-0EC73DE49EEA}" dt="2021-07-22T06:20:06.762" v="36" actId="478"/>
+          <ac:spMkLst>
+            <pc:docMk/>
+            <pc:sldMk cId="457547006" sldId="266"/>
+            <ac:spMk id="46" creationId="{8ED027E8-7A85-411B-B0BD-A55D5A2234BA}"/>
+          </ac:spMkLst>
+        </pc:spChg>
+        <pc:spChg chg="add mod">
+          <ac:chgData name="길 다영" userId="11d3a75bfe554e41" providerId="LiveId" clId="{939E813B-B863-490A-A804-0EC73DE49EEA}" dt="2021-07-22T06:29:32.255" v="59" actId="1076"/>
+          <ac:spMkLst>
+            <pc:docMk/>
+            <pc:sldMk cId="457547006" sldId="266"/>
+            <ac:spMk id="48" creationId="{19CFF816-81FC-4A5E-8F3B-91D33105A3F6}"/>
+          </ac:spMkLst>
+        </pc:spChg>
+      </pc:sldChg>
+      <pc:sldChg chg="modSp mod">
+        <pc:chgData name="길 다영" userId="11d3a75bfe554e41" providerId="LiveId" clId="{939E813B-B863-490A-A804-0EC73DE49EEA}" dt="2021-07-22T05:34:07.428" v="13" actId="2711"/>
+        <pc:sldMkLst>
+          <pc:docMk/>
+          <pc:sldMk cId="293582149" sldId="267"/>
+        </pc:sldMkLst>
+        <pc:spChg chg="mod">
+          <ac:chgData name="길 다영" userId="11d3a75bfe554e41" providerId="LiveId" clId="{939E813B-B863-490A-A804-0EC73DE49EEA}" dt="2021-07-22T05:33:59.833" v="12" actId="2711"/>
+          <ac:spMkLst>
+            <pc:docMk/>
+            <pc:sldMk cId="293582149" sldId="267"/>
+            <ac:spMk id="22" creationId="{99E97E0C-F3FC-4EDD-9527-0049C52A01D5}"/>
+          </ac:spMkLst>
+        </pc:spChg>
+        <pc:spChg chg="mod">
+          <ac:chgData name="길 다영" userId="11d3a75bfe554e41" providerId="LiveId" clId="{939E813B-B863-490A-A804-0EC73DE49EEA}" dt="2021-07-22T05:34:07.428" v="13" actId="2711"/>
+          <ac:spMkLst>
+            <pc:docMk/>
+            <pc:sldMk cId="293582149" sldId="267"/>
+            <ac:spMk id="24" creationId="{7505CC13-A7D6-40D5-874D-14388FBE081D}"/>
+          </ac:spMkLst>
+        </pc:spChg>
+      </pc:sldChg>
+      <pc:sldChg chg="addSp delSp modSp mod">
+        <pc:chgData name="길 다영" userId="11d3a75bfe554e41" providerId="LiveId" clId="{939E813B-B863-490A-A804-0EC73DE49EEA}" dt="2021-07-22T06:27:50.198" v="39" actId="478"/>
+        <pc:sldMkLst>
+          <pc:docMk/>
+          <pc:sldMk cId="2188600941" sldId="270"/>
+        </pc:sldMkLst>
+        <pc:spChg chg="add mod">
+          <ac:chgData name="길 다영" userId="11d3a75bfe554e41" providerId="LiveId" clId="{939E813B-B863-490A-A804-0EC73DE49EEA}" dt="2021-07-22T05:38:31.531" v="22" actId="1076"/>
+          <ac:spMkLst>
+            <pc:docMk/>
+            <pc:sldMk cId="2188600941" sldId="270"/>
+            <ac:spMk id="31" creationId="{E7B33A2C-BDCE-4E22-85CA-701D5AF40932}"/>
+          </ac:spMkLst>
+        </pc:spChg>
+        <pc:spChg chg="mod">
+          <ac:chgData name="길 다영" userId="11d3a75bfe554e41" providerId="LiveId" clId="{939E813B-B863-490A-A804-0EC73DE49EEA}" dt="2021-07-22T05:34:22.251" v="15" actId="14100"/>
+          <ac:spMkLst>
+            <pc:docMk/>
+            <pc:sldMk cId="2188600941" sldId="270"/>
+            <ac:spMk id="47" creationId="{3EE26ABA-1E3B-41A3-9B91-5144AF2AB0BF}"/>
+          </ac:spMkLst>
+        </pc:spChg>
+        <pc:spChg chg="mod">
+          <ac:chgData name="길 다영" userId="11d3a75bfe554e41" providerId="LiveId" clId="{939E813B-B863-490A-A804-0EC73DE49EEA}" dt="2021-07-22T06:20:19.870" v="38" actId="20577"/>
+          <ac:spMkLst>
+            <pc:docMk/>
+            <pc:sldMk cId="2188600941" sldId="270"/>
+            <ac:spMk id="50" creationId="{AC62FE35-4E45-4E50-BA37-3678F946761C}"/>
+          </ac:spMkLst>
+        </pc:spChg>
+        <pc:spChg chg="del mod">
+          <ac:chgData name="길 다영" userId="11d3a75bfe554e41" providerId="LiveId" clId="{939E813B-B863-490A-A804-0EC73DE49EEA}" dt="2021-07-22T06:27:50.198" v="39" actId="478"/>
+          <ac:spMkLst>
+            <pc:docMk/>
+            <pc:sldMk cId="2188600941" sldId="270"/>
+            <ac:spMk id="51" creationId="{F982C8DA-F8F1-4E37-A1FC-F76AD51D37BD}"/>
+          </ac:spMkLst>
+        </pc:spChg>
+        <pc:picChg chg="add mod">
+          <ac:chgData name="길 다영" userId="11d3a75bfe554e41" providerId="LiveId" clId="{939E813B-B863-490A-A804-0EC73DE49EEA}" dt="2021-07-22T05:39:16.633" v="26" actId="14100"/>
+          <ac:picMkLst>
+            <pc:docMk/>
+            <pc:sldMk cId="2188600941" sldId="270"/>
+            <ac:picMk id="4" creationId="{24934B87-9735-434C-927A-95A555C85A78}"/>
+          </ac:picMkLst>
+        </pc:picChg>
+        <pc:picChg chg="add mod">
+          <ac:chgData name="길 다영" userId="11d3a75bfe554e41" providerId="LiveId" clId="{939E813B-B863-490A-A804-0EC73DE49EEA}" dt="2021-07-22T05:39:37.515" v="30" actId="1076"/>
+          <ac:picMkLst>
+            <pc:docMk/>
+            <pc:sldMk cId="2188600941" sldId="270"/>
+            <ac:picMk id="8" creationId="{FC38C763-3AEE-427B-A13A-C578599FED6E}"/>
+          </ac:picMkLst>
+        </pc:picChg>
+        <pc:picChg chg="del mod">
+          <ac:chgData name="길 다영" userId="11d3a75bfe554e41" providerId="LiveId" clId="{939E813B-B863-490A-A804-0EC73DE49EEA}" dt="2021-07-22T05:39:39.467" v="32" actId="478"/>
+          <ac:picMkLst>
+            <pc:docMk/>
+            <pc:sldMk cId="2188600941" sldId="270"/>
+            <ac:picMk id="10" creationId="{4049AE87-A4CC-4C62-9D02-DA2BE44CB54D}"/>
+          </ac:picMkLst>
+        </pc:picChg>
+        <pc:picChg chg="add mod">
+          <ac:chgData name="길 다영" userId="11d3a75bfe554e41" providerId="LiveId" clId="{939E813B-B863-490A-A804-0EC73DE49EEA}" dt="2021-07-22T05:39:51.418" v="35" actId="1076"/>
+          <ac:picMkLst>
+            <pc:docMk/>
+            <pc:sldMk cId="2188600941" sldId="270"/>
+            <ac:picMk id="11" creationId="{15A7DE55-557B-4AF1-8ABE-9165F8D7471F}"/>
+          </ac:picMkLst>
+        </pc:picChg>
+        <pc:picChg chg="mod">
+          <ac:chgData name="길 다영" userId="11d3a75bfe554e41" providerId="LiveId" clId="{939E813B-B863-490A-A804-0EC73DE49EEA}" dt="2021-07-22T05:34:35.154" v="20" actId="14100"/>
+          <ac:picMkLst>
+            <pc:docMk/>
+            <pc:sldMk cId="2188600941" sldId="270"/>
+            <ac:picMk id="13" creationId="{860E4B16-FC33-4BC5-BC2A-A00885249E28}"/>
+          </ac:picMkLst>
+        </pc:picChg>
+      </pc:sldChg>
+      <pc:sldChg chg="addSp delSp modSp mod">
+        <pc:chgData name="길 다영" userId="11d3a75bfe554e41" providerId="LiveId" clId="{939E813B-B863-490A-A804-0EC73DE49EEA}" dt="2021-07-22T06:29:54.214" v="66" actId="1076"/>
+        <pc:sldMkLst>
+          <pc:docMk/>
+          <pc:sldMk cId="3526788571" sldId="271"/>
+        </pc:sldMkLst>
+        <pc:spChg chg="del">
+          <ac:chgData name="길 다영" userId="11d3a75bfe554e41" providerId="LiveId" clId="{939E813B-B863-490A-A804-0EC73DE49EEA}" dt="2021-07-22T06:29:39.635" v="60" actId="478"/>
+          <ac:spMkLst>
+            <pc:docMk/>
+            <pc:sldMk cId="3526788571" sldId="271"/>
+            <ac:spMk id="17" creationId="{141C52D6-65CB-4AFA-9A67-68C5EE0645E5}"/>
+          </ac:spMkLst>
+        </pc:spChg>
+        <pc:spChg chg="add mod">
+          <ac:chgData name="길 다영" userId="11d3a75bfe554e41" providerId="LiveId" clId="{939E813B-B863-490A-A804-0EC73DE49EEA}" dt="2021-07-22T06:29:54.214" v="66" actId="1076"/>
+          <ac:spMkLst>
+            <pc:docMk/>
+            <pc:sldMk cId="3526788571" sldId="271"/>
+            <ac:spMk id="18" creationId="{E3B5E32B-ED97-433F-863F-32B0F50A3D9E}"/>
+          </ac:spMkLst>
+        </pc:spChg>
+      </pc:sldChg>
+      <pc:sldChg chg="addSp delSp modSp mod">
+        <pc:chgData name="길 다영" userId="11d3a75bfe554e41" providerId="LiveId" clId="{939E813B-B863-490A-A804-0EC73DE49EEA}" dt="2021-07-22T06:29:04.488" v="50" actId="1076"/>
+        <pc:sldMkLst>
+          <pc:docMk/>
+          <pc:sldMk cId="490252809" sldId="273"/>
+        </pc:sldMkLst>
+        <pc:spChg chg="add mod">
+          <ac:chgData name="길 다영" userId="11d3a75bfe554e41" providerId="LiveId" clId="{939E813B-B863-490A-A804-0EC73DE49EEA}" dt="2021-07-22T06:29:04.488" v="50" actId="1076"/>
+          <ac:spMkLst>
+            <pc:docMk/>
+            <pc:sldMk cId="490252809" sldId="273"/>
+            <ac:spMk id="24" creationId="{07CF8F74-80D1-43F7-BF72-D9626D554368}"/>
+          </ac:spMkLst>
+        </pc:spChg>
+        <pc:spChg chg="del">
+          <ac:chgData name="길 다영" userId="11d3a75bfe554e41" providerId="LiveId" clId="{939E813B-B863-490A-A804-0EC73DE49EEA}" dt="2021-07-22T06:28:44.140" v="40" actId="478"/>
+          <ac:spMkLst>
+            <pc:docMk/>
+            <pc:sldMk cId="490252809" sldId="273"/>
+            <ac:spMk id="28" creationId="{A69CB39B-F293-4ECA-A85D-DF674A0BA96E}"/>
+          </ac:spMkLst>
+        </pc:spChg>
       </pc:sldChg>
     </pc:docChg>
   </pc:docChgLst>
@@ -15191,10 +15400,10 @@
       </p:sp>
       <p:sp>
         <p:nvSpPr>
-          <p:cNvPr id="28" name="사각형: 모서리가 접힌 도형 27">
+          <p:cNvPr id="24" name="사각형: 둥근 모서리 23">
             <a:extLst>
               <a:ext uri="{FF2B5EF4-FFF2-40B4-BE49-F238E27FC236}">
-                <a16:creationId xmlns:a16="http://schemas.microsoft.com/office/drawing/2014/main" id="{A69CB39B-F293-4ECA-A85D-DF674A0BA96E}"/>
+                <a16:creationId xmlns:a16="http://schemas.microsoft.com/office/drawing/2014/main" id="{07CF8F74-80D1-43F7-BF72-D9626D554368}"/>
               </a:ext>
             </a:extLst>
           </p:cNvPr>
@@ -15203,27 +15412,32 @@
         </p:nvSpPr>
         <p:spPr>
           <a:xfrm>
-            <a:off x="6212036" y="4809632"/>
-            <a:ext cx="2820371" cy="253733"/>
+            <a:off x="6804234" y="4751756"/>
+            <a:ext cx="2252156" cy="302347"/>
           </a:xfrm>
-          <a:prstGeom prst="foldedCorner">
-            <a:avLst>
-              <a:gd name="adj" fmla="val 15947"/>
-            </a:avLst>
+          <a:prstGeom prst="roundRect">
+            <a:avLst/>
           </a:prstGeom>
           <a:solidFill>
-            <a:schemeClr val="accent4">
-              <a:lumMod val="75000"/>
-            </a:schemeClr>
+            <a:srgbClr val="536142">
+              <a:alpha val="80000"/>
+            </a:srgbClr>
           </a:solidFill>
           <a:ln>
             <a:solidFill>
-              <a:schemeClr val="accent4">
+              <a:schemeClr val="accent6">
                 <a:lumMod val="20000"/>
                 <a:lumOff val="80000"/>
               </a:schemeClr>
             </a:solidFill>
           </a:ln>
+          <a:scene3d>
+            <a:camera prst="orthographicFront"/>
+            <a:lightRig rig="threePt" dir="t"/>
+          </a:scene3d>
+          <a:sp3d>
+            <a:bevelT w="114300" prst="artDeco"/>
+          </a:sp3d>
         </p:spPr>
         <p:style>
           <a:lnRef idx="2">
@@ -15245,39 +15459,35 @@
           <a:bodyPr rtlCol="0" anchor="ctr"/>
           <a:lstStyle/>
           <a:p>
-            <a:r>
-              <a:rPr lang="en-US" altLang="ko-KR" sz="900" b="1" dirty="0">
-                <a:solidFill>
-                  <a:schemeClr val="accent6">
+            <a:pPr algn="ctr"/>
+            <a:r>
+              <a:rPr lang="en-US" altLang="ko-KR" sz="800" dirty="0">
+                <a:solidFill>
+                  <a:schemeClr val="accent1">
                     <a:lumMod val="20000"/>
                     <a:lumOff val="80000"/>
                   </a:schemeClr>
                 </a:solidFill>
-                <a:latin typeface="Bell MT" panose="02020503060305020303" pitchFamily="18" charset="0"/>
+                <a:latin typeface="메이플스토리" panose="02000300000000000000" pitchFamily="2" charset="-127"/>
+                <a:ea typeface="메이플스토리" panose="02000300000000000000" pitchFamily="2" charset="-127"/>
+                <a:cs typeface="THE샤베트" panose="02020503020101020101" pitchFamily="18" charset="-127"/>
               </a:rPr>
               <a:t>RNN </a:t>
             </a:r>
             <a:r>
-              <a:rPr lang="ko-KR" altLang="en-US" sz="900" b="1" dirty="0">
-                <a:solidFill>
-                  <a:schemeClr val="accent6">
+              <a:rPr lang="ko-KR" altLang="en-US" sz="800" dirty="0">
+                <a:solidFill>
+                  <a:schemeClr val="accent1">
                     <a:lumMod val="20000"/>
                     <a:lumOff val="80000"/>
                   </a:schemeClr>
                 </a:solidFill>
-                <a:latin typeface="Bell MT" panose="02020503060305020303" pitchFamily="18" charset="0"/>
+                <a:latin typeface="메이플스토리" panose="02000300000000000000" pitchFamily="2" charset="-127"/>
+                <a:ea typeface="메이플스토리" panose="02000300000000000000" pitchFamily="2" charset="-127"/>
+                <a:cs typeface="THE샤베트" panose="02020503020101020101" pitchFamily="18" charset="-127"/>
               </a:rPr>
               <a:t>존재하는 경우와 존재하지 않는 경우 직접 비교</a:t>
             </a:r>
-            <a:endParaRPr lang="nb-NO" altLang="ko-KR" sz="900" b="1" dirty="0">
-              <a:solidFill>
-                <a:schemeClr val="accent6">
-                  <a:lumMod val="20000"/>
-                  <a:lumOff val="80000"/>
-                </a:schemeClr>
-              </a:solidFill>
-              <a:latin typeface="Bell MT" panose="02020503060305020303" pitchFamily="18" charset="0"/>
-            </a:endParaRPr>
           </a:p>
         </p:txBody>
       </p:sp>
@@ -17505,10 +17715,10 @@
       </p:sp>
       <p:sp>
         <p:nvSpPr>
-          <p:cNvPr id="17" name="사각형: 모서리가 접힌 도형 16">
+          <p:cNvPr id="18" name="사각형: 둥근 모서리 17">
             <a:extLst>
               <a:ext uri="{FF2B5EF4-FFF2-40B4-BE49-F238E27FC236}">
-                <a16:creationId xmlns:a16="http://schemas.microsoft.com/office/drawing/2014/main" id="{141C52D6-65CB-4AFA-9A67-68C5EE0645E5}"/>
+                <a16:creationId xmlns:a16="http://schemas.microsoft.com/office/drawing/2014/main" id="{E3B5E32B-ED97-433F-863F-32B0F50A3D9E}"/>
               </a:ext>
             </a:extLst>
           </p:cNvPr>
@@ -17517,27 +17727,32 @@
         </p:nvSpPr>
         <p:spPr>
           <a:xfrm>
-            <a:off x="5774742" y="4428856"/>
-            <a:ext cx="2666165" cy="454520"/>
+            <a:off x="6980011" y="4500134"/>
+            <a:ext cx="1691549" cy="372220"/>
           </a:xfrm>
-          <a:prstGeom prst="foldedCorner">
-            <a:avLst>
-              <a:gd name="adj" fmla="val 15947"/>
-            </a:avLst>
+          <a:prstGeom prst="roundRect">
+            <a:avLst/>
           </a:prstGeom>
           <a:solidFill>
-            <a:schemeClr val="accent4">
-              <a:lumMod val="75000"/>
-            </a:schemeClr>
+            <a:srgbClr val="536142">
+              <a:alpha val="80000"/>
+            </a:srgbClr>
           </a:solidFill>
           <a:ln>
             <a:solidFill>
-              <a:schemeClr val="accent4">
+              <a:schemeClr val="accent6">
                 <a:lumMod val="20000"/>
                 <a:lumOff val="80000"/>
               </a:schemeClr>
             </a:solidFill>
           </a:ln>
+          <a:scene3d>
+            <a:camera prst="orthographicFront"/>
+            <a:lightRig rig="threePt" dir="t"/>
+          </a:scene3d>
+          <a:sp3d>
+            <a:bevelT w="114300" prst="artDeco"/>
+          </a:sp3d>
         </p:spPr>
         <p:style>
           <a:lnRef idx="2">
@@ -17559,39 +17774,35 @@
           <a:bodyPr rtlCol="0" anchor="ctr"/>
           <a:lstStyle/>
           <a:p>
-            <a:r>
-              <a:rPr lang="en-US" altLang="ko-KR" sz="1050" b="1" dirty="0">
-                <a:solidFill>
-                  <a:schemeClr val="accent6">
+            <a:pPr algn="ctr"/>
+            <a:r>
+              <a:rPr lang="en-US" altLang="ko-KR" sz="900" dirty="0">
+                <a:solidFill>
+                  <a:schemeClr val="accent1">
                     <a:lumMod val="20000"/>
                     <a:lumOff val="80000"/>
                   </a:schemeClr>
                 </a:solidFill>
-                <a:latin typeface="Bell MT" panose="02020503060305020303" pitchFamily="18" charset="0"/>
-              </a:rPr>
-              <a:t>Non-cuboid</a:t>
-            </a:r>
-            <a:r>
-              <a:rPr lang="ko-KR" altLang="en-US" sz="1050" b="1">
-                <a:solidFill>
-                  <a:schemeClr val="accent6">
+                <a:latin typeface="메이플스토리" panose="02000300000000000000" pitchFamily="2" charset="-127"/>
+                <a:ea typeface="메이플스토리" panose="02000300000000000000" pitchFamily="2" charset="-127"/>
+                <a:cs typeface="THE샤베트" panose="02020503020101020101" pitchFamily="18" charset="-127"/>
+              </a:rPr>
+              <a:t>Non-cuboid </a:t>
+            </a:r>
+            <a:r>
+              <a:rPr lang="ko-KR" altLang="en-US" sz="900" dirty="0">
+                <a:solidFill>
+                  <a:schemeClr val="accent1">
                     <a:lumMod val="20000"/>
                     <a:lumOff val="80000"/>
                   </a:schemeClr>
                 </a:solidFill>
-                <a:latin typeface="Bell MT" panose="02020503060305020303" pitchFamily="18" charset="0"/>
-              </a:rPr>
-              <a:t> 관련 보충</a:t>
-            </a:r>
-            <a:endParaRPr lang="nb-NO" altLang="ko-KR" sz="1050" b="1" dirty="0">
-              <a:solidFill>
-                <a:schemeClr val="accent6">
-                  <a:lumMod val="20000"/>
-                  <a:lumOff val="80000"/>
-                </a:schemeClr>
-              </a:solidFill>
-              <a:latin typeface="Bell MT" panose="02020503060305020303" pitchFamily="18" charset="0"/>
-            </a:endParaRPr>
+                <a:latin typeface="메이플스토리" panose="02000300000000000000" pitchFamily="2" charset="-127"/>
+                <a:ea typeface="메이플스토리" panose="02000300000000000000" pitchFamily="2" charset="-127"/>
+                <a:cs typeface="THE샤베트" panose="02020503020101020101" pitchFamily="18" charset="-127"/>
+              </a:rPr>
+              <a:t>보완해보기</a:t>
+            </a:r>
           </a:p>
         </p:txBody>
       </p:sp>
@@ -27661,7 +27872,7 @@
         </p:nvSpPr>
         <p:spPr>
           <a:xfrm>
-            <a:off x="5892085" y="374553"/>
+            <a:off x="5876872" y="629427"/>
             <a:ext cx="2666165" cy="860981"/>
           </a:xfrm>
           <a:prstGeom prst="foldedCorner">
@@ -27723,7 +27934,8 @@
                     <a:lumOff val="80000"/>
                   </a:schemeClr>
                 </a:solidFill>
-                <a:latin typeface="Bell MT" panose="02020503060305020303" pitchFamily="18" charset="0"/>
+                <a:latin typeface="Mapo마포나루" panose="02000500000000000000" pitchFamily="2" charset="-127"/>
+                <a:ea typeface="Mapo마포나루" panose="02000500000000000000" pitchFamily="2" charset="-127"/>
               </a:rPr>
               <a:t>참고</a:t>
             </a:r>
@@ -27734,7 +27946,8 @@
                   <a:lumOff val="80000"/>
                 </a:schemeClr>
               </a:solidFill>
-              <a:latin typeface="Bell MT" panose="02020503060305020303" pitchFamily="18" charset="0"/>
+              <a:latin typeface="Mapo마포나루" panose="02000500000000000000" pitchFamily="2" charset="-127"/>
+              <a:ea typeface="Mapo마포나루" panose="02000500000000000000" pitchFamily="2" charset="-127"/>
             </a:endParaRPr>
           </a:p>
           <a:p>
@@ -27766,10 +27979,10 @@
       </p:sp>
       <p:sp>
         <p:nvSpPr>
-          <p:cNvPr id="46" name="사각형: 모서리가 접힌 도형 45">
+          <p:cNvPr id="48" name="사각형: 둥근 모서리 47">
             <a:extLst>
               <a:ext uri="{FF2B5EF4-FFF2-40B4-BE49-F238E27FC236}">
-                <a16:creationId xmlns:a16="http://schemas.microsoft.com/office/drawing/2014/main" id="{8ED027E8-7A85-411B-B0BD-A55D5A2234BA}"/>
+                <a16:creationId xmlns:a16="http://schemas.microsoft.com/office/drawing/2014/main" id="{19CFF816-81FC-4A5E-8F3B-91D33105A3F6}"/>
               </a:ext>
             </a:extLst>
           </p:cNvPr>
@@ -27778,27 +27991,32 @@
         </p:nvSpPr>
         <p:spPr>
           <a:xfrm>
-            <a:off x="5881669" y="1341138"/>
-            <a:ext cx="2666165" cy="454520"/>
+            <a:off x="5744175" y="1847057"/>
+            <a:ext cx="2798862" cy="342941"/>
           </a:xfrm>
-          <a:prstGeom prst="foldedCorner">
-            <a:avLst>
-              <a:gd name="adj" fmla="val 15947"/>
-            </a:avLst>
+          <a:prstGeom prst="roundRect">
+            <a:avLst/>
           </a:prstGeom>
           <a:solidFill>
-            <a:schemeClr val="accent4">
-              <a:lumMod val="75000"/>
-            </a:schemeClr>
+            <a:srgbClr val="536142">
+              <a:alpha val="80000"/>
+            </a:srgbClr>
           </a:solidFill>
           <a:ln>
             <a:solidFill>
-              <a:schemeClr val="accent4">
+              <a:schemeClr val="accent6">
                 <a:lumMod val="20000"/>
                 <a:lumOff val="80000"/>
               </a:schemeClr>
             </a:solidFill>
           </a:ln>
+          <a:scene3d>
+            <a:camera prst="orthographicFront"/>
+            <a:lightRig rig="threePt" dir="t"/>
+          </a:scene3d>
+          <a:sp3d>
+            <a:bevelT w="114300" prst="artDeco"/>
+          </a:sp3d>
         </p:spPr>
         <p:style>
           <a:lnRef idx="2">
@@ -27820,63 +28038,77 @@
           <a:bodyPr rtlCol="0" anchor="ctr"/>
           <a:lstStyle/>
           <a:p>
-            <a:r>
-              <a:rPr lang="en-US" altLang="ko-KR" sz="1050" b="1" dirty="0">
-                <a:solidFill>
-                  <a:schemeClr val="accent6">
+            <a:pPr algn="ctr"/>
+            <a:r>
+              <a:rPr lang="en-US" altLang="ko-KR" sz="800" dirty="0" err="1">
+                <a:solidFill>
+                  <a:schemeClr val="accent1">
                     <a:lumMod val="20000"/>
                     <a:lumOff val="80000"/>
                   </a:schemeClr>
                 </a:solidFill>
-                <a:latin typeface="Bell MT" panose="02020503060305020303" pitchFamily="18" charset="0"/>
-              </a:rPr>
-              <a:t>ResNet-50 </a:t>
-            </a:r>
-            <a:r>
-              <a:rPr lang="ko-KR" altLang="en-US" sz="1050" b="1" dirty="0">
-                <a:solidFill>
-                  <a:schemeClr val="accent6">
+                <a:latin typeface="메이플스토리" panose="02000300000000000000" pitchFamily="2" charset="-127"/>
+                <a:ea typeface="메이플스토리" panose="02000300000000000000" pitchFamily="2" charset="-127"/>
+                <a:cs typeface="THE샤베트" panose="02020503020101020101" pitchFamily="18" charset="-127"/>
+              </a:rPr>
+              <a:t>ResNet</a:t>
+            </a:r>
+            <a:r>
+              <a:rPr lang="en-US" altLang="ko-KR" sz="800" dirty="0">
+                <a:solidFill>
+                  <a:schemeClr val="accent1">
                     <a:lumMod val="20000"/>
                     <a:lumOff val="80000"/>
                   </a:schemeClr>
                 </a:solidFill>
-                <a:latin typeface="Bell MT" panose="02020503060305020303" pitchFamily="18" charset="0"/>
-              </a:rPr>
-              <a:t>이외의 다른 특징 </a:t>
-            </a:r>
-            <a:r>
-              <a:rPr lang="ko-KR" altLang="en-US" sz="1050" b="1" dirty="0" err="1">
-                <a:solidFill>
-                  <a:schemeClr val="accent6">
+                <a:latin typeface="메이플스토리" panose="02000300000000000000" pitchFamily="2" charset="-127"/>
+                <a:ea typeface="메이플스토리" panose="02000300000000000000" pitchFamily="2" charset="-127"/>
+                <a:cs typeface="THE샤베트" panose="02020503020101020101" pitchFamily="18" charset="-127"/>
+              </a:rPr>
+              <a:t> 50 </a:t>
+            </a:r>
+            <a:r>
+              <a:rPr lang="ko-KR" altLang="en-US" sz="800" dirty="0">
+                <a:solidFill>
+                  <a:schemeClr val="accent1">
                     <a:lumMod val="20000"/>
                     <a:lumOff val="80000"/>
                   </a:schemeClr>
                 </a:solidFill>
-                <a:latin typeface="Bell MT" panose="02020503060305020303" pitchFamily="18" charset="0"/>
-              </a:rPr>
-              <a:t>추출기</a:t>
-            </a:r>
-            <a:r>
-              <a:rPr lang="ko-KR" altLang="en-US" sz="1050" b="1" dirty="0">
-                <a:solidFill>
-                  <a:schemeClr val="accent6">
+                <a:latin typeface="메이플스토리" panose="02000300000000000000" pitchFamily="2" charset="-127"/>
+                <a:ea typeface="메이플스토리" panose="02000300000000000000" pitchFamily="2" charset="-127"/>
+                <a:cs typeface="THE샤베트" panose="02020503020101020101" pitchFamily="18" charset="-127"/>
+              </a:rPr>
+              <a:t>이외의 다른 특징 </a:t>
+            </a:r>
+            <a:r>
+              <a:rPr lang="ko-KR" altLang="en-US" sz="800" dirty="0" err="1">
+                <a:solidFill>
+                  <a:schemeClr val="accent1">
                     <a:lumMod val="20000"/>
                     <a:lumOff val="80000"/>
                   </a:schemeClr>
                 </a:solidFill>
-                <a:latin typeface="Bell MT" panose="02020503060305020303" pitchFamily="18" charset="0"/>
-              </a:rPr>
-              <a:t> 선택</a:t>
-            </a:r>
-            <a:endParaRPr lang="nb-NO" altLang="ko-KR" sz="1050" b="1" dirty="0">
-              <a:solidFill>
-                <a:schemeClr val="accent6">
-                  <a:lumMod val="20000"/>
-                  <a:lumOff val="80000"/>
-                </a:schemeClr>
-              </a:solidFill>
-              <a:latin typeface="Bell MT" panose="02020503060305020303" pitchFamily="18" charset="0"/>
-            </a:endParaRPr>
+                <a:latin typeface="메이플스토리" panose="02000300000000000000" pitchFamily="2" charset="-127"/>
+                <a:ea typeface="메이플스토리" panose="02000300000000000000" pitchFamily="2" charset="-127"/>
+                <a:cs typeface="THE샤베트" panose="02020503020101020101" pitchFamily="18" charset="-127"/>
+              </a:rPr>
+              <a:t>추출기</a:t>
+            </a:r>
+            <a:r>
+              <a:rPr lang="ko-KR" altLang="en-US" sz="800" dirty="0">
+                <a:solidFill>
+                  <a:schemeClr val="accent1">
+                    <a:lumMod val="20000"/>
+                    <a:lumOff val="80000"/>
+                  </a:schemeClr>
+                </a:solidFill>
+                <a:latin typeface="메이플스토리" panose="02000300000000000000" pitchFamily="2" charset="-127"/>
+                <a:ea typeface="메이플스토리" panose="02000300000000000000" pitchFamily="2" charset="-127"/>
+                <a:cs typeface="THE샤베트" panose="02020503020101020101" pitchFamily="18" charset="-127"/>
+              </a:rPr>
+              <a:t> 선택하여 진행해보기</a:t>
+            </a:r>
           </a:p>
         </p:txBody>
       </p:sp>
@@ -28898,7 +29130,8 @@
                     <a:lumOff val="80000"/>
                   </a:schemeClr>
                 </a:solidFill>
-                <a:latin typeface="Bell MT" panose="02020503060305020303" pitchFamily="18" charset="0"/>
+                <a:latin typeface="Mapo마포나루" panose="02000500000000000000" pitchFamily="2" charset="-127"/>
+                <a:ea typeface="Mapo마포나루" panose="02000500000000000000" pitchFamily="2" charset="-127"/>
               </a:rPr>
               <a:t>참고</a:t>
             </a:r>
@@ -28909,7 +29142,8 @@
                   <a:lumOff val="80000"/>
                 </a:schemeClr>
               </a:solidFill>
-              <a:latin typeface="Bell MT" panose="02020503060305020303" pitchFamily="18" charset="0"/>
+              <a:latin typeface="Mapo마포나루" panose="02000500000000000000" pitchFamily="2" charset="-127"/>
+              <a:ea typeface="Mapo마포나루" panose="02000500000000000000" pitchFamily="2" charset="-127"/>
             </a:endParaRPr>
           </a:p>
           <a:p>
@@ -29012,7 +29246,8 @@
                     <a:lumOff val="80000"/>
                   </a:schemeClr>
                 </a:solidFill>
-                <a:latin typeface="Bell MT" panose="02020503060305020303" pitchFamily="18" charset="0"/>
+                <a:latin typeface="Mapo마포나루" panose="02000500000000000000" pitchFamily="2" charset="-127"/>
+                <a:ea typeface="Mapo마포나루" panose="02000500000000000000" pitchFamily="2" charset="-127"/>
               </a:rPr>
               <a:t>이 부분</a:t>
             </a:r>
@@ -29024,7 +29259,8 @@
                     <a:lumOff val="80000"/>
                   </a:schemeClr>
                 </a:solidFill>
-                <a:latin typeface="Bell MT" panose="02020503060305020303" pitchFamily="18" charset="0"/>
+                <a:latin typeface="Mapo마포나루" panose="02000500000000000000" pitchFamily="2" charset="-127"/>
+                <a:ea typeface="Mapo마포나루" panose="02000500000000000000" pitchFamily="2" charset="-127"/>
               </a:rPr>
               <a:t>(RNN, LSTM)</a:t>
             </a:r>
@@ -29036,7 +29272,8 @@
                     <a:lumOff val="80000"/>
                   </a:schemeClr>
                 </a:solidFill>
-                <a:latin typeface="Bell MT" panose="02020503060305020303" pitchFamily="18" charset="0"/>
+                <a:latin typeface="Mapo마포나루" panose="02000500000000000000" pitchFamily="2" charset="-127"/>
+                <a:ea typeface="Mapo마포나루" panose="02000500000000000000" pitchFamily="2" charset="-127"/>
               </a:rPr>
               <a:t>은 추후 더 공부하여 완성할 것임</a:t>
             </a:r>
@@ -29047,7 +29284,8 @@
                   <a:lumOff val="80000"/>
                 </a:schemeClr>
               </a:solidFill>
-              <a:latin typeface="Bell MT" panose="02020503060305020303" pitchFamily="18" charset="0"/>
+              <a:latin typeface="Mapo마포나루" panose="02000500000000000000" pitchFamily="2" charset="-127"/>
+              <a:ea typeface="Mapo마포나루" panose="02000500000000000000" pitchFamily="2" charset="-127"/>
             </a:endParaRPr>
           </a:p>
         </p:txBody>
@@ -32533,36 +32771,6 @@
           </a:p>
         </p:txBody>
       </p:sp>
-      <p:pic>
-        <p:nvPicPr>
-          <p:cNvPr id="10" name="그림 9">
-            <a:extLst>
-              <a:ext uri="{FF2B5EF4-FFF2-40B4-BE49-F238E27FC236}">
-                <a16:creationId xmlns:a16="http://schemas.microsoft.com/office/drawing/2014/main" id="{4049AE87-A4CC-4C62-9D02-DA2BE44CB54D}"/>
-              </a:ext>
-            </a:extLst>
-          </p:cNvPr>
-          <p:cNvPicPr>
-            <a:picLocks noChangeAspect="1"/>
-          </p:cNvPicPr>
-          <p:nvPr/>
-        </p:nvPicPr>
-        <p:blipFill>
-          <a:blip r:embed="rId5"/>
-          <a:stretch>
-            <a:fillRect/>
-          </a:stretch>
-        </p:blipFill>
-        <p:spPr>
-          <a:xfrm>
-            <a:off x="7380332" y="2725653"/>
-            <a:ext cx="1093928" cy="859933"/>
-          </a:xfrm>
-          <a:prstGeom prst="rect">
-            <a:avLst/>
-          </a:prstGeom>
-        </p:spPr>
-      </p:pic>
       <p:sp>
         <p:nvSpPr>
           <p:cNvPr id="44" name="사각형: 둥근 모서리 43">
@@ -32759,8 +32967,8 @@
         </p:nvSpPr>
         <p:spPr>
           <a:xfrm>
-            <a:off x="3339616" y="3680085"/>
-            <a:ext cx="3988949" cy="630557"/>
+            <a:off x="3339617" y="3680085"/>
+            <a:ext cx="3988256" cy="630557"/>
           </a:xfrm>
           <a:prstGeom prst="rect">
             <a:avLst/>
@@ -32958,15 +33166,15 @@
           <p:nvPr/>
         </p:nvPicPr>
         <p:blipFill>
-          <a:blip r:embed="rId6"/>
+          <a:blip r:embed="rId5"/>
           <a:stretch>
             <a:fillRect/>
           </a:stretch>
         </p:blipFill>
         <p:spPr>
           <a:xfrm>
-            <a:off x="7345105" y="3693516"/>
-            <a:ext cx="1402900" cy="868300"/>
+            <a:off x="7230799" y="3687181"/>
+            <a:ext cx="1523233" cy="942778"/>
           </a:xfrm>
           <a:prstGeom prst="rect">
             <a:avLst/>
@@ -33094,7 +33302,7 @@
                 <a:latin typeface="서울한강체 L" panose="02020503020101020101" pitchFamily="18" charset="-127"/>
                 <a:ea typeface="서울한강체 L" panose="02020503020101020101" pitchFamily="18" charset="-127"/>
               </a:rPr>
-              <a:t>post=-processing</a:t>
+              <a:t>post-processing</a:t>
             </a:r>
             <a:r>
               <a:rPr lang="ko-KR" altLang="en-US" sz="900" dirty="0">
@@ -33195,84 +33403,191 @@
       </p:sp>
       <p:sp>
         <p:nvSpPr>
-          <p:cNvPr id="51" name="사각형: 모서리가 접힌 도형 50">
+          <p:cNvPr id="30" name="TextBox 29">
             <a:extLst>
               <a:ext uri="{FF2B5EF4-FFF2-40B4-BE49-F238E27FC236}">
-                <a16:creationId xmlns:a16="http://schemas.microsoft.com/office/drawing/2014/main" id="{F982C8DA-F8F1-4E37-A1FC-F76AD51D37BD}"/>
+                <a16:creationId xmlns:a16="http://schemas.microsoft.com/office/drawing/2014/main" id="{F81B0C56-8914-4290-9D0E-2674FC4C5F8B}"/>
               </a:ext>
             </a:extLst>
           </p:cNvPr>
-          <p:cNvSpPr/>
+          <p:cNvSpPr txBox="1"/>
           <p:nvPr/>
         </p:nvSpPr>
         <p:spPr>
           <a:xfrm>
-            <a:off x="5774742" y="4428856"/>
-            <a:ext cx="2666165" cy="454520"/>
+            <a:off x="2375799" y="206131"/>
+            <a:ext cx="1077949" cy="253916"/>
           </a:xfrm>
-          <a:prstGeom prst="foldedCorner">
-            <a:avLst>
-              <a:gd name="adj" fmla="val 15947"/>
-            </a:avLst>
+          <a:prstGeom prst="rect">
+            <a:avLst/>
           </a:prstGeom>
-          <a:solidFill>
-            <a:schemeClr val="accent4">
-              <a:lumMod val="75000"/>
-            </a:schemeClr>
-          </a:solidFill>
-          <a:ln>
-            <a:solidFill>
-              <a:schemeClr val="accent4">
-                <a:lumMod val="20000"/>
-                <a:lumOff val="80000"/>
-              </a:schemeClr>
-            </a:solidFill>
-          </a:ln>
+          <a:noFill/>
         </p:spPr>
-        <p:style>
-          <a:lnRef idx="2">
-            <a:schemeClr val="accent1">
-              <a:shade val="50000"/>
-            </a:schemeClr>
-          </a:lnRef>
-          <a:fillRef idx="1">
-            <a:schemeClr val="accent1"/>
-          </a:fillRef>
-          <a:effectRef idx="0">
-            <a:schemeClr val="accent1"/>
-          </a:effectRef>
-          <a:fontRef idx="minor">
-            <a:schemeClr val="lt1"/>
-          </a:fontRef>
-        </p:style>
         <p:txBody>
-          <a:bodyPr rtlCol="0" anchor="ctr"/>
+          <a:bodyPr wrap="square" anchor="ctr">
+            <a:spAutoFit/>
+          </a:bodyPr>
           <a:lstStyle/>
           <a:p>
             <a:r>
               <a:rPr lang="ko-KR" altLang="en-US" sz="1050" b="1" dirty="0">
                 <a:solidFill>
-                  <a:schemeClr val="accent6">
-                    <a:lumMod val="20000"/>
-                    <a:lumOff val="80000"/>
-                  </a:schemeClr>
-                </a:solidFill>
-                <a:latin typeface="Bell MT" panose="02020503060305020303" pitchFamily="18" charset="0"/>
-              </a:rPr>
-              <a:t>이미지 너비에 따른 시간 측정</a:t>
-            </a:r>
-            <a:endParaRPr lang="nb-NO" altLang="ko-KR" sz="1050" b="1" dirty="0">
+                  <a:schemeClr val="tx1"/>
+                </a:solidFill>
+                <a:latin typeface="서울한강체 L" panose="02020503020101020101" pitchFamily="18" charset="-127"/>
+                <a:ea typeface="서울한강체 L" panose="02020503020101020101" pitchFamily="18" charset="-127"/>
+              </a:rPr>
+              <a:t>벽 평면 복구</a:t>
+            </a:r>
+            <a:endParaRPr lang="en-US" altLang="ko-KR" sz="1050" b="1" dirty="0">
               <a:solidFill>
-                <a:schemeClr val="accent6">
-                  <a:lumMod val="20000"/>
-                  <a:lumOff val="80000"/>
-                </a:schemeClr>
+                <a:schemeClr val="tx1"/>
               </a:solidFill>
-              <a:latin typeface="Bell MT" panose="02020503060305020303" pitchFamily="18" charset="0"/>
+              <a:latin typeface="서울한강체 L" panose="02020503020101020101" pitchFamily="18" charset="-127"/>
+              <a:ea typeface="서울한강체 L" panose="02020503020101020101" pitchFamily="18" charset="-127"/>
             </a:endParaRPr>
           </a:p>
         </p:txBody>
       </p:sp>
+      <p:sp>
+        <p:nvSpPr>
+          <p:cNvPr id="31" name="TextBox 30">
+            <a:extLst>
+              <a:ext uri="{FF2B5EF4-FFF2-40B4-BE49-F238E27FC236}">
+                <a16:creationId xmlns:a16="http://schemas.microsoft.com/office/drawing/2014/main" id="{E7B33A2C-BDCE-4E22-85CA-701D5AF40932}"/>
+              </a:ext>
+            </a:extLst>
+          </p:cNvPr>
+          <p:cNvSpPr txBox="1"/>
+          <p:nvPr/>
+        </p:nvSpPr>
+        <p:spPr>
+          <a:xfrm>
+            <a:off x="7043469" y="4650530"/>
+            <a:ext cx="1907753" cy="307777"/>
+          </a:xfrm>
+          <a:prstGeom prst="rect">
+            <a:avLst/>
+          </a:prstGeom>
+          <a:noFill/>
+        </p:spPr>
+        <p:txBody>
+          <a:bodyPr wrap="square">
+            <a:spAutoFit/>
+          </a:bodyPr>
+          <a:lstStyle/>
+          <a:p>
+            <a:r>
+              <a:rPr lang="ko-KR" altLang="en-US" sz="700" dirty="0">
+                <a:latin typeface="서울한강 장체 M" panose="02020503020101020101" pitchFamily="18" charset="-127"/>
+                <a:ea typeface="서울한강 장체 M" panose="02020503020101020101" pitchFamily="18" charset="-127"/>
+              </a:rPr>
+              <a:t>벽에 투표하는 대신, 두개의 두드러진 봉우리와 두 개의 벽의 위치에 따라 코너를 추가함</a:t>
+            </a:r>
+            <a:r>
+              <a:rPr lang="en-US" altLang="ko-KR" sz="700" dirty="0">
+                <a:latin typeface="서울한강 장체 M" panose="02020503020101020101" pitchFamily="18" charset="-127"/>
+                <a:ea typeface="서울한강 장체 M" panose="02020503020101020101" pitchFamily="18" charset="-127"/>
+              </a:rPr>
+              <a:t>.</a:t>
+            </a:r>
+            <a:endParaRPr lang="ko-KR" altLang="en-US" sz="700" dirty="0">
+              <a:latin typeface="서울한강 장체 M" panose="02020503020101020101" pitchFamily="18" charset="-127"/>
+              <a:ea typeface="서울한강 장체 M" panose="02020503020101020101" pitchFamily="18" charset="-127"/>
+            </a:endParaRPr>
+          </a:p>
+        </p:txBody>
+      </p:sp>
+      <p:pic>
+        <p:nvPicPr>
+          <p:cNvPr id="4" name="그림 3">
+            <a:extLst>
+              <a:ext uri="{FF2B5EF4-FFF2-40B4-BE49-F238E27FC236}">
+                <a16:creationId xmlns:a16="http://schemas.microsoft.com/office/drawing/2014/main" id="{24934B87-9735-434C-927A-95A555C85A78}"/>
+              </a:ext>
+            </a:extLst>
+          </p:cNvPr>
+          <p:cNvPicPr>
+            <a:picLocks noChangeAspect="1"/>
+          </p:cNvPicPr>
+          <p:nvPr/>
+        </p:nvPicPr>
+        <p:blipFill>
+          <a:blip r:embed="rId6"/>
+          <a:stretch>
+            <a:fillRect/>
+          </a:stretch>
+        </p:blipFill>
+        <p:spPr>
+          <a:xfrm>
+            <a:off x="7519821" y="611215"/>
+            <a:ext cx="1029417" cy="813769"/>
+          </a:xfrm>
+          <a:prstGeom prst="rect">
+            <a:avLst/>
+          </a:prstGeom>
+        </p:spPr>
+      </p:pic>
+      <p:pic>
+        <p:nvPicPr>
+          <p:cNvPr id="8" name="그림 7">
+            <a:extLst>
+              <a:ext uri="{FF2B5EF4-FFF2-40B4-BE49-F238E27FC236}">
+                <a16:creationId xmlns:a16="http://schemas.microsoft.com/office/drawing/2014/main" id="{FC38C763-3AEE-427B-A13A-C578599FED6E}"/>
+              </a:ext>
+            </a:extLst>
+          </p:cNvPr>
+          <p:cNvPicPr>
+            <a:picLocks noChangeAspect="1"/>
+          </p:cNvPicPr>
+          <p:nvPr/>
+        </p:nvPicPr>
+        <p:blipFill>
+          <a:blip r:embed="rId7"/>
+          <a:stretch>
+            <a:fillRect/>
+          </a:stretch>
+        </p:blipFill>
+        <p:spPr>
+          <a:xfrm>
+            <a:off x="7476998" y="1726756"/>
+            <a:ext cx="1075343" cy="822321"/>
+          </a:xfrm>
+          <a:prstGeom prst="rect">
+            <a:avLst/>
+          </a:prstGeom>
+        </p:spPr>
+      </p:pic>
+      <p:pic>
+        <p:nvPicPr>
+          <p:cNvPr id="11" name="그림 10">
+            <a:extLst>
+              <a:ext uri="{FF2B5EF4-FFF2-40B4-BE49-F238E27FC236}">
+                <a16:creationId xmlns:a16="http://schemas.microsoft.com/office/drawing/2014/main" id="{15A7DE55-557B-4AF1-8ABE-9165F8D7471F}"/>
+              </a:ext>
+            </a:extLst>
+          </p:cNvPr>
+          <p:cNvPicPr>
+            <a:picLocks noChangeAspect="1"/>
+          </p:cNvPicPr>
+          <p:nvPr/>
+        </p:nvPicPr>
+        <p:blipFill>
+          <a:blip r:embed="rId8"/>
+          <a:stretch>
+            <a:fillRect/>
+          </a:stretch>
+        </p:blipFill>
+        <p:spPr>
+          <a:xfrm>
+            <a:off x="7476998" y="2699963"/>
+            <a:ext cx="1090550" cy="844853"/>
+          </a:xfrm>
+          <a:prstGeom prst="rect">
+            <a:avLst/>
+          </a:prstGeom>
+        </p:spPr>
+      </p:pic>
     </p:spTree>
     <p:extLst>
       <p:ext uri="{BB962C8B-B14F-4D97-AF65-F5344CB8AC3E}">

--- a/관련 자료/HorizonNet 논문 해석.pptx
+++ b/관련 자료/HorizonNet 논문 해석.pptx
@@ -28,43 +28,42 @@
   <p:notesSz cx="6858000" cy="9144000"/>
   <p:embeddedFontLst>
     <p:embeddedFont>
-      <p:font typeface="Mapo마포나루" panose="02000500000000000000" pitchFamily="2" charset="-127"/>
+      <p:font typeface="DX바른필기 M" panose="02020600000000000000" pitchFamily="18" charset="-127"/>
       <p:regular r:id="rId18"/>
     </p:embeddedFont>
     <p:embeddedFont>
-      <p:font typeface="메이플스토리" panose="02000300000000000000" pitchFamily="2" charset="-127"/>
+      <p:font typeface="Bell MT" panose="02020503060305020303" pitchFamily="18" charset="0"/>
       <p:regular r:id="rId19"/>
       <p:bold r:id="rId20"/>
+      <p:italic r:id="rId21"/>
+    </p:embeddedFont>
+    <p:embeddedFont>
+      <p:font typeface="Cambria Math" panose="02040503050406030204" pitchFamily="18" charset="0"/>
+      <p:regular r:id="rId22"/>
+    </p:embeddedFont>
+    <p:embeddedFont>
+      <p:font typeface="Mapo마포나루" panose="02000500000000000000" pitchFamily="2" charset="-127"/>
+      <p:regular r:id="rId23"/>
     </p:embeddedFont>
     <p:embeddedFont>
       <p:font typeface="서울한강 장체 B" panose="02020503020101020101" pitchFamily="18" charset="-127"/>
-      <p:regular r:id="rId21"/>
+      <p:regular r:id="rId24"/>
     </p:embeddedFont>
     <p:embeddedFont>
       <p:font typeface="서울한강 장체 EB" panose="02020503020101020101" pitchFamily="18" charset="-127"/>
-      <p:regular r:id="rId22"/>
+      <p:regular r:id="rId25"/>
     </p:embeddedFont>
     <p:embeddedFont>
       <p:font typeface="서울한강 장체 L" panose="02020503020101020101" pitchFamily="18" charset="-127"/>
-      <p:regular r:id="rId23"/>
+      <p:regular r:id="rId26"/>
     </p:embeddedFont>
     <p:embeddedFont>
       <p:font typeface="서울한강 장체 M" panose="02020503020101020101" pitchFamily="18" charset="-127"/>
-      <p:regular r:id="rId24"/>
+      <p:regular r:id="rId27"/>
     </p:embeddedFont>
     <p:embeddedFont>
       <p:font typeface="서울한강체 L" panose="02020503020101020101" pitchFamily="18" charset="-127"/>
-      <p:regular r:id="rId25"/>
-    </p:embeddedFont>
-    <p:embeddedFont>
-      <p:font typeface="Bell MT" panose="02020503060305020303" pitchFamily="18" charset="0"/>
-      <p:regular r:id="rId26"/>
-      <p:bold r:id="rId27"/>
-      <p:italic r:id="rId28"/>
-    </p:embeddedFont>
-    <p:embeddedFont>
-      <p:font typeface="Cambria Math" panose="02040503050406030204" pitchFamily="18" charset="0"/>
-      <p:regular r:id="rId29"/>
+      <p:regular r:id="rId28"/>
     </p:embeddedFont>
   </p:embeddedFontLst>
   <p:defaultTextStyle>
@@ -4476,13 +4475,13 @@
   </pc:docChgLst>
   <pc:docChgLst>
     <pc:chgData name="길 다영" userId="11d3a75bfe554e41" providerId="LiveId" clId="{939E813B-B863-490A-A804-0EC73DE49EEA}"/>
-    <pc:docChg chg="custSel modSld">
-      <pc:chgData name="길 다영" userId="11d3a75bfe554e41" providerId="LiveId" clId="{939E813B-B863-490A-A804-0EC73DE49EEA}" dt="2021-07-22T06:29:54.214" v="66" actId="1076"/>
+    <pc:docChg chg="undo custSel modSld">
+      <pc:chgData name="길 다영" userId="11d3a75bfe554e41" providerId="LiveId" clId="{939E813B-B863-490A-A804-0EC73DE49EEA}" dt="2021-07-22T10:50:43.201" v="95" actId="1076"/>
       <pc:docMkLst>
         <pc:docMk/>
       </pc:docMkLst>
       <pc:sldChg chg="addSp delSp modSp mod">
-        <pc:chgData name="길 다영" userId="11d3a75bfe554e41" providerId="LiveId" clId="{939E813B-B863-490A-A804-0EC73DE49EEA}" dt="2021-07-22T06:29:32.255" v="59" actId="1076"/>
+        <pc:chgData name="길 다영" userId="11d3a75bfe554e41" providerId="LiveId" clId="{939E813B-B863-490A-A804-0EC73DE49EEA}" dt="2021-07-22T10:50:43.201" v="95" actId="1076"/>
         <pc:sldMkLst>
           <pc:docMk/>
           <pc:sldMk cId="457547006" sldId="266"/>
@@ -4495,6 +4494,14 @@
             <ac:spMk id="40" creationId="{603741A8-C0D3-45AF-A518-2E601E021896}"/>
           </ac:spMkLst>
         </pc:spChg>
+        <pc:spChg chg="add del">
+          <ac:chgData name="길 다영" userId="11d3a75bfe554e41" providerId="LiveId" clId="{939E813B-B863-490A-A804-0EC73DE49EEA}" dt="2021-07-22T10:50:22.133" v="89" actId="22"/>
+          <ac:spMkLst>
+            <pc:docMk/>
+            <pc:sldMk cId="457547006" sldId="266"/>
+            <ac:spMk id="46" creationId="{4908883A-DA51-488B-995D-9C496D0AA417}"/>
+          </ac:spMkLst>
+        </pc:spChg>
         <pc:spChg chg="del mod">
           <ac:chgData name="길 다영" userId="11d3a75bfe554e41" providerId="LiveId" clId="{939E813B-B863-490A-A804-0EC73DE49EEA}" dt="2021-07-22T06:20:06.762" v="36" actId="478"/>
           <ac:spMkLst>
@@ -4503,12 +4510,20 @@
             <ac:spMk id="46" creationId="{8ED027E8-7A85-411B-B0BD-A55D5A2234BA}"/>
           </ac:spMkLst>
         </pc:spChg>
-        <pc:spChg chg="add mod">
-          <ac:chgData name="길 다영" userId="11d3a75bfe554e41" providerId="LiveId" clId="{939E813B-B863-490A-A804-0EC73DE49EEA}" dt="2021-07-22T06:29:32.255" v="59" actId="1076"/>
+        <pc:spChg chg="add del mod">
+          <ac:chgData name="길 다영" userId="11d3a75bfe554e41" providerId="LiveId" clId="{939E813B-B863-490A-A804-0EC73DE49EEA}" dt="2021-07-22T10:50:41.008" v="94" actId="478"/>
           <ac:spMkLst>
             <pc:docMk/>
             <pc:sldMk cId="457547006" sldId="266"/>
             <ac:spMk id="48" creationId="{19CFF816-81FC-4A5E-8F3B-91D33105A3F6}"/>
+          </ac:spMkLst>
+        </pc:spChg>
+        <pc:spChg chg="add mod">
+          <ac:chgData name="길 다영" userId="11d3a75bfe554e41" providerId="LiveId" clId="{939E813B-B863-490A-A804-0EC73DE49EEA}" dt="2021-07-22T10:50:43.201" v="95" actId="1076"/>
+          <ac:spMkLst>
+            <pc:docMk/>
+            <pc:sldMk cId="457547006" sldId="266"/>
+            <ac:spMk id="49" creationId="{5F1C79FD-2FE3-426A-8CF7-336A7225D94D}"/>
           </ac:spMkLst>
         </pc:spChg>
       </pc:sldChg>
@@ -4615,7 +4630,7 @@
         </pc:picChg>
       </pc:sldChg>
       <pc:sldChg chg="addSp delSp modSp mod">
-        <pc:chgData name="길 다영" userId="11d3a75bfe554e41" providerId="LiveId" clId="{939E813B-B863-490A-A804-0EC73DE49EEA}" dt="2021-07-22T06:29:54.214" v="66" actId="1076"/>
+        <pc:chgData name="길 다영" userId="11d3a75bfe554e41" providerId="LiveId" clId="{939E813B-B863-490A-A804-0EC73DE49EEA}" dt="2021-07-22T10:50:02.735" v="87" actId="1076"/>
         <pc:sldMkLst>
           <pc:docMk/>
           <pc:sldMk cId="3526788571" sldId="271"/>
@@ -4629,7 +4644,15 @@
           </ac:spMkLst>
         </pc:spChg>
         <pc:spChg chg="add mod">
-          <ac:chgData name="길 다영" userId="11d3a75bfe554e41" providerId="LiveId" clId="{939E813B-B863-490A-A804-0EC73DE49EEA}" dt="2021-07-22T06:29:54.214" v="66" actId="1076"/>
+          <ac:chgData name="길 다영" userId="11d3a75bfe554e41" providerId="LiveId" clId="{939E813B-B863-490A-A804-0EC73DE49EEA}" dt="2021-07-22T10:50:02.735" v="87" actId="1076"/>
+          <ac:spMkLst>
+            <pc:docMk/>
+            <pc:sldMk cId="3526788571" sldId="271"/>
+            <ac:spMk id="17" creationId="{8EF9AD8F-7431-4D63-BB48-A84F08CDCB42}"/>
+          </ac:spMkLst>
+        </pc:spChg>
+        <pc:spChg chg="add del mod">
+          <ac:chgData name="길 다영" userId="11d3a75bfe554e41" providerId="LiveId" clId="{939E813B-B863-490A-A804-0EC73DE49EEA}" dt="2021-07-22T10:49:56.685" v="85" actId="478"/>
           <ac:spMkLst>
             <pc:docMk/>
             <pc:sldMk cId="3526788571" sldId="271"/>
@@ -4638,13 +4661,13 @@
         </pc:spChg>
       </pc:sldChg>
       <pc:sldChg chg="addSp delSp modSp mod">
-        <pc:chgData name="길 다영" userId="11d3a75bfe554e41" providerId="LiveId" clId="{939E813B-B863-490A-A804-0EC73DE49EEA}" dt="2021-07-22T06:29:04.488" v="50" actId="1076"/>
+        <pc:chgData name="길 다영" userId="11d3a75bfe554e41" providerId="LiveId" clId="{939E813B-B863-490A-A804-0EC73DE49EEA}" dt="2021-07-22T10:49:35.561" v="79" actId="2711"/>
         <pc:sldMkLst>
           <pc:docMk/>
           <pc:sldMk cId="490252809" sldId="273"/>
         </pc:sldMkLst>
         <pc:spChg chg="add mod">
-          <ac:chgData name="길 다영" userId="11d3a75bfe554e41" providerId="LiveId" clId="{939E813B-B863-490A-A804-0EC73DE49EEA}" dt="2021-07-22T06:29:04.488" v="50" actId="1076"/>
+          <ac:chgData name="길 다영" userId="11d3a75bfe554e41" providerId="LiveId" clId="{939E813B-B863-490A-A804-0EC73DE49EEA}" dt="2021-07-22T10:49:35.561" v="79" actId="2711"/>
           <ac:spMkLst>
             <pc:docMk/>
             <pc:sldMk cId="490252809" sldId="273"/>
@@ -15412,32 +15435,29 @@
         </p:nvSpPr>
         <p:spPr>
           <a:xfrm>
-            <a:off x="6804234" y="4751756"/>
-            <a:ext cx="2252156" cy="302347"/>
+            <a:off x="6676669" y="4806568"/>
+            <a:ext cx="2467331" cy="266493"/>
           </a:xfrm>
           <a:prstGeom prst="roundRect">
             <a:avLst/>
           </a:prstGeom>
           <a:solidFill>
-            <a:srgbClr val="536142">
+            <a:schemeClr val="tx1">
               <a:alpha val="80000"/>
-            </a:srgbClr>
+            </a:schemeClr>
           </a:solidFill>
           <a:ln>
             <a:solidFill>
-              <a:schemeClr val="accent6">
-                <a:lumMod val="20000"/>
-                <a:lumOff val="80000"/>
-              </a:schemeClr>
+              <a:schemeClr val="bg1"/>
             </a:solidFill>
           </a:ln>
-          <a:scene3d>
-            <a:camera prst="orthographicFront"/>
-            <a:lightRig rig="threePt" dir="t"/>
-          </a:scene3d>
-          <a:sp3d>
-            <a:bevelT w="114300" prst="artDeco"/>
-          </a:sp3d>
+          <a:effectLst>
+            <a:outerShdw blurRad="50800" dist="38100" dir="16200000" rotWithShape="0">
+              <a:prstClr val="black">
+                <a:alpha val="40000"/>
+              </a:prstClr>
+            </a:outerShdw>
+          </a:effectLst>
         </p:spPr>
         <p:style>
           <a:lnRef idx="2">
@@ -15463,13 +15483,10 @@
             <a:r>
               <a:rPr lang="en-US" altLang="ko-KR" sz="800" dirty="0">
                 <a:solidFill>
-                  <a:schemeClr val="accent1">
-                    <a:lumMod val="20000"/>
-                    <a:lumOff val="80000"/>
-                  </a:schemeClr>
-                </a:solidFill>
-                <a:latin typeface="메이플스토리" panose="02000300000000000000" pitchFamily="2" charset="-127"/>
-                <a:ea typeface="메이플스토리" panose="02000300000000000000" pitchFamily="2" charset="-127"/>
+                  <a:schemeClr val="bg1"/>
+                </a:solidFill>
+                <a:latin typeface="DX바른필기 M" panose="02020600000000000000" pitchFamily="18" charset="-127"/>
+                <a:ea typeface="DX바른필기 M" panose="02020600000000000000" pitchFamily="18" charset="-127"/>
                 <a:cs typeface="THE샤베트" panose="02020503020101020101" pitchFamily="18" charset="-127"/>
               </a:rPr>
               <a:t>RNN </a:t>
@@ -15477,13 +15494,10 @@
             <a:r>
               <a:rPr lang="ko-KR" altLang="en-US" sz="800" dirty="0">
                 <a:solidFill>
-                  <a:schemeClr val="accent1">
-                    <a:lumMod val="20000"/>
-                    <a:lumOff val="80000"/>
-                  </a:schemeClr>
-                </a:solidFill>
-                <a:latin typeface="메이플스토리" panose="02000300000000000000" pitchFamily="2" charset="-127"/>
-                <a:ea typeface="메이플스토리" panose="02000300000000000000" pitchFamily="2" charset="-127"/>
+                  <a:schemeClr val="bg1"/>
+                </a:solidFill>
+                <a:latin typeface="DX바른필기 M" panose="02020600000000000000" pitchFamily="18" charset="-127"/>
+                <a:ea typeface="DX바른필기 M" panose="02020600000000000000" pitchFamily="18" charset="-127"/>
                 <a:cs typeface="THE샤베트" panose="02020503020101020101" pitchFamily="18" charset="-127"/>
               </a:rPr>
               <a:t>존재하는 경우와 존재하지 않는 경우 직접 비교</a:t>
@@ -17715,10 +17729,10 @@
       </p:sp>
       <p:sp>
         <p:nvSpPr>
-          <p:cNvPr id="18" name="사각형: 둥근 모서리 17">
+          <p:cNvPr id="17" name="사각형: 둥근 모서리 16">
             <a:extLst>
               <a:ext uri="{FF2B5EF4-FFF2-40B4-BE49-F238E27FC236}">
-                <a16:creationId xmlns:a16="http://schemas.microsoft.com/office/drawing/2014/main" id="{E3B5E32B-ED97-433F-863F-32B0F50A3D9E}"/>
+                <a16:creationId xmlns:a16="http://schemas.microsoft.com/office/drawing/2014/main" id="{8EF9AD8F-7431-4D63-BB48-A84F08CDCB42}"/>
               </a:ext>
             </a:extLst>
           </p:cNvPr>
@@ -17727,32 +17741,29 @@
         </p:nvSpPr>
         <p:spPr>
           <a:xfrm>
-            <a:off x="6980011" y="4500134"/>
-            <a:ext cx="1691549" cy="372220"/>
+            <a:off x="7427469" y="4690120"/>
+            <a:ext cx="1244091" cy="266493"/>
           </a:xfrm>
           <a:prstGeom prst="roundRect">
             <a:avLst/>
           </a:prstGeom>
           <a:solidFill>
-            <a:srgbClr val="536142">
+            <a:schemeClr val="tx1">
               <a:alpha val="80000"/>
-            </a:srgbClr>
+            </a:schemeClr>
           </a:solidFill>
           <a:ln>
             <a:solidFill>
-              <a:schemeClr val="accent6">
-                <a:lumMod val="20000"/>
-                <a:lumOff val="80000"/>
-              </a:schemeClr>
+              <a:schemeClr val="bg1"/>
             </a:solidFill>
           </a:ln>
-          <a:scene3d>
-            <a:camera prst="orthographicFront"/>
-            <a:lightRig rig="threePt" dir="t"/>
-          </a:scene3d>
-          <a:sp3d>
-            <a:bevelT w="114300" prst="artDeco"/>
-          </a:sp3d>
+          <a:effectLst>
+            <a:outerShdw blurRad="50800" dist="38100" dir="16200000" rotWithShape="0">
+              <a:prstClr val="black">
+                <a:alpha val="40000"/>
+              </a:prstClr>
+            </a:outerShdw>
+          </a:effectLst>
         </p:spPr>
         <p:style>
           <a:lnRef idx="2">
@@ -17776,29 +17787,23 @@
           <a:p>
             <a:pPr algn="ctr"/>
             <a:r>
-              <a:rPr lang="en-US" altLang="ko-KR" sz="900" dirty="0">
-                <a:solidFill>
-                  <a:schemeClr val="accent1">
-                    <a:lumMod val="20000"/>
-                    <a:lumOff val="80000"/>
-                  </a:schemeClr>
-                </a:solidFill>
-                <a:latin typeface="메이플스토리" panose="02000300000000000000" pitchFamily="2" charset="-127"/>
-                <a:ea typeface="메이플스토리" panose="02000300000000000000" pitchFamily="2" charset="-127"/>
+              <a:rPr lang="en-US" altLang="ko-KR" sz="800" dirty="0">
+                <a:solidFill>
+                  <a:schemeClr val="bg1"/>
+                </a:solidFill>
+                <a:latin typeface="DX바른필기 M" panose="02020600000000000000" pitchFamily="18" charset="-127"/>
+                <a:ea typeface="DX바른필기 M" panose="02020600000000000000" pitchFamily="18" charset="-127"/>
                 <a:cs typeface="THE샤베트" panose="02020503020101020101" pitchFamily="18" charset="-127"/>
               </a:rPr>
               <a:t>Non-cuboid </a:t>
             </a:r>
             <a:r>
-              <a:rPr lang="ko-KR" altLang="en-US" sz="900" dirty="0">
-                <a:solidFill>
-                  <a:schemeClr val="accent1">
-                    <a:lumMod val="20000"/>
-                    <a:lumOff val="80000"/>
-                  </a:schemeClr>
-                </a:solidFill>
-                <a:latin typeface="메이플스토리" panose="02000300000000000000" pitchFamily="2" charset="-127"/>
-                <a:ea typeface="메이플스토리" panose="02000300000000000000" pitchFamily="2" charset="-127"/>
+              <a:rPr lang="ko-KR" altLang="en-US" sz="800" dirty="0">
+                <a:solidFill>
+                  <a:schemeClr val="bg1"/>
+                </a:solidFill>
+                <a:latin typeface="DX바른필기 M" panose="02020600000000000000" pitchFamily="18" charset="-127"/>
+                <a:ea typeface="DX바른필기 M" panose="02020600000000000000" pitchFamily="18" charset="-127"/>
                 <a:cs typeface="THE샤베트" panose="02020503020101020101" pitchFamily="18" charset="-127"/>
               </a:rPr>
               <a:t>보완해보기</a:t>
@@ -27979,10 +27984,10 @@
       </p:sp>
       <p:sp>
         <p:nvSpPr>
-          <p:cNvPr id="48" name="사각형: 둥근 모서리 47">
+          <p:cNvPr id="49" name="사각형: 둥근 모서리 48">
             <a:extLst>
               <a:ext uri="{FF2B5EF4-FFF2-40B4-BE49-F238E27FC236}">
-                <a16:creationId xmlns:a16="http://schemas.microsoft.com/office/drawing/2014/main" id="{19CFF816-81FC-4A5E-8F3B-91D33105A3F6}"/>
+                <a16:creationId xmlns:a16="http://schemas.microsoft.com/office/drawing/2014/main" id="{5F1C79FD-2FE3-426A-8CF7-336A7225D94D}"/>
               </a:ext>
             </a:extLst>
           </p:cNvPr>
@@ -27991,32 +27996,29 @@
         </p:nvSpPr>
         <p:spPr>
           <a:xfrm>
-            <a:off x="5744175" y="1847057"/>
-            <a:ext cx="2798862" cy="342941"/>
+            <a:off x="6026939" y="1813483"/>
+            <a:ext cx="2467331" cy="266493"/>
           </a:xfrm>
           <a:prstGeom prst="roundRect">
             <a:avLst/>
           </a:prstGeom>
           <a:solidFill>
-            <a:srgbClr val="536142">
+            <a:schemeClr val="tx1">
               <a:alpha val="80000"/>
-            </a:srgbClr>
+            </a:schemeClr>
           </a:solidFill>
           <a:ln>
             <a:solidFill>
-              <a:schemeClr val="accent6">
-                <a:lumMod val="20000"/>
-                <a:lumOff val="80000"/>
-              </a:schemeClr>
+              <a:schemeClr val="bg1"/>
             </a:solidFill>
           </a:ln>
-          <a:scene3d>
-            <a:camera prst="orthographicFront"/>
-            <a:lightRig rig="threePt" dir="t"/>
-          </a:scene3d>
-          <a:sp3d>
-            <a:bevelT w="114300" prst="artDeco"/>
-          </a:sp3d>
+          <a:effectLst>
+            <a:outerShdw blurRad="50800" dist="38100" dir="16200000" rotWithShape="0">
+              <a:prstClr val="black">
+                <a:alpha val="40000"/>
+              </a:prstClr>
+            </a:outerShdw>
+          </a:effectLst>
         </p:spPr>
         <p:style>
           <a:lnRef idx="2">
@@ -28042,13 +28044,10 @@
             <a:r>
               <a:rPr lang="en-US" altLang="ko-KR" sz="800" dirty="0" err="1">
                 <a:solidFill>
-                  <a:schemeClr val="accent1">
-                    <a:lumMod val="20000"/>
-                    <a:lumOff val="80000"/>
-                  </a:schemeClr>
-                </a:solidFill>
-                <a:latin typeface="메이플스토리" panose="02000300000000000000" pitchFamily="2" charset="-127"/>
-                <a:ea typeface="메이플스토리" panose="02000300000000000000" pitchFamily="2" charset="-127"/>
+                  <a:schemeClr val="bg1"/>
+                </a:solidFill>
+                <a:latin typeface="DX바른필기 M" panose="02020600000000000000" pitchFamily="18" charset="-127"/>
+                <a:ea typeface="DX바른필기 M" panose="02020600000000000000" pitchFamily="18" charset="-127"/>
                 <a:cs typeface="THE샤베트" panose="02020503020101020101" pitchFamily="18" charset="-127"/>
               </a:rPr>
               <a:t>ResNet</a:t>
@@ -28056,13 +28055,10 @@
             <a:r>
               <a:rPr lang="en-US" altLang="ko-KR" sz="800" dirty="0">
                 <a:solidFill>
-                  <a:schemeClr val="accent1">
-                    <a:lumMod val="20000"/>
-                    <a:lumOff val="80000"/>
-                  </a:schemeClr>
-                </a:solidFill>
-                <a:latin typeface="메이플스토리" panose="02000300000000000000" pitchFamily="2" charset="-127"/>
-                <a:ea typeface="메이플스토리" panose="02000300000000000000" pitchFamily="2" charset="-127"/>
+                  <a:schemeClr val="bg1"/>
+                </a:solidFill>
+                <a:latin typeface="DX바른필기 M" panose="02020600000000000000" pitchFamily="18" charset="-127"/>
+                <a:ea typeface="DX바른필기 M" panose="02020600000000000000" pitchFamily="18" charset="-127"/>
                 <a:cs typeface="THE샤베트" panose="02020503020101020101" pitchFamily="18" charset="-127"/>
               </a:rPr>
               <a:t> 50 </a:t>
@@ -28070,13 +28066,10 @@
             <a:r>
               <a:rPr lang="ko-KR" altLang="en-US" sz="800" dirty="0">
                 <a:solidFill>
-                  <a:schemeClr val="accent1">
-                    <a:lumMod val="20000"/>
-                    <a:lumOff val="80000"/>
-                  </a:schemeClr>
-                </a:solidFill>
-                <a:latin typeface="메이플스토리" panose="02000300000000000000" pitchFamily="2" charset="-127"/>
-                <a:ea typeface="메이플스토리" panose="02000300000000000000" pitchFamily="2" charset="-127"/>
+                  <a:schemeClr val="bg1"/>
+                </a:solidFill>
+                <a:latin typeface="DX바른필기 M" panose="02020600000000000000" pitchFamily="18" charset="-127"/>
+                <a:ea typeface="DX바른필기 M" panose="02020600000000000000" pitchFamily="18" charset="-127"/>
                 <a:cs typeface="THE샤베트" panose="02020503020101020101" pitchFamily="18" charset="-127"/>
               </a:rPr>
               <a:t>이외의 다른 특징 </a:t>
@@ -28084,13 +28077,10 @@
             <a:r>
               <a:rPr lang="ko-KR" altLang="en-US" sz="800" dirty="0" err="1">
                 <a:solidFill>
-                  <a:schemeClr val="accent1">
-                    <a:lumMod val="20000"/>
-                    <a:lumOff val="80000"/>
-                  </a:schemeClr>
-                </a:solidFill>
-                <a:latin typeface="메이플스토리" panose="02000300000000000000" pitchFamily="2" charset="-127"/>
-                <a:ea typeface="메이플스토리" panose="02000300000000000000" pitchFamily="2" charset="-127"/>
+                  <a:schemeClr val="bg1"/>
+                </a:solidFill>
+                <a:latin typeface="DX바른필기 M" panose="02020600000000000000" pitchFamily="18" charset="-127"/>
+                <a:ea typeface="DX바른필기 M" panose="02020600000000000000" pitchFamily="18" charset="-127"/>
                 <a:cs typeface="THE샤베트" panose="02020503020101020101" pitchFamily="18" charset="-127"/>
               </a:rPr>
               <a:t>추출기</a:t>
@@ -28098,13 +28088,10 @@
             <a:r>
               <a:rPr lang="ko-KR" altLang="en-US" sz="800" dirty="0">
                 <a:solidFill>
-                  <a:schemeClr val="accent1">
-                    <a:lumMod val="20000"/>
-                    <a:lumOff val="80000"/>
-                  </a:schemeClr>
-                </a:solidFill>
-                <a:latin typeface="메이플스토리" panose="02000300000000000000" pitchFamily="2" charset="-127"/>
-                <a:ea typeface="메이플스토리" panose="02000300000000000000" pitchFamily="2" charset="-127"/>
+                  <a:schemeClr val="bg1"/>
+                </a:solidFill>
+                <a:latin typeface="DX바른필기 M" panose="02020600000000000000" pitchFamily="18" charset="-127"/>
+                <a:ea typeface="DX바른필기 M" panose="02020600000000000000" pitchFamily="18" charset="-127"/>
                 <a:cs typeface="THE샤베트" panose="02020503020101020101" pitchFamily="18" charset="-127"/>
               </a:rPr>
               <a:t> 선택하여 진행해보기</a:t>

--- a/관련 자료/HorizonNet 논문 해석.pptx
+++ b/관련 자료/HorizonNet 논문 해석.pptx
@@ -28,17 +28,17 @@
   <p:notesSz cx="6858000" cy="9144000"/>
   <p:embeddedFontLst>
     <p:embeddedFont>
-      <p:font typeface="DX바른필기 M" panose="02020600000000000000" pitchFamily="18" charset="-127"/>
+      <p:font typeface="Bell MT" panose="02020503060305020303" pitchFamily="18" charset="0"/>
       <p:regular r:id="rId18"/>
-    </p:embeddedFont>
-    <p:embeddedFont>
-      <p:font typeface="Bell MT" panose="02020503060305020303" pitchFamily="18" charset="0"/>
-      <p:regular r:id="rId19"/>
-      <p:bold r:id="rId20"/>
-      <p:italic r:id="rId21"/>
+      <p:bold r:id="rId19"/>
+      <p:italic r:id="rId20"/>
     </p:embeddedFont>
     <p:embeddedFont>
       <p:font typeface="Cambria Math" panose="02040503050406030204" pitchFamily="18" charset="0"/>
+      <p:regular r:id="rId21"/>
+    </p:embeddedFont>
+    <p:embeddedFont>
+      <p:font typeface="DX바른필기 M" panose="02020600000000000000" pitchFamily="18" charset="-127"/>
       <p:regular r:id="rId22"/>
     </p:embeddedFont>
     <p:embeddedFont>
@@ -4476,18 +4476,18 @@
   <pc:docChgLst>
     <pc:chgData name="길 다영" userId="11d3a75bfe554e41" providerId="LiveId" clId="{939E813B-B863-490A-A804-0EC73DE49EEA}"/>
     <pc:docChg chg="undo custSel modSld">
-      <pc:chgData name="길 다영" userId="11d3a75bfe554e41" providerId="LiveId" clId="{939E813B-B863-490A-A804-0EC73DE49EEA}" dt="2021-07-22T10:50:43.201" v="95" actId="1076"/>
+      <pc:chgData name="길 다영" userId="11d3a75bfe554e41" providerId="LiveId" clId="{939E813B-B863-490A-A804-0EC73DE49EEA}" dt="2021-07-22T11:53:38.292" v="130" actId="2711"/>
       <pc:docMkLst>
         <pc:docMk/>
       </pc:docMkLst>
       <pc:sldChg chg="addSp delSp modSp mod">
-        <pc:chgData name="길 다영" userId="11d3a75bfe554e41" providerId="LiveId" clId="{939E813B-B863-490A-A804-0EC73DE49EEA}" dt="2021-07-22T10:50:43.201" v="95" actId="1076"/>
+        <pc:chgData name="길 다영" userId="11d3a75bfe554e41" providerId="LiveId" clId="{939E813B-B863-490A-A804-0EC73DE49EEA}" dt="2021-07-22T11:53:38.292" v="130" actId="2711"/>
         <pc:sldMkLst>
           <pc:docMk/>
           <pc:sldMk cId="457547006" sldId="266"/>
         </pc:sldMkLst>
         <pc:spChg chg="mod">
-          <ac:chgData name="길 다영" userId="11d3a75bfe554e41" providerId="LiveId" clId="{939E813B-B863-490A-A804-0EC73DE49EEA}" dt="2021-07-22T06:20:10.322" v="37" actId="1076"/>
+          <ac:chgData name="길 다영" userId="11d3a75bfe554e41" providerId="LiveId" clId="{939E813B-B863-490A-A804-0EC73DE49EEA}" dt="2021-07-22T11:53:38.292" v="130" actId="2711"/>
           <ac:spMkLst>
             <pc:docMk/>
             <pc:sldMk cId="457547006" sldId="266"/>
@@ -4528,13 +4528,13 @@
         </pc:spChg>
       </pc:sldChg>
       <pc:sldChg chg="modSp mod">
-        <pc:chgData name="길 다영" userId="11d3a75bfe554e41" providerId="LiveId" clId="{939E813B-B863-490A-A804-0EC73DE49EEA}" dt="2021-07-22T05:34:07.428" v="13" actId="2711"/>
+        <pc:chgData name="길 다영" userId="11d3a75bfe554e41" providerId="LiveId" clId="{939E813B-B863-490A-A804-0EC73DE49EEA}" dt="2021-07-22T11:53:11.268" v="124" actId="2711"/>
         <pc:sldMkLst>
           <pc:docMk/>
           <pc:sldMk cId="293582149" sldId="267"/>
         </pc:sldMkLst>
         <pc:spChg chg="mod">
-          <ac:chgData name="길 다영" userId="11d3a75bfe554e41" providerId="LiveId" clId="{939E813B-B863-490A-A804-0EC73DE49EEA}" dt="2021-07-22T05:33:59.833" v="12" actId="2711"/>
+          <ac:chgData name="길 다영" userId="11d3a75bfe554e41" providerId="LiveId" clId="{939E813B-B863-490A-A804-0EC73DE49EEA}" dt="2021-07-22T11:53:11.268" v="124" actId="2711"/>
           <ac:spMkLst>
             <pc:docMk/>
             <pc:sldMk cId="293582149" sldId="267"/>
@@ -4542,7 +4542,7 @@
           </ac:spMkLst>
         </pc:spChg>
         <pc:spChg chg="mod">
-          <ac:chgData name="길 다영" userId="11d3a75bfe554e41" providerId="LiveId" clId="{939E813B-B863-490A-A804-0EC73DE49EEA}" dt="2021-07-22T05:34:07.428" v="13" actId="2711"/>
+          <ac:chgData name="길 다영" userId="11d3a75bfe554e41" providerId="LiveId" clId="{939E813B-B863-490A-A804-0EC73DE49EEA}" dt="2021-07-22T11:50:52.555" v="115" actId="113"/>
           <ac:spMkLst>
             <pc:docMk/>
             <pc:sldMk cId="293582149" sldId="267"/>
@@ -27865,7 +27865,7 @@
       </p:sp>
       <p:sp>
         <p:nvSpPr>
-          <p:cNvPr id="40" name="사각형: 모서리가 접힌 도형 39">
+          <p:cNvPr id="40" name="직사각형 39">
             <a:extLst>
               <a:ext uri="{FF2B5EF4-FFF2-40B4-BE49-F238E27FC236}">
                 <a16:creationId xmlns:a16="http://schemas.microsoft.com/office/drawing/2014/main" id="{603741A8-C0D3-45AF-A518-2E601E021896}"/>
@@ -27877,26 +27877,15 @@
         </p:nvSpPr>
         <p:spPr>
           <a:xfrm>
-            <a:off x="5876872" y="629427"/>
-            <a:ext cx="2666165" cy="860981"/>
+            <a:off x="5878161" y="600783"/>
+            <a:ext cx="2666165" cy="574563"/>
           </a:xfrm>
-          <a:prstGeom prst="foldedCorner">
-            <a:avLst>
-              <a:gd name="adj" fmla="val 15947"/>
-            </a:avLst>
+          <a:prstGeom prst="rect">
+            <a:avLst/>
           </a:prstGeom>
-          <a:solidFill>
-            <a:schemeClr val="accent6">
-              <a:lumMod val="50000"/>
-            </a:schemeClr>
-          </a:solidFill>
+          <a:noFill/>
           <a:ln>
-            <a:solidFill>
-              <a:schemeClr val="accent6">
-                <a:lumMod val="20000"/>
-                <a:lumOff val="80000"/>
-              </a:schemeClr>
-            </a:solidFill>
+            <a:noFill/>
           </a:ln>
         </p:spPr>
         <p:style>
@@ -27919,63 +27908,45 @@
           <a:bodyPr rtlCol="0" anchor="ctr"/>
           <a:lstStyle/>
           <a:p>
-            <a:r>
-              <a:rPr lang="nb-NO" altLang="ko-KR" sz="1100" b="1" dirty="0">
-                <a:solidFill>
-                  <a:schemeClr val="accent6">
-                    <a:lumMod val="20000"/>
-                    <a:lumOff val="80000"/>
-                  </a:schemeClr>
+            <a:pPr>
+              <a:lnSpc>
+                <a:spcPct val="150000"/>
+              </a:lnSpc>
+            </a:pPr>
+            <a:r>
+              <a:rPr lang="nb-NO" altLang="ko-KR" sz="1000" b="1" dirty="0">
+                <a:solidFill>
+                  <a:schemeClr val="tx1"/>
                 </a:solidFill>
                 <a:latin typeface="Bell MT" panose="02020503060305020303" pitchFamily="18" charset="0"/>
+                <a:ea typeface="Mapo애민" panose="02000500000000000000" pitchFamily="2" charset="-127"/>
               </a:rPr>
               <a:t>ResNet-50 </a:t>
             </a:r>
             <a:r>
-              <a:rPr lang="ko-KR" altLang="nb-NO" sz="1100" b="1" dirty="0">
-                <a:solidFill>
-                  <a:schemeClr val="accent6">
-                    <a:lumMod val="20000"/>
-                    <a:lumOff val="80000"/>
-                  </a:schemeClr>
-                </a:solidFill>
-                <a:latin typeface="Mapo마포나루" panose="02000500000000000000" pitchFamily="2" charset="-127"/>
-                <a:ea typeface="Mapo마포나루" panose="02000500000000000000" pitchFamily="2" charset="-127"/>
+              <a:rPr lang="ko-KR" altLang="nb-NO" sz="1000" b="1" dirty="0">
+                <a:solidFill>
+                  <a:schemeClr val="tx1"/>
+                </a:solidFill>
+                <a:latin typeface="Bell MT" panose="02020503060305020303" pitchFamily="18" charset="0"/>
+                <a:ea typeface="Mapo애민" panose="02000500000000000000" pitchFamily="2" charset="-127"/>
               </a:rPr>
               <a:t>참고</a:t>
             </a:r>
-            <a:endParaRPr lang="en-US" altLang="ko-KR" sz="1100" b="1" dirty="0">
-              <a:solidFill>
-                <a:schemeClr val="accent6">
-                  <a:lumMod val="20000"/>
-                  <a:lumOff val="80000"/>
-                </a:schemeClr>
-              </a:solidFill>
-              <a:latin typeface="Mapo마포나루" panose="02000500000000000000" pitchFamily="2" charset="-127"/>
-              <a:ea typeface="Mapo마포나루" panose="02000500000000000000" pitchFamily="2" charset="-127"/>
-            </a:endParaRPr>
           </a:p>
           <a:p>
-            <a:endParaRPr lang="ko-KR" altLang="nb-NO" sz="1100" b="1" dirty="0">
-              <a:solidFill>
-                <a:schemeClr val="accent6">
-                  <a:lumMod val="20000"/>
-                  <a:lumOff val="80000"/>
-                </a:schemeClr>
-              </a:solidFill>
-              <a:latin typeface="Bell MT" panose="02020503060305020303" pitchFamily="18" charset="0"/>
-            </a:endParaRPr>
-          </a:p>
-          <a:p>
-            <a:r>
-              <a:rPr lang="nb-NO" altLang="ko-KR" sz="1100" b="1" dirty="0">
-                <a:solidFill>
-                  <a:schemeClr val="accent6">
-                    <a:lumMod val="20000"/>
-                    <a:lumOff val="80000"/>
-                  </a:schemeClr>
+            <a:pPr>
+              <a:lnSpc>
+                <a:spcPct val="150000"/>
+              </a:lnSpc>
+            </a:pPr>
+            <a:r>
+              <a:rPr lang="nb-NO" altLang="ko-KR" sz="1000" b="1" dirty="0">
+                <a:solidFill>
+                  <a:schemeClr val="tx1"/>
                 </a:solidFill>
                 <a:latin typeface="Bell MT" panose="02020503060305020303" pitchFamily="18" charset="0"/>
+                <a:ea typeface="Mapo애민" panose="02000500000000000000" pitchFamily="2" charset="-127"/>
               </a:rPr>
               <a:t>https://velog.io/@arittung/ResNet-50</a:t>
             </a:r>
@@ -29043,7 +29014,7 @@
       </p:sp>
       <p:sp>
         <p:nvSpPr>
-          <p:cNvPr id="22" name="사각형: 모서리가 접힌 도형 21">
+          <p:cNvPr id="22" name="직사각형 21">
             <a:extLst>
               <a:ext uri="{FF2B5EF4-FFF2-40B4-BE49-F238E27FC236}">
                 <a16:creationId xmlns:a16="http://schemas.microsoft.com/office/drawing/2014/main" id="{99E97E0C-F3FC-4EDD-9527-0049C52A01D5}"/>
@@ -29055,26 +29026,15 @@
         </p:nvSpPr>
         <p:spPr>
           <a:xfrm>
-            <a:off x="5695672" y="701045"/>
-            <a:ext cx="2739970" cy="1000302"/>
+            <a:off x="5704912" y="810595"/>
+            <a:ext cx="2739970" cy="810706"/>
           </a:xfrm>
-          <a:prstGeom prst="foldedCorner">
-            <a:avLst>
-              <a:gd name="adj" fmla="val 15947"/>
-            </a:avLst>
+          <a:prstGeom prst="rect">
+            <a:avLst/>
           </a:prstGeom>
-          <a:solidFill>
-            <a:schemeClr val="accent6">
-              <a:lumMod val="50000"/>
-            </a:schemeClr>
-          </a:solidFill>
+          <a:noFill/>
           <a:ln>
-            <a:solidFill>
-              <a:schemeClr val="accent6">
-                <a:lumMod val="20000"/>
-                <a:lumOff val="80000"/>
-              </a:schemeClr>
-            </a:solidFill>
+            <a:noFill/>
           </a:ln>
         </p:spPr>
         <p:style>
@@ -29094,77 +29054,64 @@
           </a:fontRef>
         </p:style>
         <p:txBody>
-          <a:bodyPr rtlCol="0" anchor="b"/>
+          <a:bodyPr rtlCol="0" anchor="ctr"/>
           <a:lstStyle/>
           <a:p>
-            <a:r>
-              <a:rPr lang="en-US" altLang="ko-KR" sz="1100" b="1" dirty="0">
-                <a:solidFill>
-                  <a:schemeClr val="accent6">
-                    <a:lumMod val="20000"/>
-                    <a:lumOff val="80000"/>
-                  </a:schemeClr>
+            <a:pPr>
+              <a:lnSpc>
+                <a:spcPct val="150000"/>
+              </a:lnSpc>
+            </a:pPr>
+            <a:r>
+              <a:rPr lang="en-US" altLang="ko-KR" sz="1000" b="1" dirty="0">
+                <a:solidFill>
+                  <a:schemeClr val="tx1"/>
                 </a:solidFill>
                 <a:latin typeface="Bell MT" panose="02020503060305020303" pitchFamily="18" charset="0"/>
+                <a:ea typeface="Mapo애민" panose="02000500000000000000" pitchFamily="2" charset="-127"/>
               </a:rPr>
               <a:t>RNN </a:t>
             </a:r>
             <a:r>
-              <a:rPr lang="ko-KR" altLang="en-US" sz="1100" b="1" dirty="0">
-                <a:solidFill>
-                  <a:schemeClr val="accent6">
-                    <a:lumMod val="20000"/>
-                    <a:lumOff val="80000"/>
-                  </a:schemeClr>
-                </a:solidFill>
-                <a:latin typeface="Mapo마포나루" panose="02000500000000000000" pitchFamily="2" charset="-127"/>
-                <a:ea typeface="Mapo마포나루" panose="02000500000000000000" pitchFamily="2" charset="-127"/>
+              <a:rPr lang="ko-KR" altLang="en-US" sz="1000" b="1" dirty="0">
+                <a:solidFill>
+                  <a:schemeClr val="tx1"/>
+                </a:solidFill>
+                <a:latin typeface="Bell MT" panose="02020503060305020303" pitchFamily="18" charset="0"/>
+                <a:ea typeface="Mapo애민" panose="02000500000000000000" pitchFamily="2" charset="-127"/>
               </a:rPr>
               <a:t>참고</a:t>
             </a:r>
-            <a:endParaRPr lang="en-US" altLang="ko-KR" sz="1100" b="1" dirty="0">
+            <a:endParaRPr lang="en-US" altLang="ko-KR" sz="1000" b="1" dirty="0">
               <a:solidFill>
-                <a:schemeClr val="accent6">
-                  <a:lumMod val="20000"/>
-                  <a:lumOff val="80000"/>
-                </a:schemeClr>
+                <a:schemeClr val="tx1"/>
               </a:solidFill>
-              <a:latin typeface="Mapo마포나루" panose="02000500000000000000" pitchFamily="2" charset="-127"/>
-              <a:ea typeface="Mapo마포나루" panose="02000500000000000000" pitchFamily="2" charset="-127"/>
+              <a:latin typeface="Bell MT" panose="02020503060305020303" pitchFamily="18" charset="0"/>
+              <a:ea typeface="Mapo애민" panose="02000500000000000000" pitchFamily="2" charset="-127"/>
             </a:endParaRPr>
           </a:p>
           <a:p>
-            <a:endParaRPr lang="en-US" altLang="ko-KR" sz="1100" b="1" dirty="0">
+            <a:pPr>
+              <a:lnSpc>
+                <a:spcPct val="150000"/>
+              </a:lnSpc>
+            </a:pPr>
+            <a:r>
+              <a:rPr lang="en-US" altLang="ko-KR" sz="1000" dirty="0">
+                <a:solidFill>
+                  <a:schemeClr val="tx1"/>
+                </a:solidFill>
+                <a:latin typeface="Bell MT" panose="02020503060305020303" pitchFamily="18" charset="0"/>
+                <a:ea typeface="서울한강 장체 EB" panose="02020503020101020101" pitchFamily="18" charset="-127"/>
+              </a:rPr>
+              <a:t>https://velog.io/@arittung/ANN-DNN-CNN-RNN#rnn-recurrent-neural-network</a:t>
+            </a:r>
+            <a:endParaRPr lang="ko-KR" altLang="en-US" sz="1000" dirty="0">
               <a:solidFill>
-                <a:schemeClr val="accent6">
-                  <a:lumMod val="20000"/>
-                  <a:lumOff val="80000"/>
-                </a:schemeClr>
+                <a:schemeClr val="tx1"/>
               </a:solidFill>
               <a:latin typeface="Bell MT" panose="02020503060305020303" pitchFamily="18" charset="0"/>
-            </a:endParaRPr>
-          </a:p>
-          <a:p>
-            <a:r>
-              <a:rPr lang="en-US" altLang="ko-KR" sz="1100" dirty="0">
-                <a:solidFill>
-                  <a:schemeClr val="accent6">
-                    <a:lumMod val="20000"/>
-                    <a:lumOff val="80000"/>
-                  </a:schemeClr>
-                </a:solidFill>
-                <a:latin typeface="Bell MT" panose="02020503060305020303" pitchFamily="18" charset="0"/>
-              </a:rPr>
-              <a:t>https://velog.io/@arittung/ANN-DNN-CNN-RNN#rnn-recurrent-neural-network</a:t>
-            </a:r>
-            <a:endParaRPr lang="ko-KR" altLang="en-US" sz="1100" dirty="0">
-              <a:solidFill>
-                <a:schemeClr val="accent6">
-                  <a:lumMod val="20000"/>
-                  <a:lumOff val="80000"/>
-                </a:schemeClr>
-              </a:solidFill>
-              <a:latin typeface="Bell MT" panose="02020503060305020303" pitchFamily="18" charset="0"/>
+              <a:ea typeface="서울한강 장체 EB" panose="02020503020101020101" pitchFamily="18" charset="-127"/>
             </a:endParaRPr>
           </a:p>
         </p:txBody>
@@ -29226,7 +29173,7 @@
           <a:lstStyle/>
           <a:p>
             <a:r>
-              <a:rPr lang="ko-KR" altLang="en-US" sz="1100" b="1" dirty="0">
+              <a:rPr lang="ko-KR" altLang="en-US" sz="1100" dirty="0">
                 <a:solidFill>
                   <a:schemeClr val="accent1">
                     <a:lumMod val="20000"/>
@@ -29239,7 +29186,7 @@
               <a:t>이 부분</a:t>
             </a:r>
             <a:r>
-              <a:rPr lang="en-US" altLang="ko-KR" sz="1100" b="1" dirty="0">
+              <a:rPr lang="en-US" altLang="ko-KR" sz="1100" dirty="0">
                 <a:solidFill>
                   <a:schemeClr val="accent1">
                     <a:lumMod val="20000"/>
@@ -29252,7 +29199,7 @@
               <a:t>(RNN, LSTM)</a:t>
             </a:r>
             <a:r>
-              <a:rPr lang="ko-KR" altLang="en-US" sz="1100" b="1" dirty="0">
+              <a:rPr lang="ko-KR" altLang="en-US" sz="1100" dirty="0">
                 <a:solidFill>
                   <a:schemeClr val="accent1">
                     <a:lumMod val="20000"/>
@@ -29264,16 +29211,6 @@
               </a:rPr>
               <a:t>은 추후 더 공부하여 완성할 것임</a:t>
             </a:r>
-            <a:endParaRPr lang="ko-KR" altLang="en-US" sz="1100" dirty="0">
-              <a:solidFill>
-                <a:schemeClr val="accent1">
-                  <a:lumMod val="20000"/>
-                  <a:lumOff val="80000"/>
-                </a:schemeClr>
-              </a:solidFill>
-              <a:latin typeface="Mapo마포나루" panose="02000500000000000000" pitchFamily="2" charset="-127"/>
-              <a:ea typeface="Mapo마포나루" panose="02000500000000000000" pitchFamily="2" charset="-127"/>
-            </a:endParaRPr>
           </a:p>
         </p:txBody>
       </p:sp>

--- a/관련 자료/HorizonNet 논문 해석.pptx
+++ b/관련 자료/HorizonNet 논문 해석.pptx
@@ -5,65 +5,74 @@
     <p:sldMasterId id="2147483659" r:id="rId1"/>
   </p:sldMasterIdLst>
   <p:notesMasterIdLst>
-    <p:notesMasterId r:id="rId17"/>
+    <p:notesMasterId r:id="rId22"/>
   </p:notesMasterIdLst>
   <p:sldIdLst>
     <p:sldId id="256" r:id="rId2"/>
     <p:sldId id="263" r:id="rId3"/>
-    <p:sldId id="264" r:id="rId4"/>
-    <p:sldId id="265" r:id="rId5"/>
-    <p:sldId id="266" r:id="rId6"/>
-    <p:sldId id="267" r:id="rId7"/>
-    <p:sldId id="268" r:id="rId8"/>
-    <p:sldId id="270" r:id="rId9"/>
-    <p:sldId id="269" r:id="rId10"/>
-    <p:sldId id="272" r:id="rId11"/>
-    <p:sldId id="273" r:id="rId12"/>
-    <p:sldId id="274" r:id="rId13"/>
-    <p:sldId id="271" r:id="rId14"/>
-    <p:sldId id="275" r:id="rId15"/>
-    <p:sldId id="261" r:id="rId16"/>
+    <p:sldId id="280" r:id="rId4"/>
+    <p:sldId id="264" r:id="rId5"/>
+    <p:sldId id="265" r:id="rId6"/>
+    <p:sldId id="266" r:id="rId7"/>
+    <p:sldId id="267" r:id="rId8"/>
+    <p:sldId id="268" r:id="rId9"/>
+    <p:sldId id="270" r:id="rId10"/>
+    <p:sldId id="269" r:id="rId11"/>
+    <p:sldId id="281" r:id="rId12"/>
+    <p:sldId id="272" r:id="rId13"/>
+    <p:sldId id="273" r:id="rId14"/>
+    <p:sldId id="274" r:id="rId15"/>
+    <p:sldId id="277" r:id="rId16"/>
+    <p:sldId id="278" r:id="rId17"/>
+    <p:sldId id="279" r:id="rId18"/>
+    <p:sldId id="271" r:id="rId19"/>
+    <p:sldId id="275" r:id="rId20"/>
+    <p:sldId id="261" r:id="rId21"/>
   </p:sldIdLst>
   <p:sldSz cx="9144000" cy="5143500" type="screen16x9"/>
   <p:notesSz cx="6858000" cy="9144000"/>
   <p:embeddedFontLst>
     <p:embeddedFont>
+      <p:font typeface="서울한강체 EB" panose="02020503020101020101" pitchFamily="18" charset="-127"/>
+      <p:regular r:id="rId23"/>
+    </p:embeddedFont>
+    <p:embeddedFont>
       <p:font typeface="Bell MT" panose="02020503060305020303" pitchFamily="18" charset="0"/>
-      <p:regular r:id="rId18"/>
-      <p:bold r:id="rId19"/>
-      <p:italic r:id="rId20"/>
+      <p:regular r:id="rId24"/>
+      <p:bold r:id="rId25"/>
+      <p:italic r:id="rId26"/>
     </p:embeddedFont>
     <p:embeddedFont>
       <p:font typeface="Cambria Math" panose="02040503050406030204" pitchFamily="18" charset="0"/>
-      <p:regular r:id="rId21"/>
+      <p:regular r:id="rId27"/>
     </p:embeddedFont>
     <p:embeddedFont>
       <p:font typeface="DX바른필기 M" panose="02020600000000000000" pitchFamily="18" charset="-127"/>
-      <p:regular r:id="rId22"/>
+      <p:regular r:id="rId28"/>
     </p:embeddedFont>
     <p:embeddedFont>
       <p:font typeface="Mapo마포나루" panose="02000500000000000000" pitchFamily="2" charset="-127"/>
-      <p:regular r:id="rId23"/>
+      <p:regular r:id="rId29"/>
     </p:embeddedFont>
     <p:embeddedFont>
       <p:font typeface="서울한강 장체 B" panose="02020503020101020101" pitchFamily="18" charset="-127"/>
-      <p:regular r:id="rId24"/>
+      <p:regular r:id="rId30"/>
     </p:embeddedFont>
     <p:embeddedFont>
       <p:font typeface="서울한강 장체 EB" panose="02020503020101020101" pitchFamily="18" charset="-127"/>
-      <p:regular r:id="rId25"/>
+      <p:regular r:id="rId31"/>
     </p:embeddedFont>
     <p:embeddedFont>
       <p:font typeface="서울한강 장체 L" panose="02020503020101020101" pitchFamily="18" charset="-127"/>
-      <p:regular r:id="rId26"/>
+      <p:regular r:id="rId32"/>
     </p:embeddedFont>
     <p:embeddedFont>
       <p:font typeface="서울한강 장체 M" panose="02020503020101020101" pitchFamily="18" charset="-127"/>
-      <p:regular r:id="rId27"/>
+      <p:regular r:id="rId33"/>
     </p:embeddedFont>
     <p:embeddedFont>
       <p:font typeface="서울한강체 L" panose="02020503020101020101" pitchFamily="18" charset="-127"/>
-      <p:regular r:id="rId28"/>
+      <p:regular r:id="rId34"/>
     </p:embeddedFont>
   </p:embeddedFontLst>
   <p:defaultTextStyle>
@@ -4475,8 +4484,8 @@
   </pc:docChgLst>
   <pc:docChgLst>
     <pc:chgData name="길 다영" userId="11d3a75bfe554e41" providerId="LiveId" clId="{939E813B-B863-490A-A804-0EC73DE49EEA}"/>
-    <pc:docChg chg="undo custSel modSld">
-      <pc:chgData name="길 다영" userId="11d3a75bfe554e41" providerId="LiveId" clId="{939E813B-B863-490A-A804-0EC73DE49EEA}" dt="2021-07-22T11:53:38.292" v="130" actId="2711"/>
+    <pc:docChg chg="undo custSel addSld delSld modSld sldOrd">
+      <pc:chgData name="길 다영" userId="11d3a75bfe554e41" providerId="LiveId" clId="{939E813B-B863-490A-A804-0EC73DE49EEA}" dt="2021-08-05T06:58:52.200" v="642" actId="47"/>
       <pc:docMkLst>
         <pc:docMk/>
       </pc:docMkLst>
@@ -4683,6 +4692,733 @@
           </ac:spMkLst>
         </pc:spChg>
       </pc:sldChg>
+      <pc:sldChg chg="addSp delSp modSp new del mod ord">
+        <pc:chgData name="길 다영" userId="11d3a75bfe554e41" providerId="LiveId" clId="{939E813B-B863-490A-A804-0EC73DE49EEA}" dt="2021-08-05T06:36:43.551" v="152" actId="47"/>
+        <pc:sldMkLst>
+          <pc:docMk/>
+          <pc:sldMk cId="593625992" sldId="276"/>
+        </pc:sldMkLst>
+        <pc:spChg chg="del">
+          <ac:chgData name="길 다영" userId="11d3a75bfe554e41" providerId="LiveId" clId="{939E813B-B863-490A-A804-0EC73DE49EEA}" dt="2021-08-05T06:36:05.218" v="132" actId="478"/>
+          <ac:spMkLst>
+            <pc:docMk/>
+            <pc:sldMk cId="593625992" sldId="276"/>
+            <ac:spMk id="2" creationId="{B5EAF89F-FCCC-4D79-A925-1C11BB7BF123}"/>
+          </ac:spMkLst>
+        </pc:spChg>
+        <pc:picChg chg="add del mod">
+          <ac:chgData name="길 다영" userId="11d3a75bfe554e41" providerId="LiveId" clId="{939E813B-B863-490A-A804-0EC73DE49EEA}" dt="2021-08-05T06:36:42.067" v="150" actId="21"/>
+          <ac:picMkLst>
+            <pc:docMk/>
+            <pc:sldMk cId="593625992" sldId="276"/>
+            <ac:picMk id="4" creationId="{516576AA-B68B-476B-A88E-2009AEFC49F7}"/>
+          </ac:picMkLst>
+        </pc:picChg>
+      </pc:sldChg>
+      <pc:sldChg chg="addSp delSp modSp add mod">
+        <pc:chgData name="길 다영" userId="11d3a75bfe554e41" providerId="LiveId" clId="{939E813B-B863-490A-A804-0EC73DE49EEA}" dt="2021-08-05T06:55:18.085" v="637" actId="1076"/>
+        <pc:sldMkLst>
+          <pc:docMk/>
+          <pc:sldMk cId="2119791568" sldId="277"/>
+        </pc:sldMkLst>
+        <pc:spChg chg="add del mod">
+          <ac:chgData name="길 다영" userId="11d3a75bfe554e41" providerId="LiveId" clId="{939E813B-B863-490A-A804-0EC73DE49EEA}" dt="2021-08-05T06:55:12.298" v="635" actId="478"/>
+          <ac:spMkLst>
+            <pc:docMk/>
+            <pc:sldMk cId="2119791568" sldId="277"/>
+            <ac:spMk id="5" creationId="{5FC08492-9FDF-4661-A48A-FD03898CC06B}"/>
+          </ac:spMkLst>
+        </pc:spChg>
+        <pc:spChg chg="add del mod">
+          <ac:chgData name="길 다영" userId="11d3a75bfe554e41" providerId="LiveId" clId="{939E813B-B863-490A-A804-0EC73DE49EEA}" dt="2021-08-05T06:37:03.609" v="159" actId="478"/>
+          <ac:spMkLst>
+            <pc:docMk/>
+            <pc:sldMk cId="2119791568" sldId="277"/>
+            <ac:spMk id="16" creationId="{B25A712A-24FE-4243-852E-1B6A4410ED34}"/>
+          </ac:spMkLst>
+        </pc:spChg>
+        <pc:spChg chg="add mod">
+          <ac:chgData name="길 다영" userId="11d3a75bfe554e41" providerId="LiveId" clId="{939E813B-B863-490A-A804-0EC73DE49EEA}" dt="2021-08-05T06:55:18.085" v="637" actId="1076"/>
+          <ac:spMkLst>
+            <pc:docMk/>
+            <pc:sldMk cId="2119791568" sldId="277"/>
+            <ac:spMk id="17" creationId="{0736F6C5-9530-41AC-837F-2A2520FFE39A}"/>
+          </ac:spMkLst>
+        </pc:spChg>
+        <pc:spChg chg="add mod">
+          <ac:chgData name="길 다영" userId="11d3a75bfe554e41" providerId="LiveId" clId="{939E813B-B863-490A-A804-0EC73DE49EEA}" dt="2021-08-05T06:55:18.085" v="637" actId="1076"/>
+          <ac:spMkLst>
+            <pc:docMk/>
+            <pc:sldMk cId="2119791568" sldId="277"/>
+            <ac:spMk id="18" creationId="{A521221A-097C-4AD8-9B52-5BD4A479B1E6}"/>
+          </ac:spMkLst>
+        </pc:spChg>
+        <pc:spChg chg="add mod">
+          <ac:chgData name="길 다영" userId="11d3a75bfe554e41" providerId="LiveId" clId="{939E813B-B863-490A-A804-0EC73DE49EEA}" dt="2021-08-05T06:55:18.085" v="637" actId="1076"/>
+          <ac:spMkLst>
+            <pc:docMk/>
+            <pc:sldMk cId="2119791568" sldId="277"/>
+            <ac:spMk id="19" creationId="{0310C13E-5015-4C0C-997C-92D275287965}"/>
+          </ac:spMkLst>
+        </pc:spChg>
+        <pc:spChg chg="add mod">
+          <ac:chgData name="길 다영" userId="11d3a75bfe554e41" providerId="LiveId" clId="{939E813B-B863-490A-A804-0EC73DE49EEA}" dt="2021-08-05T06:55:18.085" v="637" actId="1076"/>
+          <ac:spMkLst>
+            <pc:docMk/>
+            <pc:sldMk cId="2119791568" sldId="277"/>
+            <ac:spMk id="20" creationId="{EB050251-3037-4E93-B00D-D998ECA192DF}"/>
+          </ac:spMkLst>
+        </pc:spChg>
+        <pc:spChg chg="del">
+          <ac:chgData name="길 다영" userId="11d3a75bfe554e41" providerId="LiveId" clId="{939E813B-B863-490A-A804-0EC73DE49EEA}" dt="2021-08-05T06:36:40.646" v="149" actId="478"/>
+          <ac:spMkLst>
+            <pc:docMk/>
+            <pc:sldMk cId="2119791568" sldId="277"/>
+            <ac:spMk id="24" creationId="{40DCEF0C-41DA-4806-B4C8-555F9A3BAC38}"/>
+          </ac:spMkLst>
+        </pc:spChg>
+        <pc:spChg chg="del">
+          <ac:chgData name="길 다영" userId="11d3a75bfe554e41" providerId="LiveId" clId="{939E813B-B863-490A-A804-0EC73DE49EEA}" dt="2021-08-05T06:36:40.646" v="149" actId="478"/>
+          <ac:spMkLst>
+            <pc:docMk/>
+            <pc:sldMk cId="2119791568" sldId="277"/>
+            <ac:spMk id="25" creationId="{134360A3-E6BB-4F82-99F2-AA30838EAE97}"/>
+          </ac:spMkLst>
+        </pc:spChg>
+        <pc:spChg chg="del">
+          <ac:chgData name="길 다영" userId="11d3a75bfe554e41" providerId="LiveId" clId="{939E813B-B863-490A-A804-0EC73DE49EEA}" dt="2021-08-05T06:36:40.646" v="149" actId="478"/>
+          <ac:spMkLst>
+            <pc:docMk/>
+            <pc:sldMk cId="2119791568" sldId="277"/>
+            <ac:spMk id="29" creationId="{013E025A-F3AB-4DDE-B920-A233249503B7}"/>
+          </ac:spMkLst>
+        </pc:spChg>
+        <pc:spChg chg="del">
+          <ac:chgData name="길 다영" userId="11d3a75bfe554e41" providerId="LiveId" clId="{939E813B-B863-490A-A804-0EC73DE49EEA}" dt="2021-08-05T06:36:40.646" v="149" actId="478"/>
+          <ac:spMkLst>
+            <pc:docMk/>
+            <pc:sldMk cId="2119791568" sldId="277"/>
+            <ac:spMk id="30" creationId="{F1E230BF-DA54-4130-B852-00C0AFDC4CD7}"/>
+          </ac:spMkLst>
+        </pc:spChg>
+        <pc:grpChg chg="del">
+          <ac:chgData name="길 다영" userId="11d3a75bfe554e41" providerId="LiveId" clId="{939E813B-B863-490A-A804-0EC73DE49EEA}" dt="2021-08-05T06:36:37.541" v="148" actId="478"/>
+          <ac:grpSpMkLst>
+            <pc:docMk/>
+            <pc:sldMk cId="2119791568" sldId="277"/>
+            <ac:grpSpMk id="10" creationId="{56095123-FE2E-4D55-AD52-A268DBD1B3F1}"/>
+          </ac:grpSpMkLst>
+        </pc:grpChg>
+        <pc:picChg chg="add del mod">
+          <ac:chgData name="길 다영" userId="11d3a75bfe554e41" providerId="LiveId" clId="{939E813B-B863-490A-A804-0EC73DE49EEA}" dt="2021-08-05T06:55:13.018" v="636" actId="478"/>
+          <ac:picMkLst>
+            <pc:docMk/>
+            <pc:sldMk cId="2119791568" sldId="277"/>
+            <ac:picMk id="4" creationId="{FC7A96FF-6752-4C8B-95CA-16A5E142A9DD}"/>
+          </ac:picMkLst>
+        </pc:picChg>
+        <pc:picChg chg="del">
+          <ac:chgData name="길 다영" userId="11d3a75bfe554e41" providerId="LiveId" clId="{939E813B-B863-490A-A804-0EC73DE49EEA}" dt="2021-08-05T06:36:40.646" v="149" actId="478"/>
+          <ac:picMkLst>
+            <pc:docMk/>
+            <pc:sldMk cId="2119791568" sldId="277"/>
+            <ac:picMk id="14" creationId="{94CF1CCA-7182-47D9-B406-B51126F19AEA}"/>
+          </ac:picMkLst>
+        </pc:picChg>
+        <pc:picChg chg="add mod">
+          <ac:chgData name="길 다영" userId="11d3a75bfe554e41" providerId="LiveId" clId="{939E813B-B863-490A-A804-0EC73DE49EEA}" dt="2021-08-05T06:55:18.085" v="637" actId="1076"/>
+          <ac:picMkLst>
+            <pc:docMk/>
+            <pc:sldMk cId="2119791568" sldId="277"/>
+            <ac:picMk id="15" creationId="{73132A6B-28C7-46AA-A6D3-BB996D80A0EE}"/>
+          </ac:picMkLst>
+        </pc:picChg>
+        <pc:cxnChg chg="del">
+          <ac:chgData name="길 다영" userId="11d3a75bfe554e41" providerId="LiveId" clId="{939E813B-B863-490A-A804-0EC73DE49EEA}" dt="2021-08-05T06:36:40.646" v="149" actId="478"/>
+          <ac:cxnSpMkLst>
+            <pc:docMk/>
+            <pc:sldMk cId="2119791568" sldId="277"/>
+            <ac:cxnSpMk id="82" creationId="{00000000-0000-0000-0000-000000000000}"/>
+          </ac:cxnSpMkLst>
+        </pc:cxnChg>
+      </pc:sldChg>
+      <pc:sldChg chg="addSp delSp modSp add mod ord">
+        <pc:chgData name="길 다영" userId="11d3a75bfe554e41" providerId="LiveId" clId="{939E813B-B863-490A-A804-0EC73DE49EEA}" dt="2021-08-05T06:55:24.375" v="641"/>
+        <pc:sldMkLst>
+          <pc:docMk/>
+          <pc:sldMk cId="3639138983" sldId="278"/>
+        </pc:sldMkLst>
+        <pc:spChg chg="add mod">
+          <ac:chgData name="길 다영" userId="11d3a75bfe554e41" providerId="LiveId" clId="{939E813B-B863-490A-A804-0EC73DE49EEA}" dt="2021-08-05T06:45:17.379" v="413" actId="207"/>
+          <ac:spMkLst>
+            <pc:docMk/>
+            <pc:sldMk cId="3639138983" sldId="278"/>
+            <ac:spMk id="12" creationId="{8430D45E-269E-4E50-B61B-0B3035310A23}"/>
+          </ac:spMkLst>
+        </pc:spChg>
+        <pc:spChg chg="add mod">
+          <ac:chgData name="길 다영" userId="11d3a75bfe554e41" providerId="LiveId" clId="{939E813B-B863-490A-A804-0EC73DE49EEA}" dt="2021-08-05T06:45:17.379" v="413" actId="207"/>
+          <ac:spMkLst>
+            <pc:docMk/>
+            <pc:sldMk cId="3639138983" sldId="278"/>
+            <ac:spMk id="13" creationId="{A4D23A73-AE70-4BAC-8F7D-EA7D182F3306}"/>
+          </ac:spMkLst>
+        </pc:spChg>
+        <pc:spChg chg="add mod">
+          <ac:chgData name="길 다영" userId="11d3a75bfe554e41" providerId="LiveId" clId="{939E813B-B863-490A-A804-0EC73DE49EEA}" dt="2021-08-05T06:45:17.379" v="413" actId="207"/>
+          <ac:spMkLst>
+            <pc:docMk/>
+            <pc:sldMk cId="3639138983" sldId="278"/>
+            <ac:spMk id="14" creationId="{BA3027BE-1E8B-42B3-95E4-4E5543E41EFB}"/>
+          </ac:spMkLst>
+        </pc:spChg>
+        <pc:spChg chg="add mod">
+          <ac:chgData name="길 다영" userId="11d3a75bfe554e41" providerId="LiveId" clId="{939E813B-B863-490A-A804-0EC73DE49EEA}" dt="2021-08-05T06:45:17.379" v="413" actId="207"/>
+          <ac:spMkLst>
+            <pc:docMk/>
+            <pc:sldMk cId="3639138983" sldId="278"/>
+            <ac:spMk id="16" creationId="{2E229834-8F23-4BAF-B535-15310D76368F}"/>
+          </ac:spMkLst>
+        </pc:spChg>
+        <pc:spChg chg="mod">
+          <ac:chgData name="길 다영" userId="11d3a75bfe554e41" providerId="LiveId" clId="{939E813B-B863-490A-A804-0EC73DE49EEA}" dt="2021-08-05T06:45:08.506" v="412" actId="404"/>
+          <ac:spMkLst>
+            <pc:docMk/>
+            <pc:sldMk cId="3639138983" sldId="278"/>
+            <ac:spMk id="17" creationId="{0736F6C5-9530-41AC-837F-2A2520FFE39A}"/>
+          </ac:spMkLst>
+        </pc:spChg>
+        <pc:spChg chg="del">
+          <ac:chgData name="길 다영" userId="11d3a75bfe554e41" providerId="LiveId" clId="{939E813B-B863-490A-A804-0EC73DE49EEA}" dt="2021-08-05T06:40:39.237" v="271" actId="478"/>
+          <ac:spMkLst>
+            <pc:docMk/>
+            <pc:sldMk cId="3639138983" sldId="278"/>
+            <ac:spMk id="18" creationId="{A521221A-097C-4AD8-9B52-5BD4A479B1E6}"/>
+          </ac:spMkLst>
+        </pc:spChg>
+        <pc:spChg chg="del">
+          <ac:chgData name="길 다영" userId="11d3a75bfe554e41" providerId="LiveId" clId="{939E813B-B863-490A-A804-0EC73DE49EEA}" dt="2021-08-05T06:40:39.674" v="272" actId="478"/>
+          <ac:spMkLst>
+            <pc:docMk/>
+            <pc:sldMk cId="3639138983" sldId="278"/>
+            <ac:spMk id="19" creationId="{0310C13E-5015-4C0C-997C-92D275287965}"/>
+          </ac:spMkLst>
+        </pc:spChg>
+        <pc:spChg chg="del">
+          <ac:chgData name="길 다영" userId="11d3a75bfe554e41" providerId="LiveId" clId="{939E813B-B863-490A-A804-0EC73DE49EEA}" dt="2021-08-05T06:42:28.368" v="286" actId="478"/>
+          <ac:spMkLst>
+            <pc:docMk/>
+            <pc:sldMk cId="3639138983" sldId="278"/>
+            <ac:spMk id="20" creationId="{EB050251-3037-4E93-B00D-D998ECA192DF}"/>
+          </ac:spMkLst>
+        </pc:spChg>
+        <pc:spChg chg="add mod">
+          <ac:chgData name="길 다영" userId="11d3a75bfe554e41" providerId="LiveId" clId="{939E813B-B863-490A-A804-0EC73DE49EEA}" dt="2021-08-05T06:45:17.379" v="413" actId="207"/>
+          <ac:spMkLst>
+            <pc:docMk/>
+            <pc:sldMk cId="3639138983" sldId="278"/>
+            <ac:spMk id="21" creationId="{6D5671B1-AC52-486B-B87E-CC9025F810B9}"/>
+          </ac:spMkLst>
+        </pc:spChg>
+        <pc:picChg chg="add mod">
+          <ac:chgData name="길 다영" userId="11d3a75bfe554e41" providerId="LiveId" clId="{939E813B-B863-490A-A804-0EC73DE49EEA}" dt="2021-08-05T06:44:50.244" v="400" actId="1076"/>
+          <ac:picMkLst>
+            <pc:docMk/>
+            <pc:sldMk cId="3639138983" sldId="278"/>
+            <ac:picMk id="3" creationId="{E68A6E5A-4D02-4E24-8E2A-C5681BDC73C7}"/>
+          </ac:picMkLst>
+        </pc:picChg>
+        <pc:picChg chg="del">
+          <ac:chgData name="길 다영" userId="11d3a75bfe554e41" providerId="LiveId" clId="{939E813B-B863-490A-A804-0EC73DE49EEA}" dt="2021-08-05T06:40:40.128" v="273" actId="478"/>
+          <ac:picMkLst>
+            <pc:docMk/>
+            <pc:sldMk cId="3639138983" sldId="278"/>
+            <ac:picMk id="15" creationId="{73132A6B-28C7-46AA-A6D3-BB996D80A0EE}"/>
+          </ac:picMkLst>
+        </pc:picChg>
+      </pc:sldChg>
+      <pc:sldChg chg="addSp delSp modSp add mod">
+        <pc:chgData name="길 다영" userId="11d3a75bfe554e41" providerId="LiveId" clId="{939E813B-B863-490A-A804-0EC73DE49EEA}" dt="2021-08-05T06:44:35.326" v="393" actId="1076"/>
+        <pc:sldMkLst>
+          <pc:docMk/>
+          <pc:sldMk cId="1950175237" sldId="279"/>
+        </pc:sldMkLst>
+        <pc:spChg chg="add mod">
+          <ac:chgData name="길 다영" userId="11d3a75bfe554e41" providerId="LiveId" clId="{939E813B-B863-490A-A804-0EC73DE49EEA}" dt="2021-08-05T06:44:27.006" v="390" actId="1035"/>
+          <ac:spMkLst>
+            <pc:docMk/>
+            <pc:sldMk cId="1950175237" sldId="279"/>
+            <ac:spMk id="10" creationId="{89AE589B-1B55-4028-9FB9-FB854AF6592C}"/>
+          </ac:spMkLst>
+        </pc:spChg>
+        <pc:spChg chg="add mod">
+          <ac:chgData name="길 다영" userId="11d3a75bfe554e41" providerId="LiveId" clId="{939E813B-B863-490A-A804-0EC73DE49EEA}" dt="2021-08-05T06:44:27.006" v="390" actId="1035"/>
+          <ac:spMkLst>
+            <pc:docMk/>
+            <pc:sldMk cId="1950175237" sldId="279"/>
+            <ac:spMk id="11" creationId="{C2C7D43D-EE05-460B-A9A1-25A2589DCDC9}"/>
+          </ac:spMkLst>
+        </pc:spChg>
+        <pc:spChg chg="add mod">
+          <ac:chgData name="길 다영" userId="11d3a75bfe554e41" providerId="LiveId" clId="{939E813B-B863-490A-A804-0EC73DE49EEA}" dt="2021-08-05T06:44:31.950" v="391" actId="1076"/>
+          <ac:spMkLst>
+            <pc:docMk/>
+            <pc:sldMk cId="1950175237" sldId="279"/>
+            <ac:spMk id="12" creationId="{EBD55656-A94D-41BD-BF3A-06C18C16F8F0}"/>
+          </ac:spMkLst>
+        </pc:spChg>
+        <pc:spChg chg="add mod">
+          <ac:chgData name="길 다영" userId="11d3a75bfe554e41" providerId="LiveId" clId="{939E813B-B863-490A-A804-0EC73DE49EEA}" dt="2021-08-05T06:44:33.412" v="392" actId="1076"/>
+          <ac:spMkLst>
+            <pc:docMk/>
+            <pc:sldMk cId="1950175237" sldId="279"/>
+            <ac:spMk id="13" creationId="{96AB6A85-92DD-4D4B-A88C-0395C98CD339}"/>
+          </ac:spMkLst>
+        </pc:spChg>
+        <pc:spChg chg="add mod">
+          <ac:chgData name="길 다영" userId="11d3a75bfe554e41" providerId="LiveId" clId="{939E813B-B863-490A-A804-0EC73DE49EEA}" dt="2021-08-05T06:44:35.326" v="393" actId="1076"/>
+          <ac:spMkLst>
+            <pc:docMk/>
+            <pc:sldMk cId="1950175237" sldId="279"/>
+            <ac:spMk id="14" creationId="{0A920CD3-9991-4E6F-85A7-22B7333EE9CE}"/>
+          </ac:spMkLst>
+        </pc:spChg>
+        <pc:spChg chg="del">
+          <ac:chgData name="길 다영" userId="11d3a75bfe554e41" providerId="LiveId" clId="{939E813B-B863-490A-A804-0EC73DE49EEA}" dt="2021-08-05T06:42:30.117" v="287" actId="478"/>
+          <ac:spMkLst>
+            <pc:docMk/>
+            <pc:sldMk cId="1950175237" sldId="279"/>
+            <ac:spMk id="17" creationId="{0736F6C5-9530-41AC-837F-2A2520FFE39A}"/>
+          </ac:spMkLst>
+        </pc:spChg>
+        <pc:spChg chg="mod">
+          <ac:chgData name="길 다영" userId="11d3a75bfe554e41" providerId="LiveId" clId="{939E813B-B863-490A-A804-0EC73DE49EEA}" dt="2021-08-05T06:43:09.585" v="301" actId="2711"/>
+          <ac:spMkLst>
+            <pc:docMk/>
+            <pc:sldMk cId="1950175237" sldId="279"/>
+            <ac:spMk id="20" creationId="{EB050251-3037-4E93-B00D-D998ECA192DF}"/>
+          </ac:spMkLst>
+        </pc:spChg>
+        <pc:picChg chg="del">
+          <ac:chgData name="길 다영" userId="11d3a75bfe554e41" providerId="LiveId" clId="{939E813B-B863-490A-A804-0EC73DE49EEA}" dt="2021-08-05T06:42:14.018" v="278" actId="478"/>
+          <ac:picMkLst>
+            <pc:docMk/>
+            <pc:sldMk cId="1950175237" sldId="279"/>
+            <ac:picMk id="3" creationId="{E68A6E5A-4D02-4E24-8E2A-C5681BDC73C7}"/>
+          </ac:picMkLst>
+        </pc:picChg>
+        <pc:picChg chg="add mod">
+          <ac:chgData name="길 다영" userId="11d3a75bfe554e41" providerId="LiveId" clId="{939E813B-B863-490A-A804-0EC73DE49EEA}" dt="2021-08-05T06:42:21.978" v="283" actId="1076"/>
+          <ac:picMkLst>
+            <pc:docMk/>
+            <pc:sldMk cId="1950175237" sldId="279"/>
+            <ac:picMk id="4" creationId="{EAAA43DE-CE01-4EE9-A674-B8803678110E}"/>
+          </ac:picMkLst>
+        </pc:picChg>
+      </pc:sldChg>
+      <pc:sldChg chg="addSp delSp modSp add mod">
+        <pc:chgData name="길 다영" userId="11d3a75bfe554e41" providerId="LiveId" clId="{939E813B-B863-490A-A804-0EC73DE49EEA}" dt="2021-08-05T06:48:55.023" v="459" actId="1076"/>
+        <pc:sldMkLst>
+          <pc:docMk/>
+          <pc:sldMk cId="3929325516" sldId="280"/>
+        </pc:sldMkLst>
+        <pc:spChg chg="add mod ord">
+          <ac:chgData name="길 다영" userId="11d3a75bfe554e41" providerId="LiveId" clId="{939E813B-B863-490A-A804-0EC73DE49EEA}" dt="2021-08-05T06:48:25.125" v="449" actId="207"/>
+          <ac:spMkLst>
+            <pc:docMk/>
+            <pc:sldMk cId="3929325516" sldId="280"/>
+            <ac:spMk id="2" creationId="{7F3912AF-6511-4CE6-892D-86CAD7F9E288}"/>
+          </ac:spMkLst>
+        </pc:spChg>
+        <pc:spChg chg="del">
+          <ac:chgData name="길 다영" userId="11d3a75bfe554e41" providerId="LiveId" clId="{939E813B-B863-490A-A804-0EC73DE49EEA}" dt="2021-08-05T06:47:16.318" v="420" actId="478"/>
+          <ac:spMkLst>
+            <pc:docMk/>
+            <pc:sldMk cId="3929325516" sldId="280"/>
+            <ac:spMk id="3" creationId="{6A32DC06-647E-4A07-AEB5-E1F0CBEB3B19}"/>
+          </ac:spMkLst>
+        </pc:spChg>
+        <pc:spChg chg="del mod">
+          <ac:chgData name="길 다영" userId="11d3a75bfe554e41" providerId="LiveId" clId="{939E813B-B863-490A-A804-0EC73DE49EEA}" dt="2021-08-05T06:47:25.397" v="424" actId="478"/>
+          <ac:spMkLst>
+            <pc:docMk/>
+            <pc:sldMk cId="3929325516" sldId="280"/>
+            <ac:spMk id="23" creationId="{6F743ED0-7447-4E8C-AAD5-897E9928E376}"/>
+          </ac:spMkLst>
+        </pc:spChg>
+        <pc:spChg chg="del">
+          <ac:chgData name="길 다영" userId="11d3a75bfe554e41" providerId="LiveId" clId="{939E813B-B863-490A-A804-0EC73DE49EEA}" dt="2021-08-05T06:47:19.469" v="421" actId="478"/>
+          <ac:spMkLst>
+            <pc:docMk/>
+            <pc:sldMk cId="3929325516" sldId="280"/>
+            <ac:spMk id="27" creationId="{38798017-C57E-4F16-AC90-27079F6FEC84}"/>
+          </ac:spMkLst>
+        </pc:spChg>
+        <pc:spChg chg="del">
+          <ac:chgData name="길 다영" userId="11d3a75bfe554e41" providerId="LiveId" clId="{939E813B-B863-490A-A804-0EC73DE49EEA}" dt="2021-08-05T06:47:19.469" v="421" actId="478"/>
+          <ac:spMkLst>
+            <pc:docMk/>
+            <pc:sldMk cId="3929325516" sldId="280"/>
+            <ac:spMk id="28" creationId="{4BBD9FC7-EC55-4445-9266-BAD8D23C1172}"/>
+          </ac:spMkLst>
+        </pc:spChg>
+        <pc:spChg chg="del">
+          <ac:chgData name="길 다영" userId="11d3a75bfe554e41" providerId="LiveId" clId="{939E813B-B863-490A-A804-0EC73DE49EEA}" dt="2021-08-05T06:47:19.469" v="421" actId="478"/>
+          <ac:spMkLst>
+            <pc:docMk/>
+            <pc:sldMk cId="3929325516" sldId="280"/>
+            <ac:spMk id="29" creationId="{6405943D-3270-4BD2-9098-B3B4F2AE2704}"/>
+          </ac:spMkLst>
+        </pc:spChg>
+        <pc:spChg chg="del">
+          <ac:chgData name="길 다영" userId="11d3a75bfe554e41" providerId="LiveId" clId="{939E813B-B863-490A-A804-0EC73DE49EEA}" dt="2021-08-05T06:47:19.469" v="421" actId="478"/>
+          <ac:spMkLst>
+            <pc:docMk/>
+            <pc:sldMk cId="3929325516" sldId="280"/>
+            <ac:spMk id="30" creationId="{9D0A1D8A-2619-403A-9E08-8B1E8AF9C7A8}"/>
+          </ac:spMkLst>
+        </pc:spChg>
+        <pc:spChg chg="del">
+          <ac:chgData name="길 다영" userId="11d3a75bfe554e41" providerId="LiveId" clId="{939E813B-B863-490A-A804-0EC73DE49EEA}" dt="2021-08-05T06:47:19.469" v="421" actId="478"/>
+          <ac:spMkLst>
+            <pc:docMk/>
+            <pc:sldMk cId="3929325516" sldId="280"/>
+            <ac:spMk id="31" creationId="{362C36E5-2136-4B69-AFA0-C3917D76AADD}"/>
+          </ac:spMkLst>
+        </pc:spChg>
+        <pc:spChg chg="mod">
+          <ac:chgData name="길 다영" userId="11d3a75bfe554e41" providerId="LiveId" clId="{939E813B-B863-490A-A804-0EC73DE49EEA}" dt="2021-08-05T06:48:55.023" v="459" actId="1076"/>
+          <ac:spMkLst>
+            <pc:docMk/>
+            <pc:sldMk cId="3929325516" sldId="280"/>
+            <ac:spMk id="32" creationId="{D2A99E31-8B73-4DD8-ABE9-950D5F4FC40E}"/>
+          </ac:spMkLst>
+        </pc:spChg>
+        <pc:spChg chg="del">
+          <ac:chgData name="길 다영" userId="11d3a75bfe554e41" providerId="LiveId" clId="{939E813B-B863-490A-A804-0EC73DE49EEA}" dt="2021-08-05T06:47:31.655" v="425" actId="478"/>
+          <ac:spMkLst>
+            <pc:docMk/>
+            <pc:sldMk cId="3929325516" sldId="280"/>
+            <ac:spMk id="33" creationId="{334EB181-83D4-4D3F-87B6-1BF21ABBEE4F}"/>
+          </ac:spMkLst>
+        </pc:spChg>
+        <pc:spChg chg="del">
+          <ac:chgData name="길 다영" userId="11d3a75bfe554e41" providerId="LiveId" clId="{939E813B-B863-490A-A804-0EC73DE49EEA}" dt="2021-08-05T06:47:31.655" v="425" actId="478"/>
+          <ac:spMkLst>
+            <pc:docMk/>
+            <pc:sldMk cId="3929325516" sldId="280"/>
+            <ac:spMk id="45" creationId="{D6263390-3A80-4026-AC39-3F69281BB55E}"/>
+          </ac:spMkLst>
+        </pc:spChg>
+        <pc:spChg chg="del">
+          <ac:chgData name="길 다영" userId="11d3a75bfe554e41" providerId="LiveId" clId="{939E813B-B863-490A-A804-0EC73DE49EEA}" dt="2021-08-05T06:47:31.655" v="425" actId="478"/>
+          <ac:spMkLst>
+            <pc:docMk/>
+            <pc:sldMk cId="3929325516" sldId="280"/>
+            <ac:spMk id="47" creationId="{0E8A9C66-D0F1-4E5D-91D3-B2FA1F0425E3}"/>
+          </ac:spMkLst>
+        </pc:spChg>
+        <pc:spChg chg="del">
+          <ac:chgData name="길 다영" userId="11d3a75bfe554e41" providerId="LiveId" clId="{939E813B-B863-490A-A804-0EC73DE49EEA}" dt="2021-08-05T06:47:31.655" v="425" actId="478"/>
+          <ac:spMkLst>
+            <pc:docMk/>
+            <pc:sldMk cId="3929325516" sldId="280"/>
+            <ac:spMk id="49" creationId="{BD6B2865-086D-4BFF-A81C-36BA7DFFF62E}"/>
+          </ac:spMkLst>
+        </pc:spChg>
+        <pc:spChg chg="del">
+          <ac:chgData name="길 다영" userId="11d3a75bfe554e41" providerId="LiveId" clId="{939E813B-B863-490A-A804-0EC73DE49EEA}" dt="2021-08-05T06:47:31.655" v="425" actId="478"/>
+          <ac:spMkLst>
+            <pc:docMk/>
+            <pc:sldMk cId="3929325516" sldId="280"/>
+            <ac:spMk id="51" creationId="{1F54EF27-4454-469E-A54F-B0392DF6F484}"/>
+          </ac:spMkLst>
+        </pc:spChg>
+        <pc:spChg chg="del">
+          <ac:chgData name="길 다영" userId="11d3a75bfe554e41" providerId="LiveId" clId="{939E813B-B863-490A-A804-0EC73DE49EEA}" dt="2021-08-05T06:47:31.655" v="425" actId="478"/>
+          <ac:spMkLst>
+            <pc:docMk/>
+            <pc:sldMk cId="3929325516" sldId="280"/>
+            <ac:spMk id="52" creationId="{E38ECB9C-6787-4E18-BE92-ABAD6B232C01}"/>
+          </ac:spMkLst>
+        </pc:spChg>
+        <pc:spChg chg="del">
+          <ac:chgData name="길 다영" userId="11d3a75bfe554e41" providerId="LiveId" clId="{939E813B-B863-490A-A804-0EC73DE49EEA}" dt="2021-08-05T06:47:31.655" v="425" actId="478"/>
+          <ac:spMkLst>
+            <pc:docMk/>
+            <pc:sldMk cId="3929325516" sldId="280"/>
+            <ac:spMk id="53" creationId="{767068B8-20EF-4FB8-AF43-E3D8E22C0D36}"/>
+          </ac:spMkLst>
+        </pc:spChg>
+        <pc:spChg chg="del">
+          <ac:chgData name="길 다영" userId="11d3a75bfe554e41" providerId="LiveId" clId="{939E813B-B863-490A-A804-0EC73DE49EEA}" dt="2021-08-05T06:47:31.655" v="425" actId="478"/>
+          <ac:spMkLst>
+            <pc:docMk/>
+            <pc:sldMk cId="3929325516" sldId="280"/>
+            <ac:spMk id="56" creationId="{7089668B-D17F-411D-AB6D-D677AB70D9DC}"/>
+          </ac:spMkLst>
+        </pc:spChg>
+        <pc:spChg chg="del">
+          <ac:chgData name="길 다영" userId="11d3a75bfe554e41" providerId="LiveId" clId="{939E813B-B863-490A-A804-0EC73DE49EEA}" dt="2021-08-05T06:47:31.655" v="425" actId="478"/>
+          <ac:spMkLst>
+            <pc:docMk/>
+            <pc:sldMk cId="3929325516" sldId="280"/>
+            <ac:spMk id="58" creationId="{B31F75AC-BBF3-41F3-9151-0090B289A549}"/>
+          </ac:spMkLst>
+        </pc:spChg>
+        <pc:spChg chg="del">
+          <ac:chgData name="길 다영" userId="11d3a75bfe554e41" providerId="LiveId" clId="{939E813B-B863-490A-A804-0EC73DE49EEA}" dt="2021-08-05T06:47:31.655" v="425" actId="478"/>
+          <ac:spMkLst>
+            <pc:docMk/>
+            <pc:sldMk cId="3929325516" sldId="280"/>
+            <ac:spMk id="62" creationId="{C267A740-6970-45D4-AAF4-7A89DDB2BA5B}"/>
+          </ac:spMkLst>
+        </pc:spChg>
+        <pc:spChg chg="del">
+          <ac:chgData name="길 다영" userId="11d3a75bfe554e41" providerId="LiveId" clId="{939E813B-B863-490A-A804-0EC73DE49EEA}" dt="2021-08-05T06:47:31.655" v="425" actId="478"/>
+          <ac:spMkLst>
+            <pc:docMk/>
+            <pc:sldMk cId="3929325516" sldId="280"/>
+            <ac:spMk id="63" creationId="{FE6543EF-B81F-4156-87A2-34084B86D078}"/>
+          </ac:spMkLst>
+        </pc:spChg>
+        <pc:spChg chg="del">
+          <ac:chgData name="길 다영" userId="11d3a75bfe554e41" providerId="LiveId" clId="{939E813B-B863-490A-A804-0EC73DE49EEA}" dt="2021-08-05T06:47:31.655" v="425" actId="478"/>
+          <ac:spMkLst>
+            <pc:docMk/>
+            <pc:sldMk cId="3929325516" sldId="280"/>
+            <ac:spMk id="68" creationId="{04790619-9E25-430A-AA5F-599E8AEE1CC8}"/>
+          </ac:spMkLst>
+        </pc:spChg>
+        <pc:spChg chg="del">
+          <ac:chgData name="길 다영" userId="11d3a75bfe554e41" providerId="LiveId" clId="{939E813B-B863-490A-A804-0EC73DE49EEA}" dt="2021-08-05T06:47:19.469" v="421" actId="478"/>
+          <ac:spMkLst>
+            <pc:docMk/>
+            <pc:sldMk cId="3929325516" sldId="280"/>
+            <ac:spMk id="85" creationId="{00000000-0000-0000-0000-000000000000}"/>
+          </ac:spMkLst>
+        </pc:spChg>
+        <pc:spChg chg="del">
+          <ac:chgData name="길 다영" userId="11d3a75bfe554e41" providerId="LiveId" clId="{939E813B-B863-490A-A804-0EC73DE49EEA}" dt="2021-08-05T06:47:19.469" v="421" actId="478"/>
+          <ac:spMkLst>
+            <pc:docMk/>
+            <pc:sldMk cId="3929325516" sldId="280"/>
+            <ac:spMk id="91" creationId="{00000000-0000-0000-0000-000000000000}"/>
+          </ac:spMkLst>
+        </pc:spChg>
+        <pc:spChg chg="del">
+          <ac:chgData name="길 다영" userId="11d3a75bfe554e41" providerId="LiveId" clId="{939E813B-B863-490A-A804-0EC73DE49EEA}" dt="2021-08-05T06:47:19.469" v="421" actId="478"/>
+          <ac:spMkLst>
+            <pc:docMk/>
+            <pc:sldMk cId="3929325516" sldId="280"/>
+            <ac:spMk id="97" creationId="{00000000-0000-0000-0000-000000000000}"/>
+          </ac:spMkLst>
+        </pc:spChg>
+        <pc:cxnChg chg="add mod">
+          <ac:chgData name="길 다영" userId="11d3a75bfe554e41" providerId="LiveId" clId="{939E813B-B863-490A-A804-0EC73DE49EEA}" dt="2021-08-05T06:48:00.465" v="444" actId="208"/>
+          <ac:cxnSpMkLst>
+            <pc:docMk/>
+            <pc:sldMk cId="3929325516" sldId="280"/>
+            <ac:cxnSpMk id="35" creationId="{307CF713-DEDE-40F9-9518-D1EB5943DA75}"/>
+          </ac:cxnSpMkLst>
+        </pc:cxnChg>
+        <pc:cxnChg chg="del">
+          <ac:chgData name="길 다영" userId="11d3a75bfe554e41" providerId="LiveId" clId="{939E813B-B863-490A-A804-0EC73DE49EEA}" dt="2021-08-05T06:47:31.655" v="425" actId="478"/>
+          <ac:cxnSpMkLst>
+            <pc:docMk/>
+            <pc:sldMk cId="3929325516" sldId="280"/>
+            <ac:cxnSpMk id="46" creationId="{DC5A1CBE-BFED-425F-B8E9-EE38972CFB51}"/>
+          </ac:cxnSpMkLst>
+        </pc:cxnChg>
+        <pc:cxnChg chg="del">
+          <ac:chgData name="길 다영" userId="11d3a75bfe554e41" providerId="LiveId" clId="{939E813B-B863-490A-A804-0EC73DE49EEA}" dt="2021-08-05T06:47:31.655" v="425" actId="478"/>
+          <ac:cxnSpMkLst>
+            <pc:docMk/>
+            <pc:sldMk cId="3929325516" sldId="280"/>
+            <ac:cxnSpMk id="48" creationId="{9C3F6786-EB56-4399-B0E7-BCBCE731D4BB}"/>
+          </ac:cxnSpMkLst>
+        </pc:cxnChg>
+        <pc:cxnChg chg="del">
+          <ac:chgData name="길 다영" userId="11d3a75bfe554e41" providerId="LiveId" clId="{939E813B-B863-490A-A804-0EC73DE49EEA}" dt="2021-08-05T06:47:31.655" v="425" actId="478"/>
+          <ac:cxnSpMkLst>
+            <pc:docMk/>
+            <pc:sldMk cId="3929325516" sldId="280"/>
+            <ac:cxnSpMk id="50" creationId="{C2A9D7F8-D548-4AFC-8C7C-0F3826E3F8E4}"/>
+          </ac:cxnSpMkLst>
+        </pc:cxnChg>
+        <pc:cxnChg chg="del">
+          <ac:chgData name="길 다영" userId="11d3a75bfe554e41" providerId="LiveId" clId="{939E813B-B863-490A-A804-0EC73DE49EEA}" dt="2021-08-05T06:47:31.655" v="425" actId="478"/>
+          <ac:cxnSpMkLst>
+            <pc:docMk/>
+            <pc:sldMk cId="3929325516" sldId="280"/>
+            <ac:cxnSpMk id="57" creationId="{C9833BFF-9146-4AE7-8745-1A82A290DC9C}"/>
+          </ac:cxnSpMkLst>
+        </pc:cxnChg>
+        <pc:cxnChg chg="del">
+          <ac:chgData name="길 다영" userId="11d3a75bfe554e41" providerId="LiveId" clId="{939E813B-B863-490A-A804-0EC73DE49EEA}" dt="2021-08-05T06:47:31.655" v="425" actId="478"/>
+          <ac:cxnSpMkLst>
+            <pc:docMk/>
+            <pc:sldMk cId="3929325516" sldId="280"/>
+            <ac:cxnSpMk id="59" creationId="{97F510BF-C13A-4105-9902-23251761F332}"/>
+          </ac:cxnSpMkLst>
+        </pc:cxnChg>
+        <pc:cxnChg chg="del">
+          <ac:chgData name="길 다영" userId="11d3a75bfe554e41" providerId="LiveId" clId="{939E813B-B863-490A-A804-0EC73DE49EEA}" dt="2021-08-05T06:47:31.655" v="425" actId="478"/>
+          <ac:cxnSpMkLst>
+            <pc:docMk/>
+            <pc:sldMk cId="3929325516" sldId="280"/>
+            <ac:cxnSpMk id="82" creationId="{00000000-0000-0000-0000-000000000000}"/>
+          </ac:cxnSpMkLst>
+        </pc:cxnChg>
+        <pc:cxnChg chg="mod">
+          <ac:chgData name="길 다영" userId="11d3a75bfe554e41" providerId="LiveId" clId="{939E813B-B863-490A-A804-0EC73DE49EEA}" dt="2021-08-05T06:47:57.824" v="443" actId="208"/>
+          <ac:cxnSpMkLst>
+            <pc:docMk/>
+            <pc:sldMk cId="3929325516" sldId="280"/>
+            <ac:cxnSpMk id="83" creationId="{00000000-0000-0000-0000-000000000000}"/>
+          </ac:cxnSpMkLst>
+        </pc:cxnChg>
+        <pc:cxnChg chg="del">
+          <ac:chgData name="길 다영" userId="11d3a75bfe554e41" providerId="LiveId" clId="{939E813B-B863-490A-A804-0EC73DE49EEA}" dt="2021-08-05T06:47:19.469" v="421" actId="478"/>
+          <ac:cxnSpMkLst>
+            <pc:docMk/>
+            <pc:sldMk cId="3929325516" sldId="280"/>
+            <ac:cxnSpMk id="89" creationId="{00000000-0000-0000-0000-000000000000}"/>
+          </ac:cxnSpMkLst>
+        </pc:cxnChg>
+        <pc:cxnChg chg="del">
+          <ac:chgData name="길 다영" userId="11d3a75bfe554e41" providerId="LiveId" clId="{939E813B-B863-490A-A804-0EC73DE49EEA}" dt="2021-08-05T06:47:19.469" v="421" actId="478"/>
+          <ac:cxnSpMkLst>
+            <pc:docMk/>
+            <pc:sldMk cId="3929325516" sldId="280"/>
+            <ac:cxnSpMk id="95" creationId="{00000000-0000-0000-0000-000000000000}"/>
+          </ac:cxnSpMkLst>
+        </pc:cxnChg>
+        <pc:cxnChg chg="del">
+          <ac:chgData name="길 다영" userId="11d3a75bfe554e41" providerId="LiveId" clId="{939E813B-B863-490A-A804-0EC73DE49EEA}" dt="2021-08-05T06:47:19.469" v="421" actId="478"/>
+          <ac:cxnSpMkLst>
+            <pc:docMk/>
+            <pc:sldMk cId="3929325516" sldId="280"/>
+            <ac:cxnSpMk id="101" creationId="{00000000-0000-0000-0000-000000000000}"/>
+          </ac:cxnSpMkLst>
+        </pc:cxnChg>
+      </pc:sldChg>
+      <pc:sldChg chg="modSp add mod ord">
+        <pc:chgData name="길 다영" userId="11d3a75bfe554e41" providerId="LiveId" clId="{939E813B-B863-490A-A804-0EC73DE49EEA}" dt="2021-08-05T06:48:49.501" v="458" actId="1076"/>
+        <pc:sldMkLst>
+          <pc:docMk/>
+          <pc:sldMk cId="538220368" sldId="281"/>
+        </pc:sldMkLst>
+        <pc:spChg chg="mod">
+          <ac:chgData name="길 다영" userId="11d3a75bfe554e41" providerId="LiveId" clId="{939E813B-B863-490A-A804-0EC73DE49EEA}" dt="2021-08-05T06:48:49.501" v="458" actId="1076"/>
+          <ac:spMkLst>
+            <pc:docMk/>
+            <pc:sldMk cId="538220368" sldId="281"/>
+            <ac:spMk id="32" creationId="{D2A99E31-8B73-4DD8-ABE9-950D5F4FC40E}"/>
+          </ac:spMkLst>
+        </pc:spChg>
+      </pc:sldChg>
+      <pc:sldChg chg="addSp delSp modSp add del mod">
+        <pc:chgData name="길 다영" userId="11d3a75bfe554e41" providerId="LiveId" clId="{939E813B-B863-490A-A804-0EC73DE49EEA}" dt="2021-08-05T06:58:52.200" v="642" actId="47"/>
+        <pc:sldMkLst>
+          <pc:docMk/>
+          <pc:sldMk cId="576598392" sldId="282"/>
+        </pc:sldMkLst>
+        <pc:spChg chg="mod">
+          <ac:chgData name="길 다영" userId="11d3a75bfe554e41" providerId="LiveId" clId="{939E813B-B863-490A-A804-0EC73DE49EEA}" dt="2021-08-05T06:55:10.187" v="634" actId="14100"/>
+          <ac:spMkLst>
+            <pc:docMk/>
+            <pc:sldMk cId="576598392" sldId="282"/>
+            <ac:spMk id="5" creationId="{5FC08492-9FDF-4661-A48A-FD03898CC06B}"/>
+          </ac:spMkLst>
+        </pc:spChg>
+        <pc:spChg chg="del">
+          <ac:chgData name="길 다영" userId="11d3a75bfe554e41" providerId="LiveId" clId="{939E813B-B863-490A-A804-0EC73DE49EEA}" dt="2021-08-05T06:54:32.877" v="616" actId="478"/>
+          <ac:spMkLst>
+            <pc:docMk/>
+            <pc:sldMk cId="576598392" sldId="282"/>
+            <ac:spMk id="17" creationId="{0736F6C5-9530-41AC-837F-2A2520FFE39A}"/>
+          </ac:spMkLst>
+        </pc:spChg>
+        <pc:spChg chg="add del">
+          <ac:chgData name="길 다영" userId="11d3a75bfe554e41" providerId="LiveId" clId="{939E813B-B863-490A-A804-0EC73DE49EEA}" dt="2021-08-05T06:54:38.391" v="620" actId="478"/>
+          <ac:spMkLst>
+            <pc:docMk/>
+            <pc:sldMk cId="576598392" sldId="282"/>
+            <ac:spMk id="18" creationId="{A521221A-097C-4AD8-9B52-5BD4A479B1E6}"/>
+          </ac:spMkLst>
+        </pc:spChg>
+        <pc:spChg chg="del">
+          <ac:chgData name="길 다영" userId="11d3a75bfe554e41" providerId="LiveId" clId="{939E813B-B863-490A-A804-0EC73DE49EEA}" dt="2021-08-05T06:54:31.009" v="615" actId="478"/>
+          <ac:spMkLst>
+            <pc:docMk/>
+            <pc:sldMk cId="576598392" sldId="282"/>
+            <ac:spMk id="19" creationId="{0310C13E-5015-4C0C-997C-92D275287965}"/>
+          </ac:spMkLst>
+        </pc:spChg>
+        <pc:spChg chg="del">
+          <ac:chgData name="길 다영" userId="11d3a75bfe554e41" providerId="LiveId" clId="{939E813B-B863-490A-A804-0EC73DE49EEA}" dt="2021-08-05T06:54:33.164" v="617" actId="478"/>
+          <ac:spMkLst>
+            <pc:docMk/>
+            <pc:sldMk cId="576598392" sldId="282"/>
+            <ac:spMk id="20" creationId="{EB050251-3037-4E93-B00D-D998ECA192DF}"/>
+          </ac:spMkLst>
+        </pc:spChg>
+        <pc:spChg chg="add del">
+          <ac:chgData name="길 다영" userId="11d3a75bfe554e41" providerId="LiveId" clId="{939E813B-B863-490A-A804-0EC73DE49EEA}" dt="2021-08-05T06:54:35.773" v="619" actId="478"/>
+          <ac:spMkLst>
+            <pc:docMk/>
+            <pc:sldMk cId="576598392" sldId="282"/>
+            <ac:spMk id="37" creationId="{C22BF384-A5A5-4B45-919B-FDC5E27BF255}"/>
+          </ac:spMkLst>
+        </pc:spChg>
+        <pc:picChg chg="add mod">
+          <ac:chgData name="길 다영" userId="11d3a75bfe554e41" providerId="LiveId" clId="{939E813B-B863-490A-A804-0EC73DE49EEA}" dt="2021-08-05T06:55:02.492" v="628" actId="1076"/>
+          <ac:picMkLst>
+            <pc:docMk/>
+            <pc:sldMk cId="576598392" sldId="282"/>
+            <ac:picMk id="3" creationId="{AA09432F-581D-46A9-9412-FC3B90FCFF95}"/>
+          </ac:picMkLst>
+        </pc:picChg>
+        <pc:picChg chg="del">
+          <ac:chgData name="길 다영" userId="11d3a75bfe554e41" providerId="LiveId" clId="{939E813B-B863-490A-A804-0EC73DE49EEA}" dt="2021-08-05T06:54:43.489" v="623" actId="478"/>
+          <ac:picMkLst>
+            <pc:docMk/>
+            <pc:sldMk cId="576598392" sldId="282"/>
+            <ac:picMk id="4" creationId="{FC7A96FF-6752-4C8B-95CA-16A5E142A9DD}"/>
+          </ac:picMkLst>
+        </pc:picChg>
+        <pc:picChg chg="add del">
+          <ac:chgData name="길 다영" userId="11d3a75bfe554e41" providerId="LiveId" clId="{939E813B-B863-490A-A804-0EC73DE49EEA}" dt="2021-08-05T06:54:38.391" v="620" actId="478"/>
+          <ac:picMkLst>
+            <pc:docMk/>
+            <pc:sldMk cId="576598392" sldId="282"/>
+            <ac:picMk id="15" creationId="{73132A6B-28C7-46AA-A6D3-BB996D80A0EE}"/>
+          </ac:picMkLst>
+        </pc:picChg>
+      </pc:sldChg>
+      <pc:sldChg chg="add del">
+        <pc:chgData name="길 다영" userId="11d3a75bfe554e41" providerId="LiveId" clId="{939E813B-B863-490A-A804-0EC73DE49EEA}" dt="2021-08-05T06:54:41.107" v="622"/>
+        <pc:sldMkLst>
+          <pc:docMk/>
+          <pc:sldMk cId="2447396621" sldId="283"/>
+        </pc:sldMkLst>
+      </pc:sldChg>
+      <pc:sldMasterChg chg="delSldLayout">
+        <pc:chgData name="길 다영" userId="11d3a75bfe554e41" providerId="LiveId" clId="{939E813B-B863-490A-A804-0EC73DE49EEA}" dt="2021-08-05T06:36:43.551" v="152" actId="47"/>
+        <pc:sldMasterMkLst>
+          <pc:docMk/>
+          <pc:sldMasterMk cId="0" sldId="2147483659"/>
+        </pc:sldMasterMkLst>
+        <pc:sldLayoutChg chg="del">
+          <pc:chgData name="길 다영" userId="11d3a75bfe554e41" providerId="LiveId" clId="{939E813B-B863-490A-A804-0EC73DE49EEA}" dt="2021-08-05T06:36:43.551" v="152" actId="47"/>
+          <pc:sldLayoutMkLst>
+            <pc:docMk/>
+            <pc:sldMasterMk cId="0" sldId="2147483659"/>
+            <pc:sldLayoutMk cId="0" sldId="2147483649"/>
+          </pc:sldLayoutMkLst>
+        </pc:sldLayoutChg>
+      </pc:sldMasterChg>
     </pc:docChg>
   </pc:docChgLst>
 </pc:chgInfo>
@@ -5332,7 +6068,7 @@
     </p:spTree>
     <p:extLst>
       <p:ext uri="{BB962C8B-B14F-4D97-AF65-F5344CB8AC3E}">
-        <p14:creationId xmlns:p14="http://schemas.microsoft.com/office/powerpoint/2010/main" val="1417030612"/>
+        <p14:creationId xmlns:p14="http://schemas.microsoft.com/office/powerpoint/2010/main" val="919353781"/>
       </p:ext>
     </p:extLst>
   </p:cSld>
@@ -5441,7 +6177,7 @@
     </p:spTree>
     <p:extLst>
       <p:ext uri="{BB962C8B-B14F-4D97-AF65-F5344CB8AC3E}">
-        <p14:creationId xmlns:p14="http://schemas.microsoft.com/office/powerpoint/2010/main" val="1031468473"/>
+        <p14:creationId xmlns:p14="http://schemas.microsoft.com/office/powerpoint/2010/main" val="2848582965"/>
       </p:ext>
     </p:extLst>
   </p:cSld>
@@ -5550,7 +6286,7 @@
     </p:spTree>
     <p:extLst>
       <p:ext uri="{BB962C8B-B14F-4D97-AF65-F5344CB8AC3E}">
-        <p14:creationId xmlns:p14="http://schemas.microsoft.com/office/powerpoint/2010/main" val="943586855"/>
+        <p14:creationId xmlns:p14="http://schemas.microsoft.com/office/powerpoint/2010/main" val="1417030612"/>
       </p:ext>
     </p:extLst>
   </p:cSld>
@@ -5659,7 +6395,7 @@
     </p:spTree>
     <p:extLst>
       <p:ext uri="{BB962C8B-B14F-4D97-AF65-F5344CB8AC3E}">
-        <p14:creationId xmlns:p14="http://schemas.microsoft.com/office/powerpoint/2010/main" val="816578523"/>
+        <p14:creationId xmlns:p14="http://schemas.microsoft.com/office/powerpoint/2010/main" val="1031468473"/>
       </p:ext>
     </p:extLst>
   </p:cSld>
@@ -5768,7 +6504,7 @@
     </p:spTree>
     <p:extLst>
       <p:ext uri="{BB962C8B-B14F-4D97-AF65-F5344CB8AC3E}">
-        <p14:creationId xmlns:p14="http://schemas.microsoft.com/office/powerpoint/2010/main" val="4078961299"/>
+        <p14:creationId xmlns:p14="http://schemas.microsoft.com/office/powerpoint/2010/main" val="943586855"/>
       </p:ext>
     </p:extLst>
   </p:cSld>
@@ -5783,7 +6519,7 @@
   <p:cSld>
     <p:spTree>
       <p:nvGrpSpPr>
-        <p:cNvPr id="1" name="Shape 186"/>
+        <p:cNvPr id="1" name="Shape 78"/>
         <p:cNvGrpSpPr/>
         <p:nvPr/>
       </p:nvGrpSpPr>
@@ -5797,7 +6533,7 @@
       </p:grpSpPr>
       <p:sp>
         <p:nvSpPr>
-          <p:cNvPr id="187" name="Google Shape;187;g9a5c1fcd70_3_0:notes"/>
+          <p:cNvPr id="79" name="Google Shape;79;g9a5c1fcd70_0_36:notes"/>
           <p:cNvSpPr>
             <a:spLocks noGrp="1" noRot="1" noChangeAspect="1"/>
           </p:cNvSpPr>
@@ -5838,7 +6574,7 @@
       </p:sp>
       <p:sp>
         <p:nvSpPr>
-          <p:cNvPr id="188" name="Google Shape;188;g9a5c1fcd70_3_0:notes"/>
+          <p:cNvPr id="80" name="Google Shape;80;g9a5c1fcd70_0_36:notes"/>
           <p:cNvSpPr txBox="1">
             <a:spLocks noGrp="1"/>
           </p:cNvSpPr>
@@ -5875,6 +6611,447 @@
         </p:txBody>
       </p:sp>
     </p:spTree>
+    <p:extLst>
+      <p:ext uri="{BB962C8B-B14F-4D97-AF65-F5344CB8AC3E}">
+        <p14:creationId xmlns:p14="http://schemas.microsoft.com/office/powerpoint/2010/main" val="315299380"/>
+      </p:ext>
+    </p:extLst>
+  </p:cSld>
+  <p:clrMapOvr>
+    <a:masterClrMapping/>
+  </p:clrMapOvr>
+</p:notes>
+</file>
+
+<file path=ppt/notesSlides/notesSlide16.xml><?xml version="1.0" encoding="utf-8"?>
+<p:notes xmlns:a="http://schemas.openxmlformats.org/drawingml/2006/main" xmlns:r="http://schemas.openxmlformats.org/officeDocument/2006/relationships" xmlns:p="http://schemas.openxmlformats.org/presentationml/2006/main" showMasterSp="0" showMasterPhAnim="0">
+  <p:cSld>
+    <p:spTree>
+      <p:nvGrpSpPr>
+        <p:cNvPr id="1" name="Shape 78"/>
+        <p:cNvGrpSpPr/>
+        <p:nvPr/>
+      </p:nvGrpSpPr>
+      <p:grpSpPr>
+        <a:xfrm>
+          <a:off x="0" y="0"/>
+          <a:ext cx="0" cy="0"/>
+          <a:chOff x="0" y="0"/>
+          <a:chExt cx="0" cy="0"/>
+        </a:xfrm>
+      </p:grpSpPr>
+      <p:sp>
+        <p:nvSpPr>
+          <p:cNvPr id="79" name="Google Shape;79;g9a5c1fcd70_0_36:notes"/>
+          <p:cNvSpPr>
+            <a:spLocks noGrp="1" noRot="1" noChangeAspect="1"/>
+          </p:cNvSpPr>
+          <p:nvPr>
+            <p:ph type="sldImg" idx="2"/>
+          </p:nvPr>
+        </p:nvSpPr>
+        <p:spPr>
+          <a:xfrm>
+            <a:off x="381000" y="685800"/>
+            <a:ext cx="6096000" cy="3429000"/>
+          </a:xfrm>
+          <a:custGeom>
+            <a:avLst/>
+            <a:gdLst/>
+            <a:ahLst/>
+            <a:cxnLst/>
+            <a:rect l="l" t="t" r="r" b="b"/>
+            <a:pathLst>
+              <a:path w="120000" h="120000" extrusionOk="0">
+                <a:moveTo>
+                  <a:pt x="0" y="0"/>
+                </a:moveTo>
+                <a:lnTo>
+                  <a:pt x="120000" y="0"/>
+                </a:lnTo>
+                <a:lnTo>
+                  <a:pt x="120000" y="120000"/>
+                </a:lnTo>
+                <a:lnTo>
+                  <a:pt x="0" y="120000"/>
+                </a:lnTo>
+                <a:close/>
+              </a:path>
+            </a:pathLst>
+          </a:custGeom>
+        </p:spPr>
+      </p:sp>
+      <p:sp>
+        <p:nvSpPr>
+          <p:cNvPr id="80" name="Google Shape;80;g9a5c1fcd70_0_36:notes"/>
+          <p:cNvSpPr txBox="1">
+            <a:spLocks noGrp="1"/>
+          </p:cNvSpPr>
+          <p:nvPr>
+            <p:ph type="body" idx="1"/>
+          </p:nvPr>
+        </p:nvSpPr>
+        <p:spPr>
+          <a:xfrm>
+            <a:off x="685800" y="4343400"/>
+            <a:ext cx="5486400" cy="4114800"/>
+          </a:xfrm>
+          <a:prstGeom prst="rect">
+            <a:avLst/>
+          </a:prstGeom>
+        </p:spPr>
+        <p:txBody>
+          <a:bodyPr spcFirstLastPara="1" wrap="square" lIns="91425" tIns="91425" rIns="91425" bIns="91425" anchor="t" anchorCtr="0">
+            <a:noAutofit/>
+          </a:bodyPr>
+          <a:lstStyle/>
+          <a:p>
+            <a:pPr marL="0" lvl="0" indent="0" algn="l" rtl="0">
+              <a:spcBef>
+                <a:spcPts val="0"/>
+              </a:spcBef>
+              <a:spcAft>
+                <a:spcPts val="0"/>
+              </a:spcAft>
+              <a:buNone/>
+            </a:pPr>
+            <a:endParaRPr/>
+          </a:p>
+        </p:txBody>
+      </p:sp>
+    </p:spTree>
+    <p:extLst>
+      <p:ext uri="{BB962C8B-B14F-4D97-AF65-F5344CB8AC3E}">
+        <p14:creationId xmlns:p14="http://schemas.microsoft.com/office/powerpoint/2010/main" val="2314003702"/>
+      </p:ext>
+    </p:extLst>
+  </p:cSld>
+  <p:clrMapOvr>
+    <a:masterClrMapping/>
+  </p:clrMapOvr>
+</p:notes>
+</file>
+
+<file path=ppt/notesSlides/notesSlide17.xml><?xml version="1.0" encoding="utf-8"?>
+<p:notes xmlns:a="http://schemas.openxmlformats.org/drawingml/2006/main" xmlns:r="http://schemas.openxmlformats.org/officeDocument/2006/relationships" xmlns:p="http://schemas.openxmlformats.org/presentationml/2006/main" showMasterSp="0" showMasterPhAnim="0">
+  <p:cSld>
+    <p:spTree>
+      <p:nvGrpSpPr>
+        <p:cNvPr id="1" name="Shape 78"/>
+        <p:cNvGrpSpPr/>
+        <p:nvPr/>
+      </p:nvGrpSpPr>
+      <p:grpSpPr>
+        <a:xfrm>
+          <a:off x="0" y="0"/>
+          <a:ext cx="0" cy="0"/>
+          <a:chOff x="0" y="0"/>
+          <a:chExt cx="0" cy="0"/>
+        </a:xfrm>
+      </p:grpSpPr>
+      <p:sp>
+        <p:nvSpPr>
+          <p:cNvPr id="79" name="Google Shape;79;g9a5c1fcd70_0_36:notes"/>
+          <p:cNvSpPr>
+            <a:spLocks noGrp="1" noRot="1" noChangeAspect="1"/>
+          </p:cNvSpPr>
+          <p:nvPr>
+            <p:ph type="sldImg" idx="2"/>
+          </p:nvPr>
+        </p:nvSpPr>
+        <p:spPr>
+          <a:xfrm>
+            <a:off x="381000" y="685800"/>
+            <a:ext cx="6096000" cy="3429000"/>
+          </a:xfrm>
+          <a:custGeom>
+            <a:avLst/>
+            <a:gdLst/>
+            <a:ahLst/>
+            <a:cxnLst/>
+            <a:rect l="l" t="t" r="r" b="b"/>
+            <a:pathLst>
+              <a:path w="120000" h="120000" extrusionOk="0">
+                <a:moveTo>
+                  <a:pt x="0" y="0"/>
+                </a:moveTo>
+                <a:lnTo>
+                  <a:pt x="120000" y="0"/>
+                </a:lnTo>
+                <a:lnTo>
+                  <a:pt x="120000" y="120000"/>
+                </a:lnTo>
+                <a:lnTo>
+                  <a:pt x="0" y="120000"/>
+                </a:lnTo>
+                <a:close/>
+              </a:path>
+            </a:pathLst>
+          </a:custGeom>
+        </p:spPr>
+      </p:sp>
+      <p:sp>
+        <p:nvSpPr>
+          <p:cNvPr id="80" name="Google Shape;80;g9a5c1fcd70_0_36:notes"/>
+          <p:cNvSpPr txBox="1">
+            <a:spLocks noGrp="1"/>
+          </p:cNvSpPr>
+          <p:nvPr>
+            <p:ph type="body" idx="1"/>
+          </p:nvPr>
+        </p:nvSpPr>
+        <p:spPr>
+          <a:xfrm>
+            <a:off x="685800" y="4343400"/>
+            <a:ext cx="5486400" cy="4114800"/>
+          </a:xfrm>
+          <a:prstGeom prst="rect">
+            <a:avLst/>
+          </a:prstGeom>
+        </p:spPr>
+        <p:txBody>
+          <a:bodyPr spcFirstLastPara="1" wrap="square" lIns="91425" tIns="91425" rIns="91425" bIns="91425" anchor="t" anchorCtr="0">
+            <a:noAutofit/>
+          </a:bodyPr>
+          <a:lstStyle/>
+          <a:p>
+            <a:pPr marL="0" lvl="0" indent="0" algn="l" rtl="0">
+              <a:spcBef>
+                <a:spcPts val="0"/>
+              </a:spcBef>
+              <a:spcAft>
+                <a:spcPts val="0"/>
+              </a:spcAft>
+              <a:buNone/>
+            </a:pPr>
+            <a:endParaRPr/>
+          </a:p>
+        </p:txBody>
+      </p:sp>
+    </p:spTree>
+    <p:extLst>
+      <p:ext uri="{BB962C8B-B14F-4D97-AF65-F5344CB8AC3E}">
+        <p14:creationId xmlns:p14="http://schemas.microsoft.com/office/powerpoint/2010/main" val="3367261048"/>
+      </p:ext>
+    </p:extLst>
+  </p:cSld>
+  <p:clrMapOvr>
+    <a:masterClrMapping/>
+  </p:clrMapOvr>
+</p:notes>
+</file>
+
+<file path=ppt/notesSlides/notesSlide18.xml><?xml version="1.0" encoding="utf-8"?>
+<p:notes xmlns:a="http://schemas.openxmlformats.org/drawingml/2006/main" xmlns:r="http://schemas.openxmlformats.org/officeDocument/2006/relationships" xmlns:p="http://schemas.openxmlformats.org/presentationml/2006/main" showMasterSp="0" showMasterPhAnim="0">
+  <p:cSld>
+    <p:spTree>
+      <p:nvGrpSpPr>
+        <p:cNvPr id="1" name="Shape 78"/>
+        <p:cNvGrpSpPr/>
+        <p:nvPr/>
+      </p:nvGrpSpPr>
+      <p:grpSpPr>
+        <a:xfrm>
+          <a:off x="0" y="0"/>
+          <a:ext cx="0" cy="0"/>
+          <a:chOff x="0" y="0"/>
+          <a:chExt cx="0" cy="0"/>
+        </a:xfrm>
+      </p:grpSpPr>
+      <p:sp>
+        <p:nvSpPr>
+          <p:cNvPr id="79" name="Google Shape;79;g9a5c1fcd70_0_36:notes"/>
+          <p:cNvSpPr>
+            <a:spLocks noGrp="1" noRot="1" noChangeAspect="1"/>
+          </p:cNvSpPr>
+          <p:nvPr>
+            <p:ph type="sldImg" idx="2"/>
+          </p:nvPr>
+        </p:nvSpPr>
+        <p:spPr>
+          <a:xfrm>
+            <a:off x="381000" y="685800"/>
+            <a:ext cx="6096000" cy="3429000"/>
+          </a:xfrm>
+          <a:custGeom>
+            <a:avLst/>
+            <a:gdLst/>
+            <a:ahLst/>
+            <a:cxnLst/>
+            <a:rect l="l" t="t" r="r" b="b"/>
+            <a:pathLst>
+              <a:path w="120000" h="120000" extrusionOk="0">
+                <a:moveTo>
+                  <a:pt x="0" y="0"/>
+                </a:moveTo>
+                <a:lnTo>
+                  <a:pt x="120000" y="0"/>
+                </a:lnTo>
+                <a:lnTo>
+                  <a:pt x="120000" y="120000"/>
+                </a:lnTo>
+                <a:lnTo>
+                  <a:pt x="0" y="120000"/>
+                </a:lnTo>
+                <a:close/>
+              </a:path>
+            </a:pathLst>
+          </a:custGeom>
+        </p:spPr>
+      </p:sp>
+      <p:sp>
+        <p:nvSpPr>
+          <p:cNvPr id="80" name="Google Shape;80;g9a5c1fcd70_0_36:notes"/>
+          <p:cNvSpPr txBox="1">
+            <a:spLocks noGrp="1"/>
+          </p:cNvSpPr>
+          <p:nvPr>
+            <p:ph type="body" idx="1"/>
+          </p:nvPr>
+        </p:nvSpPr>
+        <p:spPr>
+          <a:xfrm>
+            <a:off x="685800" y="4343400"/>
+            <a:ext cx="5486400" cy="4114800"/>
+          </a:xfrm>
+          <a:prstGeom prst="rect">
+            <a:avLst/>
+          </a:prstGeom>
+        </p:spPr>
+        <p:txBody>
+          <a:bodyPr spcFirstLastPara="1" wrap="square" lIns="91425" tIns="91425" rIns="91425" bIns="91425" anchor="t" anchorCtr="0">
+            <a:noAutofit/>
+          </a:bodyPr>
+          <a:lstStyle/>
+          <a:p>
+            <a:pPr marL="0" lvl="0" indent="0" algn="l" rtl="0">
+              <a:spcBef>
+                <a:spcPts val="0"/>
+              </a:spcBef>
+              <a:spcAft>
+                <a:spcPts val="0"/>
+              </a:spcAft>
+              <a:buNone/>
+            </a:pPr>
+            <a:endParaRPr/>
+          </a:p>
+        </p:txBody>
+      </p:sp>
+    </p:spTree>
+    <p:extLst>
+      <p:ext uri="{BB962C8B-B14F-4D97-AF65-F5344CB8AC3E}">
+        <p14:creationId xmlns:p14="http://schemas.microsoft.com/office/powerpoint/2010/main" val="816578523"/>
+      </p:ext>
+    </p:extLst>
+  </p:cSld>
+  <p:clrMapOvr>
+    <a:masterClrMapping/>
+  </p:clrMapOvr>
+</p:notes>
+</file>
+
+<file path=ppt/notesSlides/notesSlide19.xml><?xml version="1.0" encoding="utf-8"?>
+<p:notes xmlns:a="http://schemas.openxmlformats.org/drawingml/2006/main" xmlns:r="http://schemas.openxmlformats.org/officeDocument/2006/relationships" xmlns:p="http://schemas.openxmlformats.org/presentationml/2006/main" showMasterSp="0" showMasterPhAnim="0">
+  <p:cSld>
+    <p:spTree>
+      <p:nvGrpSpPr>
+        <p:cNvPr id="1" name="Shape 78"/>
+        <p:cNvGrpSpPr/>
+        <p:nvPr/>
+      </p:nvGrpSpPr>
+      <p:grpSpPr>
+        <a:xfrm>
+          <a:off x="0" y="0"/>
+          <a:ext cx="0" cy="0"/>
+          <a:chOff x="0" y="0"/>
+          <a:chExt cx="0" cy="0"/>
+        </a:xfrm>
+      </p:grpSpPr>
+      <p:sp>
+        <p:nvSpPr>
+          <p:cNvPr id="79" name="Google Shape;79;g9a5c1fcd70_0_36:notes"/>
+          <p:cNvSpPr>
+            <a:spLocks noGrp="1" noRot="1" noChangeAspect="1"/>
+          </p:cNvSpPr>
+          <p:nvPr>
+            <p:ph type="sldImg" idx="2"/>
+          </p:nvPr>
+        </p:nvSpPr>
+        <p:spPr>
+          <a:xfrm>
+            <a:off x="381000" y="685800"/>
+            <a:ext cx="6096000" cy="3429000"/>
+          </a:xfrm>
+          <a:custGeom>
+            <a:avLst/>
+            <a:gdLst/>
+            <a:ahLst/>
+            <a:cxnLst/>
+            <a:rect l="l" t="t" r="r" b="b"/>
+            <a:pathLst>
+              <a:path w="120000" h="120000" extrusionOk="0">
+                <a:moveTo>
+                  <a:pt x="0" y="0"/>
+                </a:moveTo>
+                <a:lnTo>
+                  <a:pt x="120000" y="0"/>
+                </a:lnTo>
+                <a:lnTo>
+                  <a:pt x="120000" y="120000"/>
+                </a:lnTo>
+                <a:lnTo>
+                  <a:pt x="0" y="120000"/>
+                </a:lnTo>
+                <a:close/>
+              </a:path>
+            </a:pathLst>
+          </a:custGeom>
+        </p:spPr>
+      </p:sp>
+      <p:sp>
+        <p:nvSpPr>
+          <p:cNvPr id="80" name="Google Shape;80;g9a5c1fcd70_0_36:notes"/>
+          <p:cNvSpPr txBox="1">
+            <a:spLocks noGrp="1"/>
+          </p:cNvSpPr>
+          <p:nvPr>
+            <p:ph type="body" idx="1"/>
+          </p:nvPr>
+        </p:nvSpPr>
+        <p:spPr>
+          <a:xfrm>
+            <a:off x="685800" y="4343400"/>
+            <a:ext cx="5486400" cy="4114800"/>
+          </a:xfrm>
+          <a:prstGeom prst="rect">
+            <a:avLst/>
+          </a:prstGeom>
+        </p:spPr>
+        <p:txBody>
+          <a:bodyPr spcFirstLastPara="1" wrap="square" lIns="91425" tIns="91425" rIns="91425" bIns="91425" anchor="t" anchorCtr="0">
+            <a:noAutofit/>
+          </a:bodyPr>
+          <a:lstStyle/>
+          <a:p>
+            <a:pPr marL="0" lvl="0" indent="0" algn="l" rtl="0">
+              <a:spcBef>
+                <a:spcPts val="0"/>
+              </a:spcBef>
+              <a:spcAft>
+                <a:spcPts val="0"/>
+              </a:spcAft>
+              <a:buNone/>
+            </a:pPr>
+            <a:endParaRPr/>
+          </a:p>
+        </p:txBody>
+      </p:sp>
+    </p:spTree>
+    <p:extLst>
+      <p:ext uri="{BB962C8B-B14F-4D97-AF65-F5344CB8AC3E}">
+        <p14:creationId xmlns:p14="http://schemas.microsoft.com/office/powerpoint/2010/main" val="4078961299"/>
+      </p:ext>
+    </p:extLst>
   </p:cSld>
   <p:clrMapOvr>
     <a:masterClrMapping/>
@@ -5991,6 +7168,110 @@
 </p:notes>
 </file>
 
+<file path=ppt/notesSlides/notesSlide20.xml><?xml version="1.0" encoding="utf-8"?>
+<p:notes xmlns:a="http://schemas.openxmlformats.org/drawingml/2006/main" xmlns:r="http://schemas.openxmlformats.org/officeDocument/2006/relationships" xmlns:p="http://schemas.openxmlformats.org/presentationml/2006/main" showMasterSp="0" showMasterPhAnim="0">
+  <p:cSld>
+    <p:spTree>
+      <p:nvGrpSpPr>
+        <p:cNvPr id="1" name="Shape 186"/>
+        <p:cNvGrpSpPr/>
+        <p:nvPr/>
+      </p:nvGrpSpPr>
+      <p:grpSpPr>
+        <a:xfrm>
+          <a:off x="0" y="0"/>
+          <a:ext cx="0" cy="0"/>
+          <a:chOff x="0" y="0"/>
+          <a:chExt cx="0" cy="0"/>
+        </a:xfrm>
+      </p:grpSpPr>
+      <p:sp>
+        <p:nvSpPr>
+          <p:cNvPr id="187" name="Google Shape;187;g9a5c1fcd70_3_0:notes"/>
+          <p:cNvSpPr>
+            <a:spLocks noGrp="1" noRot="1" noChangeAspect="1"/>
+          </p:cNvSpPr>
+          <p:nvPr>
+            <p:ph type="sldImg" idx="2"/>
+          </p:nvPr>
+        </p:nvSpPr>
+        <p:spPr>
+          <a:xfrm>
+            <a:off x="381000" y="685800"/>
+            <a:ext cx="6096000" cy="3429000"/>
+          </a:xfrm>
+          <a:custGeom>
+            <a:avLst/>
+            <a:gdLst/>
+            <a:ahLst/>
+            <a:cxnLst/>
+            <a:rect l="l" t="t" r="r" b="b"/>
+            <a:pathLst>
+              <a:path w="120000" h="120000" extrusionOk="0">
+                <a:moveTo>
+                  <a:pt x="0" y="0"/>
+                </a:moveTo>
+                <a:lnTo>
+                  <a:pt x="120000" y="0"/>
+                </a:lnTo>
+                <a:lnTo>
+                  <a:pt x="120000" y="120000"/>
+                </a:lnTo>
+                <a:lnTo>
+                  <a:pt x="0" y="120000"/>
+                </a:lnTo>
+                <a:close/>
+              </a:path>
+            </a:pathLst>
+          </a:custGeom>
+        </p:spPr>
+      </p:sp>
+      <p:sp>
+        <p:nvSpPr>
+          <p:cNvPr id="188" name="Google Shape;188;g9a5c1fcd70_3_0:notes"/>
+          <p:cNvSpPr txBox="1">
+            <a:spLocks noGrp="1"/>
+          </p:cNvSpPr>
+          <p:nvPr>
+            <p:ph type="body" idx="1"/>
+          </p:nvPr>
+        </p:nvSpPr>
+        <p:spPr>
+          <a:xfrm>
+            <a:off x="685800" y="4343400"/>
+            <a:ext cx="5486400" cy="4114800"/>
+          </a:xfrm>
+          <a:prstGeom prst="rect">
+            <a:avLst/>
+          </a:prstGeom>
+        </p:spPr>
+        <p:txBody>
+          <a:bodyPr spcFirstLastPara="1" wrap="square" lIns="91425" tIns="91425" rIns="91425" bIns="91425" anchor="t" anchorCtr="0">
+            <a:noAutofit/>
+          </a:bodyPr>
+          <a:lstStyle/>
+          <a:p>
+            <a:pPr marL="0" lvl="0" indent="0" algn="l" rtl="0">
+              <a:spcBef>
+                <a:spcPts val="0"/>
+              </a:spcBef>
+              <a:spcAft>
+                <a:spcPts val="0"/>
+              </a:spcAft>
+              <a:buNone/>
+            </a:pPr>
+            <a:endParaRPr/>
+          </a:p>
+        </p:txBody>
+      </p:sp>
+    </p:spTree>
+  </p:cSld>
+  <p:clrMapOvr>
+    <a:masterClrMapping/>
+  </p:clrMapOvr>
+</p:notes>
+</file>
+
 <file path=ppt/notesSlides/notesSlide3.xml><?xml version="1.0" encoding="utf-8"?>
 <p:notes xmlns:a="http://schemas.openxmlformats.org/drawingml/2006/main" xmlns:r="http://schemas.openxmlformats.org/officeDocument/2006/relationships" xmlns:p="http://schemas.openxmlformats.org/presentationml/2006/main" showMasterSp="0" showMasterPhAnim="0">
   <p:cSld>
@@ -6090,7 +7371,7 @@
     </p:spTree>
     <p:extLst>
       <p:ext uri="{BB962C8B-B14F-4D97-AF65-F5344CB8AC3E}">
-        <p14:creationId xmlns:p14="http://schemas.microsoft.com/office/powerpoint/2010/main" val="1368170428"/>
+        <p14:creationId xmlns:p14="http://schemas.microsoft.com/office/powerpoint/2010/main" val="865276598"/>
       </p:ext>
     </p:extLst>
   </p:cSld>
@@ -6199,7 +7480,7 @@
     </p:spTree>
     <p:extLst>
       <p:ext uri="{BB962C8B-B14F-4D97-AF65-F5344CB8AC3E}">
-        <p14:creationId xmlns:p14="http://schemas.microsoft.com/office/powerpoint/2010/main" val="3493554528"/>
+        <p14:creationId xmlns:p14="http://schemas.microsoft.com/office/powerpoint/2010/main" val="1368170428"/>
       </p:ext>
     </p:extLst>
   </p:cSld>
@@ -6308,7 +7589,7 @@
     </p:spTree>
     <p:extLst>
       <p:ext uri="{BB962C8B-B14F-4D97-AF65-F5344CB8AC3E}">
-        <p14:creationId xmlns:p14="http://schemas.microsoft.com/office/powerpoint/2010/main" val="3087716535"/>
+        <p14:creationId xmlns:p14="http://schemas.microsoft.com/office/powerpoint/2010/main" val="3493554528"/>
       </p:ext>
     </p:extLst>
   </p:cSld>
@@ -6417,7 +7698,7 @@
     </p:spTree>
     <p:extLst>
       <p:ext uri="{BB962C8B-B14F-4D97-AF65-F5344CB8AC3E}">
-        <p14:creationId xmlns:p14="http://schemas.microsoft.com/office/powerpoint/2010/main" val="2223902243"/>
+        <p14:creationId xmlns:p14="http://schemas.microsoft.com/office/powerpoint/2010/main" val="3087716535"/>
       </p:ext>
     </p:extLst>
   </p:cSld>
@@ -6526,7 +7807,7 @@
     </p:spTree>
     <p:extLst>
       <p:ext uri="{BB962C8B-B14F-4D97-AF65-F5344CB8AC3E}">
-        <p14:creationId xmlns:p14="http://schemas.microsoft.com/office/powerpoint/2010/main" val="119036607"/>
+        <p14:creationId xmlns:p14="http://schemas.microsoft.com/office/powerpoint/2010/main" val="2223902243"/>
       </p:ext>
     </p:extLst>
   </p:cSld>
@@ -6635,7 +7916,7 @@
     </p:spTree>
     <p:extLst>
       <p:ext uri="{BB962C8B-B14F-4D97-AF65-F5344CB8AC3E}">
-        <p14:creationId xmlns:p14="http://schemas.microsoft.com/office/powerpoint/2010/main" val="1323320107"/>
+        <p14:creationId xmlns:p14="http://schemas.microsoft.com/office/powerpoint/2010/main" val="119036607"/>
       </p:ext>
     </p:extLst>
   </p:cSld>
@@ -6744,7 +8025,7 @@
     </p:spTree>
     <p:extLst>
       <p:ext uri="{BB962C8B-B14F-4D97-AF65-F5344CB8AC3E}">
-        <p14:creationId xmlns:p14="http://schemas.microsoft.com/office/powerpoint/2010/main" val="919353781"/>
+        <p14:creationId xmlns:p14="http://schemas.microsoft.com/office/powerpoint/2010/main" val="1323320107"/>
       </p:ext>
     </p:extLst>
   </p:cSld>
@@ -7144,6 +8425,2497 @@
 </file>
 
 <file path=ppt/slideLayouts/slideLayout10.xml><?xml version="1.0" encoding="utf-8"?>
+<p:sldLayout xmlns:a="http://schemas.openxmlformats.org/drawingml/2006/main" xmlns:r="http://schemas.openxmlformats.org/officeDocument/2006/relationships" xmlns:p="http://schemas.openxmlformats.org/presentationml/2006/main" matchingName="Blank" type="blank">
+  <p:cSld name="BLANK">
+    <p:spTree>
+      <p:nvGrpSpPr>
+        <p:cNvPr id="1" name="Shape 48"/>
+        <p:cNvGrpSpPr/>
+        <p:nvPr/>
+      </p:nvGrpSpPr>
+      <p:grpSpPr>
+        <a:xfrm>
+          <a:off x="0" y="0"/>
+          <a:ext cx="0" cy="0"/>
+          <a:chOff x="0" y="0"/>
+          <a:chExt cx="0" cy="0"/>
+        </a:xfrm>
+      </p:grpSpPr>
+      <p:sp>
+        <p:nvSpPr>
+          <p:cNvPr id="49" name="Google Shape;49;p12"/>
+          <p:cNvSpPr txBox="1">
+            <a:spLocks noGrp="1"/>
+          </p:cNvSpPr>
+          <p:nvPr>
+            <p:ph type="sldNum" idx="12"/>
+          </p:nvPr>
+        </p:nvSpPr>
+        <p:spPr>
+          <a:xfrm>
+            <a:off x="8472458" y="4663217"/>
+            <a:ext cx="548700" cy="393600"/>
+          </a:xfrm>
+          <a:prstGeom prst="rect">
+            <a:avLst/>
+          </a:prstGeom>
+        </p:spPr>
+        <p:txBody>
+          <a:bodyPr spcFirstLastPara="1" wrap="square" lIns="91425" tIns="91425" rIns="91425" bIns="91425" anchor="ctr" anchorCtr="0">
+            <a:noAutofit/>
+          </a:bodyPr>
+          <a:lstStyle>
+            <a:lvl1pPr lvl="0">
+              <a:buNone/>
+              <a:defRPr/>
+            </a:lvl1pPr>
+            <a:lvl2pPr lvl="1">
+              <a:buNone/>
+              <a:defRPr/>
+            </a:lvl2pPr>
+            <a:lvl3pPr lvl="2">
+              <a:buNone/>
+              <a:defRPr/>
+            </a:lvl3pPr>
+            <a:lvl4pPr lvl="3">
+              <a:buNone/>
+              <a:defRPr/>
+            </a:lvl4pPr>
+            <a:lvl5pPr lvl="4">
+              <a:buNone/>
+              <a:defRPr/>
+            </a:lvl5pPr>
+            <a:lvl6pPr lvl="5">
+              <a:buNone/>
+              <a:defRPr/>
+            </a:lvl6pPr>
+            <a:lvl7pPr lvl="6">
+              <a:buNone/>
+              <a:defRPr/>
+            </a:lvl7pPr>
+            <a:lvl8pPr lvl="7">
+              <a:buNone/>
+              <a:defRPr/>
+            </a:lvl8pPr>
+            <a:lvl9pPr lvl="8">
+              <a:buNone/>
+              <a:defRPr/>
+            </a:lvl9pPr>
+          </a:lstStyle>
+          <a:p>
+            <a:pPr marL="0" lvl="0" indent="0" algn="r" rtl="0">
+              <a:spcBef>
+                <a:spcPts val="0"/>
+              </a:spcBef>
+              <a:spcAft>
+                <a:spcPts val="0"/>
+              </a:spcAft>
+              <a:buNone/>
+            </a:pPr>
+            <a:fld id="{00000000-1234-1234-1234-123412341234}" type="slidenum">
+              <a:rPr lang="en"/>
+              <a:t>‹#›</a:t>
+            </a:fld>
+            <a:endParaRPr/>
+          </a:p>
+        </p:txBody>
+      </p:sp>
+    </p:spTree>
+  </p:cSld>
+  <p:clrMapOvr>
+    <a:masterClrMapping/>
+  </p:clrMapOvr>
+</p:sldLayout>
+</file>
+
+<file path=ppt/slideLayouts/slideLayout2.xml><?xml version="1.0" encoding="utf-8"?>
+<p:sldLayout xmlns:a="http://schemas.openxmlformats.org/drawingml/2006/main" xmlns:r="http://schemas.openxmlformats.org/officeDocument/2006/relationships" xmlns:p="http://schemas.openxmlformats.org/presentationml/2006/main" matchingName="Title and body" type="tx">
+  <p:cSld name="TITLE_AND_BODY">
+    <p:spTree>
+      <p:nvGrpSpPr>
+        <p:cNvPr id="1" name="Shape 16"/>
+        <p:cNvGrpSpPr/>
+        <p:nvPr/>
+      </p:nvGrpSpPr>
+      <p:grpSpPr>
+        <a:xfrm>
+          <a:off x="0" y="0"/>
+          <a:ext cx="0" cy="0"/>
+          <a:chOff x="0" y="0"/>
+          <a:chExt cx="0" cy="0"/>
+        </a:xfrm>
+      </p:grpSpPr>
+      <p:sp>
+        <p:nvSpPr>
+          <p:cNvPr id="17" name="Google Shape;17;p4"/>
+          <p:cNvSpPr txBox="1">
+            <a:spLocks noGrp="1"/>
+          </p:cNvSpPr>
+          <p:nvPr>
+            <p:ph type="title"/>
+          </p:nvPr>
+        </p:nvSpPr>
+        <p:spPr>
+          <a:xfrm>
+            <a:off x="311700" y="445025"/>
+            <a:ext cx="8520600" cy="572700"/>
+          </a:xfrm>
+          <a:prstGeom prst="rect">
+            <a:avLst/>
+          </a:prstGeom>
+        </p:spPr>
+        <p:txBody>
+          <a:bodyPr spcFirstLastPara="1" wrap="square" lIns="91425" tIns="91425" rIns="91425" bIns="91425" anchor="t" anchorCtr="0">
+            <a:noAutofit/>
+          </a:bodyPr>
+          <a:lstStyle>
+            <a:lvl1pPr lvl="0">
+              <a:spcBef>
+                <a:spcPts val="0"/>
+              </a:spcBef>
+              <a:spcAft>
+                <a:spcPts val="0"/>
+              </a:spcAft>
+              <a:buSzPts val="2800"/>
+              <a:buNone/>
+              <a:defRPr/>
+            </a:lvl1pPr>
+            <a:lvl2pPr lvl="1">
+              <a:spcBef>
+                <a:spcPts val="0"/>
+              </a:spcBef>
+              <a:spcAft>
+                <a:spcPts val="0"/>
+              </a:spcAft>
+              <a:buSzPts val="2800"/>
+              <a:buNone/>
+              <a:defRPr/>
+            </a:lvl2pPr>
+            <a:lvl3pPr lvl="2">
+              <a:spcBef>
+                <a:spcPts val="0"/>
+              </a:spcBef>
+              <a:spcAft>
+                <a:spcPts val="0"/>
+              </a:spcAft>
+              <a:buSzPts val="2800"/>
+              <a:buNone/>
+              <a:defRPr/>
+            </a:lvl3pPr>
+            <a:lvl4pPr lvl="3">
+              <a:spcBef>
+                <a:spcPts val="0"/>
+              </a:spcBef>
+              <a:spcAft>
+                <a:spcPts val="0"/>
+              </a:spcAft>
+              <a:buSzPts val="2800"/>
+              <a:buNone/>
+              <a:defRPr/>
+            </a:lvl4pPr>
+            <a:lvl5pPr lvl="4">
+              <a:spcBef>
+                <a:spcPts val="0"/>
+              </a:spcBef>
+              <a:spcAft>
+                <a:spcPts val="0"/>
+              </a:spcAft>
+              <a:buSzPts val="2800"/>
+              <a:buNone/>
+              <a:defRPr/>
+            </a:lvl5pPr>
+            <a:lvl6pPr lvl="5">
+              <a:spcBef>
+                <a:spcPts val="0"/>
+              </a:spcBef>
+              <a:spcAft>
+                <a:spcPts val="0"/>
+              </a:spcAft>
+              <a:buSzPts val="2800"/>
+              <a:buNone/>
+              <a:defRPr/>
+            </a:lvl6pPr>
+            <a:lvl7pPr lvl="6">
+              <a:spcBef>
+                <a:spcPts val="0"/>
+              </a:spcBef>
+              <a:spcAft>
+                <a:spcPts val="0"/>
+              </a:spcAft>
+              <a:buSzPts val="2800"/>
+              <a:buNone/>
+              <a:defRPr/>
+            </a:lvl7pPr>
+            <a:lvl8pPr lvl="7">
+              <a:spcBef>
+                <a:spcPts val="0"/>
+              </a:spcBef>
+              <a:spcAft>
+                <a:spcPts val="0"/>
+              </a:spcAft>
+              <a:buSzPts val="2800"/>
+              <a:buNone/>
+              <a:defRPr/>
+            </a:lvl8pPr>
+            <a:lvl9pPr lvl="8">
+              <a:spcBef>
+                <a:spcPts val="0"/>
+              </a:spcBef>
+              <a:spcAft>
+                <a:spcPts val="0"/>
+              </a:spcAft>
+              <a:buSzPts val="2800"/>
+              <a:buNone/>
+              <a:defRPr/>
+            </a:lvl9pPr>
+          </a:lstStyle>
+          <a:p>
+            <a:endParaRPr/>
+          </a:p>
+        </p:txBody>
+      </p:sp>
+      <p:sp>
+        <p:nvSpPr>
+          <p:cNvPr id="18" name="Google Shape;18;p4"/>
+          <p:cNvSpPr txBox="1">
+            <a:spLocks noGrp="1"/>
+          </p:cNvSpPr>
+          <p:nvPr>
+            <p:ph type="body" idx="1"/>
+          </p:nvPr>
+        </p:nvSpPr>
+        <p:spPr>
+          <a:xfrm>
+            <a:off x="311700" y="1152475"/>
+            <a:ext cx="8520600" cy="3416400"/>
+          </a:xfrm>
+          <a:prstGeom prst="rect">
+            <a:avLst/>
+          </a:prstGeom>
+        </p:spPr>
+        <p:txBody>
+          <a:bodyPr spcFirstLastPara="1" wrap="square" lIns="91425" tIns="91425" rIns="91425" bIns="91425" anchor="t" anchorCtr="0">
+            <a:noAutofit/>
+          </a:bodyPr>
+          <a:lstStyle>
+            <a:lvl1pPr marL="457200" lvl="0" indent="-342900">
+              <a:spcBef>
+                <a:spcPts val="0"/>
+              </a:spcBef>
+              <a:spcAft>
+                <a:spcPts val="0"/>
+              </a:spcAft>
+              <a:buSzPts val="1800"/>
+              <a:buChar char="●"/>
+              <a:defRPr/>
+            </a:lvl1pPr>
+            <a:lvl2pPr marL="914400" lvl="1" indent="-317500">
+              <a:spcBef>
+                <a:spcPts val="1600"/>
+              </a:spcBef>
+              <a:spcAft>
+                <a:spcPts val="0"/>
+              </a:spcAft>
+              <a:buSzPts val="1400"/>
+              <a:buChar char="○"/>
+              <a:defRPr/>
+            </a:lvl2pPr>
+            <a:lvl3pPr marL="1371600" lvl="2" indent="-317500">
+              <a:spcBef>
+                <a:spcPts val="1600"/>
+              </a:spcBef>
+              <a:spcAft>
+                <a:spcPts val="0"/>
+              </a:spcAft>
+              <a:buSzPts val="1400"/>
+              <a:buChar char="■"/>
+              <a:defRPr/>
+            </a:lvl3pPr>
+            <a:lvl4pPr marL="1828800" lvl="3" indent="-317500">
+              <a:spcBef>
+                <a:spcPts val="1600"/>
+              </a:spcBef>
+              <a:spcAft>
+                <a:spcPts val="0"/>
+              </a:spcAft>
+              <a:buSzPts val="1400"/>
+              <a:buChar char="●"/>
+              <a:defRPr/>
+            </a:lvl4pPr>
+            <a:lvl5pPr marL="2286000" lvl="4" indent="-317500">
+              <a:spcBef>
+                <a:spcPts val="1600"/>
+              </a:spcBef>
+              <a:spcAft>
+                <a:spcPts val="0"/>
+              </a:spcAft>
+              <a:buSzPts val="1400"/>
+              <a:buChar char="○"/>
+              <a:defRPr/>
+            </a:lvl5pPr>
+            <a:lvl6pPr marL="2743200" lvl="5" indent="-317500">
+              <a:spcBef>
+                <a:spcPts val="1600"/>
+              </a:spcBef>
+              <a:spcAft>
+                <a:spcPts val="0"/>
+              </a:spcAft>
+              <a:buSzPts val="1400"/>
+              <a:buChar char="■"/>
+              <a:defRPr/>
+            </a:lvl6pPr>
+            <a:lvl7pPr marL="3200400" lvl="6" indent="-317500">
+              <a:spcBef>
+                <a:spcPts val="1600"/>
+              </a:spcBef>
+              <a:spcAft>
+                <a:spcPts val="0"/>
+              </a:spcAft>
+              <a:buSzPts val="1400"/>
+              <a:buChar char="●"/>
+              <a:defRPr/>
+            </a:lvl7pPr>
+            <a:lvl8pPr marL="3657600" lvl="7" indent="-317500">
+              <a:spcBef>
+                <a:spcPts val="1600"/>
+              </a:spcBef>
+              <a:spcAft>
+                <a:spcPts val="0"/>
+              </a:spcAft>
+              <a:buSzPts val="1400"/>
+              <a:buChar char="○"/>
+              <a:defRPr/>
+            </a:lvl8pPr>
+            <a:lvl9pPr marL="4114800" lvl="8" indent="-317500">
+              <a:spcBef>
+                <a:spcPts val="1600"/>
+              </a:spcBef>
+              <a:spcAft>
+                <a:spcPts val="1600"/>
+              </a:spcAft>
+              <a:buSzPts val="1400"/>
+              <a:buChar char="■"/>
+              <a:defRPr/>
+            </a:lvl9pPr>
+          </a:lstStyle>
+          <a:p>
+            <a:endParaRPr/>
+          </a:p>
+        </p:txBody>
+      </p:sp>
+      <p:sp>
+        <p:nvSpPr>
+          <p:cNvPr id="19" name="Google Shape;19;p4"/>
+          <p:cNvSpPr txBox="1">
+            <a:spLocks noGrp="1"/>
+          </p:cNvSpPr>
+          <p:nvPr>
+            <p:ph type="sldNum" idx="12"/>
+          </p:nvPr>
+        </p:nvSpPr>
+        <p:spPr>
+          <a:xfrm>
+            <a:off x="8472458" y="4663217"/>
+            <a:ext cx="548700" cy="393600"/>
+          </a:xfrm>
+          <a:prstGeom prst="rect">
+            <a:avLst/>
+          </a:prstGeom>
+        </p:spPr>
+        <p:txBody>
+          <a:bodyPr spcFirstLastPara="1" wrap="square" lIns="91425" tIns="91425" rIns="91425" bIns="91425" anchor="ctr" anchorCtr="0">
+            <a:noAutofit/>
+          </a:bodyPr>
+          <a:lstStyle>
+            <a:lvl1pPr lvl="0">
+              <a:buNone/>
+              <a:defRPr/>
+            </a:lvl1pPr>
+            <a:lvl2pPr lvl="1">
+              <a:buNone/>
+              <a:defRPr/>
+            </a:lvl2pPr>
+            <a:lvl3pPr lvl="2">
+              <a:buNone/>
+              <a:defRPr/>
+            </a:lvl3pPr>
+            <a:lvl4pPr lvl="3">
+              <a:buNone/>
+              <a:defRPr/>
+            </a:lvl4pPr>
+            <a:lvl5pPr lvl="4">
+              <a:buNone/>
+              <a:defRPr/>
+            </a:lvl5pPr>
+            <a:lvl6pPr lvl="5">
+              <a:buNone/>
+              <a:defRPr/>
+            </a:lvl6pPr>
+            <a:lvl7pPr lvl="6">
+              <a:buNone/>
+              <a:defRPr/>
+            </a:lvl7pPr>
+            <a:lvl8pPr lvl="7">
+              <a:buNone/>
+              <a:defRPr/>
+            </a:lvl8pPr>
+            <a:lvl9pPr lvl="8">
+              <a:buNone/>
+              <a:defRPr/>
+            </a:lvl9pPr>
+          </a:lstStyle>
+          <a:p>
+            <a:pPr marL="0" lvl="0" indent="0" algn="r" rtl="0">
+              <a:spcBef>
+                <a:spcPts val="0"/>
+              </a:spcBef>
+              <a:spcAft>
+                <a:spcPts val="0"/>
+              </a:spcAft>
+              <a:buNone/>
+            </a:pPr>
+            <a:fld id="{00000000-1234-1234-1234-123412341234}" type="slidenum">
+              <a:rPr lang="en"/>
+              <a:t>‹#›</a:t>
+            </a:fld>
+            <a:endParaRPr/>
+          </a:p>
+        </p:txBody>
+      </p:sp>
+    </p:spTree>
+  </p:cSld>
+  <p:clrMapOvr>
+    <a:masterClrMapping/>
+  </p:clrMapOvr>
+</p:sldLayout>
+</file>
+
+<file path=ppt/slideLayouts/slideLayout3.xml><?xml version="1.0" encoding="utf-8"?>
+<p:sldLayout xmlns:a="http://schemas.openxmlformats.org/drawingml/2006/main" xmlns:r="http://schemas.openxmlformats.org/officeDocument/2006/relationships" xmlns:p="http://schemas.openxmlformats.org/presentationml/2006/main" matchingName="Title and two columns" type="twoColTx">
+  <p:cSld name="TITLE_AND_TWO_COLUMNS">
+    <p:spTree>
+      <p:nvGrpSpPr>
+        <p:cNvPr id="1" name="Shape 20"/>
+        <p:cNvGrpSpPr/>
+        <p:nvPr/>
+      </p:nvGrpSpPr>
+      <p:grpSpPr>
+        <a:xfrm>
+          <a:off x="0" y="0"/>
+          <a:ext cx="0" cy="0"/>
+          <a:chOff x="0" y="0"/>
+          <a:chExt cx="0" cy="0"/>
+        </a:xfrm>
+      </p:grpSpPr>
+      <p:sp>
+        <p:nvSpPr>
+          <p:cNvPr id="21" name="Google Shape;21;p5"/>
+          <p:cNvSpPr txBox="1">
+            <a:spLocks noGrp="1"/>
+          </p:cNvSpPr>
+          <p:nvPr>
+            <p:ph type="title"/>
+          </p:nvPr>
+        </p:nvSpPr>
+        <p:spPr>
+          <a:xfrm>
+            <a:off x="311700" y="445025"/>
+            <a:ext cx="8520600" cy="572700"/>
+          </a:xfrm>
+          <a:prstGeom prst="rect">
+            <a:avLst/>
+          </a:prstGeom>
+        </p:spPr>
+        <p:txBody>
+          <a:bodyPr spcFirstLastPara="1" wrap="square" lIns="91425" tIns="91425" rIns="91425" bIns="91425" anchor="t" anchorCtr="0">
+            <a:noAutofit/>
+          </a:bodyPr>
+          <a:lstStyle>
+            <a:lvl1pPr lvl="0">
+              <a:spcBef>
+                <a:spcPts val="0"/>
+              </a:spcBef>
+              <a:spcAft>
+                <a:spcPts val="0"/>
+              </a:spcAft>
+              <a:buSzPts val="2800"/>
+              <a:buNone/>
+              <a:defRPr/>
+            </a:lvl1pPr>
+            <a:lvl2pPr lvl="1">
+              <a:spcBef>
+                <a:spcPts val="0"/>
+              </a:spcBef>
+              <a:spcAft>
+                <a:spcPts val="0"/>
+              </a:spcAft>
+              <a:buSzPts val="2800"/>
+              <a:buNone/>
+              <a:defRPr/>
+            </a:lvl2pPr>
+            <a:lvl3pPr lvl="2">
+              <a:spcBef>
+                <a:spcPts val="0"/>
+              </a:spcBef>
+              <a:spcAft>
+                <a:spcPts val="0"/>
+              </a:spcAft>
+              <a:buSzPts val="2800"/>
+              <a:buNone/>
+              <a:defRPr/>
+            </a:lvl3pPr>
+            <a:lvl4pPr lvl="3">
+              <a:spcBef>
+                <a:spcPts val="0"/>
+              </a:spcBef>
+              <a:spcAft>
+                <a:spcPts val="0"/>
+              </a:spcAft>
+              <a:buSzPts val="2800"/>
+              <a:buNone/>
+              <a:defRPr/>
+            </a:lvl4pPr>
+            <a:lvl5pPr lvl="4">
+              <a:spcBef>
+                <a:spcPts val="0"/>
+              </a:spcBef>
+              <a:spcAft>
+                <a:spcPts val="0"/>
+              </a:spcAft>
+              <a:buSzPts val="2800"/>
+              <a:buNone/>
+              <a:defRPr/>
+            </a:lvl5pPr>
+            <a:lvl6pPr lvl="5">
+              <a:spcBef>
+                <a:spcPts val="0"/>
+              </a:spcBef>
+              <a:spcAft>
+                <a:spcPts val="0"/>
+              </a:spcAft>
+              <a:buSzPts val="2800"/>
+              <a:buNone/>
+              <a:defRPr/>
+            </a:lvl6pPr>
+            <a:lvl7pPr lvl="6">
+              <a:spcBef>
+                <a:spcPts val="0"/>
+              </a:spcBef>
+              <a:spcAft>
+                <a:spcPts val="0"/>
+              </a:spcAft>
+              <a:buSzPts val="2800"/>
+              <a:buNone/>
+              <a:defRPr/>
+            </a:lvl7pPr>
+            <a:lvl8pPr lvl="7">
+              <a:spcBef>
+                <a:spcPts val="0"/>
+              </a:spcBef>
+              <a:spcAft>
+                <a:spcPts val="0"/>
+              </a:spcAft>
+              <a:buSzPts val="2800"/>
+              <a:buNone/>
+              <a:defRPr/>
+            </a:lvl8pPr>
+            <a:lvl9pPr lvl="8">
+              <a:spcBef>
+                <a:spcPts val="0"/>
+              </a:spcBef>
+              <a:spcAft>
+                <a:spcPts val="0"/>
+              </a:spcAft>
+              <a:buSzPts val="2800"/>
+              <a:buNone/>
+              <a:defRPr/>
+            </a:lvl9pPr>
+          </a:lstStyle>
+          <a:p>
+            <a:endParaRPr/>
+          </a:p>
+        </p:txBody>
+      </p:sp>
+      <p:sp>
+        <p:nvSpPr>
+          <p:cNvPr id="22" name="Google Shape;22;p5"/>
+          <p:cNvSpPr txBox="1">
+            <a:spLocks noGrp="1"/>
+          </p:cNvSpPr>
+          <p:nvPr>
+            <p:ph type="body" idx="1"/>
+          </p:nvPr>
+        </p:nvSpPr>
+        <p:spPr>
+          <a:xfrm>
+            <a:off x="311700" y="1152475"/>
+            <a:ext cx="3999900" cy="3416400"/>
+          </a:xfrm>
+          <a:prstGeom prst="rect">
+            <a:avLst/>
+          </a:prstGeom>
+        </p:spPr>
+        <p:txBody>
+          <a:bodyPr spcFirstLastPara="1" wrap="square" lIns="91425" tIns="91425" rIns="91425" bIns="91425" anchor="t" anchorCtr="0">
+            <a:noAutofit/>
+          </a:bodyPr>
+          <a:lstStyle>
+            <a:lvl1pPr marL="457200" lvl="0" indent="-317500">
+              <a:spcBef>
+                <a:spcPts val="0"/>
+              </a:spcBef>
+              <a:spcAft>
+                <a:spcPts val="0"/>
+              </a:spcAft>
+              <a:buSzPts val="1400"/>
+              <a:buChar char="●"/>
+              <a:defRPr sz="1400"/>
+            </a:lvl1pPr>
+            <a:lvl2pPr marL="914400" lvl="1" indent="-304800">
+              <a:spcBef>
+                <a:spcPts val="1600"/>
+              </a:spcBef>
+              <a:spcAft>
+                <a:spcPts val="0"/>
+              </a:spcAft>
+              <a:buSzPts val="1200"/>
+              <a:buChar char="○"/>
+              <a:defRPr sz="1200"/>
+            </a:lvl2pPr>
+            <a:lvl3pPr marL="1371600" lvl="2" indent="-304800">
+              <a:spcBef>
+                <a:spcPts val="1600"/>
+              </a:spcBef>
+              <a:spcAft>
+                <a:spcPts val="0"/>
+              </a:spcAft>
+              <a:buSzPts val="1200"/>
+              <a:buChar char="■"/>
+              <a:defRPr sz="1200"/>
+            </a:lvl3pPr>
+            <a:lvl4pPr marL="1828800" lvl="3" indent="-304800">
+              <a:spcBef>
+                <a:spcPts val="1600"/>
+              </a:spcBef>
+              <a:spcAft>
+                <a:spcPts val="0"/>
+              </a:spcAft>
+              <a:buSzPts val="1200"/>
+              <a:buChar char="●"/>
+              <a:defRPr sz="1200"/>
+            </a:lvl4pPr>
+            <a:lvl5pPr marL="2286000" lvl="4" indent="-304800">
+              <a:spcBef>
+                <a:spcPts val="1600"/>
+              </a:spcBef>
+              <a:spcAft>
+                <a:spcPts val="0"/>
+              </a:spcAft>
+              <a:buSzPts val="1200"/>
+              <a:buChar char="○"/>
+              <a:defRPr sz="1200"/>
+            </a:lvl5pPr>
+            <a:lvl6pPr marL="2743200" lvl="5" indent="-304800">
+              <a:spcBef>
+                <a:spcPts val="1600"/>
+              </a:spcBef>
+              <a:spcAft>
+                <a:spcPts val="0"/>
+              </a:spcAft>
+              <a:buSzPts val="1200"/>
+              <a:buChar char="■"/>
+              <a:defRPr sz="1200"/>
+            </a:lvl6pPr>
+            <a:lvl7pPr marL="3200400" lvl="6" indent="-304800">
+              <a:spcBef>
+                <a:spcPts val="1600"/>
+              </a:spcBef>
+              <a:spcAft>
+                <a:spcPts val="0"/>
+              </a:spcAft>
+              <a:buSzPts val="1200"/>
+              <a:buChar char="●"/>
+              <a:defRPr sz="1200"/>
+            </a:lvl7pPr>
+            <a:lvl8pPr marL="3657600" lvl="7" indent="-304800">
+              <a:spcBef>
+                <a:spcPts val="1600"/>
+              </a:spcBef>
+              <a:spcAft>
+                <a:spcPts val="0"/>
+              </a:spcAft>
+              <a:buSzPts val="1200"/>
+              <a:buChar char="○"/>
+              <a:defRPr sz="1200"/>
+            </a:lvl8pPr>
+            <a:lvl9pPr marL="4114800" lvl="8" indent="-304800">
+              <a:spcBef>
+                <a:spcPts val="1600"/>
+              </a:spcBef>
+              <a:spcAft>
+                <a:spcPts val="1600"/>
+              </a:spcAft>
+              <a:buSzPts val="1200"/>
+              <a:buChar char="■"/>
+              <a:defRPr sz="1200"/>
+            </a:lvl9pPr>
+          </a:lstStyle>
+          <a:p>
+            <a:endParaRPr/>
+          </a:p>
+        </p:txBody>
+      </p:sp>
+      <p:sp>
+        <p:nvSpPr>
+          <p:cNvPr id="23" name="Google Shape;23;p5"/>
+          <p:cNvSpPr txBox="1">
+            <a:spLocks noGrp="1"/>
+          </p:cNvSpPr>
+          <p:nvPr>
+            <p:ph type="body" idx="2"/>
+          </p:nvPr>
+        </p:nvSpPr>
+        <p:spPr>
+          <a:xfrm>
+            <a:off x="4832400" y="1152475"/>
+            <a:ext cx="3999900" cy="3416400"/>
+          </a:xfrm>
+          <a:prstGeom prst="rect">
+            <a:avLst/>
+          </a:prstGeom>
+        </p:spPr>
+        <p:txBody>
+          <a:bodyPr spcFirstLastPara="1" wrap="square" lIns="91425" tIns="91425" rIns="91425" bIns="91425" anchor="t" anchorCtr="0">
+            <a:noAutofit/>
+          </a:bodyPr>
+          <a:lstStyle>
+            <a:lvl1pPr marL="457200" lvl="0" indent="-317500">
+              <a:spcBef>
+                <a:spcPts val="0"/>
+              </a:spcBef>
+              <a:spcAft>
+                <a:spcPts val="0"/>
+              </a:spcAft>
+              <a:buSzPts val="1400"/>
+              <a:buChar char="●"/>
+              <a:defRPr sz="1400"/>
+            </a:lvl1pPr>
+            <a:lvl2pPr marL="914400" lvl="1" indent="-304800">
+              <a:spcBef>
+                <a:spcPts val="1600"/>
+              </a:spcBef>
+              <a:spcAft>
+                <a:spcPts val="0"/>
+              </a:spcAft>
+              <a:buSzPts val="1200"/>
+              <a:buChar char="○"/>
+              <a:defRPr sz="1200"/>
+            </a:lvl2pPr>
+            <a:lvl3pPr marL="1371600" lvl="2" indent="-304800">
+              <a:spcBef>
+                <a:spcPts val="1600"/>
+              </a:spcBef>
+              <a:spcAft>
+                <a:spcPts val="0"/>
+              </a:spcAft>
+              <a:buSzPts val="1200"/>
+              <a:buChar char="■"/>
+              <a:defRPr sz="1200"/>
+            </a:lvl3pPr>
+            <a:lvl4pPr marL="1828800" lvl="3" indent="-304800">
+              <a:spcBef>
+                <a:spcPts val="1600"/>
+              </a:spcBef>
+              <a:spcAft>
+                <a:spcPts val="0"/>
+              </a:spcAft>
+              <a:buSzPts val="1200"/>
+              <a:buChar char="●"/>
+              <a:defRPr sz="1200"/>
+            </a:lvl4pPr>
+            <a:lvl5pPr marL="2286000" lvl="4" indent="-304800">
+              <a:spcBef>
+                <a:spcPts val="1600"/>
+              </a:spcBef>
+              <a:spcAft>
+                <a:spcPts val="0"/>
+              </a:spcAft>
+              <a:buSzPts val="1200"/>
+              <a:buChar char="○"/>
+              <a:defRPr sz="1200"/>
+            </a:lvl5pPr>
+            <a:lvl6pPr marL="2743200" lvl="5" indent="-304800">
+              <a:spcBef>
+                <a:spcPts val="1600"/>
+              </a:spcBef>
+              <a:spcAft>
+                <a:spcPts val="0"/>
+              </a:spcAft>
+              <a:buSzPts val="1200"/>
+              <a:buChar char="■"/>
+              <a:defRPr sz="1200"/>
+            </a:lvl6pPr>
+            <a:lvl7pPr marL="3200400" lvl="6" indent="-304800">
+              <a:spcBef>
+                <a:spcPts val="1600"/>
+              </a:spcBef>
+              <a:spcAft>
+                <a:spcPts val="0"/>
+              </a:spcAft>
+              <a:buSzPts val="1200"/>
+              <a:buChar char="●"/>
+              <a:defRPr sz="1200"/>
+            </a:lvl7pPr>
+            <a:lvl8pPr marL="3657600" lvl="7" indent="-304800">
+              <a:spcBef>
+                <a:spcPts val="1600"/>
+              </a:spcBef>
+              <a:spcAft>
+                <a:spcPts val="0"/>
+              </a:spcAft>
+              <a:buSzPts val="1200"/>
+              <a:buChar char="○"/>
+              <a:defRPr sz="1200"/>
+            </a:lvl8pPr>
+            <a:lvl9pPr marL="4114800" lvl="8" indent="-304800">
+              <a:spcBef>
+                <a:spcPts val="1600"/>
+              </a:spcBef>
+              <a:spcAft>
+                <a:spcPts val="1600"/>
+              </a:spcAft>
+              <a:buSzPts val="1200"/>
+              <a:buChar char="■"/>
+              <a:defRPr sz="1200"/>
+            </a:lvl9pPr>
+          </a:lstStyle>
+          <a:p>
+            <a:endParaRPr/>
+          </a:p>
+        </p:txBody>
+      </p:sp>
+      <p:sp>
+        <p:nvSpPr>
+          <p:cNvPr id="24" name="Google Shape;24;p5"/>
+          <p:cNvSpPr txBox="1">
+            <a:spLocks noGrp="1"/>
+          </p:cNvSpPr>
+          <p:nvPr>
+            <p:ph type="sldNum" idx="12"/>
+          </p:nvPr>
+        </p:nvSpPr>
+        <p:spPr>
+          <a:xfrm>
+            <a:off x="8472458" y="4663217"/>
+            <a:ext cx="548700" cy="393600"/>
+          </a:xfrm>
+          <a:prstGeom prst="rect">
+            <a:avLst/>
+          </a:prstGeom>
+        </p:spPr>
+        <p:txBody>
+          <a:bodyPr spcFirstLastPara="1" wrap="square" lIns="91425" tIns="91425" rIns="91425" bIns="91425" anchor="ctr" anchorCtr="0">
+            <a:noAutofit/>
+          </a:bodyPr>
+          <a:lstStyle>
+            <a:lvl1pPr lvl="0">
+              <a:buNone/>
+              <a:defRPr/>
+            </a:lvl1pPr>
+            <a:lvl2pPr lvl="1">
+              <a:buNone/>
+              <a:defRPr/>
+            </a:lvl2pPr>
+            <a:lvl3pPr lvl="2">
+              <a:buNone/>
+              <a:defRPr/>
+            </a:lvl3pPr>
+            <a:lvl4pPr lvl="3">
+              <a:buNone/>
+              <a:defRPr/>
+            </a:lvl4pPr>
+            <a:lvl5pPr lvl="4">
+              <a:buNone/>
+              <a:defRPr/>
+            </a:lvl5pPr>
+            <a:lvl6pPr lvl="5">
+              <a:buNone/>
+              <a:defRPr/>
+            </a:lvl6pPr>
+            <a:lvl7pPr lvl="6">
+              <a:buNone/>
+              <a:defRPr/>
+            </a:lvl7pPr>
+            <a:lvl8pPr lvl="7">
+              <a:buNone/>
+              <a:defRPr/>
+            </a:lvl8pPr>
+            <a:lvl9pPr lvl="8">
+              <a:buNone/>
+              <a:defRPr/>
+            </a:lvl9pPr>
+          </a:lstStyle>
+          <a:p>
+            <a:pPr marL="0" lvl="0" indent="0" algn="r" rtl="0">
+              <a:spcBef>
+                <a:spcPts val="0"/>
+              </a:spcBef>
+              <a:spcAft>
+                <a:spcPts val="0"/>
+              </a:spcAft>
+              <a:buNone/>
+            </a:pPr>
+            <a:fld id="{00000000-1234-1234-1234-123412341234}" type="slidenum">
+              <a:rPr lang="en"/>
+              <a:t>‹#›</a:t>
+            </a:fld>
+            <a:endParaRPr/>
+          </a:p>
+        </p:txBody>
+      </p:sp>
+    </p:spTree>
+  </p:cSld>
+  <p:clrMapOvr>
+    <a:masterClrMapping/>
+  </p:clrMapOvr>
+</p:sldLayout>
+</file>
+
+<file path=ppt/slideLayouts/slideLayout4.xml><?xml version="1.0" encoding="utf-8"?>
+<p:sldLayout xmlns:a="http://schemas.openxmlformats.org/drawingml/2006/main" xmlns:r="http://schemas.openxmlformats.org/officeDocument/2006/relationships" xmlns:p="http://schemas.openxmlformats.org/presentationml/2006/main" matchingName="Title only" type="titleOnly">
+  <p:cSld name="TITLE_ONLY">
+    <p:spTree>
+      <p:nvGrpSpPr>
+        <p:cNvPr id="1" name="Shape 25"/>
+        <p:cNvGrpSpPr/>
+        <p:nvPr/>
+      </p:nvGrpSpPr>
+      <p:grpSpPr>
+        <a:xfrm>
+          <a:off x="0" y="0"/>
+          <a:ext cx="0" cy="0"/>
+          <a:chOff x="0" y="0"/>
+          <a:chExt cx="0" cy="0"/>
+        </a:xfrm>
+      </p:grpSpPr>
+      <p:sp>
+        <p:nvSpPr>
+          <p:cNvPr id="26" name="Google Shape;26;p6"/>
+          <p:cNvSpPr txBox="1">
+            <a:spLocks noGrp="1"/>
+          </p:cNvSpPr>
+          <p:nvPr>
+            <p:ph type="title"/>
+          </p:nvPr>
+        </p:nvSpPr>
+        <p:spPr>
+          <a:xfrm>
+            <a:off x="311700" y="445025"/>
+            <a:ext cx="8520600" cy="572700"/>
+          </a:xfrm>
+          <a:prstGeom prst="rect">
+            <a:avLst/>
+          </a:prstGeom>
+        </p:spPr>
+        <p:txBody>
+          <a:bodyPr spcFirstLastPara="1" wrap="square" lIns="91425" tIns="91425" rIns="91425" bIns="91425" anchor="t" anchorCtr="0">
+            <a:noAutofit/>
+          </a:bodyPr>
+          <a:lstStyle>
+            <a:lvl1pPr lvl="0">
+              <a:spcBef>
+                <a:spcPts val="0"/>
+              </a:spcBef>
+              <a:spcAft>
+                <a:spcPts val="0"/>
+              </a:spcAft>
+              <a:buSzPts val="2800"/>
+              <a:buNone/>
+              <a:defRPr/>
+            </a:lvl1pPr>
+            <a:lvl2pPr lvl="1">
+              <a:spcBef>
+                <a:spcPts val="0"/>
+              </a:spcBef>
+              <a:spcAft>
+                <a:spcPts val="0"/>
+              </a:spcAft>
+              <a:buSzPts val="2800"/>
+              <a:buNone/>
+              <a:defRPr/>
+            </a:lvl2pPr>
+            <a:lvl3pPr lvl="2">
+              <a:spcBef>
+                <a:spcPts val="0"/>
+              </a:spcBef>
+              <a:spcAft>
+                <a:spcPts val="0"/>
+              </a:spcAft>
+              <a:buSzPts val="2800"/>
+              <a:buNone/>
+              <a:defRPr/>
+            </a:lvl3pPr>
+            <a:lvl4pPr lvl="3">
+              <a:spcBef>
+                <a:spcPts val="0"/>
+              </a:spcBef>
+              <a:spcAft>
+                <a:spcPts val="0"/>
+              </a:spcAft>
+              <a:buSzPts val="2800"/>
+              <a:buNone/>
+              <a:defRPr/>
+            </a:lvl4pPr>
+            <a:lvl5pPr lvl="4">
+              <a:spcBef>
+                <a:spcPts val="0"/>
+              </a:spcBef>
+              <a:spcAft>
+                <a:spcPts val="0"/>
+              </a:spcAft>
+              <a:buSzPts val="2800"/>
+              <a:buNone/>
+              <a:defRPr/>
+            </a:lvl5pPr>
+            <a:lvl6pPr lvl="5">
+              <a:spcBef>
+                <a:spcPts val="0"/>
+              </a:spcBef>
+              <a:spcAft>
+                <a:spcPts val="0"/>
+              </a:spcAft>
+              <a:buSzPts val="2800"/>
+              <a:buNone/>
+              <a:defRPr/>
+            </a:lvl6pPr>
+            <a:lvl7pPr lvl="6">
+              <a:spcBef>
+                <a:spcPts val="0"/>
+              </a:spcBef>
+              <a:spcAft>
+                <a:spcPts val="0"/>
+              </a:spcAft>
+              <a:buSzPts val="2800"/>
+              <a:buNone/>
+              <a:defRPr/>
+            </a:lvl7pPr>
+            <a:lvl8pPr lvl="7">
+              <a:spcBef>
+                <a:spcPts val="0"/>
+              </a:spcBef>
+              <a:spcAft>
+                <a:spcPts val="0"/>
+              </a:spcAft>
+              <a:buSzPts val="2800"/>
+              <a:buNone/>
+              <a:defRPr/>
+            </a:lvl8pPr>
+            <a:lvl9pPr lvl="8">
+              <a:spcBef>
+                <a:spcPts val="0"/>
+              </a:spcBef>
+              <a:spcAft>
+                <a:spcPts val="0"/>
+              </a:spcAft>
+              <a:buSzPts val="2800"/>
+              <a:buNone/>
+              <a:defRPr/>
+            </a:lvl9pPr>
+          </a:lstStyle>
+          <a:p>
+            <a:endParaRPr/>
+          </a:p>
+        </p:txBody>
+      </p:sp>
+      <p:sp>
+        <p:nvSpPr>
+          <p:cNvPr id="27" name="Google Shape;27;p6"/>
+          <p:cNvSpPr txBox="1">
+            <a:spLocks noGrp="1"/>
+          </p:cNvSpPr>
+          <p:nvPr>
+            <p:ph type="sldNum" idx="12"/>
+          </p:nvPr>
+        </p:nvSpPr>
+        <p:spPr>
+          <a:xfrm>
+            <a:off x="8472458" y="4663217"/>
+            <a:ext cx="548700" cy="393600"/>
+          </a:xfrm>
+          <a:prstGeom prst="rect">
+            <a:avLst/>
+          </a:prstGeom>
+        </p:spPr>
+        <p:txBody>
+          <a:bodyPr spcFirstLastPara="1" wrap="square" lIns="91425" tIns="91425" rIns="91425" bIns="91425" anchor="ctr" anchorCtr="0">
+            <a:noAutofit/>
+          </a:bodyPr>
+          <a:lstStyle>
+            <a:lvl1pPr lvl="0">
+              <a:buNone/>
+              <a:defRPr/>
+            </a:lvl1pPr>
+            <a:lvl2pPr lvl="1">
+              <a:buNone/>
+              <a:defRPr/>
+            </a:lvl2pPr>
+            <a:lvl3pPr lvl="2">
+              <a:buNone/>
+              <a:defRPr/>
+            </a:lvl3pPr>
+            <a:lvl4pPr lvl="3">
+              <a:buNone/>
+              <a:defRPr/>
+            </a:lvl4pPr>
+            <a:lvl5pPr lvl="4">
+              <a:buNone/>
+              <a:defRPr/>
+            </a:lvl5pPr>
+            <a:lvl6pPr lvl="5">
+              <a:buNone/>
+              <a:defRPr/>
+            </a:lvl6pPr>
+            <a:lvl7pPr lvl="6">
+              <a:buNone/>
+              <a:defRPr/>
+            </a:lvl7pPr>
+            <a:lvl8pPr lvl="7">
+              <a:buNone/>
+              <a:defRPr/>
+            </a:lvl8pPr>
+            <a:lvl9pPr lvl="8">
+              <a:buNone/>
+              <a:defRPr/>
+            </a:lvl9pPr>
+          </a:lstStyle>
+          <a:p>
+            <a:pPr marL="0" lvl="0" indent="0" algn="r" rtl="0">
+              <a:spcBef>
+                <a:spcPts val="0"/>
+              </a:spcBef>
+              <a:spcAft>
+                <a:spcPts val="0"/>
+              </a:spcAft>
+              <a:buNone/>
+            </a:pPr>
+            <a:fld id="{00000000-1234-1234-1234-123412341234}" type="slidenum">
+              <a:rPr lang="en"/>
+              <a:t>‹#›</a:t>
+            </a:fld>
+            <a:endParaRPr/>
+          </a:p>
+        </p:txBody>
+      </p:sp>
+    </p:spTree>
+  </p:cSld>
+  <p:clrMapOvr>
+    <a:masterClrMapping/>
+  </p:clrMapOvr>
+</p:sldLayout>
+</file>
+
+<file path=ppt/slideLayouts/slideLayout5.xml><?xml version="1.0" encoding="utf-8"?>
+<p:sldLayout xmlns:a="http://schemas.openxmlformats.org/drawingml/2006/main" xmlns:r="http://schemas.openxmlformats.org/officeDocument/2006/relationships" xmlns:p="http://schemas.openxmlformats.org/presentationml/2006/main" matchingName="One column text">
+  <p:cSld name="ONE_COLUMN_TEXT">
+    <p:spTree>
+      <p:nvGrpSpPr>
+        <p:cNvPr id="1" name="Shape 28"/>
+        <p:cNvGrpSpPr/>
+        <p:nvPr/>
+      </p:nvGrpSpPr>
+      <p:grpSpPr>
+        <a:xfrm>
+          <a:off x="0" y="0"/>
+          <a:ext cx="0" cy="0"/>
+          <a:chOff x="0" y="0"/>
+          <a:chExt cx="0" cy="0"/>
+        </a:xfrm>
+      </p:grpSpPr>
+      <p:sp>
+        <p:nvSpPr>
+          <p:cNvPr id="29" name="Google Shape;29;p7"/>
+          <p:cNvSpPr txBox="1">
+            <a:spLocks noGrp="1"/>
+          </p:cNvSpPr>
+          <p:nvPr>
+            <p:ph type="title"/>
+          </p:nvPr>
+        </p:nvSpPr>
+        <p:spPr>
+          <a:xfrm>
+            <a:off x="311700" y="555600"/>
+            <a:ext cx="2808000" cy="755700"/>
+          </a:xfrm>
+          <a:prstGeom prst="rect">
+            <a:avLst/>
+          </a:prstGeom>
+        </p:spPr>
+        <p:txBody>
+          <a:bodyPr spcFirstLastPara="1" wrap="square" lIns="91425" tIns="91425" rIns="91425" bIns="91425" anchor="b" anchorCtr="0">
+            <a:noAutofit/>
+          </a:bodyPr>
+          <a:lstStyle>
+            <a:lvl1pPr lvl="0">
+              <a:spcBef>
+                <a:spcPts val="0"/>
+              </a:spcBef>
+              <a:spcAft>
+                <a:spcPts val="0"/>
+              </a:spcAft>
+              <a:buSzPts val="2400"/>
+              <a:buNone/>
+              <a:defRPr sz="2400"/>
+            </a:lvl1pPr>
+            <a:lvl2pPr lvl="1">
+              <a:spcBef>
+                <a:spcPts val="0"/>
+              </a:spcBef>
+              <a:spcAft>
+                <a:spcPts val="0"/>
+              </a:spcAft>
+              <a:buSzPts val="2400"/>
+              <a:buNone/>
+              <a:defRPr sz="2400"/>
+            </a:lvl2pPr>
+            <a:lvl3pPr lvl="2">
+              <a:spcBef>
+                <a:spcPts val="0"/>
+              </a:spcBef>
+              <a:spcAft>
+                <a:spcPts val="0"/>
+              </a:spcAft>
+              <a:buSzPts val="2400"/>
+              <a:buNone/>
+              <a:defRPr sz="2400"/>
+            </a:lvl3pPr>
+            <a:lvl4pPr lvl="3">
+              <a:spcBef>
+                <a:spcPts val="0"/>
+              </a:spcBef>
+              <a:spcAft>
+                <a:spcPts val="0"/>
+              </a:spcAft>
+              <a:buSzPts val="2400"/>
+              <a:buNone/>
+              <a:defRPr sz="2400"/>
+            </a:lvl4pPr>
+            <a:lvl5pPr lvl="4">
+              <a:spcBef>
+                <a:spcPts val="0"/>
+              </a:spcBef>
+              <a:spcAft>
+                <a:spcPts val="0"/>
+              </a:spcAft>
+              <a:buSzPts val="2400"/>
+              <a:buNone/>
+              <a:defRPr sz="2400"/>
+            </a:lvl5pPr>
+            <a:lvl6pPr lvl="5">
+              <a:spcBef>
+                <a:spcPts val="0"/>
+              </a:spcBef>
+              <a:spcAft>
+                <a:spcPts val="0"/>
+              </a:spcAft>
+              <a:buSzPts val="2400"/>
+              <a:buNone/>
+              <a:defRPr sz="2400"/>
+            </a:lvl6pPr>
+            <a:lvl7pPr lvl="6">
+              <a:spcBef>
+                <a:spcPts val="0"/>
+              </a:spcBef>
+              <a:spcAft>
+                <a:spcPts val="0"/>
+              </a:spcAft>
+              <a:buSzPts val="2400"/>
+              <a:buNone/>
+              <a:defRPr sz="2400"/>
+            </a:lvl7pPr>
+            <a:lvl8pPr lvl="7">
+              <a:spcBef>
+                <a:spcPts val="0"/>
+              </a:spcBef>
+              <a:spcAft>
+                <a:spcPts val="0"/>
+              </a:spcAft>
+              <a:buSzPts val="2400"/>
+              <a:buNone/>
+              <a:defRPr sz="2400"/>
+            </a:lvl8pPr>
+            <a:lvl9pPr lvl="8">
+              <a:spcBef>
+                <a:spcPts val="0"/>
+              </a:spcBef>
+              <a:spcAft>
+                <a:spcPts val="0"/>
+              </a:spcAft>
+              <a:buSzPts val="2400"/>
+              <a:buNone/>
+              <a:defRPr sz="2400"/>
+            </a:lvl9pPr>
+          </a:lstStyle>
+          <a:p>
+            <a:endParaRPr/>
+          </a:p>
+        </p:txBody>
+      </p:sp>
+      <p:sp>
+        <p:nvSpPr>
+          <p:cNvPr id="30" name="Google Shape;30;p7"/>
+          <p:cNvSpPr txBox="1">
+            <a:spLocks noGrp="1"/>
+          </p:cNvSpPr>
+          <p:nvPr>
+            <p:ph type="body" idx="1"/>
+          </p:nvPr>
+        </p:nvSpPr>
+        <p:spPr>
+          <a:xfrm>
+            <a:off x="311700" y="1389600"/>
+            <a:ext cx="2808000" cy="3179400"/>
+          </a:xfrm>
+          <a:prstGeom prst="rect">
+            <a:avLst/>
+          </a:prstGeom>
+        </p:spPr>
+        <p:txBody>
+          <a:bodyPr spcFirstLastPara="1" wrap="square" lIns="91425" tIns="91425" rIns="91425" bIns="91425" anchor="t" anchorCtr="0">
+            <a:noAutofit/>
+          </a:bodyPr>
+          <a:lstStyle>
+            <a:lvl1pPr marL="457200" lvl="0" indent="-304800">
+              <a:spcBef>
+                <a:spcPts val="0"/>
+              </a:spcBef>
+              <a:spcAft>
+                <a:spcPts val="0"/>
+              </a:spcAft>
+              <a:buSzPts val="1200"/>
+              <a:buChar char="●"/>
+              <a:defRPr sz="1200"/>
+            </a:lvl1pPr>
+            <a:lvl2pPr marL="914400" lvl="1" indent="-304800">
+              <a:spcBef>
+                <a:spcPts val="1600"/>
+              </a:spcBef>
+              <a:spcAft>
+                <a:spcPts val="0"/>
+              </a:spcAft>
+              <a:buSzPts val="1200"/>
+              <a:buChar char="○"/>
+              <a:defRPr sz="1200"/>
+            </a:lvl2pPr>
+            <a:lvl3pPr marL="1371600" lvl="2" indent="-304800">
+              <a:spcBef>
+                <a:spcPts val="1600"/>
+              </a:spcBef>
+              <a:spcAft>
+                <a:spcPts val="0"/>
+              </a:spcAft>
+              <a:buSzPts val="1200"/>
+              <a:buChar char="■"/>
+              <a:defRPr sz="1200"/>
+            </a:lvl3pPr>
+            <a:lvl4pPr marL="1828800" lvl="3" indent="-304800">
+              <a:spcBef>
+                <a:spcPts val="1600"/>
+              </a:spcBef>
+              <a:spcAft>
+                <a:spcPts val="0"/>
+              </a:spcAft>
+              <a:buSzPts val="1200"/>
+              <a:buChar char="●"/>
+              <a:defRPr sz="1200"/>
+            </a:lvl4pPr>
+            <a:lvl5pPr marL="2286000" lvl="4" indent="-304800">
+              <a:spcBef>
+                <a:spcPts val="1600"/>
+              </a:spcBef>
+              <a:spcAft>
+                <a:spcPts val="0"/>
+              </a:spcAft>
+              <a:buSzPts val="1200"/>
+              <a:buChar char="○"/>
+              <a:defRPr sz="1200"/>
+            </a:lvl5pPr>
+            <a:lvl6pPr marL="2743200" lvl="5" indent="-304800">
+              <a:spcBef>
+                <a:spcPts val="1600"/>
+              </a:spcBef>
+              <a:spcAft>
+                <a:spcPts val="0"/>
+              </a:spcAft>
+              <a:buSzPts val="1200"/>
+              <a:buChar char="■"/>
+              <a:defRPr sz="1200"/>
+            </a:lvl6pPr>
+            <a:lvl7pPr marL="3200400" lvl="6" indent="-304800">
+              <a:spcBef>
+                <a:spcPts val="1600"/>
+              </a:spcBef>
+              <a:spcAft>
+                <a:spcPts val="0"/>
+              </a:spcAft>
+              <a:buSzPts val="1200"/>
+              <a:buChar char="●"/>
+              <a:defRPr sz="1200"/>
+            </a:lvl7pPr>
+            <a:lvl8pPr marL="3657600" lvl="7" indent="-304800">
+              <a:spcBef>
+                <a:spcPts val="1600"/>
+              </a:spcBef>
+              <a:spcAft>
+                <a:spcPts val="0"/>
+              </a:spcAft>
+              <a:buSzPts val="1200"/>
+              <a:buChar char="○"/>
+              <a:defRPr sz="1200"/>
+            </a:lvl8pPr>
+            <a:lvl9pPr marL="4114800" lvl="8" indent="-304800">
+              <a:spcBef>
+                <a:spcPts val="1600"/>
+              </a:spcBef>
+              <a:spcAft>
+                <a:spcPts val="1600"/>
+              </a:spcAft>
+              <a:buSzPts val="1200"/>
+              <a:buChar char="■"/>
+              <a:defRPr sz="1200"/>
+            </a:lvl9pPr>
+          </a:lstStyle>
+          <a:p>
+            <a:endParaRPr/>
+          </a:p>
+        </p:txBody>
+      </p:sp>
+      <p:sp>
+        <p:nvSpPr>
+          <p:cNvPr id="31" name="Google Shape;31;p7"/>
+          <p:cNvSpPr txBox="1">
+            <a:spLocks noGrp="1"/>
+          </p:cNvSpPr>
+          <p:nvPr>
+            <p:ph type="sldNum" idx="12"/>
+          </p:nvPr>
+        </p:nvSpPr>
+        <p:spPr>
+          <a:xfrm>
+            <a:off x="8472458" y="4663217"/>
+            <a:ext cx="548700" cy="393600"/>
+          </a:xfrm>
+          <a:prstGeom prst="rect">
+            <a:avLst/>
+          </a:prstGeom>
+        </p:spPr>
+        <p:txBody>
+          <a:bodyPr spcFirstLastPara="1" wrap="square" lIns="91425" tIns="91425" rIns="91425" bIns="91425" anchor="ctr" anchorCtr="0">
+            <a:noAutofit/>
+          </a:bodyPr>
+          <a:lstStyle>
+            <a:lvl1pPr lvl="0">
+              <a:buNone/>
+              <a:defRPr/>
+            </a:lvl1pPr>
+            <a:lvl2pPr lvl="1">
+              <a:buNone/>
+              <a:defRPr/>
+            </a:lvl2pPr>
+            <a:lvl3pPr lvl="2">
+              <a:buNone/>
+              <a:defRPr/>
+            </a:lvl3pPr>
+            <a:lvl4pPr lvl="3">
+              <a:buNone/>
+              <a:defRPr/>
+            </a:lvl4pPr>
+            <a:lvl5pPr lvl="4">
+              <a:buNone/>
+              <a:defRPr/>
+            </a:lvl5pPr>
+            <a:lvl6pPr lvl="5">
+              <a:buNone/>
+              <a:defRPr/>
+            </a:lvl6pPr>
+            <a:lvl7pPr lvl="6">
+              <a:buNone/>
+              <a:defRPr/>
+            </a:lvl7pPr>
+            <a:lvl8pPr lvl="7">
+              <a:buNone/>
+              <a:defRPr/>
+            </a:lvl8pPr>
+            <a:lvl9pPr lvl="8">
+              <a:buNone/>
+              <a:defRPr/>
+            </a:lvl9pPr>
+          </a:lstStyle>
+          <a:p>
+            <a:pPr marL="0" lvl="0" indent="0" algn="r" rtl="0">
+              <a:spcBef>
+                <a:spcPts val="0"/>
+              </a:spcBef>
+              <a:spcAft>
+                <a:spcPts val="0"/>
+              </a:spcAft>
+              <a:buNone/>
+            </a:pPr>
+            <a:fld id="{00000000-1234-1234-1234-123412341234}" type="slidenum">
+              <a:rPr lang="en"/>
+              <a:t>‹#›</a:t>
+            </a:fld>
+            <a:endParaRPr/>
+          </a:p>
+        </p:txBody>
+      </p:sp>
+    </p:spTree>
+  </p:cSld>
+  <p:clrMapOvr>
+    <a:masterClrMapping/>
+  </p:clrMapOvr>
+</p:sldLayout>
+</file>
+
+<file path=ppt/slideLayouts/slideLayout6.xml><?xml version="1.0" encoding="utf-8"?>
+<p:sldLayout xmlns:a="http://schemas.openxmlformats.org/drawingml/2006/main" xmlns:r="http://schemas.openxmlformats.org/officeDocument/2006/relationships" xmlns:p="http://schemas.openxmlformats.org/presentationml/2006/main" matchingName="Main point">
+  <p:cSld name="MAIN_POINT">
+    <p:spTree>
+      <p:nvGrpSpPr>
+        <p:cNvPr id="1" name="Shape 32"/>
+        <p:cNvGrpSpPr/>
+        <p:nvPr/>
+      </p:nvGrpSpPr>
+      <p:grpSpPr>
+        <a:xfrm>
+          <a:off x="0" y="0"/>
+          <a:ext cx="0" cy="0"/>
+          <a:chOff x="0" y="0"/>
+          <a:chExt cx="0" cy="0"/>
+        </a:xfrm>
+      </p:grpSpPr>
+      <p:sp>
+        <p:nvSpPr>
+          <p:cNvPr id="33" name="Google Shape;33;p8"/>
+          <p:cNvSpPr txBox="1">
+            <a:spLocks noGrp="1"/>
+          </p:cNvSpPr>
+          <p:nvPr>
+            <p:ph type="title"/>
+          </p:nvPr>
+        </p:nvSpPr>
+        <p:spPr>
+          <a:xfrm>
+            <a:off x="490250" y="450150"/>
+            <a:ext cx="6367800" cy="4090800"/>
+          </a:xfrm>
+          <a:prstGeom prst="rect">
+            <a:avLst/>
+          </a:prstGeom>
+        </p:spPr>
+        <p:txBody>
+          <a:bodyPr spcFirstLastPara="1" wrap="square" lIns="91425" tIns="91425" rIns="91425" bIns="91425" anchor="ctr" anchorCtr="0">
+            <a:noAutofit/>
+          </a:bodyPr>
+          <a:lstStyle>
+            <a:lvl1pPr lvl="0">
+              <a:spcBef>
+                <a:spcPts val="0"/>
+              </a:spcBef>
+              <a:spcAft>
+                <a:spcPts val="0"/>
+              </a:spcAft>
+              <a:buSzPts val="4800"/>
+              <a:buNone/>
+              <a:defRPr sz="4800"/>
+            </a:lvl1pPr>
+            <a:lvl2pPr lvl="1">
+              <a:spcBef>
+                <a:spcPts val="0"/>
+              </a:spcBef>
+              <a:spcAft>
+                <a:spcPts val="0"/>
+              </a:spcAft>
+              <a:buSzPts val="4800"/>
+              <a:buNone/>
+              <a:defRPr sz="4800"/>
+            </a:lvl2pPr>
+            <a:lvl3pPr lvl="2">
+              <a:spcBef>
+                <a:spcPts val="0"/>
+              </a:spcBef>
+              <a:spcAft>
+                <a:spcPts val="0"/>
+              </a:spcAft>
+              <a:buSzPts val="4800"/>
+              <a:buNone/>
+              <a:defRPr sz="4800"/>
+            </a:lvl3pPr>
+            <a:lvl4pPr lvl="3">
+              <a:spcBef>
+                <a:spcPts val="0"/>
+              </a:spcBef>
+              <a:spcAft>
+                <a:spcPts val="0"/>
+              </a:spcAft>
+              <a:buSzPts val="4800"/>
+              <a:buNone/>
+              <a:defRPr sz="4800"/>
+            </a:lvl4pPr>
+            <a:lvl5pPr lvl="4">
+              <a:spcBef>
+                <a:spcPts val="0"/>
+              </a:spcBef>
+              <a:spcAft>
+                <a:spcPts val="0"/>
+              </a:spcAft>
+              <a:buSzPts val="4800"/>
+              <a:buNone/>
+              <a:defRPr sz="4800"/>
+            </a:lvl5pPr>
+            <a:lvl6pPr lvl="5">
+              <a:spcBef>
+                <a:spcPts val="0"/>
+              </a:spcBef>
+              <a:spcAft>
+                <a:spcPts val="0"/>
+              </a:spcAft>
+              <a:buSzPts val="4800"/>
+              <a:buNone/>
+              <a:defRPr sz="4800"/>
+            </a:lvl6pPr>
+            <a:lvl7pPr lvl="6">
+              <a:spcBef>
+                <a:spcPts val="0"/>
+              </a:spcBef>
+              <a:spcAft>
+                <a:spcPts val="0"/>
+              </a:spcAft>
+              <a:buSzPts val="4800"/>
+              <a:buNone/>
+              <a:defRPr sz="4800"/>
+            </a:lvl7pPr>
+            <a:lvl8pPr lvl="7">
+              <a:spcBef>
+                <a:spcPts val="0"/>
+              </a:spcBef>
+              <a:spcAft>
+                <a:spcPts val="0"/>
+              </a:spcAft>
+              <a:buSzPts val="4800"/>
+              <a:buNone/>
+              <a:defRPr sz="4800"/>
+            </a:lvl8pPr>
+            <a:lvl9pPr lvl="8">
+              <a:spcBef>
+                <a:spcPts val="0"/>
+              </a:spcBef>
+              <a:spcAft>
+                <a:spcPts val="0"/>
+              </a:spcAft>
+              <a:buSzPts val="4800"/>
+              <a:buNone/>
+              <a:defRPr sz="4800"/>
+            </a:lvl9pPr>
+          </a:lstStyle>
+          <a:p>
+            <a:endParaRPr/>
+          </a:p>
+        </p:txBody>
+      </p:sp>
+      <p:sp>
+        <p:nvSpPr>
+          <p:cNvPr id="34" name="Google Shape;34;p8"/>
+          <p:cNvSpPr txBox="1">
+            <a:spLocks noGrp="1"/>
+          </p:cNvSpPr>
+          <p:nvPr>
+            <p:ph type="sldNum" idx="12"/>
+          </p:nvPr>
+        </p:nvSpPr>
+        <p:spPr>
+          <a:xfrm>
+            <a:off x="8472458" y="4663217"/>
+            <a:ext cx="548700" cy="393600"/>
+          </a:xfrm>
+          <a:prstGeom prst="rect">
+            <a:avLst/>
+          </a:prstGeom>
+        </p:spPr>
+        <p:txBody>
+          <a:bodyPr spcFirstLastPara="1" wrap="square" lIns="91425" tIns="91425" rIns="91425" bIns="91425" anchor="ctr" anchorCtr="0">
+            <a:noAutofit/>
+          </a:bodyPr>
+          <a:lstStyle>
+            <a:lvl1pPr lvl="0">
+              <a:buNone/>
+              <a:defRPr/>
+            </a:lvl1pPr>
+            <a:lvl2pPr lvl="1">
+              <a:buNone/>
+              <a:defRPr/>
+            </a:lvl2pPr>
+            <a:lvl3pPr lvl="2">
+              <a:buNone/>
+              <a:defRPr/>
+            </a:lvl3pPr>
+            <a:lvl4pPr lvl="3">
+              <a:buNone/>
+              <a:defRPr/>
+            </a:lvl4pPr>
+            <a:lvl5pPr lvl="4">
+              <a:buNone/>
+              <a:defRPr/>
+            </a:lvl5pPr>
+            <a:lvl6pPr lvl="5">
+              <a:buNone/>
+              <a:defRPr/>
+            </a:lvl6pPr>
+            <a:lvl7pPr lvl="6">
+              <a:buNone/>
+              <a:defRPr/>
+            </a:lvl7pPr>
+            <a:lvl8pPr lvl="7">
+              <a:buNone/>
+              <a:defRPr/>
+            </a:lvl8pPr>
+            <a:lvl9pPr lvl="8">
+              <a:buNone/>
+              <a:defRPr/>
+            </a:lvl9pPr>
+          </a:lstStyle>
+          <a:p>
+            <a:pPr marL="0" lvl="0" indent="0" algn="r" rtl="0">
+              <a:spcBef>
+                <a:spcPts val="0"/>
+              </a:spcBef>
+              <a:spcAft>
+                <a:spcPts val="0"/>
+              </a:spcAft>
+              <a:buNone/>
+            </a:pPr>
+            <a:fld id="{00000000-1234-1234-1234-123412341234}" type="slidenum">
+              <a:rPr lang="en"/>
+              <a:t>‹#›</a:t>
+            </a:fld>
+            <a:endParaRPr/>
+          </a:p>
+        </p:txBody>
+      </p:sp>
+    </p:spTree>
+  </p:cSld>
+  <p:clrMapOvr>
+    <a:masterClrMapping/>
+  </p:clrMapOvr>
+</p:sldLayout>
+</file>
+
+<file path=ppt/slideLayouts/slideLayout7.xml><?xml version="1.0" encoding="utf-8"?>
+<p:sldLayout xmlns:a="http://schemas.openxmlformats.org/drawingml/2006/main" xmlns:r="http://schemas.openxmlformats.org/officeDocument/2006/relationships" xmlns:p="http://schemas.openxmlformats.org/presentationml/2006/main" matchingName="Section title and description">
+  <p:cSld name="SECTION_TITLE_AND_DESCRIPTION">
+    <p:spTree>
+      <p:nvGrpSpPr>
+        <p:cNvPr id="1" name="Shape 35"/>
+        <p:cNvGrpSpPr/>
+        <p:nvPr/>
+      </p:nvGrpSpPr>
+      <p:grpSpPr>
+        <a:xfrm>
+          <a:off x="0" y="0"/>
+          <a:ext cx="0" cy="0"/>
+          <a:chOff x="0" y="0"/>
+          <a:chExt cx="0" cy="0"/>
+        </a:xfrm>
+      </p:grpSpPr>
+      <p:sp>
+        <p:nvSpPr>
+          <p:cNvPr id="36" name="Google Shape;36;p9"/>
+          <p:cNvSpPr/>
+          <p:nvPr/>
+        </p:nvSpPr>
+        <p:spPr>
+          <a:xfrm>
+            <a:off x="4572000" y="-125"/>
+            <a:ext cx="4572000" cy="5143500"/>
+          </a:xfrm>
+          <a:prstGeom prst="rect">
+            <a:avLst/>
+          </a:prstGeom>
+          <a:solidFill>
+            <a:schemeClr val="lt2"/>
+          </a:solidFill>
+          <a:ln>
+            <a:noFill/>
+          </a:ln>
+        </p:spPr>
+        <p:txBody>
+          <a:bodyPr spcFirstLastPara="1" wrap="square" lIns="91425" tIns="91425" rIns="91425" bIns="91425" anchor="ctr" anchorCtr="0">
+            <a:noAutofit/>
+          </a:bodyPr>
+          <a:lstStyle/>
+          <a:p>
+            <a:pPr marL="0" lvl="0" indent="0" algn="l" rtl="0">
+              <a:spcBef>
+                <a:spcPts val="0"/>
+              </a:spcBef>
+              <a:spcAft>
+                <a:spcPts val="0"/>
+              </a:spcAft>
+              <a:buNone/>
+            </a:pPr>
+            <a:endParaRPr/>
+          </a:p>
+        </p:txBody>
+      </p:sp>
+      <p:sp>
+        <p:nvSpPr>
+          <p:cNvPr id="37" name="Google Shape;37;p9"/>
+          <p:cNvSpPr txBox="1">
+            <a:spLocks noGrp="1"/>
+          </p:cNvSpPr>
+          <p:nvPr>
+            <p:ph type="title"/>
+          </p:nvPr>
+        </p:nvSpPr>
+        <p:spPr>
+          <a:xfrm>
+            <a:off x="265500" y="1233175"/>
+            <a:ext cx="4045200" cy="1482300"/>
+          </a:xfrm>
+          <a:prstGeom prst="rect">
+            <a:avLst/>
+          </a:prstGeom>
+        </p:spPr>
+        <p:txBody>
+          <a:bodyPr spcFirstLastPara="1" wrap="square" lIns="91425" tIns="91425" rIns="91425" bIns="91425" anchor="b" anchorCtr="0">
+            <a:noAutofit/>
+          </a:bodyPr>
+          <a:lstStyle>
+            <a:lvl1pPr lvl="0" algn="ctr">
+              <a:spcBef>
+                <a:spcPts val="0"/>
+              </a:spcBef>
+              <a:spcAft>
+                <a:spcPts val="0"/>
+              </a:spcAft>
+              <a:buSzPts val="4200"/>
+              <a:buNone/>
+              <a:defRPr sz="4200"/>
+            </a:lvl1pPr>
+            <a:lvl2pPr lvl="1" algn="ctr">
+              <a:spcBef>
+                <a:spcPts val="0"/>
+              </a:spcBef>
+              <a:spcAft>
+                <a:spcPts val="0"/>
+              </a:spcAft>
+              <a:buSzPts val="4200"/>
+              <a:buNone/>
+              <a:defRPr sz="4200"/>
+            </a:lvl2pPr>
+            <a:lvl3pPr lvl="2" algn="ctr">
+              <a:spcBef>
+                <a:spcPts val="0"/>
+              </a:spcBef>
+              <a:spcAft>
+                <a:spcPts val="0"/>
+              </a:spcAft>
+              <a:buSzPts val="4200"/>
+              <a:buNone/>
+              <a:defRPr sz="4200"/>
+            </a:lvl3pPr>
+            <a:lvl4pPr lvl="3" algn="ctr">
+              <a:spcBef>
+                <a:spcPts val="0"/>
+              </a:spcBef>
+              <a:spcAft>
+                <a:spcPts val="0"/>
+              </a:spcAft>
+              <a:buSzPts val="4200"/>
+              <a:buNone/>
+              <a:defRPr sz="4200"/>
+            </a:lvl4pPr>
+            <a:lvl5pPr lvl="4" algn="ctr">
+              <a:spcBef>
+                <a:spcPts val="0"/>
+              </a:spcBef>
+              <a:spcAft>
+                <a:spcPts val="0"/>
+              </a:spcAft>
+              <a:buSzPts val="4200"/>
+              <a:buNone/>
+              <a:defRPr sz="4200"/>
+            </a:lvl5pPr>
+            <a:lvl6pPr lvl="5" algn="ctr">
+              <a:spcBef>
+                <a:spcPts val="0"/>
+              </a:spcBef>
+              <a:spcAft>
+                <a:spcPts val="0"/>
+              </a:spcAft>
+              <a:buSzPts val="4200"/>
+              <a:buNone/>
+              <a:defRPr sz="4200"/>
+            </a:lvl6pPr>
+            <a:lvl7pPr lvl="6" algn="ctr">
+              <a:spcBef>
+                <a:spcPts val="0"/>
+              </a:spcBef>
+              <a:spcAft>
+                <a:spcPts val="0"/>
+              </a:spcAft>
+              <a:buSzPts val="4200"/>
+              <a:buNone/>
+              <a:defRPr sz="4200"/>
+            </a:lvl7pPr>
+            <a:lvl8pPr lvl="7" algn="ctr">
+              <a:spcBef>
+                <a:spcPts val="0"/>
+              </a:spcBef>
+              <a:spcAft>
+                <a:spcPts val="0"/>
+              </a:spcAft>
+              <a:buSzPts val="4200"/>
+              <a:buNone/>
+              <a:defRPr sz="4200"/>
+            </a:lvl8pPr>
+            <a:lvl9pPr lvl="8" algn="ctr">
+              <a:spcBef>
+                <a:spcPts val="0"/>
+              </a:spcBef>
+              <a:spcAft>
+                <a:spcPts val="0"/>
+              </a:spcAft>
+              <a:buSzPts val="4200"/>
+              <a:buNone/>
+              <a:defRPr sz="4200"/>
+            </a:lvl9pPr>
+          </a:lstStyle>
+          <a:p>
+            <a:endParaRPr/>
+          </a:p>
+        </p:txBody>
+      </p:sp>
+      <p:sp>
+        <p:nvSpPr>
+          <p:cNvPr id="38" name="Google Shape;38;p9"/>
+          <p:cNvSpPr txBox="1">
+            <a:spLocks noGrp="1"/>
+          </p:cNvSpPr>
+          <p:nvPr>
+            <p:ph type="subTitle" idx="1"/>
+          </p:nvPr>
+        </p:nvSpPr>
+        <p:spPr>
+          <a:xfrm>
+            <a:off x="265500" y="2803075"/>
+            <a:ext cx="4045200" cy="1235100"/>
+          </a:xfrm>
+          <a:prstGeom prst="rect">
+            <a:avLst/>
+          </a:prstGeom>
+        </p:spPr>
+        <p:txBody>
+          <a:bodyPr spcFirstLastPara="1" wrap="square" lIns="91425" tIns="91425" rIns="91425" bIns="91425" anchor="t" anchorCtr="0">
+            <a:noAutofit/>
+          </a:bodyPr>
+          <a:lstStyle>
+            <a:lvl1pPr lvl="0" algn="ctr">
+              <a:lnSpc>
+                <a:spcPct val="100000"/>
+              </a:lnSpc>
+              <a:spcBef>
+                <a:spcPts val="0"/>
+              </a:spcBef>
+              <a:spcAft>
+                <a:spcPts val="0"/>
+              </a:spcAft>
+              <a:buSzPts val="2100"/>
+              <a:buNone/>
+              <a:defRPr sz="2100"/>
+            </a:lvl1pPr>
+            <a:lvl2pPr lvl="1" algn="ctr">
+              <a:lnSpc>
+                <a:spcPct val="100000"/>
+              </a:lnSpc>
+              <a:spcBef>
+                <a:spcPts val="0"/>
+              </a:spcBef>
+              <a:spcAft>
+                <a:spcPts val="0"/>
+              </a:spcAft>
+              <a:buSzPts val="2100"/>
+              <a:buNone/>
+              <a:defRPr sz="2100"/>
+            </a:lvl2pPr>
+            <a:lvl3pPr lvl="2" algn="ctr">
+              <a:lnSpc>
+                <a:spcPct val="100000"/>
+              </a:lnSpc>
+              <a:spcBef>
+                <a:spcPts val="0"/>
+              </a:spcBef>
+              <a:spcAft>
+                <a:spcPts val="0"/>
+              </a:spcAft>
+              <a:buSzPts val="2100"/>
+              <a:buNone/>
+              <a:defRPr sz="2100"/>
+            </a:lvl3pPr>
+            <a:lvl4pPr lvl="3" algn="ctr">
+              <a:lnSpc>
+                <a:spcPct val="100000"/>
+              </a:lnSpc>
+              <a:spcBef>
+                <a:spcPts val="0"/>
+              </a:spcBef>
+              <a:spcAft>
+                <a:spcPts val="0"/>
+              </a:spcAft>
+              <a:buSzPts val="2100"/>
+              <a:buNone/>
+              <a:defRPr sz="2100"/>
+            </a:lvl4pPr>
+            <a:lvl5pPr lvl="4" algn="ctr">
+              <a:lnSpc>
+                <a:spcPct val="100000"/>
+              </a:lnSpc>
+              <a:spcBef>
+                <a:spcPts val="0"/>
+              </a:spcBef>
+              <a:spcAft>
+                <a:spcPts val="0"/>
+              </a:spcAft>
+              <a:buSzPts val="2100"/>
+              <a:buNone/>
+              <a:defRPr sz="2100"/>
+            </a:lvl5pPr>
+            <a:lvl6pPr lvl="5" algn="ctr">
+              <a:lnSpc>
+                <a:spcPct val="100000"/>
+              </a:lnSpc>
+              <a:spcBef>
+                <a:spcPts val="0"/>
+              </a:spcBef>
+              <a:spcAft>
+                <a:spcPts val="0"/>
+              </a:spcAft>
+              <a:buSzPts val="2100"/>
+              <a:buNone/>
+              <a:defRPr sz="2100"/>
+            </a:lvl6pPr>
+            <a:lvl7pPr lvl="6" algn="ctr">
+              <a:lnSpc>
+                <a:spcPct val="100000"/>
+              </a:lnSpc>
+              <a:spcBef>
+                <a:spcPts val="0"/>
+              </a:spcBef>
+              <a:spcAft>
+                <a:spcPts val="0"/>
+              </a:spcAft>
+              <a:buSzPts val="2100"/>
+              <a:buNone/>
+              <a:defRPr sz="2100"/>
+            </a:lvl7pPr>
+            <a:lvl8pPr lvl="7" algn="ctr">
+              <a:lnSpc>
+                <a:spcPct val="100000"/>
+              </a:lnSpc>
+              <a:spcBef>
+                <a:spcPts val="0"/>
+              </a:spcBef>
+              <a:spcAft>
+                <a:spcPts val="0"/>
+              </a:spcAft>
+              <a:buSzPts val="2100"/>
+              <a:buNone/>
+              <a:defRPr sz="2100"/>
+            </a:lvl8pPr>
+            <a:lvl9pPr lvl="8" algn="ctr">
+              <a:lnSpc>
+                <a:spcPct val="100000"/>
+              </a:lnSpc>
+              <a:spcBef>
+                <a:spcPts val="0"/>
+              </a:spcBef>
+              <a:spcAft>
+                <a:spcPts val="0"/>
+              </a:spcAft>
+              <a:buSzPts val="2100"/>
+              <a:buNone/>
+              <a:defRPr sz="2100"/>
+            </a:lvl9pPr>
+          </a:lstStyle>
+          <a:p>
+            <a:endParaRPr/>
+          </a:p>
+        </p:txBody>
+      </p:sp>
+      <p:sp>
+        <p:nvSpPr>
+          <p:cNvPr id="39" name="Google Shape;39;p9"/>
+          <p:cNvSpPr txBox="1">
+            <a:spLocks noGrp="1"/>
+          </p:cNvSpPr>
+          <p:nvPr>
+            <p:ph type="body" idx="2"/>
+          </p:nvPr>
+        </p:nvSpPr>
+        <p:spPr>
+          <a:xfrm>
+            <a:off x="4939500" y="724075"/>
+            <a:ext cx="3837000" cy="3695100"/>
+          </a:xfrm>
+          <a:prstGeom prst="rect">
+            <a:avLst/>
+          </a:prstGeom>
+        </p:spPr>
+        <p:txBody>
+          <a:bodyPr spcFirstLastPara="1" wrap="square" lIns="91425" tIns="91425" rIns="91425" bIns="91425" anchor="ctr" anchorCtr="0">
+            <a:noAutofit/>
+          </a:bodyPr>
+          <a:lstStyle>
+            <a:lvl1pPr marL="457200" lvl="0" indent="-342900">
+              <a:spcBef>
+                <a:spcPts val="0"/>
+              </a:spcBef>
+              <a:spcAft>
+                <a:spcPts val="0"/>
+              </a:spcAft>
+              <a:buSzPts val="1800"/>
+              <a:buChar char="●"/>
+              <a:defRPr/>
+            </a:lvl1pPr>
+            <a:lvl2pPr marL="914400" lvl="1" indent="-317500">
+              <a:spcBef>
+                <a:spcPts val="1600"/>
+              </a:spcBef>
+              <a:spcAft>
+                <a:spcPts val="0"/>
+              </a:spcAft>
+              <a:buSzPts val="1400"/>
+              <a:buChar char="○"/>
+              <a:defRPr/>
+            </a:lvl2pPr>
+            <a:lvl3pPr marL="1371600" lvl="2" indent="-317500">
+              <a:spcBef>
+                <a:spcPts val="1600"/>
+              </a:spcBef>
+              <a:spcAft>
+                <a:spcPts val="0"/>
+              </a:spcAft>
+              <a:buSzPts val="1400"/>
+              <a:buChar char="■"/>
+              <a:defRPr/>
+            </a:lvl3pPr>
+            <a:lvl4pPr marL="1828800" lvl="3" indent="-317500">
+              <a:spcBef>
+                <a:spcPts val="1600"/>
+              </a:spcBef>
+              <a:spcAft>
+                <a:spcPts val="0"/>
+              </a:spcAft>
+              <a:buSzPts val="1400"/>
+              <a:buChar char="●"/>
+              <a:defRPr/>
+            </a:lvl4pPr>
+            <a:lvl5pPr marL="2286000" lvl="4" indent="-317500">
+              <a:spcBef>
+                <a:spcPts val="1600"/>
+              </a:spcBef>
+              <a:spcAft>
+                <a:spcPts val="0"/>
+              </a:spcAft>
+              <a:buSzPts val="1400"/>
+              <a:buChar char="○"/>
+              <a:defRPr/>
+            </a:lvl5pPr>
+            <a:lvl6pPr marL="2743200" lvl="5" indent="-317500">
+              <a:spcBef>
+                <a:spcPts val="1600"/>
+              </a:spcBef>
+              <a:spcAft>
+                <a:spcPts val="0"/>
+              </a:spcAft>
+              <a:buSzPts val="1400"/>
+              <a:buChar char="■"/>
+              <a:defRPr/>
+            </a:lvl6pPr>
+            <a:lvl7pPr marL="3200400" lvl="6" indent="-317500">
+              <a:spcBef>
+                <a:spcPts val="1600"/>
+              </a:spcBef>
+              <a:spcAft>
+                <a:spcPts val="0"/>
+              </a:spcAft>
+              <a:buSzPts val="1400"/>
+              <a:buChar char="●"/>
+              <a:defRPr/>
+            </a:lvl7pPr>
+            <a:lvl8pPr marL="3657600" lvl="7" indent="-317500">
+              <a:spcBef>
+                <a:spcPts val="1600"/>
+              </a:spcBef>
+              <a:spcAft>
+                <a:spcPts val="0"/>
+              </a:spcAft>
+              <a:buSzPts val="1400"/>
+              <a:buChar char="○"/>
+              <a:defRPr/>
+            </a:lvl8pPr>
+            <a:lvl9pPr marL="4114800" lvl="8" indent="-317500">
+              <a:spcBef>
+                <a:spcPts val="1600"/>
+              </a:spcBef>
+              <a:spcAft>
+                <a:spcPts val="1600"/>
+              </a:spcAft>
+              <a:buSzPts val="1400"/>
+              <a:buChar char="■"/>
+              <a:defRPr/>
+            </a:lvl9pPr>
+          </a:lstStyle>
+          <a:p>
+            <a:endParaRPr/>
+          </a:p>
+        </p:txBody>
+      </p:sp>
+      <p:sp>
+        <p:nvSpPr>
+          <p:cNvPr id="40" name="Google Shape;40;p9"/>
+          <p:cNvSpPr txBox="1">
+            <a:spLocks noGrp="1"/>
+          </p:cNvSpPr>
+          <p:nvPr>
+            <p:ph type="sldNum" idx="12"/>
+          </p:nvPr>
+        </p:nvSpPr>
+        <p:spPr>
+          <a:xfrm>
+            <a:off x="8472458" y="4663217"/>
+            <a:ext cx="548700" cy="393600"/>
+          </a:xfrm>
+          <a:prstGeom prst="rect">
+            <a:avLst/>
+          </a:prstGeom>
+        </p:spPr>
+        <p:txBody>
+          <a:bodyPr spcFirstLastPara="1" wrap="square" lIns="91425" tIns="91425" rIns="91425" bIns="91425" anchor="ctr" anchorCtr="0">
+            <a:noAutofit/>
+          </a:bodyPr>
+          <a:lstStyle>
+            <a:lvl1pPr lvl="0">
+              <a:buNone/>
+              <a:defRPr/>
+            </a:lvl1pPr>
+            <a:lvl2pPr lvl="1">
+              <a:buNone/>
+              <a:defRPr/>
+            </a:lvl2pPr>
+            <a:lvl3pPr lvl="2">
+              <a:buNone/>
+              <a:defRPr/>
+            </a:lvl3pPr>
+            <a:lvl4pPr lvl="3">
+              <a:buNone/>
+              <a:defRPr/>
+            </a:lvl4pPr>
+            <a:lvl5pPr lvl="4">
+              <a:buNone/>
+              <a:defRPr/>
+            </a:lvl5pPr>
+            <a:lvl6pPr lvl="5">
+              <a:buNone/>
+              <a:defRPr/>
+            </a:lvl6pPr>
+            <a:lvl7pPr lvl="6">
+              <a:buNone/>
+              <a:defRPr/>
+            </a:lvl7pPr>
+            <a:lvl8pPr lvl="7">
+              <a:buNone/>
+              <a:defRPr/>
+            </a:lvl8pPr>
+            <a:lvl9pPr lvl="8">
+              <a:buNone/>
+              <a:defRPr/>
+            </a:lvl9pPr>
+          </a:lstStyle>
+          <a:p>
+            <a:pPr marL="0" lvl="0" indent="0" algn="r" rtl="0">
+              <a:spcBef>
+                <a:spcPts val="0"/>
+              </a:spcBef>
+              <a:spcAft>
+                <a:spcPts val="0"/>
+              </a:spcAft>
+              <a:buNone/>
+            </a:pPr>
+            <a:fld id="{00000000-1234-1234-1234-123412341234}" type="slidenum">
+              <a:rPr lang="en"/>
+              <a:t>‹#›</a:t>
+            </a:fld>
+            <a:endParaRPr/>
+          </a:p>
+        </p:txBody>
+      </p:sp>
+    </p:spTree>
+  </p:cSld>
+  <p:clrMapOvr>
+    <a:masterClrMapping/>
+  </p:clrMapOvr>
+</p:sldLayout>
+</file>
+
+<file path=ppt/slideLayouts/slideLayout8.xml><?xml version="1.0" encoding="utf-8"?>
+<p:sldLayout xmlns:a="http://schemas.openxmlformats.org/drawingml/2006/main" xmlns:r="http://schemas.openxmlformats.org/officeDocument/2006/relationships" xmlns:p="http://schemas.openxmlformats.org/presentationml/2006/main" matchingName="Caption">
+  <p:cSld name="CAPTION_ONLY">
+    <p:spTree>
+      <p:nvGrpSpPr>
+        <p:cNvPr id="1" name="Shape 41"/>
+        <p:cNvGrpSpPr/>
+        <p:nvPr/>
+      </p:nvGrpSpPr>
+      <p:grpSpPr>
+        <a:xfrm>
+          <a:off x="0" y="0"/>
+          <a:ext cx="0" cy="0"/>
+          <a:chOff x="0" y="0"/>
+          <a:chExt cx="0" cy="0"/>
+        </a:xfrm>
+      </p:grpSpPr>
+      <p:sp>
+        <p:nvSpPr>
+          <p:cNvPr id="42" name="Google Shape;42;p10"/>
+          <p:cNvSpPr txBox="1">
+            <a:spLocks noGrp="1"/>
+          </p:cNvSpPr>
+          <p:nvPr>
+            <p:ph type="body" idx="1"/>
+          </p:nvPr>
+        </p:nvSpPr>
+        <p:spPr>
+          <a:xfrm>
+            <a:off x="311700" y="4230575"/>
+            <a:ext cx="5998800" cy="605100"/>
+          </a:xfrm>
+          <a:prstGeom prst="rect">
+            <a:avLst/>
+          </a:prstGeom>
+        </p:spPr>
+        <p:txBody>
+          <a:bodyPr spcFirstLastPara="1" wrap="square" lIns="91425" tIns="91425" rIns="91425" bIns="91425" anchor="ctr" anchorCtr="0">
+            <a:noAutofit/>
+          </a:bodyPr>
+          <a:lstStyle>
+            <a:lvl1pPr marL="457200" lvl="0" indent="-228600">
+              <a:lnSpc>
+                <a:spcPct val="100000"/>
+              </a:lnSpc>
+              <a:spcBef>
+                <a:spcPts val="0"/>
+              </a:spcBef>
+              <a:spcAft>
+                <a:spcPts val="0"/>
+              </a:spcAft>
+              <a:buSzPts val="1800"/>
+              <a:buNone/>
+              <a:defRPr/>
+            </a:lvl1pPr>
+          </a:lstStyle>
+          <a:p>
+            <a:endParaRPr/>
+          </a:p>
+        </p:txBody>
+      </p:sp>
+      <p:sp>
+        <p:nvSpPr>
+          <p:cNvPr id="43" name="Google Shape;43;p10"/>
+          <p:cNvSpPr txBox="1">
+            <a:spLocks noGrp="1"/>
+          </p:cNvSpPr>
+          <p:nvPr>
+            <p:ph type="sldNum" idx="12"/>
+          </p:nvPr>
+        </p:nvSpPr>
+        <p:spPr>
+          <a:xfrm>
+            <a:off x="8472458" y="4663217"/>
+            <a:ext cx="548700" cy="393600"/>
+          </a:xfrm>
+          <a:prstGeom prst="rect">
+            <a:avLst/>
+          </a:prstGeom>
+        </p:spPr>
+        <p:txBody>
+          <a:bodyPr spcFirstLastPara="1" wrap="square" lIns="91425" tIns="91425" rIns="91425" bIns="91425" anchor="ctr" anchorCtr="0">
+            <a:noAutofit/>
+          </a:bodyPr>
+          <a:lstStyle>
+            <a:lvl1pPr lvl="0">
+              <a:buNone/>
+              <a:defRPr/>
+            </a:lvl1pPr>
+            <a:lvl2pPr lvl="1">
+              <a:buNone/>
+              <a:defRPr/>
+            </a:lvl2pPr>
+            <a:lvl3pPr lvl="2">
+              <a:buNone/>
+              <a:defRPr/>
+            </a:lvl3pPr>
+            <a:lvl4pPr lvl="3">
+              <a:buNone/>
+              <a:defRPr/>
+            </a:lvl4pPr>
+            <a:lvl5pPr lvl="4">
+              <a:buNone/>
+              <a:defRPr/>
+            </a:lvl5pPr>
+            <a:lvl6pPr lvl="5">
+              <a:buNone/>
+              <a:defRPr/>
+            </a:lvl6pPr>
+            <a:lvl7pPr lvl="6">
+              <a:buNone/>
+              <a:defRPr/>
+            </a:lvl7pPr>
+            <a:lvl8pPr lvl="7">
+              <a:buNone/>
+              <a:defRPr/>
+            </a:lvl8pPr>
+            <a:lvl9pPr lvl="8">
+              <a:buNone/>
+              <a:defRPr/>
+            </a:lvl9pPr>
+          </a:lstStyle>
+          <a:p>
+            <a:pPr marL="0" lvl="0" indent="0" algn="r" rtl="0">
+              <a:spcBef>
+                <a:spcPts val="0"/>
+              </a:spcBef>
+              <a:spcAft>
+                <a:spcPts val="0"/>
+              </a:spcAft>
+              <a:buNone/>
+            </a:pPr>
+            <a:fld id="{00000000-1234-1234-1234-123412341234}" type="slidenum">
+              <a:rPr lang="en"/>
+              <a:t>‹#›</a:t>
+            </a:fld>
+            <a:endParaRPr/>
+          </a:p>
+        </p:txBody>
+      </p:sp>
+    </p:spTree>
+  </p:cSld>
+  <p:clrMapOvr>
+    <a:masterClrMapping/>
+  </p:clrMapOvr>
+</p:sldLayout>
+</file>
+
+<file path=ppt/slideLayouts/slideLayout9.xml><?xml version="1.0" encoding="utf-8"?>
 <p:sldLayout xmlns:a="http://schemas.openxmlformats.org/drawingml/2006/main" xmlns:r="http://schemas.openxmlformats.org/officeDocument/2006/relationships" xmlns:p="http://schemas.openxmlformats.org/presentationml/2006/main" matchingName="Big number">
   <p:cSld name="BIG_NUMBER">
     <p:spTree>
@@ -7507,2730 +11279,6 @@
 </p:sldLayout>
 </file>
 
-<file path=ppt/slideLayouts/slideLayout11.xml><?xml version="1.0" encoding="utf-8"?>
-<p:sldLayout xmlns:a="http://schemas.openxmlformats.org/drawingml/2006/main" xmlns:r="http://schemas.openxmlformats.org/officeDocument/2006/relationships" xmlns:p="http://schemas.openxmlformats.org/presentationml/2006/main" matchingName="Blank" type="blank">
-  <p:cSld name="BLANK">
-    <p:spTree>
-      <p:nvGrpSpPr>
-        <p:cNvPr id="1" name="Shape 48"/>
-        <p:cNvGrpSpPr/>
-        <p:nvPr/>
-      </p:nvGrpSpPr>
-      <p:grpSpPr>
-        <a:xfrm>
-          <a:off x="0" y="0"/>
-          <a:ext cx="0" cy="0"/>
-          <a:chOff x="0" y="0"/>
-          <a:chExt cx="0" cy="0"/>
-        </a:xfrm>
-      </p:grpSpPr>
-      <p:sp>
-        <p:nvSpPr>
-          <p:cNvPr id="49" name="Google Shape;49;p12"/>
-          <p:cNvSpPr txBox="1">
-            <a:spLocks noGrp="1"/>
-          </p:cNvSpPr>
-          <p:nvPr>
-            <p:ph type="sldNum" idx="12"/>
-          </p:nvPr>
-        </p:nvSpPr>
-        <p:spPr>
-          <a:xfrm>
-            <a:off x="8472458" y="4663217"/>
-            <a:ext cx="548700" cy="393600"/>
-          </a:xfrm>
-          <a:prstGeom prst="rect">
-            <a:avLst/>
-          </a:prstGeom>
-        </p:spPr>
-        <p:txBody>
-          <a:bodyPr spcFirstLastPara="1" wrap="square" lIns="91425" tIns="91425" rIns="91425" bIns="91425" anchor="ctr" anchorCtr="0">
-            <a:noAutofit/>
-          </a:bodyPr>
-          <a:lstStyle>
-            <a:lvl1pPr lvl="0">
-              <a:buNone/>
-              <a:defRPr/>
-            </a:lvl1pPr>
-            <a:lvl2pPr lvl="1">
-              <a:buNone/>
-              <a:defRPr/>
-            </a:lvl2pPr>
-            <a:lvl3pPr lvl="2">
-              <a:buNone/>
-              <a:defRPr/>
-            </a:lvl3pPr>
-            <a:lvl4pPr lvl="3">
-              <a:buNone/>
-              <a:defRPr/>
-            </a:lvl4pPr>
-            <a:lvl5pPr lvl="4">
-              <a:buNone/>
-              <a:defRPr/>
-            </a:lvl5pPr>
-            <a:lvl6pPr lvl="5">
-              <a:buNone/>
-              <a:defRPr/>
-            </a:lvl6pPr>
-            <a:lvl7pPr lvl="6">
-              <a:buNone/>
-              <a:defRPr/>
-            </a:lvl7pPr>
-            <a:lvl8pPr lvl="7">
-              <a:buNone/>
-              <a:defRPr/>
-            </a:lvl8pPr>
-            <a:lvl9pPr lvl="8">
-              <a:buNone/>
-              <a:defRPr/>
-            </a:lvl9pPr>
-          </a:lstStyle>
-          <a:p>
-            <a:pPr marL="0" lvl="0" indent="0" algn="r" rtl="0">
-              <a:spcBef>
-                <a:spcPts val="0"/>
-              </a:spcBef>
-              <a:spcAft>
-                <a:spcPts val="0"/>
-              </a:spcAft>
-              <a:buNone/>
-            </a:pPr>
-            <a:fld id="{00000000-1234-1234-1234-123412341234}" type="slidenum">
-              <a:rPr lang="en"/>
-              <a:t>‹#›</a:t>
-            </a:fld>
-            <a:endParaRPr/>
-          </a:p>
-        </p:txBody>
-      </p:sp>
-    </p:spTree>
-  </p:cSld>
-  <p:clrMapOvr>
-    <a:masterClrMapping/>
-  </p:clrMapOvr>
-</p:sldLayout>
-</file>
-
-<file path=ppt/slideLayouts/slideLayout2.xml><?xml version="1.0" encoding="utf-8"?>
-<p:sldLayout xmlns:a="http://schemas.openxmlformats.org/drawingml/2006/main" xmlns:r="http://schemas.openxmlformats.org/officeDocument/2006/relationships" xmlns:p="http://schemas.openxmlformats.org/presentationml/2006/main" matchingName="Section header" type="secHead">
-  <p:cSld name="SECTION_HEADER">
-    <p:spTree>
-      <p:nvGrpSpPr>
-        <p:cNvPr id="1" name="Shape 13"/>
-        <p:cNvGrpSpPr/>
-        <p:nvPr/>
-      </p:nvGrpSpPr>
-      <p:grpSpPr>
-        <a:xfrm>
-          <a:off x="0" y="0"/>
-          <a:ext cx="0" cy="0"/>
-          <a:chOff x="0" y="0"/>
-          <a:chExt cx="0" cy="0"/>
-        </a:xfrm>
-      </p:grpSpPr>
-      <p:sp>
-        <p:nvSpPr>
-          <p:cNvPr id="14" name="Google Shape;14;p3"/>
-          <p:cNvSpPr txBox="1">
-            <a:spLocks noGrp="1"/>
-          </p:cNvSpPr>
-          <p:nvPr>
-            <p:ph type="title"/>
-          </p:nvPr>
-        </p:nvSpPr>
-        <p:spPr>
-          <a:xfrm>
-            <a:off x="311700" y="2150850"/>
-            <a:ext cx="8520600" cy="841800"/>
-          </a:xfrm>
-          <a:prstGeom prst="rect">
-            <a:avLst/>
-          </a:prstGeom>
-        </p:spPr>
-        <p:txBody>
-          <a:bodyPr spcFirstLastPara="1" wrap="square" lIns="91425" tIns="91425" rIns="91425" bIns="91425" anchor="ctr" anchorCtr="0">
-            <a:noAutofit/>
-          </a:bodyPr>
-          <a:lstStyle>
-            <a:lvl1pPr lvl="0" algn="ctr">
-              <a:spcBef>
-                <a:spcPts val="0"/>
-              </a:spcBef>
-              <a:spcAft>
-                <a:spcPts val="0"/>
-              </a:spcAft>
-              <a:buSzPts val="3600"/>
-              <a:buNone/>
-              <a:defRPr sz="3600"/>
-            </a:lvl1pPr>
-            <a:lvl2pPr lvl="1" algn="ctr">
-              <a:spcBef>
-                <a:spcPts val="0"/>
-              </a:spcBef>
-              <a:spcAft>
-                <a:spcPts val="0"/>
-              </a:spcAft>
-              <a:buSzPts val="3600"/>
-              <a:buNone/>
-              <a:defRPr sz="3600"/>
-            </a:lvl2pPr>
-            <a:lvl3pPr lvl="2" algn="ctr">
-              <a:spcBef>
-                <a:spcPts val="0"/>
-              </a:spcBef>
-              <a:spcAft>
-                <a:spcPts val="0"/>
-              </a:spcAft>
-              <a:buSzPts val="3600"/>
-              <a:buNone/>
-              <a:defRPr sz="3600"/>
-            </a:lvl3pPr>
-            <a:lvl4pPr lvl="3" algn="ctr">
-              <a:spcBef>
-                <a:spcPts val="0"/>
-              </a:spcBef>
-              <a:spcAft>
-                <a:spcPts val="0"/>
-              </a:spcAft>
-              <a:buSzPts val="3600"/>
-              <a:buNone/>
-              <a:defRPr sz="3600"/>
-            </a:lvl4pPr>
-            <a:lvl5pPr lvl="4" algn="ctr">
-              <a:spcBef>
-                <a:spcPts val="0"/>
-              </a:spcBef>
-              <a:spcAft>
-                <a:spcPts val="0"/>
-              </a:spcAft>
-              <a:buSzPts val="3600"/>
-              <a:buNone/>
-              <a:defRPr sz="3600"/>
-            </a:lvl5pPr>
-            <a:lvl6pPr lvl="5" algn="ctr">
-              <a:spcBef>
-                <a:spcPts val="0"/>
-              </a:spcBef>
-              <a:spcAft>
-                <a:spcPts val="0"/>
-              </a:spcAft>
-              <a:buSzPts val="3600"/>
-              <a:buNone/>
-              <a:defRPr sz="3600"/>
-            </a:lvl6pPr>
-            <a:lvl7pPr lvl="6" algn="ctr">
-              <a:spcBef>
-                <a:spcPts val="0"/>
-              </a:spcBef>
-              <a:spcAft>
-                <a:spcPts val="0"/>
-              </a:spcAft>
-              <a:buSzPts val="3600"/>
-              <a:buNone/>
-              <a:defRPr sz="3600"/>
-            </a:lvl7pPr>
-            <a:lvl8pPr lvl="7" algn="ctr">
-              <a:spcBef>
-                <a:spcPts val="0"/>
-              </a:spcBef>
-              <a:spcAft>
-                <a:spcPts val="0"/>
-              </a:spcAft>
-              <a:buSzPts val="3600"/>
-              <a:buNone/>
-              <a:defRPr sz="3600"/>
-            </a:lvl8pPr>
-            <a:lvl9pPr lvl="8" algn="ctr">
-              <a:spcBef>
-                <a:spcPts val="0"/>
-              </a:spcBef>
-              <a:spcAft>
-                <a:spcPts val="0"/>
-              </a:spcAft>
-              <a:buSzPts val="3600"/>
-              <a:buNone/>
-              <a:defRPr sz="3600"/>
-            </a:lvl9pPr>
-          </a:lstStyle>
-          <a:p>
-            <a:endParaRPr/>
-          </a:p>
-        </p:txBody>
-      </p:sp>
-      <p:sp>
-        <p:nvSpPr>
-          <p:cNvPr id="15" name="Google Shape;15;p3"/>
-          <p:cNvSpPr txBox="1">
-            <a:spLocks noGrp="1"/>
-          </p:cNvSpPr>
-          <p:nvPr>
-            <p:ph type="sldNum" idx="12"/>
-          </p:nvPr>
-        </p:nvSpPr>
-        <p:spPr>
-          <a:xfrm>
-            <a:off x="8472458" y="4663217"/>
-            <a:ext cx="548700" cy="393600"/>
-          </a:xfrm>
-          <a:prstGeom prst="rect">
-            <a:avLst/>
-          </a:prstGeom>
-        </p:spPr>
-        <p:txBody>
-          <a:bodyPr spcFirstLastPara="1" wrap="square" lIns="91425" tIns="91425" rIns="91425" bIns="91425" anchor="ctr" anchorCtr="0">
-            <a:noAutofit/>
-          </a:bodyPr>
-          <a:lstStyle>
-            <a:lvl1pPr lvl="0">
-              <a:buNone/>
-              <a:defRPr/>
-            </a:lvl1pPr>
-            <a:lvl2pPr lvl="1">
-              <a:buNone/>
-              <a:defRPr/>
-            </a:lvl2pPr>
-            <a:lvl3pPr lvl="2">
-              <a:buNone/>
-              <a:defRPr/>
-            </a:lvl3pPr>
-            <a:lvl4pPr lvl="3">
-              <a:buNone/>
-              <a:defRPr/>
-            </a:lvl4pPr>
-            <a:lvl5pPr lvl="4">
-              <a:buNone/>
-              <a:defRPr/>
-            </a:lvl5pPr>
-            <a:lvl6pPr lvl="5">
-              <a:buNone/>
-              <a:defRPr/>
-            </a:lvl6pPr>
-            <a:lvl7pPr lvl="6">
-              <a:buNone/>
-              <a:defRPr/>
-            </a:lvl7pPr>
-            <a:lvl8pPr lvl="7">
-              <a:buNone/>
-              <a:defRPr/>
-            </a:lvl8pPr>
-            <a:lvl9pPr lvl="8">
-              <a:buNone/>
-              <a:defRPr/>
-            </a:lvl9pPr>
-          </a:lstStyle>
-          <a:p>
-            <a:pPr marL="0" lvl="0" indent="0" algn="r" rtl="0">
-              <a:spcBef>
-                <a:spcPts val="0"/>
-              </a:spcBef>
-              <a:spcAft>
-                <a:spcPts val="0"/>
-              </a:spcAft>
-              <a:buNone/>
-            </a:pPr>
-            <a:fld id="{00000000-1234-1234-1234-123412341234}" type="slidenum">
-              <a:rPr lang="en"/>
-              <a:t>‹#›</a:t>
-            </a:fld>
-            <a:endParaRPr/>
-          </a:p>
-        </p:txBody>
-      </p:sp>
-    </p:spTree>
-  </p:cSld>
-  <p:clrMapOvr>
-    <a:masterClrMapping/>
-  </p:clrMapOvr>
-</p:sldLayout>
-</file>
-
-<file path=ppt/slideLayouts/slideLayout3.xml><?xml version="1.0" encoding="utf-8"?>
-<p:sldLayout xmlns:a="http://schemas.openxmlformats.org/drawingml/2006/main" xmlns:r="http://schemas.openxmlformats.org/officeDocument/2006/relationships" xmlns:p="http://schemas.openxmlformats.org/presentationml/2006/main" matchingName="Title and body" type="tx">
-  <p:cSld name="TITLE_AND_BODY">
-    <p:spTree>
-      <p:nvGrpSpPr>
-        <p:cNvPr id="1" name="Shape 16"/>
-        <p:cNvGrpSpPr/>
-        <p:nvPr/>
-      </p:nvGrpSpPr>
-      <p:grpSpPr>
-        <a:xfrm>
-          <a:off x="0" y="0"/>
-          <a:ext cx="0" cy="0"/>
-          <a:chOff x="0" y="0"/>
-          <a:chExt cx="0" cy="0"/>
-        </a:xfrm>
-      </p:grpSpPr>
-      <p:sp>
-        <p:nvSpPr>
-          <p:cNvPr id="17" name="Google Shape;17;p4"/>
-          <p:cNvSpPr txBox="1">
-            <a:spLocks noGrp="1"/>
-          </p:cNvSpPr>
-          <p:nvPr>
-            <p:ph type="title"/>
-          </p:nvPr>
-        </p:nvSpPr>
-        <p:spPr>
-          <a:xfrm>
-            <a:off x="311700" y="445025"/>
-            <a:ext cx="8520600" cy="572700"/>
-          </a:xfrm>
-          <a:prstGeom prst="rect">
-            <a:avLst/>
-          </a:prstGeom>
-        </p:spPr>
-        <p:txBody>
-          <a:bodyPr spcFirstLastPara="1" wrap="square" lIns="91425" tIns="91425" rIns="91425" bIns="91425" anchor="t" anchorCtr="0">
-            <a:noAutofit/>
-          </a:bodyPr>
-          <a:lstStyle>
-            <a:lvl1pPr lvl="0">
-              <a:spcBef>
-                <a:spcPts val="0"/>
-              </a:spcBef>
-              <a:spcAft>
-                <a:spcPts val="0"/>
-              </a:spcAft>
-              <a:buSzPts val="2800"/>
-              <a:buNone/>
-              <a:defRPr/>
-            </a:lvl1pPr>
-            <a:lvl2pPr lvl="1">
-              <a:spcBef>
-                <a:spcPts val="0"/>
-              </a:spcBef>
-              <a:spcAft>
-                <a:spcPts val="0"/>
-              </a:spcAft>
-              <a:buSzPts val="2800"/>
-              <a:buNone/>
-              <a:defRPr/>
-            </a:lvl2pPr>
-            <a:lvl3pPr lvl="2">
-              <a:spcBef>
-                <a:spcPts val="0"/>
-              </a:spcBef>
-              <a:spcAft>
-                <a:spcPts val="0"/>
-              </a:spcAft>
-              <a:buSzPts val="2800"/>
-              <a:buNone/>
-              <a:defRPr/>
-            </a:lvl3pPr>
-            <a:lvl4pPr lvl="3">
-              <a:spcBef>
-                <a:spcPts val="0"/>
-              </a:spcBef>
-              <a:spcAft>
-                <a:spcPts val="0"/>
-              </a:spcAft>
-              <a:buSzPts val="2800"/>
-              <a:buNone/>
-              <a:defRPr/>
-            </a:lvl4pPr>
-            <a:lvl5pPr lvl="4">
-              <a:spcBef>
-                <a:spcPts val="0"/>
-              </a:spcBef>
-              <a:spcAft>
-                <a:spcPts val="0"/>
-              </a:spcAft>
-              <a:buSzPts val="2800"/>
-              <a:buNone/>
-              <a:defRPr/>
-            </a:lvl5pPr>
-            <a:lvl6pPr lvl="5">
-              <a:spcBef>
-                <a:spcPts val="0"/>
-              </a:spcBef>
-              <a:spcAft>
-                <a:spcPts val="0"/>
-              </a:spcAft>
-              <a:buSzPts val="2800"/>
-              <a:buNone/>
-              <a:defRPr/>
-            </a:lvl6pPr>
-            <a:lvl7pPr lvl="6">
-              <a:spcBef>
-                <a:spcPts val="0"/>
-              </a:spcBef>
-              <a:spcAft>
-                <a:spcPts val="0"/>
-              </a:spcAft>
-              <a:buSzPts val="2800"/>
-              <a:buNone/>
-              <a:defRPr/>
-            </a:lvl7pPr>
-            <a:lvl8pPr lvl="7">
-              <a:spcBef>
-                <a:spcPts val="0"/>
-              </a:spcBef>
-              <a:spcAft>
-                <a:spcPts val="0"/>
-              </a:spcAft>
-              <a:buSzPts val="2800"/>
-              <a:buNone/>
-              <a:defRPr/>
-            </a:lvl8pPr>
-            <a:lvl9pPr lvl="8">
-              <a:spcBef>
-                <a:spcPts val="0"/>
-              </a:spcBef>
-              <a:spcAft>
-                <a:spcPts val="0"/>
-              </a:spcAft>
-              <a:buSzPts val="2800"/>
-              <a:buNone/>
-              <a:defRPr/>
-            </a:lvl9pPr>
-          </a:lstStyle>
-          <a:p>
-            <a:endParaRPr/>
-          </a:p>
-        </p:txBody>
-      </p:sp>
-      <p:sp>
-        <p:nvSpPr>
-          <p:cNvPr id="18" name="Google Shape;18;p4"/>
-          <p:cNvSpPr txBox="1">
-            <a:spLocks noGrp="1"/>
-          </p:cNvSpPr>
-          <p:nvPr>
-            <p:ph type="body" idx="1"/>
-          </p:nvPr>
-        </p:nvSpPr>
-        <p:spPr>
-          <a:xfrm>
-            <a:off x="311700" y="1152475"/>
-            <a:ext cx="8520600" cy="3416400"/>
-          </a:xfrm>
-          <a:prstGeom prst="rect">
-            <a:avLst/>
-          </a:prstGeom>
-        </p:spPr>
-        <p:txBody>
-          <a:bodyPr spcFirstLastPara="1" wrap="square" lIns="91425" tIns="91425" rIns="91425" bIns="91425" anchor="t" anchorCtr="0">
-            <a:noAutofit/>
-          </a:bodyPr>
-          <a:lstStyle>
-            <a:lvl1pPr marL="457200" lvl="0" indent="-342900">
-              <a:spcBef>
-                <a:spcPts val="0"/>
-              </a:spcBef>
-              <a:spcAft>
-                <a:spcPts val="0"/>
-              </a:spcAft>
-              <a:buSzPts val="1800"/>
-              <a:buChar char="●"/>
-              <a:defRPr/>
-            </a:lvl1pPr>
-            <a:lvl2pPr marL="914400" lvl="1" indent="-317500">
-              <a:spcBef>
-                <a:spcPts val="1600"/>
-              </a:spcBef>
-              <a:spcAft>
-                <a:spcPts val="0"/>
-              </a:spcAft>
-              <a:buSzPts val="1400"/>
-              <a:buChar char="○"/>
-              <a:defRPr/>
-            </a:lvl2pPr>
-            <a:lvl3pPr marL="1371600" lvl="2" indent="-317500">
-              <a:spcBef>
-                <a:spcPts val="1600"/>
-              </a:spcBef>
-              <a:spcAft>
-                <a:spcPts val="0"/>
-              </a:spcAft>
-              <a:buSzPts val="1400"/>
-              <a:buChar char="■"/>
-              <a:defRPr/>
-            </a:lvl3pPr>
-            <a:lvl4pPr marL="1828800" lvl="3" indent="-317500">
-              <a:spcBef>
-                <a:spcPts val="1600"/>
-              </a:spcBef>
-              <a:spcAft>
-                <a:spcPts val="0"/>
-              </a:spcAft>
-              <a:buSzPts val="1400"/>
-              <a:buChar char="●"/>
-              <a:defRPr/>
-            </a:lvl4pPr>
-            <a:lvl5pPr marL="2286000" lvl="4" indent="-317500">
-              <a:spcBef>
-                <a:spcPts val="1600"/>
-              </a:spcBef>
-              <a:spcAft>
-                <a:spcPts val="0"/>
-              </a:spcAft>
-              <a:buSzPts val="1400"/>
-              <a:buChar char="○"/>
-              <a:defRPr/>
-            </a:lvl5pPr>
-            <a:lvl6pPr marL="2743200" lvl="5" indent="-317500">
-              <a:spcBef>
-                <a:spcPts val="1600"/>
-              </a:spcBef>
-              <a:spcAft>
-                <a:spcPts val="0"/>
-              </a:spcAft>
-              <a:buSzPts val="1400"/>
-              <a:buChar char="■"/>
-              <a:defRPr/>
-            </a:lvl6pPr>
-            <a:lvl7pPr marL="3200400" lvl="6" indent="-317500">
-              <a:spcBef>
-                <a:spcPts val="1600"/>
-              </a:spcBef>
-              <a:spcAft>
-                <a:spcPts val="0"/>
-              </a:spcAft>
-              <a:buSzPts val="1400"/>
-              <a:buChar char="●"/>
-              <a:defRPr/>
-            </a:lvl7pPr>
-            <a:lvl8pPr marL="3657600" lvl="7" indent="-317500">
-              <a:spcBef>
-                <a:spcPts val="1600"/>
-              </a:spcBef>
-              <a:spcAft>
-                <a:spcPts val="0"/>
-              </a:spcAft>
-              <a:buSzPts val="1400"/>
-              <a:buChar char="○"/>
-              <a:defRPr/>
-            </a:lvl8pPr>
-            <a:lvl9pPr marL="4114800" lvl="8" indent="-317500">
-              <a:spcBef>
-                <a:spcPts val="1600"/>
-              </a:spcBef>
-              <a:spcAft>
-                <a:spcPts val="1600"/>
-              </a:spcAft>
-              <a:buSzPts val="1400"/>
-              <a:buChar char="■"/>
-              <a:defRPr/>
-            </a:lvl9pPr>
-          </a:lstStyle>
-          <a:p>
-            <a:endParaRPr/>
-          </a:p>
-        </p:txBody>
-      </p:sp>
-      <p:sp>
-        <p:nvSpPr>
-          <p:cNvPr id="19" name="Google Shape;19;p4"/>
-          <p:cNvSpPr txBox="1">
-            <a:spLocks noGrp="1"/>
-          </p:cNvSpPr>
-          <p:nvPr>
-            <p:ph type="sldNum" idx="12"/>
-          </p:nvPr>
-        </p:nvSpPr>
-        <p:spPr>
-          <a:xfrm>
-            <a:off x="8472458" y="4663217"/>
-            <a:ext cx="548700" cy="393600"/>
-          </a:xfrm>
-          <a:prstGeom prst="rect">
-            <a:avLst/>
-          </a:prstGeom>
-        </p:spPr>
-        <p:txBody>
-          <a:bodyPr spcFirstLastPara="1" wrap="square" lIns="91425" tIns="91425" rIns="91425" bIns="91425" anchor="ctr" anchorCtr="0">
-            <a:noAutofit/>
-          </a:bodyPr>
-          <a:lstStyle>
-            <a:lvl1pPr lvl="0">
-              <a:buNone/>
-              <a:defRPr/>
-            </a:lvl1pPr>
-            <a:lvl2pPr lvl="1">
-              <a:buNone/>
-              <a:defRPr/>
-            </a:lvl2pPr>
-            <a:lvl3pPr lvl="2">
-              <a:buNone/>
-              <a:defRPr/>
-            </a:lvl3pPr>
-            <a:lvl4pPr lvl="3">
-              <a:buNone/>
-              <a:defRPr/>
-            </a:lvl4pPr>
-            <a:lvl5pPr lvl="4">
-              <a:buNone/>
-              <a:defRPr/>
-            </a:lvl5pPr>
-            <a:lvl6pPr lvl="5">
-              <a:buNone/>
-              <a:defRPr/>
-            </a:lvl6pPr>
-            <a:lvl7pPr lvl="6">
-              <a:buNone/>
-              <a:defRPr/>
-            </a:lvl7pPr>
-            <a:lvl8pPr lvl="7">
-              <a:buNone/>
-              <a:defRPr/>
-            </a:lvl8pPr>
-            <a:lvl9pPr lvl="8">
-              <a:buNone/>
-              <a:defRPr/>
-            </a:lvl9pPr>
-          </a:lstStyle>
-          <a:p>
-            <a:pPr marL="0" lvl="0" indent="0" algn="r" rtl="0">
-              <a:spcBef>
-                <a:spcPts val="0"/>
-              </a:spcBef>
-              <a:spcAft>
-                <a:spcPts val="0"/>
-              </a:spcAft>
-              <a:buNone/>
-            </a:pPr>
-            <a:fld id="{00000000-1234-1234-1234-123412341234}" type="slidenum">
-              <a:rPr lang="en"/>
-              <a:t>‹#›</a:t>
-            </a:fld>
-            <a:endParaRPr/>
-          </a:p>
-        </p:txBody>
-      </p:sp>
-    </p:spTree>
-  </p:cSld>
-  <p:clrMapOvr>
-    <a:masterClrMapping/>
-  </p:clrMapOvr>
-</p:sldLayout>
-</file>
-
-<file path=ppt/slideLayouts/slideLayout4.xml><?xml version="1.0" encoding="utf-8"?>
-<p:sldLayout xmlns:a="http://schemas.openxmlformats.org/drawingml/2006/main" xmlns:r="http://schemas.openxmlformats.org/officeDocument/2006/relationships" xmlns:p="http://schemas.openxmlformats.org/presentationml/2006/main" matchingName="Title and two columns" type="twoColTx">
-  <p:cSld name="TITLE_AND_TWO_COLUMNS">
-    <p:spTree>
-      <p:nvGrpSpPr>
-        <p:cNvPr id="1" name="Shape 20"/>
-        <p:cNvGrpSpPr/>
-        <p:nvPr/>
-      </p:nvGrpSpPr>
-      <p:grpSpPr>
-        <a:xfrm>
-          <a:off x="0" y="0"/>
-          <a:ext cx="0" cy="0"/>
-          <a:chOff x="0" y="0"/>
-          <a:chExt cx="0" cy="0"/>
-        </a:xfrm>
-      </p:grpSpPr>
-      <p:sp>
-        <p:nvSpPr>
-          <p:cNvPr id="21" name="Google Shape;21;p5"/>
-          <p:cNvSpPr txBox="1">
-            <a:spLocks noGrp="1"/>
-          </p:cNvSpPr>
-          <p:nvPr>
-            <p:ph type="title"/>
-          </p:nvPr>
-        </p:nvSpPr>
-        <p:spPr>
-          <a:xfrm>
-            <a:off x="311700" y="445025"/>
-            <a:ext cx="8520600" cy="572700"/>
-          </a:xfrm>
-          <a:prstGeom prst="rect">
-            <a:avLst/>
-          </a:prstGeom>
-        </p:spPr>
-        <p:txBody>
-          <a:bodyPr spcFirstLastPara="1" wrap="square" lIns="91425" tIns="91425" rIns="91425" bIns="91425" anchor="t" anchorCtr="0">
-            <a:noAutofit/>
-          </a:bodyPr>
-          <a:lstStyle>
-            <a:lvl1pPr lvl="0">
-              <a:spcBef>
-                <a:spcPts val="0"/>
-              </a:spcBef>
-              <a:spcAft>
-                <a:spcPts val="0"/>
-              </a:spcAft>
-              <a:buSzPts val="2800"/>
-              <a:buNone/>
-              <a:defRPr/>
-            </a:lvl1pPr>
-            <a:lvl2pPr lvl="1">
-              <a:spcBef>
-                <a:spcPts val="0"/>
-              </a:spcBef>
-              <a:spcAft>
-                <a:spcPts val="0"/>
-              </a:spcAft>
-              <a:buSzPts val="2800"/>
-              <a:buNone/>
-              <a:defRPr/>
-            </a:lvl2pPr>
-            <a:lvl3pPr lvl="2">
-              <a:spcBef>
-                <a:spcPts val="0"/>
-              </a:spcBef>
-              <a:spcAft>
-                <a:spcPts val="0"/>
-              </a:spcAft>
-              <a:buSzPts val="2800"/>
-              <a:buNone/>
-              <a:defRPr/>
-            </a:lvl3pPr>
-            <a:lvl4pPr lvl="3">
-              <a:spcBef>
-                <a:spcPts val="0"/>
-              </a:spcBef>
-              <a:spcAft>
-                <a:spcPts val="0"/>
-              </a:spcAft>
-              <a:buSzPts val="2800"/>
-              <a:buNone/>
-              <a:defRPr/>
-            </a:lvl4pPr>
-            <a:lvl5pPr lvl="4">
-              <a:spcBef>
-                <a:spcPts val="0"/>
-              </a:spcBef>
-              <a:spcAft>
-                <a:spcPts val="0"/>
-              </a:spcAft>
-              <a:buSzPts val="2800"/>
-              <a:buNone/>
-              <a:defRPr/>
-            </a:lvl5pPr>
-            <a:lvl6pPr lvl="5">
-              <a:spcBef>
-                <a:spcPts val="0"/>
-              </a:spcBef>
-              <a:spcAft>
-                <a:spcPts val="0"/>
-              </a:spcAft>
-              <a:buSzPts val="2800"/>
-              <a:buNone/>
-              <a:defRPr/>
-            </a:lvl6pPr>
-            <a:lvl7pPr lvl="6">
-              <a:spcBef>
-                <a:spcPts val="0"/>
-              </a:spcBef>
-              <a:spcAft>
-                <a:spcPts val="0"/>
-              </a:spcAft>
-              <a:buSzPts val="2800"/>
-              <a:buNone/>
-              <a:defRPr/>
-            </a:lvl7pPr>
-            <a:lvl8pPr lvl="7">
-              <a:spcBef>
-                <a:spcPts val="0"/>
-              </a:spcBef>
-              <a:spcAft>
-                <a:spcPts val="0"/>
-              </a:spcAft>
-              <a:buSzPts val="2800"/>
-              <a:buNone/>
-              <a:defRPr/>
-            </a:lvl8pPr>
-            <a:lvl9pPr lvl="8">
-              <a:spcBef>
-                <a:spcPts val="0"/>
-              </a:spcBef>
-              <a:spcAft>
-                <a:spcPts val="0"/>
-              </a:spcAft>
-              <a:buSzPts val="2800"/>
-              <a:buNone/>
-              <a:defRPr/>
-            </a:lvl9pPr>
-          </a:lstStyle>
-          <a:p>
-            <a:endParaRPr/>
-          </a:p>
-        </p:txBody>
-      </p:sp>
-      <p:sp>
-        <p:nvSpPr>
-          <p:cNvPr id="22" name="Google Shape;22;p5"/>
-          <p:cNvSpPr txBox="1">
-            <a:spLocks noGrp="1"/>
-          </p:cNvSpPr>
-          <p:nvPr>
-            <p:ph type="body" idx="1"/>
-          </p:nvPr>
-        </p:nvSpPr>
-        <p:spPr>
-          <a:xfrm>
-            <a:off x="311700" y="1152475"/>
-            <a:ext cx="3999900" cy="3416400"/>
-          </a:xfrm>
-          <a:prstGeom prst="rect">
-            <a:avLst/>
-          </a:prstGeom>
-        </p:spPr>
-        <p:txBody>
-          <a:bodyPr spcFirstLastPara="1" wrap="square" lIns="91425" tIns="91425" rIns="91425" bIns="91425" anchor="t" anchorCtr="0">
-            <a:noAutofit/>
-          </a:bodyPr>
-          <a:lstStyle>
-            <a:lvl1pPr marL="457200" lvl="0" indent="-317500">
-              <a:spcBef>
-                <a:spcPts val="0"/>
-              </a:spcBef>
-              <a:spcAft>
-                <a:spcPts val="0"/>
-              </a:spcAft>
-              <a:buSzPts val="1400"/>
-              <a:buChar char="●"/>
-              <a:defRPr sz="1400"/>
-            </a:lvl1pPr>
-            <a:lvl2pPr marL="914400" lvl="1" indent="-304800">
-              <a:spcBef>
-                <a:spcPts val="1600"/>
-              </a:spcBef>
-              <a:spcAft>
-                <a:spcPts val="0"/>
-              </a:spcAft>
-              <a:buSzPts val="1200"/>
-              <a:buChar char="○"/>
-              <a:defRPr sz="1200"/>
-            </a:lvl2pPr>
-            <a:lvl3pPr marL="1371600" lvl="2" indent="-304800">
-              <a:spcBef>
-                <a:spcPts val="1600"/>
-              </a:spcBef>
-              <a:spcAft>
-                <a:spcPts val="0"/>
-              </a:spcAft>
-              <a:buSzPts val="1200"/>
-              <a:buChar char="■"/>
-              <a:defRPr sz="1200"/>
-            </a:lvl3pPr>
-            <a:lvl4pPr marL="1828800" lvl="3" indent="-304800">
-              <a:spcBef>
-                <a:spcPts val="1600"/>
-              </a:spcBef>
-              <a:spcAft>
-                <a:spcPts val="0"/>
-              </a:spcAft>
-              <a:buSzPts val="1200"/>
-              <a:buChar char="●"/>
-              <a:defRPr sz="1200"/>
-            </a:lvl4pPr>
-            <a:lvl5pPr marL="2286000" lvl="4" indent="-304800">
-              <a:spcBef>
-                <a:spcPts val="1600"/>
-              </a:spcBef>
-              <a:spcAft>
-                <a:spcPts val="0"/>
-              </a:spcAft>
-              <a:buSzPts val="1200"/>
-              <a:buChar char="○"/>
-              <a:defRPr sz="1200"/>
-            </a:lvl5pPr>
-            <a:lvl6pPr marL="2743200" lvl="5" indent="-304800">
-              <a:spcBef>
-                <a:spcPts val="1600"/>
-              </a:spcBef>
-              <a:spcAft>
-                <a:spcPts val="0"/>
-              </a:spcAft>
-              <a:buSzPts val="1200"/>
-              <a:buChar char="■"/>
-              <a:defRPr sz="1200"/>
-            </a:lvl6pPr>
-            <a:lvl7pPr marL="3200400" lvl="6" indent="-304800">
-              <a:spcBef>
-                <a:spcPts val="1600"/>
-              </a:spcBef>
-              <a:spcAft>
-                <a:spcPts val="0"/>
-              </a:spcAft>
-              <a:buSzPts val="1200"/>
-              <a:buChar char="●"/>
-              <a:defRPr sz="1200"/>
-            </a:lvl7pPr>
-            <a:lvl8pPr marL="3657600" lvl="7" indent="-304800">
-              <a:spcBef>
-                <a:spcPts val="1600"/>
-              </a:spcBef>
-              <a:spcAft>
-                <a:spcPts val="0"/>
-              </a:spcAft>
-              <a:buSzPts val="1200"/>
-              <a:buChar char="○"/>
-              <a:defRPr sz="1200"/>
-            </a:lvl8pPr>
-            <a:lvl9pPr marL="4114800" lvl="8" indent="-304800">
-              <a:spcBef>
-                <a:spcPts val="1600"/>
-              </a:spcBef>
-              <a:spcAft>
-                <a:spcPts val="1600"/>
-              </a:spcAft>
-              <a:buSzPts val="1200"/>
-              <a:buChar char="■"/>
-              <a:defRPr sz="1200"/>
-            </a:lvl9pPr>
-          </a:lstStyle>
-          <a:p>
-            <a:endParaRPr/>
-          </a:p>
-        </p:txBody>
-      </p:sp>
-      <p:sp>
-        <p:nvSpPr>
-          <p:cNvPr id="23" name="Google Shape;23;p5"/>
-          <p:cNvSpPr txBox="1">
-            <a:spLocks noGrp="1"/>
-          </p:cNvSpPr>
-          <p:nvPr>
-            <p:ph type="body" idx="2"/>
-          </p:nvPr>
-        </p:nvSpPr>
-        <p:spPr>
-          <a:xfrm>
-            <a:off x="4832400" y="1152475"/>
-            <a:ext cx="3999900" cy="3416400"/>
-          </a:xfrm>
-          <a:prstGeom prst="rect">
-            <a:avLst/>
-          </a:prstGeom>
-        </p:spPr>
-        <p:txBody>
-          <a:bodyPr spcFirstLastPara="1" wrap="square" lIns="91425" tIns="91425" rIns="91425" bIns="91425" anchor="t" anchorCtr="0">
-            <a:noAutofit/>
-          </a:bodyPr>
-          <a:lstStyle>
-            <a:lvl1pPr marL="457200" lvl="0" indent="-317500">
-              <a:spcBef>
-                <a:spcPts val="0"/>
-              </a:spcBef>
-              <a:spcAft>
-                <a:spcPts val="0"/>
-              </a:spcAft>
-              <a:buSzPts val="1400"/>
-              <a:buChar char="●"/>
-              <a:defRPr sz="1400"/>
-            </a:lvl1pPr>
-            <a:lvl2pPr marL="914400" lvl="1" indent="-304800">
-              <a:spcBef>
-                <a:spcPts val="1600"/>
-              </a:spcBef>
-              <a:spcAft>
-                <a:spcPts val="0"/>
-              </a:spcAft>
-              <a:buSzPts val="1200"/>
-              <a:buChar char="○"/>
-              <a:defRPr sz="1200"/>
-            </a:lvl2pPr>
-            <a:lvl3pPr marL="1371600" lvl="2" indent="-304800">
-              <a:spcBef>
-                <a:spcPts val="1600"/>
-              </a:spcBef>
-              <a:spcAft>
-                <a:spcPts val="0"/>
-              </a:spcAft>
-              <a:buSzPts val="1200"/>
-              <a:buChar char="■"/>
-              <a:defRPr sz="1200"/>
-            </a:lvl3pPr>
-            <a:lvl4pPr marL="1828800" lvl="3" indent="-304800">
-              <a:spcBef>
-                <a:spcPts val="1600"/>
-              </a:spcBef>
-              <a:spcAft>
-                <a:spcPts val="0"/>
-              </a:spcAft>
-              <a:buSzPts val="1200"/>
-              <a:buChar char="●"/>
-              <a:defRPr sz="1200"/>
-            </a:lvl4pPr>
-            <a:lvl5pPr marL="2286000" lvl="4" indent="-304800">
-              <a:spcBef>
-                <a:spcPts val="1600"/>
-              </a:spcBef>
-              <a:spcAft>
-                <a:spcPts val="0"/>
-              </a:spcAft>
-              <a:buSzPts val="1200"/>
-              <a:buChar char="○"/>
-              <a:defRPr sz="1200"/>
-            </a:lvl5pPr>
-            <a:lvl6pPr marL="2743200" lvl="5" indent="-304800">
-              <a:spcBef>
-                <a:spcPts val="1600"/>
-              </a:spcBef>
-              <a:spcAft>
-                <a:spcPts val="0"/>
-              </a:spcAft>
-              <a:buSzPts val="1200"/>
-              <a:buChar char="■"/>
-              <a:defRPr sz="1200"/>
-            </a:lvl6pPr>
-            <a:lvl7pPr marL="3200400" lvl="6" indent="-304800">
-              <a:spcBef>
-                <a:spcPts val="1600"/>
-              </a:spcBef>
-              <a:spcAft>
-                <a:spcPts val="0"/>
-              </a:spcAft>
-              <a:buSzPts val="1200"/>
-              <a:buChar char="●"/>
-              <a:defRPr sz="1200"/>
-            </a:lvl7pPr>
-            <a:lvl8pPr marL="3657600" lvl="7" indent="-304800">
-              <a:spcBef>
-                <a:spcPts val="1600"/>
-              </a:spcBef>
-              <a:spcAft>
-                <a:spcPts val="0"/>
-              </a:spcAft>
-              <a:buSzPts val="1200"/>
-              <a:buChar char="○"/>
-              <a:defRPr sz="1200"/>
-            </a:lvl8pPr>
-            <a:lvl9pPr marL="4114800" lvl="8" indent="-304800">
-              <a:spcBef>
-                <a:spcPts val="1600"/>
-              </a:spcBef>
-              <a:spcAft>
-                <a:spcPts val="1600"/>
-              </a:spcAft>
-              <a:buSzPts val="1200"/>
-              <a:buChar char="■"/>
-              <a:defRPr sz="1200"/>
-            </a:lvl9pPr>
-          </a:lstStyle>
-          <a:p>
-            <a:endParaRPr/>
-          </a:p>
-        </p:txBody>
-      </p:sp>
-      <p:sp>
-        <p:nvSpPr>
-          <p:cNvPr id="24" name="Google Shape;24;p5"/>
-          <p:cNvSpPr txBox="1">
-            <a:spLocks noGrp="1"/>
-          </p:cNvSpPr>
-          <p:nvPr>
-            <p:ph type="sldNum" idx="12"/>
-          </p:nvPr>
-        </p:nvSpPr>
-        <p:spPr>
-          <a:xfrm>
-            <a:off x="8472458" y="4663217"/>
-            <a:ext cx="548700" cy="393600"/>
-          </a:xfrm>
-          <a:prstGeom prst="rect">
-            <a:avLst/>
-          </a:prstGeom>
-        </p:spPr>
-        <p:txBody>
-          <a:bodyPr spcFirstLastPara="1" wrap="square" lIns="91425" tIns="91425" rIns="91425" bIns="91425" anchor="ctr" anchorCtr="0">
-            <a:noAutofit/>
-          </a:bodyPr>
-          <a:lstStyle>
-            <a:lvl1pPr lvl="0">
-              <a:buNone/>
-              <a:defRPr/>
-            </a:lvl1pPr>
-            <a:lvl2pPr lvl="1">
-              <a:buNone/>
-              <a:defRPr/>
-            </a:lvl2pPr>
-            <a:lvl3pPr lvl="2">
-              <a:buNone/>
-              <a:defRPr/>
-            </a:lvl3pPr>
-            <a:lvl4pPr lvl="3">
-              <a:buNone/>
-              <a:defRPr/>
-            </a:lvl4pPr>
-            <a:lvl5pPr lvl="4">
-              <a:buNone/>
-              <a:defRPr/>
-            </a:lvl5pPr>
-            <a:lvl6pPr lvl="5">
-              <a:buNone/>
-              <a:defRPr/>
-            </a:lvl6pPr>
-            <a:lvl7pPr lvl="6">
-              <a:buNone/>
-              <a:defRPr/>
-            </a:lvl7pPr>
-            <a:lvl8pPr lvl="7">
-              <a:buNone/>
-              <a:defRPr/>
-            </a:lvl8pPr>
-            <a:lvl9pPr lvl="8">
-              <a:buNone/>
-              <a:defRPr/>
-            </a:lvl9pPr>
-          </a:lstStyle>
-          <a:p>
-            <a:pPr marL="0" lvl="0" indent="0" algn="r" rtl="0">
-              <a:spcBef>
-                <a:spcPts val="0"/>
-              </a:spcBef>
-              <a:spcAft>
-                <a:spcPts val="0"/>
-              </a:spcAft>
-              <a:buNone/>
-            </a:pPr>
-            <a:fld id="{00000000-1234-1234-1234-123412341234}" type="slidenum">
-              <a:rPr lang="en"/>
-              <a:t>‹#›</a:t>
-            </a:fld>
-            <a:endParaRPr/>
-          </a:p>
-        </p:txBody>
-      </p:sp>
-    </p:spTree>
-  </p:cSld>
-  <p:clrMapOvr>
-    <a:masterClrMapping/>
-  </p:clrMapOvr>
-</p:sldLayout>
-</file>
-
-<file path=ppt/slideLayouts/slideLayout5.xml><?xml version="1.0" encoding="utf-8"?>
-<p:sldLayout xmlns:a="http://schemas.openxmlformats.org/drawingml/2006/main" xmlns:r="http://schemas.openxmlformats.org/officeDocument/2006/relationships" xmlns:p="http://schemas.openxmlformats.org/presentationml/2006/main" matchingName="Title only" type="titleOnly">
-  <p:cSld name="TITLE_ONLY">
-    <p:spTree>
-      <p:nvGrpSpPr>
-        <p:cNvPr id="1" name="Shape 25"/>
-        <p:cNvGrpSpPr/>
-        <p:nvPr/>
-      </p:nvGrpSpPr>
-      <p:grpSpPr>
-        <a:xfrm>
-          <a:off x="0" y="0"/>
-          <a:ext cx="0" cy="0"/>
-          <a:chOff x="0" y="0"/>
-          <a:chExt cx="0" cy="0"/>
-        </a:xfrm>
-      </p:grpSpPr>
-      <p:sp>
-        <p:nvSpPr>
-          <p:cNvPr id="26" name="Google Shape;26;p6"/>
-          <p:cNvSpPr txBox="1">
-            <a:spLocks noGrp="1"/>
-          </p:cNvSpPr>
-          <p:nvPr>
-            <p:ph type="title"/>
-          </p:nvPr>
-        </p:nvSpPr>
-        <p:spPr>
-          <a:xfrm>
-            <a:off x="311700" y="445025"/>
-            <a:ext cx="8520600" cy="572700"/>
-          </a:xfrm>
-          <a:prstGeom prst="rect">
-            <a:avLst/>
-          </a:prstGeom>
-        </p:spPr>
-        <p:txBody>
-          <a:bodyPr spcFirstLastPara="1" wrap="square" lIns="91425" tIns="91425" rIns="91425" bIns="91425" anchor="t" anchorCtr="0">
-            <a:noAutofit/>
-          </a:bodyPr>
-          <a:lstStyle>
-            <a:lvl1pPr lvl="0">
-              <a:spcBef>
-                <a:spcPts val="0"/>
-              </a:spcBef>
-              <a:spcAft>
-                <a:spcPts val="0"/>
-              </a:spcAft>
-              <a:buSzPts val="2800"/>
-              <a:buNone/>
-              <a:defRPr/>
-            </a:lvl1pPr>
-            <a:lvl2pPr lvl="1">
-              <a:spcBef>
-                <a:spcPts val="0"/>
-              </a:spcBef>
-              <a:spcAft>
-                <a:spcPts val="0"/>
-              </a:spcAft>
-              <a:buSzPts val="2800"/>
-              <a:buNone/>
-              <a:defRPr/>
-            </a:lvl2pPr>
-            <a:lvl3pPr lvl="2">
-              <a:spcBef>
-                <a:spcPts val="0"/>
-              </a:spcBef>
-              <a:spcAft>
-                <a:spcPts val="0"/>
-              </a:spcAft>
-              <a:buSzPts val="2800"/>
-              <a:buNone/>
-              <a:defRPr/>
-            </a:lvl3pPr>
-            <a:lvl4pPr lvl="3">
-              <a:spcBef>
-                <a:spcPts val="0"/>
-              </a:spcBef>
-              <a:spcAft>
-                <a:spcPts val="0"/>
-              </a:spcAft>
-              <a:buSzPts val="2800"/>
-              <a:buNone/>
-              <a:defRPr/>
-            </a:lvl4pPr>
-            <a:lvl5pPr lvl="4">
-              <a:spcBef>
-                <a:spcPts val="0"/>
-              </a:spcBef>
-              <a:spcAft>
-                <a:spcPts val="0"/>
-              </a:spcAft>
-              <a:buSzPts val="2800"/>
-              <a:buNone/>
-              <a:defRPr/>
-            </a:lvl5pPr>
-            <a:lvl6pPr lvl="5">
-              <a:spcBef>
-                <a:spcPts val="0"/>
-              </a:spcBef>
-              <a:spcAft>
-                <a:spcPts val="0"/>
-              </a:spcAft>
-              <a:buSzPts val="2800"/>
-              <a:buNone/>
-              <a:defRPr/>
-            </a:lvl6pPr>
-            <a:lvl7pPr lvl="6">
-              <a:spcBef>
-                <a:spcPts val="0"/>
-              </a:spcBef>
-              <a:spcAft>
-                <a:spcPts val="0"/>
-              </a:spcAft>
-              <a:buSzPts val="2800"/>
-              <a:buNone/>
-              <a:defRPr/>
-            </a:lvl7pPr>
-            <a:lvl8pPr lvl="7">
-              <a:spcBef>
-                <a:spcPts val="0"/>
-              </a:spcBef>
-              <a:spcAft>
-                <a:spcPts val="0"/>
-              </a:spcAft>
-              <a:buSzPts val="2800"/>
-              <a:buNone/>
-              <a:defRPr/>
-            </a:lvl8pPr>
-            <a:lvl9pPr lvl="8">
-              <a:spcBef>
-                <a:spcPts val="0"/>
-              </a:spcBef>
-              <a:spcAft>
-                <a:spcPts val="0"/>
-              </a:spcAft>
-              <a:buSzPts val="2800"/>
-              <a:buNone/>
-              <a:defRPr/>
-            </a:lvl9pPr>
-          </a:lstStyle>
-          <a:p>
-            <a:endParaRPr/>
-          </a:p>
-        </p:txBody>
-      </p:sp>
-      <p:sp>
-        <p:nvSpPr>
-          <p:cNvPr id="27" name="Google Shape;27;p6"/>
-          <p:cNvSpPr txBox="1">
-            <a:spLocks noGrp="1"/>
-          </p:cNvSpPr>
-          <p:nvPr>
-            <p:ph type="sldNum" idx="12"/>
-          </p:nvPr>
-        </p:nvSpPr>
-        <p:spPr>
-          <a:xfrm>
-            <a:off x="8472458" y="4663217"/>
-            <a:ext cx="548700" cy="393600"/>
-          </a:xfrm>
-          <a:prstGeom prst="rect">
-            <a:avLst/>
-          </a:prstGeom>
-        </p:spPr>
-        <p:txBody>
-          <a:bodyPr spcFirstLastPara="1" wrap="square" lIns="91425" tIns="91425" rIns="91425" bIns="91425" anchor="ctr" anchorCtr="0">
-            <a:noAutofit/>
-          </a:bodyPr>
-          <a:lstStyle>
-            <a:lvl1pPr lvl="0">
-              <a:buNone/>
-              <a:defRPr/>
-            </a:lvl1pPr>
-            <a:lvl2pPr lvl="1">
-              <a:buNone/>
-              <a:defRPr/>
-            </a:lvl2pPr>
-            <a:lvl3pPr lvl="2">
-              <a:buNone/>
-              <a:defRPr/>
-            </a:lvl3pPr>
-            <a:lvl4pPr lvl="3">
-              <a:buNone/>
-              <a:defRPr/>
-            </a:lvl4pPr>
-            <a:lvl5pPr lvl="4">
-              <a:buNone/>
-              <a:defRPr/>
-            </a:lvl5pPr>
-            <a:lvl6pPr lvl="5">
-              <a:buNone/>
-              <a:defRPr/>
-            </a:lvl6pPr>
-            <a:lvl7pPr lvl="6">
-              <a:buNone/>
-              <a:defRPr/>
-            </a:lvl7pPr>
-            <a:lvl8pPr lvl="7">
-              <a:buNone/>
-              <a:defRPr/>
-            </a:lvl8pPr>
-            <a:lvl9pPr lvl="8">
-              <a:buNone/>
-              <a:defRPr/>
-            </a:lvl9pPr>
-          </a:lstStyle>
-          <a:p>
-            <a:pPr marL="0" lvl="0" indent="0" algn="r" rtl="0">
-              <a:spcBef>
-                <a:spcPts val="0"/>
-              </a:spcBef>
-              <a:spcAft>
-                <a:spcPts val="0"/>
-              </a:spcAft>
-              <a:buNone/>
-            </a:pPr>
-            <a:fld id="{00000000-1234-1234-1234-123412341234}" type="slidenum">
-              <a:rPr lang="en"/>
-              <a:t>‹#›</a:t>
-            </a:fld>
-            <a:endParaRPr/>
-          </a:p>
-        </p:txBody>
-      </p:sp>
-    </p:spTree>
-  </p:cSld>
-  <p:clrMapOvr>
-    <a:masterClrMapping/>
-  </p:clrMapOvr>
-</p:sldLayout>
-</file>
-
-<file path=ppt/slideLayouts/slideLayout6.xml><?xml version="1.0" encoding="utf-8"?>
-<p:sldLayout xmlns:a="http://schemas.openxmlformats.org/drawingml/2006/main" xmlns:r="http://schemas.openxmlformats.org/officeDocument/2006/relationships" xmlns:p="http://schemas.openxmlformats.org/presentationml/2006/main" matchingName="One column text">
-  <p:cSld name="ONE_COLUMN_TEXT">
-    <p:spTree>
-      <p:nvGrpSpPr>
-        <p:cNvPr id="1" name="Shape 28"/>
-        <p:cNvGrpSpPr/>
-        <p:nvPr/>
-      </p:nvGrpSpPr>
-      <p:grpSpPr>
-        <a:xfrm>
-          <a:off x="0" y="0"/>
-          <a:ext cx="0" cy="0"/>
-          <a:chOff x="0" y="0"/>
-          <a:chExt cx="0" cy="0"/>
-        </a:xfrm>
-      </p:grpSpPr>
-      <p:sp>
-        <p:nvSpPr>
-          <p:cNvPr id="29" name="Google Shape;29;p7"/>
-          <p:cNvSpPr txBox="1">
-            <a:spLocks noGrp="1"/>
-          </p:cNvSpPr>
-          <p:nvPr>
-            <p:ph type="title"/>
-          </p:nvPr>
-        </p:nvSpPr>
-        <p:spPr>
-          <a:xfrm>
-            <a:off x="311700" y="555600"/>
-            <a:ext cx="2808000" cy="755700"/>
-          </a:xfrm>
-          <a:prstGeom prst="rect">
-            <a:avLst/>
-          </a:prstGeom>
-        </p:spPr>
-        <p:txBody>
-          <a:bodyPr spcFirstLastPara="1" wrap="square" lIns="91425" tIns="91425" rIns="91425" bIns="91425" anchor="b" anchorCtr="0">
-            <a:noAutofit/>
-          </a:bodyPr>
-          <a:lstStyle>
-            <a:lvl1pPr lvl="0">
-              <a:spcBef>
-                <a:spcPts val="0"/>
-              </a:spcBef>
-              <a:spcAft>
-                <a:spcPts val="0"/>
-              </a:spcAft>
-              <a:buSzPts val="2400"/>
-              <a:buNone/>
-              <a:defRPr sz="2400"/>
-            </a:lvl1pPr>
-            <a:lvl2pPr lvl="1">
-              <a:spcBef>
-                <a:spcPts val="0"/>
-              </a:spcBef>
-              <a:spcAft>
-                <a:spcPts val="0"/>
-              </a:spcAft>
-              <a:buSzPts val="2400"/>
-              <a:buNone/>
-              <a:defRPr sz="2400"/>
-            </a:lvl2pPr>
-            <a:lvl3pPr lvl="2">
-              <a:spcBef>
-                <a:spcPts val="0"/>
-              </a:spcBef>
-              <a:spcAft>
-                <a:spcPts val="0"/>
-              </a:spcAft>
-              <a:buSzPts val="2400"/>
-              <a:buNone/>
-              <a:defRPr sz="2400"/>
-            </a:lvl3pPr>
-            <a:lvl4pPr lvl="3">
-              <a:spcBef>
-                <a:spcPts val="0"/>
-              </a:spcBef>
-              <a:spcAft>
-                <a:spcPts val="0"/>
-              </a:spcAft>
-              <a:buSzPts val="2400"/>
-              <a:buNone/>
-              <a:defRPr sz="2400"/>
-            </a:lvl4pPr>
-            <a:lvl5pPr lvl="4">
-              <a:spcBef>
-                <a:spcPts val="0"/>
-              </a:spcBef>
-              <a:spcAft>
-                <a:spcPts val="0"/>
-              </a:spcAft>
-              <a:buSzPts val="2400"/>
-              <a:buNone/>
-              <a:defRPr sz="2400"/>
-            </a:lvl5pPr>
-            <a:lvl6pPr lvl="5">
-              <a:spcBef>
-                <a:spcPts val="0"/>
-              </a:spcBef>
-              <a:spcAft>
-                <a:spcPts val="0"/>
-              </a:spcAft>
-              <a:buSzPts val="2400"/>
-              <a:buNone/>
-              <a:defRPr sz="2400"/>
-            </a:lvl6pPr>
-            <a:lvl7pPr lvl="6">
-              <a:spcBef>
-                <a:spcPts val="0"/>
-              </a:spcBef>
-              <a:spcAft>
-                <a:spcPts val="0"/>
-              </a:spcAft>
-              <a:buSzPts val="2400"/>
-              <a:buNone/>
-              <a:defRPr sz="2400"/>
-            </a:lvl7pPr>
-            <a:lvl8pPr lvl="7">
-              <a:spcBef>
-                <a:spcPts val="0"/>
-              </a:spcBef>
-              <a:spcAft>
-                <a:spcPts val="0"/>
-              </a:spcAft>
-              <a:buSzPts val="2400"/>
-              <a:buNone/>
-              <a:defRPr sz="2400"/>
-            </a:lvl8pPr>
-            <a:lvl9pPr lvl="8">
-              <a:spcBef>
-                <a:spcPts val="0"/>
-              </a:spcBef>
-              <a:spcAft>
-                <a:spcPts val="0"/>
-              </a:spcAft>
-              <a:buSzPts val="2400"/>
-              <a:buNone/>
-              <a:defRPr sz="2400"/>
-            </a:lvl9pPr>
-          </a:lstStyle>
-          <a:p>
-            <a:endParaRPr/>
-          </a:p>
-        </p:txBody>
-      </p:sp>
-      <p:sp>
-        <p:nvSpPr>
-          <p:cNvPr id="30" name="Google Shape;30;p7"/>
-          <p:cNvSpPr txBox="1">
-            <a:spLocks noGrp="1"/>
-          </p:cNvSpPr>
-          <p:nvPr>
-            <p:ph type="body" idx="1"/>
-          </p:nvPr>
-        </p:nvSpPr>
-        <p:spPr>
-          <a:xfrm>
-            <a:off x="311700" y="1389600"/>
-            <a:ext cx="2808000" cy="3179400"/>
-          </a:xfrm>
-          <a:prstGeom prst="rect">
-            <a:avLst/>
-          </a:prstGeom>
-        </p:spPr>
-        <p:txBody>
-          <a:bodyPr spcFirstLastPara="1" wrap="square" lIns="91425" tIns="91425" rIns="91425" bIns="91425" anchor="t" anchorCtr="0">
-            <a:noAutofit/>
-          </a:bodyPr>
-          <a:lstStyle>
-            <a:lvl1pPr marL="457200" lvl="0" indent="-304800">
-              <a:spcBef>
-                <a:spcPts val="0"/>
-              </a:spcBef>
-              <a:spcAft>
-                <a:spcPts val="0"/>
-              </a:spcAft>
-              <a:buSzPts val="1200"/>
-              <a:buChar char="●"/>
-              <a:defRPr sz="1200"/>
-            </a:lvl1pPr>
-            <a:lvl2pPr marL="914400" lvl="1" indent="-304800">
-              <a:spcBef>
-                <a:spcPts val="1600"/>
-              </a:spcBef>
-              <a:spcAft>
-                <a:spcPts val="0"/>
-              </a:spcAft>
-              <a:buSzPts val="1200"/>
-              <a:buChar char="○"/>
-              <a:defRPr sz="1200"/>
-            </a:lvl2pPr>
-            <a:lvl3pPr marL="1371600" lvl="2" indent="-304800">
-              <a:spcBef>
-                <a:spcPts val="1600"/>
-              </a:spcBef>
-              <a:spcAft>
-                <a:spcPts val="0"/>
-              </a:spcAft>
-              <a:buSzPts val="1200"/>
-              <a:buChar char="■"/>
-              <a:defRPr sz="1200"/>
-            </a:lvl3pPr>
-            <a:lvl4pPr marL="1828800" lvl="3" indent="-304800">
-              <a:spcBef>
-                <a:spcPts val="1600"/>
-              </a:spcBef>
-              <a:spcAft>
-                <a:spcPts val="0"/>
-              </a:spcAft>
-              <a:buSzPts val="1200"/>
-              <a:buChar char="●"/>
-              <a:defRPr sz="1200"/>
-            </a:lvl4pPr>
-            <a:lvl5pPr marL="2286000" lvl="4" indent="-304800">
-              <a:spcBef>
-                <a:spcPts val="1600"/>
-              </a:spcBef>
-              <a:spcAft>
-                <a:spcPts val="0"/>
-              </a:spcAft>
-              <a:buSzPts val="1200"/>
-              <a:buChar char="○"/>
-              <a:defRPr sz="1200"/>
-            </a:lvl5pPr>
-            <a:lvl6pPr marL="2743200" lvl="5" indent="-304800">
-              <a:spcBef>
-                <a:spcPts val="1600"/>
-              </a:spcBef>
-              <a:spcAft>
-                <a:spcPts val="0"/>
-              </a:spcAft>
-              <a:buSzPts val="1200"/>
-              <a:buChar char="■"/>
-              <a:defRPr sz="1200"/>
-            </a:lvl6pPr>
-            <a:lvl7pPr marL="3200400" lvl="6" indent="-304800">
-              <a:spcBef>
-                <a:spcPts val="1600"/>
-              </a:spcBef>
-              <a:spcAft>
-                <a:spcPts val="0"/>
-              </a:spcAft>
-              <a:buSzPts val="1200"/>
-              <a:buChar char="●"/>
-              <a:defRPr sz="1200"/>
-            </a:lvl7pPr>
-            <a:lvl8pPr marL="3657600" lvl="7" indent="-304800">
-              <a:spcBef>
-                <a:spcPts val="1600"/>
-              </a:spcBef>
-              <a:spcAft>
-                <a:spcPts val="0"/>
-              </a:spcAft>
-              <a:buSzPts val="1200"/>
-              <a:buChar char="○"/>
-              <a:defRPr sz="1200"/>
-            </a:lvl8pPr>
-            <a:lvl9pPr marL="4114800" lvl="8" indent="-304800">
-              <a:spcBef>
-                <a:spcPts val="1600"/>
-              </a:spcBef>
-              <a:spcAft>
-                <a:spcPts val="1600"/>
-              </a:spcAft>
-              <a:buSzPts val="1200"/>
-              <a:buChar char="■"/>
-              <a:defRPr sz="1200"/>
-            </a:lvl9pPr>
-          </a:lstStyle>
-          <a:p>
-            <a:endParaRPr/>
-          </a:p>
-        </p:txBody>
-      </p:sp>
-      <p:sp>
-        <p:nvSpPr>
-          <p:cNvPr id="31" name="Google Shape;31;p7"/>
-          <p:cNvSpPr txBox="1">
-            <a:spLocks noGrp="1"/>
-          </p:cNvSpPr>
-          <p:nvPr>
-            <p:ph type="sldNum" idx="12"/>
-          </p:nvPr>
-        </p:nvSpPr>
-        <p:spPr>
-          <a:xfrm>
-            <a:off x="8472458" y="4663217"/>
-            <a:ext cx="548700" cy="393600"/>
-          </a:xfrm>
-          <a:prstGeom prst="rect">
-            <a:avLst/>
-          </a:prstGeom>
-        </p:spPr>
-        <p:txBody>
-          <a:bodyPr spcFirstLastPara="1" wrap="square" lIns="91425" tIns="91425" rIns="91425" bIns="91425" anchor="ctr" anchorCtr="0">
-            <a:noAutofit/>
-          </a:bodyPr>
-          <a:lstStyle>
-            <a:lvl1pPr lvl="0">
-              <a:buNone/>
-              <a:defRPr/>
-            </a:lvl1pPr>
-            <a:lvl2pPr lvl="1">
-              <a:buNone/>
-              <a:defRPr/>
-            </a:lvl2pPr>
-            <a:lvl3pPr lvl="2">
-              <a:buNone/>
-              <a:defRPr/>
-            </a:lvl3pPr>
-            <a:lvl4pPr lvl="3">
-              <a:buNone/>
-              <a:defRPr/>
-            </a:lvl4pPr>
-            <a:lvl5pPr lvl="4">
-              <a:buNone/>
-              <a:defRPr/>
-            </a:lvl5pPr>
-            <a:lvl6pPr lvl="5">
-              <a:buNone/>
-              <a:defRPr/>
-            </a:lvl6pPr>
-            <a:lvl7pPr lvl="6">
-              <a:buNone/>
-              <a:defRPr/>
-            </a:lvl7pPr>
-            <a:lvl8pPr lvl="7">
-              <a:buNone/>
-              <a:defRPr/>
-            </a:lvl8pPr>
-            <a:lvl9pPr lvl="8">
-              <a:buNone/>
-              <a:defRPr/>
-            </a:lvl9pPr>
-          </a:lstStyle>
-          <a:p>
-            <a:pPr marL="0" lvl="0" indent="0" algn="r" rtl="0">
-              <a:spcBef>
-                <a:spcPts val="0"/>
-              </a:spcBef>
-              <a:spcAft>
-                <a:spcPts val="0"/>
-              </a:spcAft>
-              <a:buNone/>
-            </a:pPr>
-            <a:fld id="{00000000-1234-1234-1234-123412341234}" type="slidenum">
-              <a:rPr lang="en"/>
-              <a:t>‹#›</a:t>
-            </a:fld>
-            <a:endParaRPr/>
-          </a:p>
-        </p:txBody>
-      </p:sp>
-    </p:spTree>
-  </p:cSld>
-  <p:clrMapOvr>
-    <a:masterClrMapping/>
-  </p:clrMapOvr>
-</p:sldLayout>
-</file>
-
-<file path=ppt/slideLayouts/slideLayout7.xml><?xml version="1.0" encoding="utf-8"?>
-<p:sldLayout xmlns:a="http://schemas.openxmlformats.org/drawingml/2006/main" xmlns:r="http://schemas.openxmlformats.org/officeDocument/2006/relationships" xmlns:p="http://schemas.openxmlformats.org/presentationml/2006/main" matchingName="Main point">
-  <p:cSld name="MAIN_POINT">
-    <p:spTree>
-      <p:nvGrpSpPr>
-        <p:cNvPr id="1" name="Shape 32"/>
-        <p:cNvGrpSpPr/>
-        <p:nvPr/>
-      </p:nvGrpSpPr>
-      <p:grpSpPr>
-        <a:xfrm>
-          <a:off x="0" y="0"/>
-          <a:ext cx="0" cy="0"/>
-          <a:chOff x="0" y="0"/>
-          <a:chExt cx="0" cy="0"/>
-        </a:xfrm>
-      </p:grpSpPr>
-      <p:sp>
-        <p:nvSpPr>
-          <p:cNvPr id="33" name="Google Shape;33;p8"/>
-          <p:cNvSpPr txBox="1">
-            <a:spLocks noGrp="1"/>
-          </p:cNvSpPr>
-          <p:nvPr>
-            <p:ph type="title"/>
-          </p:nvPr>
-        </p:nvSpPr>
-        <p:spPr>
-          <a:xfrm>
-            <a:off x="490250" y="450150"/>
-            <a:ext cx="6367800" cy="4090800"/>
-          </a:xfrm>
-          <a:prstGeom prst="rect">
-            <a:avLst/>
-          </a:prstGeom>
-        </p:spPr>
-        <p:txBody>
-          <a:bodyPr spcFirstLastPara="1" wrap="square" lIns="91425" tIns="91425" rIns="91425" bIns="91425" anchor="ctr" anchorCtr="0">
-            <a:noAutofit/>
-          </a:bodyPr>
-          <a:lstStyle>
-            <a:lvl1pPr lvl="0">
-              <a:spcBef>
-                <a:spcPts val="0"/>
-              </a:spcBef>
-              <a:spcAft>
-                <a:spcPts val="0"/>
-              </a:spcAft>
-              <a:buSzPts val="4800"/>
-              <a:buNone/>
-              <a:defRPr sz="4800"/>
-            </a:lvl1pPr>
-            <a:lvl2pPr lvl="1">
-              <a:spcBef>
-                <a:spcPts val="0"/>
-              </a:spcBef>
-              <a:spcAft>
-                <a:spcPts val="0"/>
-              </a:spcAft>
-              <a:buSzPts val="4800"/>
-              <a:buNone/>
-              <a:defRPr sz="4800"/>
-            </a:lvl2pPr>
-            <a:lvl3pPr lvl="2">
-              <a:spcBef>
-                <a:spcPts val="0"/>
-              </a:spcBef>
-              <a:spcAft>
-                <a:spcPts val="0"/>
-              </a:spcAft>
-              <a:buSzPts val="4800"/>
-              <a:buNone/>
-              <a:defRPr sz="4800"/>
-            </a:lvl3pPr>
-            <a:lvl4pPr lvl="3">
-              <a:spcBef>
-                <a:spcPts val="0"/>
-              </a:spcBef>
-              <a:spcAft>
-                <a:spcPts val="0"/>
-              </a:spcAft>
-              <a:buSzPts val="4800"/>
-              <a:buNone/>
-              <a:defRPr sz="4800"/>
-            </a:lvl4pPr>
-            <a:lvl5pPr lvl="4">
-              <a:spcBef>
-                <a:spcPts val="0"/>
-              </a:spcBef>
-              <a:spcAft>
-                <a:spcPts val="0"/>
-              </a:spcAft>
-              <a:buSzPts val="4800"/>
-              <a:buNone/>
-              <a:defRPr sz="4800"/>
-            </a:lvl5pPr>
-            <a:lvl6pPr lvl="5">
-              <a:spcBef>
-                <a:spcPts val="0"/>
-              </a:spcBef>
-              <a:spcAft>
-                <a:spcPts val="0"/>
-              </a:spcAft>
-              <a:buSzPts val="4800"/>
-              <a:buNone/>
-              <a:defRPr sz="4800"/>
-            </a:lvl6pPr>
-            <a:lvl7pPr lvl="6">
-              <a:spcBef>
-                <a:spcPts val="0"/>
-              </a:spcBef>
-              <a:spcAft>
-                <a:spcPts val="0"/>
-              </a:spcAft>
-              <a:buSzPts val="4800"/>
-              <a:buNone/>
-              <a:defRPr sz="4800"/>
-            </a:lvl7pPr>
-            <a:lvl8pPr lvl="7">
-              <a:spcBef>
-                <a:spcPts val="0"/>
-              </a:spcBef>
-              <a:spcAft>
-                <a:spcPts val="0"/>
-              </a:spcAft>
-              <a:buSzPts val="4800"/>
-              <a:buNone/>
-              <a:defRPr sz="4800"/>
-            </a:lvl8pPr>
-            <a:lvl9pPr lvl="8">
-              <a:spcBef>
-                <a:spcPts val="0"/>
-              </a:spcBef>
-              <a:spcAft>
-                <a:spcPts val="0"/>
-              </a:spcAft>
-              <a:buSzPts val="4800"/>
-              <a:buNone/>
-              <a:defRPr sz="4800"/>
-            </a:lvl9pPr>
-          </a:lstStyle>
-          <a:p>
-            <a:endParaRPr/>
-          </a:p>
-        </p:txBody>
-      </p:sp>
-      <p:sp>
-        <p:nvSpPr>
-          <p:cNvPr id="34" name="Google Shape;34;p8"/>
-          <p:cNvSpPr txBox="1">
-            <a:spLocks noGrp="1"/>
-          </p:cNvSpPr>
-          <p:nvPr>
-            <p:ph type="sldNum" idx="12"/>
-          </p:nvPr>
-        </p:nvSpPr>
-        <p:spPr>
-          <a:xfrm>
-            <a:off x="8472458" y="4663217"/>
-            <a:ext cx="548700" cy="393600"/>
-          </a:xfrm>
-          <a:prstGeom prst="rect">
-            <a:avLst/>
-          </a:prstGeom>
-        </p:spPr>
-        <p:txBody>
-          <a:bodyPr spcFirstLastPara="1" wrap="square" lIns="91425" tIns="91425" rIns="91425" bIns="91425" anchor="ctr" anchorCtr="0">
-            <a:noAutofit/>
-          </a:bodyPr>
-          <a:lstStyle>
-            <a:lvl1pPr lvl="0">
-              <a:buNone/>
-              <a:defRPr/>
-            </a:lvl1pPr>
-            <a:lvl2pPr lvl="1">
-              <a:buNone/>
-              <a:defRPr/>
-            </a:lvl2pPr>
-            <a:lvl3pPr lvl="2">
-              <a:buNone/>
-              <a:defRPr/>
-            </a:lvl3pPr>
-            <a:lvl4pPr lvl="3">
-              <a:buNone/>
-              <a:defRPr/>
-            </a:lvl4pPr>
-            <a:lvl5pPr lvl="4">
-              <a:buNone/>
-              <a:defRPr/>
-            </a:lvl5pPr>
-            <a:lvl6pPr lvl="5">
-              <a:buNone/>
-              <a:defRPr/>
-            </a:lvl6pPr>
-            <a:lvl7pPr lvl="6">
-              <a:buNone/>
-              <a:defRPr/>
-            </a:lvl7pPr>
-            <a:lvl8pPr lvl="7">
-              <a:buNone/>
-              <a:defRPr/>
-            </a:lvl8pPr>
-            <a:lvl9pPr lvl="8">
-              <a:buNone/>
-              <a:defRPr/>
-            </a:lvl9pPr>
-          </a:lstStyle>
-          <a:p>
-            <a:pPr marL="0" lvl="0" indent="0" algn="r" rtl="0">
-              <a:spcBef>
-                <a:spcPts val="0"/>
-              </a:spcBef>
-              <a:spcAft>
-                <a:spcPts val="0"/>
-              </a:spcAft>
-              <a:buNone/>
-            </a:pPr>
-            <a:fld id="{00000000-1234-1234-1234-123412341234}" type="slidenum">
-              <a:rPr lang="en"/>
-              <a:t>‹#›</a:t>
-            </a:fld>
-            <a:endParaRPr/>
-          </a:p>
-        </p:txBody>
-      </p:sp>
-    </p:spTree>
-  </p:cSld>
-  <p:clrMapOvr>
-    <a:masterClrMapping/>
-  </p:clrMapOvr>
-</p:sldLayout>
-</file>
-
-<file path=ppt/slideLayouts/slideLayout8.xml><?xml version="1.0" encoding="utf-8"?>
-<p:sldLayout xmlns:a="http://schemas.openxmlformats.org/drawingml/2006/main" xmlns:r="http://schemas.openxmlformats.org/officeDocument/2006/relationships" xmlns:p="http://schemas.openxmlformats.org/presentationml/2006/main" matchingName="Section title and description">
-  <p:cSld name="SECTION_TITLE_AND_DESCRIPTION">
-    <p:spTree>
-      <p:nvGrpSpPr>
-        <p:cNvPr id="1" name="Shape 35"/>
-        <p:cNvGrpSpPr/>
-        <p:nvPr/>
-      </p:nvGrpSpPr>
-      <p:grpSpPr>
-        <a:xfrm>
-          <a:off x="0" y="0"/>
-          <a:ext cx="0" cy="0"/>
-          <a:chOff x="0" y="0"/>
-          <a:chExt cx="0" cy="0"/>
-        </a:xfrm>
-      </p:grpSpPr>
-      <p:sp>
-        <p:nvSpPr>
-          <p:cNvPr id="36" name="Google Shape;36;p9"/>
-          <p:cNvSpPr/>
-          <p:nvPr/>
-        </p:nvSpPr>
-        <p:spPr>
-          <a:xfrm>
-            <a:off x="4572000" y="-125"/>
-            <a:ext cx="4572000" cy="5143500"/>
-          </a:xfrm>
-          <a:prstGeom prst="rect">
-            <a:avLst/>
-          </a:prstGeom>
-          <a:solidFill>
-            <a:schemeClr val="lt2"/>
-          </a:solidFill>
-          <a:ln>
-            <a:noFill/>
-          </a:ln>
-        </p:spPr>
-        <p:txBody>
-          <a:bodyPr spcFirstLastPara="1" wrap="square" lIns="91425" tIns="91425" rIns="91425" bIns="91425" anchor="ctr" anchorCtr="0">
-            <a:noAutofit/>
-          </a:bodyPr>
-          <a:lstStyle/>
-          <a:p>
-            <a:pPr marL="0" lvl="0" indent="0" algn="l" rtl="0">
-              <a:spcBef>
-                <a:spcPts val="0"/>
-              </a:spcBef>
-              <a:spcAft>
-                <a:spcPts val="0"/>
-              </a:spcAft>
-              <a:buNone/>
-            </a:pPr>
-            <a:endParaRPr/>
-          </a:p>
-        </p:txBody>
-      </p:sp>
-      <p:sp>
-        <p:nvSpPr>
-          <p:cNvPr id="37" name="Google Shape;37;p9"/>
-          <p:cNvSpPr txBox="1">
-            <a:spLocks noGrp="1"/>
-          </p:cNvSpPr>
-          <p:nvPr>
-            <p:ph type="title"/>
-          </p:nvPr>
-        </p:nvSpPr>
-        <p:spPr>
-          <a:xfrm>
-            <a:off x="265500" y="1233175"/>
-            <a:ext cx="4045200" cy="1482300"/>
-          </a:xfrm>
-          <a:prstGeom prst="rect">
-            <a:avLst/>
-          </a:prstGeom>
-        </p:spPr>
-        <p:txBody>
-          <a:bodyPr spcFirstLastPara="1" wrap="square" lIns="91425" tIns="91425" rIns="91425" bIns="91425" anchor="b" anchorCtr="0">
-            <a:noAutofit/>
-          </a:bodyPr>
-          <a:lstStyle>
-            <a:lvl1pPr lvl="0" algn="ctr">
-              <a:spcBef>
-                <a:spcPts val="0"/>
-              </a:spcBef>
-              <a:spcAft>
-                <a:spcPts val="0"/>
-              </a:spcAft>
-              <a:buSzPts val="4200"/>
-              <a:buNone/>
-              <a:defRPr sz="4200"/>
-            </a:lvl1pPr>
-            <a:lvl2pPr lvl="1" algn="ctr">
-              <a:spcBef>
-                <a:spcPts val="0"/>
-              </a:spcBef>
-              <a:spcAft>
-                <a:spcPts val="0"/>
-              </a:spcAft>
-              <a:buSzPts val="4200"/>
-              <a:buNone/>
-              <a:defRPr sz="4200"/>
-            </a:lvl2pPr>
-            <a:lvl3pPr lvl="2" algn="ctr">
-              <a:spcBef>
-                <a:spcPts val="0"/>
-              </a:spcBef>
-              <a:spcAft>
-                <a:spcPts val="0"/>
-              </a:spcAft>
-              <a:buSzPts val="4200"/>
-              <a:buNone/>
-              <a:defRPr sz="4200"/>
-            </a:lvl3pPr>
-            <a:lvl4pPr lvl="3" algn="ctr">
-              <a:spcBef>
-                <a:spcPts val="0"/>
-              </a:spcBef>
-              <a:spcAft>
-                <a:spcPts val="0"/>
-              </a:spcAft>
-              <a:buSzPts val="4200"/>
-              <a:buNone/>
-              <a:defRPr sz="4200"/>
-            </a:lvl4pPr>
-            <a:lvl5pPr lvl="4" algn="ctr">
-              <a:spcBef>
-                <a:spcPts val="0"/>
-              </a:spcBef>
-              <a:spcAft>
-                <a:spcPts val="0"/>
-              </a:spcAft>
-              <a:buSzPts val="4200"/>
-              <a:buNone/>
-              <a:defRPr sz="4200"/>
-            </a:lvl5pPr>
-            <a:lvl6pPr lvl="5" algn="ctr">
-              <a:spcBef>
-                <a:spcPts val="0"/>
-              </a:spcBef>
-              <a:spcAft>
-                <a:spcPts val="0"/>
-              </a:spcAft>
-              <a:buSzPts val="4200"/>
-              <a:buNone/>
-              <a:defRPr sz="4200"/>
-            </a:lvl6pPr>
-            <a:lvl7pPr lvl="6" algn="ctr">
-              <a:spcBef>
-                <a:spcPts val="0"/>
-              </a:spcBef>
-              <a:spcAft>
-                <a:spcPts val="0"/>
-              </a:spcAft>
-              <a:buSzPts val="4200"/>
-              <a:buNone/>
-              <a:defRPr sz="4200"/>
-            </a:lvl7pPr>
-            <a:lvl8pPr lvl="7" algn="ctr">
-              <a:spcBef>
-                <a:spcPts val="0"/>
-              </a:spcBef>
-              <a:spcAft>
-                <a:spcPts val="0"/>
-              </a:spcAft>
-              <a:buSzPts val="4200"/>
-              <a:buNone/>
-              <a:defRPr sz="4200"/>
-            </a:lvl8pPr>
-            <a:lvl9pPr lvl="8" algn="ctr">
-              <a:spcBef>
-                <a:spcPts val="0"/>
-              </a:spcBef>
-              <a:spcAft>
-                <a:spcPts val="0"/>
-              </a:spcAft>
-              <a:buSzPts val="4200"/>
-              <a:buNone/>
-              <a:defRPr sz="4200"/>
-            </a:lvl9pPr>
-          </a:lstStyle>
-          <a:p>
-            <a:endParaRPr/>
-          </a:p>
-        </p:txBody>
-      </p:sp>
-      <p:sp>
-        <p:nvSpPr>
-          <p:cNvPr id="38" name="Google Shape;38;p9"/>
-          <p:cNvSpPr txBox="1">
-            <a:spLocks noGrp="1"/>
-          </p:cNvSpPr>
-          <p:nvPr>
-            <p:ph type="subTitle" idx="1"/>
-          </p:nvPr>
-        </p:nvSpPr>
-        <p:spPr>
-          <a:xfrm>
-            <a:off x="265500" y="2803075"/>
-            <a:ext cx="4045200" cy="1235100"/>
-          </a:xfrm>
-          <a:prstGeom prst="rect">
-            <a:avLst/>
-          </a:prstGeom>
-        </p:spPr>
-        <p:txBody>
-          <a:bodyPr spcFirstLastPara="1" wrap="square" lIns="91425" tIns="91425" rIns="91425" bIns="91425" anchor="t" anchorCtr="0">
-            <a:noAutofit/>
-          </a:bodyPr>
-          <a:lstStyle>
-            <a:lvl1pPr lvl="0" algn="ctr">
-              <a:lnSpc>
-                <a:spcPct val="100000"/>
-              </a:lnSpc>
-              <a:spcBef>
-                <a:spcPts val="0"/>
-              </a:spcBef>
-              <a:spcAft>
-                <a:spcPts val="0"/>
-              </a:spcAft>
-              <a:buSzPts val="2100"/>
-              <a:buNone/>
-              <a:defRPr sz="2100"/>
-            </a:lvl1pPr>
-            <a:lvl2pPr lvl="1" algn="ctr">
-              <a:lnSpc>
-                <a:spcPct val="100000"/>
-              </a:lnSpc>
-              <a:spcBef>
-                <a:spcPts val="0"/>
-              </a:spcBef>
-              <a:spcAft>
-                <a:spcPts val="0"/>
-              </a:spcAft>
-              <a:buSzPts val="2100"/>
-              <a:buNone/>
-              <a:defRPr sz="2100"/>
-            </a:lvl2pPr>
-            <a:lvl3pPr lvl="2" algn="ctr">
-              <a:lnSpc>
-                <a:spcPct val="100000"/>
-              </a:lnSpc>
-              <a:spcBef>
-                <a:spcPts val="0"/>
-              </a:spcBef>
-              <a:spcAft>
-                <a:spcPts val="0"/>
-              </a:spcAft>
-              <a:buSzPts val="2100"/>
-              <a:buNone/>
-              <a:defRPr sz="2100"/>
-            </a:lvl3pPr>
-            <a:lvl4pPr lvl="3" algn="ctr">
-              <a:lnSpc>
-                <a:spcPct val="100000"/>
-              </a:lnSpc>
-              <a:spcBef>
-                <a:spcPts val="0"/>
-              </a:spcBef>
-              <a:spcAft>
-                <a:spcPts val="0"/>
-              </a:spcAft>
-              <a:buSzPts val="2100"/>
-              <a:buNone/>
-              <a:defRPr sz="2100"/>
-            </a:lvl4pPr>
-            <a:lvl5pPr lvl="4" algn="ctr">
-              <a:lnSpc>
-                <a:spcPct val="100000"/>
-              </a:lnSpc>
-              <a:spcBef>
-                <a:spcPts val="0"/>
-              </a:spcBef>
-              <a:spcAft>
-                <a:spcPts val="0"/>
-              </a:spcAft>
-              <a:buSzPts val="2100"/>
-              <a:buNone/>
-              <a:defRPr sz="2100"/>
-            </a:lvl5pPr>
-            <a:lvl6pPr lvl="5" algn="ctr">
-              <a:lnSpc>
-                <a:spcPct val="100000"/>
-              </a:lnSpc>
-              <a:spcBef>
-                <a:spcPts val="0"/>
-              </a:spcBef>
-              <a:spcAft>
-                <a:spcPts val="0"/>
-              </a:spcAft>
-              <a:buSzPts val="2100"/>
-              <a:buNone/>
-              <a:defRPr sz="2100"/>
-            </a:lvl6pPr>
-            <a:lvl7pPr lvl="6" algn="ctr">
-              <a:lnSpc>
-                <a:spcPct val="100000"/>
-              </a:lnSpc>
-              <a:spcBef>
-                <a:spcPts val="0"/>
-              </a:spcBef>
-              <a:spcAft>
-                <a:spcPts val="0"/>
-              </a:spcAft>
-              <a:buSzPts val="2100"/>
-              <a:buNone/>
-              <a:defRPr sz="2100"/>
-            </a:lvl7pPr>
-            <a:lvl8pPr lvl="7" algn="ctr">
-              <a:lnSpc>
-                <a:spcPct val="100000"/>
-              </a:lnSpc>
-              <a:spcBef>
-                <a:spcPts val="0"/>
-              </a:spcBef>
-              <a:spcAft>
-                <a:spcPts val="0"/>
-              </a:spcAft>
-              <a:buSzPts val="2100"/>
-              <a:buNone/>
-              <a:defRPr sz="2100"/>
-            </a:lvl8pPr>
-            <a:lvl9pPr lvl="8" algn="ctr">
-              <a:lnSpc>
-                <a:spcPct val="100000"/>
-              </a:lnSpc>
-              <a:spcBef>
-                <a:spcPts val="0"/>
-              </a:spcBef>
-              <a:spcAft>
-                <a:spcPts val="0"/>
-              </a:spcAft>
-              <a:buSzPts val="2100"/>
-              <a:buNone/>
-              <a:defRPr sz="2100"/>
-            </a:lvl9pPr>
-          </a:lstStyle>
-          <a:p>
-            <a:endParaRPr/>
-          </a:p>
-        </p:txBody>
-      </p:sp>
-      <p:sp>
-        <p:nvSpPr>
-          <p:cNvPr id="39" name="Google Shape;39;p9"/>
-          <p:cNvSpPr txBox="1">
-            <a:spLocks noGrp="1"/>
-          </p:cNvSpPr>
-          <p:nvPr>
-            <p:ph type="body" idx="2"/>
-          </p:nvPr>
-        </p:nvSpPr>
-        <p:spPr>
-          <a:xfrm>
-            <a:off x="4939500" y="724075"/>
-            <a:ext cx="3837000" cy="3695100"/>
-          </a:xfrm>
-          <a:prstGeom prst="rect">
-            <a:avLst/>
-          </a:prstGeom>
-        </p:spPr>
-        <p:txBody>
-          <a:bodyPr spcFirstLastPara="1" wrap="square" lIns="91425" tIns="91425" rIns="91425" bIns="91425" anchor="ctr" anchorCtr="0">
-            <a:noAutofit/>
-          </a:bodyPr>
-          <a:lstStyle>
-            <a:lvl1pPr marL="457200" lvl="0" indent="-342900">
-              <a:spcBef>
-                <a:spcPts val="0"/>
-              </a:spcBef>
-              <a:spcAft>
-                <a:spcPts val="0"/>
-              </a:spcAft>
-              <a:buSzPts val="1800"/>
-              <a:buChar char="●"/>
-              <a:defRPr/>
-            </a:lvl1pPr>
-            <a:lvl2pPr marL="914400" lvl="1" indent="-317500">
-              <a:spcBef>
-                <a:spcPts val="1600"/>
-              </a:spcBef>
-              <a:spcAft>
-                <a:spcPts val="0"/>
-              </a:spcAft>
-              <a:buSzPts val="1400"/>
-              <a:buChar char="○"/>
-              <a:defRPr/>
-            </a:lvl2pPr>
-            <a:lvl3pPr marL="1371600" lvl="2" indent="-317500">
-              <a:spcBef>
-                <a:spcPts val="1600"/>
-              </a:spcBef>
-              <a:spcAft>
-                <a:spcPts val="0"/>
-              </a:spcAft>
-              <a:buSzPts val="1400"/>
-              <a:buChar char="■"/>
-              <a:defRPr/>
-            </a:lvl3pPr>
-            <a:lvl4pPr marL="1828800" lvl="3" indent="-317500">
-              <a:spcBef>
-                <a:spcPts val="1600"/>
-              </a:spcBef>
-              <a:spcAft>
-                <a:spcPts val="0"/>
-              </a:spcAft>
-              <a:buSzPts val="1400"/>
-              <a:buChar char="●"/>
-              <a:defRPr/>
-            </a:lvl4pPr>
-            <a:lvl5pPr marL="2286000" lvl="4" indent="-317500">
-              <a:spcBef>
-                <a:spcPts val="1600"/>
-              </a:spcBef>
-              <a:spcAft>
-                <a:spcPts val="0"/>
-              </a:spcAft>
-              <a:buSzPts val="1400"/>
-              <a:buChar char="○"/>
-              <a:defRPr/>
-            </a:lvl5pPr>
-            <a:lvl6pPr marL="2743200" lvl="5" indent="-317500">
-              <a:spcBef>
-                <a:spcPts val="1600"/>
-              </a:spcBef>
-              <a:spcAft>
-                <a:spcPts val="0"/>
-              </a:spcAft>
-              <a:buSzPts val="1400"/>
-              <a:buChar char="■"/>
-              <a:defRPr/>
-            </a:lvl6pPr>
-            <a:lvl7pPr marL="3200400" lvl="6" indent="-317500">
-              <a:spcBef>
-                <a:spcPts val="1600"/>
-              </a:spcBef>
-              <a:spcAft>
-                <a:spcPts val="0"/>
-              </a:spcAft>
-              <a:buSzPts val="1400"/>
-              <a:buChar char="●"/>
-              <a:defRPr/>
-            </a:lvl7pPr>
-            <a:lvl8pPr marL="3657600" lvl="7" indent="-317500">
-              <a:spcBef>
-                <a:spcPts val="1600"/>
-              </a:spcBef>
-              <a:spcAft>
-                <a:spcPts val="0"/>
-              </a:spcAft>
-              <a:buSzPts val="1400"/>
-              <a:buChar char="○"/>
-              <a:defRPr/>
-            </a:lvl8pPr>
-            <a:lvl9pPr marL="4114800" lvl="8" indent="-317500">
-              <a:spcBef>
-                <a:spcPts val="1600"/>
-              </a:spcBef>
-              <a:spcAft>
-                <a:spcPts val="1600"/>
-              </a:spcAft>
-              <a:buSzPts val="1400"/>
-              <a:buChar char="■"/>
-              <a:defRPr/>
-            </a:lvl9pPr>
-          </a:lstStyle>
-          <a:p>
-            <a:endParaRPr/>
-          </a:p>
-        </p:txBody>
-      </p:sp>
-      <p:sp>
-        <p:nvSpPr>
-          <p:cNvPr id="40" name="Google Shape;40;p9"/>
-          <p:cNvSpPr txBox="1">
-            <a:spLocks noGrp="1"/>
-          </p:cNvSpPr>
-          <p:nvPr>
-            <p:ph type="sldNum" idx="12"/>
-          </p:nvPr>
-        </p:nvSpPr>
-        <p:spPr>
-          <a:xfrm>
-            <a:off x="8472458" y="4663217"/>
-            <a:ext cx="548700" cy="393600"/>
-          </a:xfrm>
-          <a:prstGeom prst="rect">
-            <a:avLst/>
-          </a:prstGeom>
-        </p:spPr>
-        <p:txBody>
-          <a:bodyPr spcFirstLastPara="1" wrap="square" lIns="91425" tIns="91425" rIns="91425" bIns="91425" anchor="ctr" anchorCtr="0">
-            <a:noAutofit/>
-          </a:bodyPr>
-          <a:lstStyle>
-            <a:lvl1pPr lvl="0">
-              <a:buNone/>
-              <a:defRPr/>
-            </a:lvl1pPr>
-            <a:lvl2pPr lvl="1">
-              <a:buNone/>
-              <a:defRPr/>
-            </a:lvl2pPr>
-            <a:lvl3pPr lvl="2">
-              <a:buNone/>
-              <a:defRPr/>
-            </a:lvl3pPr>
-            <a:lvl4pPr lvl="3">
-              <a:buNone/>
-              <a:defRPr/>
-            </a:lvl4pPr>
-            <a:lvl5pPr lvl="4">
-              <a:buNone/>
-              <a:defRPr/>
-            </a:lvl5pPr>
-            <a:lvl6pPr lvl="5">
-              <a:buNone/>
-              <a:defRPr/>
-            </a:lvl6pPr>
-            <a:lvl7pPr lvl="6">
-              <a:buNone/>
-              <a:defRPr/>
-            </a:lvl7pPr>
-            <a:lvl8pPr lvl="7">
-              <a:buNone/>
-              <a:defRPr/>
-            </a:lvl8pPr>
-            <a:lvl9pPr lvl="8">
-              <a:buNone/>
-              <a:defRPr/>
-            </a:lvl9pPr>
-          </a:lstStyle>
-          <a:p>
-            <a:pPr marL="0" lvl="0" indent="0" algn="r" rtl="0">
-              <a:spcBef>
-                <a:spcPts val="0"/>
-              </a:spcBef>
-              <a:spcAft>
-                <a:spcPts val="0"/>
-              </a:spcAft>
-              <a:buNone/>
-            </a:pPr>
-            <a:fld id="{00000000-1234-1234-1234-123412341234}" type="slidenum">
-              <a:rPr lang="en"/>
-              <a:t>‹#›</a:t>
-            </a:fld>
-            <a:endParaRPr/>
-          </a:p>
-        </p:txBody>
-      </p:sp>
-    </p:spTree>
-  </p:cSld>
-  <p:clrMapOvr>
-    <a:masterClrMapping/>
-  </p:clrMapOvr>
-</p:sldLayout>
-</file>
-
-<file path=ppt/slideLayouts/slideLayout9.xml><?xml version="1.0" encoding="utf-8"?>
-<p:sldLayout xmlns:a="http://schemas.openxmlformats.org/drawingml/2006/main" xmlns:r="http://schemas.openxmlformats.org/officeDocument/2006/relationships" xmlns:p="http://schemas.openxmlformats.org/presentationml/2006/main" matchingName="Caption">
-  <p:cSld name="CAPTION_ONLY">
-    <p:spTree>
-      <p:nvGrpSpPr>
-        <p:cNvPr id="1" name="Shape 41"/>
-        <p:cNvGrpSpPr/>
-        <p:nvPr/>
-      </p:nvGrpSpPr>
-      <p:grpSpPr>
-        <a:xfrm>
-          <a:off x="0" y="0"/>
-          <a:ext cx="0" cy="0"/>
-          <a:chOff x="0" y="0"/>
-          <a:chExt cx="0" cy="0"/>
-        </a:xfrm>
-      </p:grpSpPr>
-      <p:sp>
-        <p:nvSpPr>
-          <p:cNvPr id="42" name="Google Shape;42;p10"/>
-          <p:cNvSpPr txBox="1">
-            <a:spLocks noGrp="1"/>
-          </p:cNvSpPr>
-          <p:nvPr>
-            <p:ph type="body" idx="1"/>
-          </p:nvPr>
-        </p:nvSpPr>
-        <p:spPr>
-          <a:xfrm>
-            <a:off x="311700" y="4230575"/>
-            <a:ext cx="5998800" cy="605100"/>
-          </a:xfrm>
-          <a:prstGeom prst="rect">
-            <a:avLst/>
-          </a:prstGeom>
-        </p:spPr>
-        <p:txBody>
-          <a:bodyPr spcFirstLastPara="1" wrap="square" lIns="91425" tIns="91425" rIns="91425" bIns="91425" anchor="ctr" anchorCtr="0">
-            <a:noAutofit/>
-          </a:bodyPr>
-          <a:lstStyle>
-            <a:lvl1pPr marL="457200" lvl="0" indent="-228600">
-              <a:lnSpc>
-                <a:spcPct val="100000"/>
-              </a:lnSpc>
-              <a:spcBef>
-                <a:spcPts val="0"/>
-              </a:spcBef>
-              <a:spcAft>
-                <a:spcPts val="0"/>
-              </a:spcAft>
-              <a:buSzPts val="1800"/>
-              <a:buNone/>
-              <a:defRPr/>
-            </a:lvl1pPr>
-          </a:lstStyle>
-          <a:p>
-            <a:endParaRPr/>
-          </a:p>
-        </p:txBody>
-      </p:sp>
-      <p:sp>
-        <p:nvSpPr>
-          <p:cNvPr id="43" name="Google Shape;43;p10"/>
-          <p:cNvSpPr txBox="1">
-            <a:spLocks noGrp="1"/>
-          </p:cNvSpPr>
-          <p:nvPr>
-            <p:ph type="sldNum" idx="12"/>
-          </p:nvPr>
-        </p:nvSpPr>
-        <p:spPr>
-          <a:xfrm>
-            <a:off x="8472458" y="4663217"/>
-            <a:ext cx="548700" cy="393600"/>
-          </a:xfrm>
-          <a:prstGeom prst="rect">
-            <a:avLst/>
-          </a:prstGeom>
-        </p:spPr>
-        <p:txBody>
-          <a:bodyPr spcFirstLastPara="1" wrap="square" lIns="91425" tIns="91425" rIns="91425" bIns="91425" anchor="ctr" anchorCtr="0">
-            <a:noAutofit/>
-          </a:bodyPr>
-          <a:lstStyle>
-            <a:lvl1pPr lvl="0">
-              <a:buNone/>
-              <a:defRPr/>
-            </a:lvl1pPr>
-            <a:lvl2pPr lvl="1">
-              <a:buNone/>
-              <a:defRPr/>
-            </a:lvl2pPr>
-            <a:lvl3pPr lvl="2">
-              <a:buNone/>
-              <a:defRPr/>
-            </a:lvl3pPr>
-            <a:lvl4pPr lvl="3">
-              <a:buNone/>
-              <a:defRPr/>
-            </a:lvl4pPr>
-            <a:lvl5pPr lvl="4">
-              <a:buNone/>
-              <a:defRPr/>
-            </a:lvl5pPr>
-            <a:lvl6pPr lvl="5">
-              <a:buNone/>
-              <a:defRPr/>
-            </a:lvl6pPr>
-            <a:lvl7pPr lvl="6">
-              <a:buNone/>
-              <a:defRPr/>
-            </a:lvl7pPr>
-            <a:lvl8pPr lvl="7">
-              <a:buNone/>
-              <a:defRPr/>
-            </a:lvl8pPr>
-            <a:lvl9pPr lvl="8">
-              <a:buNone/>
-              <a:defRPr/>
-            </a:lvl9pPr>
-          </a:lstStyle>
-          <a:p>
-            <a:pPr marL="0" lvl="0" indent="0" algn="r" rtl="0">
-              <a:spcBef>
-                <a:spcPts val="0"/>
-              </a:spcBef>
-              <a:spcAft>
-                <a:spcPts val="0"/>
-              </a:spcAft>
-              <a:buNone/>
-            </a:pPr>
-            <a:fld id="{00000000-1234-1234-1234-123412341234}" type="slidenum">
-              <a:rPr lang="en"/>
-              <a:t>‹#›</a:t>
-            </a:fld>
-            <a:endParaRPr/>
-          </a:p>
-        </p:txBody>
-      </p:sp>
-    </p:spTree>
-  </p:cSld>
-  <p:clrMapOvr>
-    <a:masterClrMapping/>
-  </p:clrMapOvr>
-</p:sldLayout>
-</file>
-
 <file path=ppt/slideMasters/slideMaster1.xml><?xml version="1.0" encoding="utf-8"?>
 <p:sldMaster xmlns:a="http://schemas.openxmlformats.org/drawingml/2006/main" xmlns:r="http://schemas.openxmlformats.org/officeDocument/2006/relationships" xmlns:p="http://schemas.openxmlformats.org/presentationml/2006/main">
   <p:cSld name="simple-light-2">
@@ -10799,16 +11847,15 @@
   <p:clrMap bg1="lt1" tx1="dk1" bg2="dk2" tx2="lt2" accent1="accent1" accent2="accent2" accent3="accent3" accent4="accent4" accent5="accent5" accent6="accent6" hlink="hlink" folHlink="folHlink"/>
   <p:sldLayoutIdLst>
     <p:sldLayoutId id="2147483648" r:id="rId1"/>
-    <p:sldLayoutId id="2147483649" r:id="rId2"/>
-    <p:sldLayoutId id="2147483650" r:id="rId3"/>
-    <p:sldLayoutId id="2147483651" r:id="rId4"/>
-    <p:sldLayoutId id="2147483652" r:id="rId5"/>
-    <p:sldLayoutId id="2147483653" r:id="rId6"/>
-    <p:sldLayoutId id="2147483654" r:id="rId7"/>
-    <p:sldLayoutId id="2147483655" r:id="rId8"/>
-    <p:sldLayoutId id="2147483656" r:id="rId9"/>
-    <p:sldLayoutId id="2147483657" r:id="rId10"/>
-    <p:sldLayoutId id="2147483658" r:id="rId11"/>
+    <p:sldLayoutId id="2147483650" r:id="rId2"/>
+    <p:sldLayoutId id="2147483651" r:id="rId3"/>
+    <p:sldLayoutId id="2147483652" r:id="rId4"/>
+    <p:sldLayoutId id="2147483653" r:id="rId5"/>
+    <p:sldLayoutId id="2147483654" r:id="rId6"/>
+    <p:sldLayoutId id="2147483655" r:id="rId7"/>
+    <p:sldLayoutId id="2147483656" r:id="rId8"/>
+    <p:sldLayoutId id="2147483657" r:id="rId9"/>
+    <p:sldLayoutId id="2147483658" r:id="rId10"/>
   </p:sldLayoutIdLst>
   <p:hf sldNum="0" hdr="0" ftr="0" dt="0"/>
   <p:txStyles>
@@ -11929,6 +12976,416 @@
         </p:nvSpPr>
         <p:spPr>
           <a:xfrm>
+            <a:off x="131692" y="327660"/>
+            <a:ext cx="376695" cy="4734889"/>
+          </a:xfrm>
+          <a:prstGeom prst="rect">
+            <a:avLst/>
+          </a:prstGeom>
+          <a:noFill/>
+          <a:ln>
+            <a:noFill/>
+          </a:ln>
+        </p:spPr>
+        <p:txBody>
+          <a:bodyPr spcFirstLastPara="1" vert="wordArtVert" wrap="square" lIns="91425" tIns="91425" rIns="91425" bIns="91425" anchor="ctr" anchorCtr="1">
+            <a:noAutofit/>
+          </a:bodyPr>
+          <a:lstStyle/>
+          <a:p>
+            <a:pPr marL="0" lvl="0" indent="0" algn="l" rtl="0">
+              <a:spcBef>
+                <a:spcPts val="0"/>
+              </a:spcBef>
+              <a:spcAft>
+                <a:spcPts val="0"/>
+              </a:spcAft>
+              <a:buNone/>
+            </a:pPr>
+            <a:r>
+              <a:rPr lang="en-US" sz="1500" dirty="0" err="1">
+                <a:solidFill>
+                  <a:srgbClr val="474747"/>
+                </a:solidFill>
+                <a:latin typeface="서울한강 장체 EB" panose="02020503020101020101" pitchFamily="18" charset="-127"/>
+                <a:ea typeface="서울한강 장체 EB" panose="02020503020101020101" pitchFamily="18" charset="-127"/>
+                <a:sym typeface="Nanum Myeongjo"/>
+              </a:rPr>
+              <a:t>Pano</a:t>
+            </a:r>
+            <a:r>
+              <a:rPr lang="en-US" sz="1500" dirty="0">
+                <a:solidFill>
+                  <a:srgbClr val="474747"/>
+                </a:solidFill>
+                <a:latin typeface="서울한강 장체 EB" panose="02020503020101020101" pitchFamily="18" charset="-127"/>
+                <a:ea typeface="서울한강 장체 EB" panose="02020503020101020101" pitchFamily="18" charset="-127"/>
+                <a:sym typeface="Nanum Myeongjo"/>
+              </a:rPr>
+              <a:t> Stretch Data </a:t>
+            </a:r>
+            <a:r>
+              <a:rPr lang="en-US" sz="1500" dirty="0" err="1">
+                <a:solidFill>
+                  <a:srgbClr val="474747"/>
+                </a:solidFill>
+                <a:latin typeface="서울한강 장체 EB" panose="02020503020101020101" pitchFamily="18" charset="-127"/>
+                <a:ea typeface="서울한강 장체 EB" panose="02020503020101020101" pitchFamily="18" charset="-127"/>
+                <a:sym typeface="Nanum Myeongjo"/>
+              </a:rPr>
+              <a:t>Argumentaion</a:t>
+            </a:r>
+            <a:endParaRPr sz="1500" dirty="0">
+              <a:solidFill>
+                <a:srgbClr val="474747"/>
+              </a:solidFill>
+              <a:latin typeface="서울한강 장체 EB" panose="02020503020101020101" pitchFamily="18" charset="-127"/>
+              <a:ea typeface="서울한강 장체 EB" panose="02020503020101020101" pitchFamily="18" charset="-127"/>
+            </a:endParaRPr>
+          </a:p>
+        </p:txBody>
+      </p:sp>
+      <p:sp>
+        <p:nvSpPr>
+          <p:cNvPr id="37" name="TextBox 36">
+            <a:extLst>
+              <a:ext uri="{FF2B5EF4-FFF2-40B4-BE49-F238E27FC236}">
+                <a16:creationId xmlns:a16="http://schemas.microsoft.com/office/drawing/2014/main" id="{C22BF384-A5A5-4B45-919B-FDC5E27BF255}"/>
+              </a:ext>
+            </a:extLst>
+          </p:cNvPr>
+          <p:cNvSpPr txBox="1"/>
+          <p:nvPr/>
+        </p:nvSpPr>
+        <p:spPr>
+          <a:xfrm>
+            <a:off x="76199" y="112663"/>
+            <a:ext cx="487680" cy="338554"/>
+          </a:xfrm>
+          <a:prstGeom prst="rect">
+            <a:avLst/>
+          </a:prstGeom>
+          <a:noFill/>
+        </p:spPr>
+        <p:txBody>
+          <a:bodyPr wrap="square">
+            <a:spAutoFit/>
+          </a:bodyPr>
+          <a:lstStyle/>
+          <a:p>
+            <a:pPr marL="0" lvl="0" indent="0" algn="ctr" rtl="0">
+              <a:spcBef>
+                <a:spcPts val="0"/>
+              </a:spcBef>
+              <a:spcAft>
+                <a:spcPts val="0"/>
+              </a:spcAft>
+              <a:buNone/>
+            </a:pPr>
+            <a:r>
+              <a:rPr lang="en-US" altLang="ko-KR" sz="1600" dirty="0">
+                <a:solidFill>
+                  <a:srgbClr val="474747"/>
+                </a:solidFill>
+                <a:latin typeface="서울한강 장체 EB" panose="02020503020101020101" pitchFamily="18" charset="-127"/>
+                <a:ea typeface="서울한강 장체 EB" panose="02020503020101020101" pitchFamily="18" charset="-127"/>
+                <a:cs typeface="Nanum Myeongjo"/>
+                <a:sym typeface="Nanum Myeongjo"/>
+              </a:rPr>
+              <a:t>3.3</a:t>
+            </a:r>
+          </a:p>
+        </p:txBody>
+      </p:sp>
+    </p:spTree>
+    <p:extLst>
+      <p:ext uri="{BB962C8B-B14F-4D97-AF65-F5344CB8AC3E}">
+        <p14:creationId xmlns:p14="http://schemas.microsoft.com/office/powerpoint/2010/main" val="1945907632"/>
+      </p:ext>
+    </p:extLst>
+  </p:cSld>
+  <p:clrMapOvr>
+    <a:masterClrMapping/>
+  </p:clrMapOvr>
+</p:sld>
+</file>
+
+<file path=ppt/slides/slide11.xml><?xml version="1.0" encoding="utf-8"?>
+<p:sld xmlns:a="http://schemas.openxmlformats.org/drawingml/2006/main" xmlns:r="http://schemas.openxmlformats.org/officeDocument/2006/relationships" xmlns:p="http://schemas.openxmlformats.org/presentationml/2006/main">
+  <p:cSld>
+    <p:spTree>
+      <p:nvGrpSpPr>
+        <p:cNvPr id="1" name="Shape 81"/>
+        <p:cNvGrpSpPr/>
+        <p:nvPr/>
+      </p:nvGrpSpPr>
+      <p:grpSpPr>
+        <a:xfrm>
+          <a:off x="0" y="0"/>
+          <a:ext cx="0" cy="0"/>
+          <a:chOff x="0" y="0"/>
+          <a:chExt cx="0" cy="0"/>
+        </a:xfrm>
+      </p:grpSpPr>
+      <p:sp>
+        <p:nvSpPr>
+          <p:cNvPr id="2" name="직사각형 1">
+            <a:extLst>
+              <a:ext uri="{FF2B5EF4-FFF2-40B4-BE49-F238E27FC236}">
+                <a16:creationId xmlns:a16="http://schemas.microsoft.com/office/drawing/2014/main" id="{7F3912AF-6511-4CE6-892D-86CAD7F9E288}"/>
+              </a:ext>
+            </a:extLst>
+          </p:cNvPr>
+          <p:cNvSpPr/>
+          <p:nvPr/>
+        </p:nvSpPr>
+        <p:spPr>
+          <a:xfrm>
+            <a:off x="0" y="0"/>
+            <a:ext cx="9144000" cy="5143500"/>
+          </a:xfrm>
+          <a:prstGeom prst="rect">
+            <a:avLst/>
+          </a:prstGeom>
+          <a:solidFill>
+            <a:srgbClr val="474747"/>
+          </a:solidFill>
+          <a:ln>
+            <a:noFill/>
+          </a:ln>
+        </p:spPr>
+        <p:style>
+          <a:lnRef idx="2">
+            <a:schemeClr val="accent1">
+              <a:shade val="50000"/>
+            </a:schemeClr>
+          </a:lnRef>
+          <a:fillRef idx="1">
+            <a:schemeClr val="accent1"/>
+          </a:fillRef>
+          <a:effectRef idx="0">
+            <a:schemeClr val="accent1"/>
+          </a:effectRef>
+          <a:fontRef idx="minor">
+            <a:schemeClr val="lt1"/>
+          </a:fontRef>
+        </p:style>
+        <p:txBody>
+          <a:bodyPr rtlCol="0" anchor="ctr"/>
+          <a:lstStyle/>
+          <a:p>
+            <a:pPr algn="ctr"/>
+            <a:endParaRPr lang="ko-KR" altLang="en-US"/>
+          </a:p>
+        </p:txBody>
+      </p:sp>
+      <p:cxnSp>
+        <p:nvCxnSpPr>
+          <p:cNvPr id="83" name="Google Shape;83;p15"/>
+          <p:cNvCxnSpPr/>
+          <p:nvPr/>
+        </p:nvCxnSpPr>
+        <p:spPr>
+          <a:xfrm>
+            <a:off x="597452" y="162890"/>
+            <a:ext cx="7972500" cy="0"/>
+          </a:xfrm>
+          <a:prstGeom prst="straightConnector1">
+            <a:avLst/>
+          </a:prstGeom>
+          <a:noFill/>
+          <a:ln w="38100" cap="flat" cmpd="sng">
+            <a:solidFill>
+              <a:schemeClr val="bg1"/>
+            </a:solidFill>
+            <a:prstDash val="solid"/>
+            <a:round/>
+            <a:headEnd type="none" w="med" len="med"/>
+            <a:tailEnd type="none" w="med" len="med"/>
+          </a:ln>
+        </p:spPr>
+      </p:cxnSp>
+      <p:sp>
+        <p:nvSpPr>
+          <p:cNvPr id="32" name="Google Shape;97;p15">
+            <a:extLst>
+              <a:ext uri="{FF2B5EF4-FFF2-40B4-BE49-F238E27FC236}">
+                <a16:creationId xmlns:a16="http://schemas.microsoft.com/office/drawing/2014/main" id="{D2A99E31-8B73-4DD8-ABE9-950D5F4FC40E}"/>
+              </a:ext>
+            </a:extLst>
+          </p:cNvPr>
+          <p:cNvSpPr txBox="1"/>
+          <p:nvPr/>
+        </p:nvSpPr>
+        <p:spPr>
+          <a:xfrm>
+            <a:off x="585750" y="1872608"/>
+            <a:ext cx="4562525" cy="1419265"/>
+          </a:xfrm>
+          <a:prstGeom prst="rect">
+            <a:avLst/>
+          </a:prstGeom>
+          <a:noFill/>
+          <a:ln>
+            <a:noFill/>
+          </a:ln>
+        </p:spPr>
+        <p:txBody>
+          <a:bodyPr spcFirstLastPara="1" wrap="square" lIns="91425" tIns="91425" rIns="91425" bIns="91425" anchor="ctr" anchorCtr="0">
+            <a:noAutofit/>
+          </a:bodyPr>
+          <a:lstStyle/>
+          <a:p>
+            <a:pPr marL="0" lvl="0" indent="0" algn="l" rtl="0">
+              <a:spcBef>
+                <a:spcPts val="0"/>
+              </a:spcBef>
+              <a:spcAft>
+                <a:spcPts val="0"/>
+              </a:spcAft>
+              <a:buNone/>
+            </a:pPr>
+            <a:r>
+              <a:rPr lang="en-US" sz="3600" dirty="0">
+                <a:solidFill>
+                  <a:schemeClr val="bg1"/>
+                </a:solidFill>
+                <a:latin typeface="서울한강 장체 EB" panose="02020503020101020101" pitchFamily="18" charset="-127"/>
+                <a:ea typeface="서울한강 장체 EB" panose="02020503020101020101" pitchFamily="18" charset="-127"/>
+              </a:rPr>
+              <a:t>4. Experiments</a:t>
+            </a:r>
+          </a:p>
+        </p:txBody>
+      </p:sp>
+      <p:cxnSp>
+        <p:nvCxnSpPr>
+          <p:cNvPr id="35" name="Google Shape;82;p15">
+            <a:extLst>
+              <a:ext uri="{FF2B5EF4-FFF2-40B4-BE49-F238E27FC236}">
+                <a16:creationId xmlns:a16="http://schemas.microsoft.com/office/drawing/2014/main" id="{307CF713-DEDE-40F9-9518-D1EB5943DA75}"/>
+              </a:ext>
+            </a:extLst>
+          </p:cNvPr>
+          <p:cNvCxnSpPr/>
+          <p:nvPr/>
+        </p:nvCxnSpPr>
+        <p:spPr>
+          <a:xfrm>
+            <a:off x="585750" y="5001590"/>
+            <a:ext cx="7972500" cy="0"/>
+          </a:xfrm>
+          <a:prstGeom prst="straightConnector1">
+            <a:avLst/>
+          </a:prstGeom>
+          <a:noFill/>
+          <a:ln w="9525" cap="flat" cmpd="sng">
+            <a:solidFill>
+              <a:schemeClr val="bg1"/>
+            </a:solidFill>
+            <a:prstDash val="solid"/>
+            <a:round/>
+            <a:headEnd type="none" w="med" len="med"/>
+            <a:tailEnd type="none" w="med" len="med"/>
+          </a:ln>
+        </p:spPr>
+      </p:cxnSp>
+    </p:spTree>
+    <p:extLst>
+      <p:ext uri="{BB962C8B-B14F-4D97-AF65-F5344CB8AC3E}">
+        <p14:creationId xmlns:p14="http://schemas.microsoft.com/office/powerpoint/2010/main" val="538220368"/>
+      </p:ext>
+    </p:extLst>
+  </p:cSld>
+  <p:clrMapOvr>
+    <a:masterClrMapping/>
+  </p:clrMapOvr>
+</p:sld>
+</file>
+
+<file path=ppt/slides/slide12.xml><?xml version="1.0" encoding="utf-8"?>
+<p:sld xmlns:a="http://schemas.openxmlformats.org/drawingml/2006/main" xmlns:r="http://schemas.openxmlformats.org/officeDocument/2006/relationships" xmlns:p="http://schemas.openxmlformats.org/presentationml/2006/main">
+  <p:cSld>
+    <p:spTree>
+      <p:nvGrpSpPr>
+        <p:cNvPr id="1" name="Shape 81"/>
+        <p:cNvGrpSpPr/>
+        <p:nvPr/>
+      </p:nvGrpSpPr>
+      <p:grpSpPr>
+        <a:xfrm>
+          <a:off x="0" y="0"/>
+          <a:ext cx="0" cy="0"/>
+          <a:chOff x="0" y="0"/>
+          <a:chExt cx="0" cy="0"/>
+        </a:xfrm>
+      </p:grpSpPr>
+      <p:cxnSp>
+        <p:nvCxnSpPr>
+          <p:cNvPr id="82" name="Google Shape;82;p15"/>
+          <p:cNvCxnSpPr/>
+          <p:nvPr/>
+        </p:nvCxnSpPr>
+        <p:spPr>
+          <a:xfrm>
+            <a:off x="585750" y="5001590"/>
+            <a:ext cx="7972500" cy="0"/>
+          </a:xfrm>
+          <a:prstGeom prst="straightConnector1">
+            <a:avLst/>
+          </a:prstGeom>
+          <a:noFill/>
+          <a:ln w="9525" cap="flat" cmpd="sng">
+            <a:solidFill>
+              <a:srgbClr val="000000"/>
+            </a:solidFill>
+            <a:prstDash val="solid"/>
+            <a:round/>
+            <a:headEnd type="none" w="med" len="med"/>
+            <a:tailEnd type="none" w="med" len="med"/>
+          </a:ln>
+        </p:spPr>
+      </p:cxnSp>
+      <p:cxnSp>
+        <p:nvCxnSpPr>
+          <p:cNvPr id="83" name="Google Shape;83;p15"/>
+          <p:cNvCxnSpPr/>
+          <p:nvPr/>
+        </p:nvCxnSpPr>
+        <p:spPr>
+          <a:xfrm>
+            <a:off x="597452" y="162890"/>
+            <a:ext cx="7972500" cy="0"/>
+          </a:xfrm>
+          <a:prstGeom prst="straightConnector1">
+            <a:avLst/>
+          </a:prstGeom>
+          <a:noFill/>
+          <a:ln w="38100" cap="flat" cmpd="sng">
+            <a:solidFill>
+              <a:srgbClr val="000000"/>
+            </a:solidFill>
+            <a:prstDash val="solid"/>
+            <a:round/>
+            <a:headEnd type="none" w="med" len="med"/>
+            <a:tailEnd type="none" w="med" len="med"/>
+          </a:ln>
+        </p:spPr>
+      </p:cxnSp>
+      <p:sp>
+        <p:nvSpPr>
+          <p:cNvPr id="35" name="Google Shape;66;p14">
+            <a:extLst>
+              <a:ext uri="{FF2B5EF4-FFF2-40B4-BE49-F238E27FC236}">
+                <a16:creationId xmlns:a16="http://schemas.microsoft.com/office/drawing/2014/main" id="{2608D162-7457-402E-B7D4-D656D95B35A8}"/>
+              </a:ext>
+            </a:extLst>
+          </p:cNvPr>
+          <p:cNvSpPr txBox="1"/>
+          <p:nvPr/>
+        </p:nvSpPr>
+        <p:spPr>
+          <a:xfrm>
             <a:off x="215624" y="688174"/>
             <a:ext cx="243841" cy="3929545"/>
           </a:xfrm>
@@ -13559,7 +15016,7 @@
 </p:sld>
 </file>
 
-<file path=ppt/slides/slide11.xml><?xml version="1.0" encoding="utf-8"?>
+<file path=ppt/slides/slide13.xml><?xml version="1.0" encoding="utf-8"?>
 <p:sld xmlns:a="http://schemas.openxmlformats.org/drawingml/2006/main" xmlns:r="http://schemas.openxmlformats.org/officeDocument/2006/relationships" xmlns:p="http://schemas.openxmlformats.org/presentationml/2006/main">
   <p:cSld>
     <p:spTree>
@@ -15518,7 +16975,7 @@
 </p:sld>
 </file>
 
-<file path=ppt/slides/slide12.xml><?xml version="1.0" encoding="utf-8"?>
+<file path=ppt/slides/slide14.xml><?xml version="1.0" encoding="utf-8"?>
 <p:sld xmlns:a="http://schemas.openxmlformats.org/drawingml/2006/main" xmlns:r="http://schemas.openxmlformats.org/officeDocument/2006/relationships" xmlns:p="http://schemas.openxmlformats.org/presentationml/2006/main">
   <p:cSld>
     <p:spTree>
@@ -16548,7 +18005,1730 @@
 </p:sld>
 </file>
 
-<file path=ppt/slides/slide13.xml><?xml version="1.0" encoding="utf-8"?>
+<file path=ppt/slides/slide15.xml><?xml version="1.0" encoding="utf-8"?>
+<p:sld xmlns:a="http://schemas.openxmlformats.org/drawingml/2006/main" xmlns:r="http://schemas.openxmlformats.org/officeDocument/2006/relationships" xmlns:p="http://schemas.openxmlformats.org/presentationml/2006/main">
+  <p:cSld>
+    <p:spTree>
+      <p:nvGrpSpPr>
+        <p:cNvPr id="1" name="Shape 81"/>
+        <p:cNvGrpSpPr/>
+        <p:nvPr/>
+      </p:nvGrpSpPr>
+      <p:grpSpPr>
+        <a:xfrm>
+          <a:off x="0" y="0"/>
+          <a:ext cx="0" cy="0"/>
+          <a:chOff x="0" y="0"/>
+          <a:chExt cx="0" cy="0"/>
+        </a:xfrm>
+      </p:grpSpPr>
+      <p:cxnSp>
+        <p:nvCxnSpPr>
+          <p:cNvPr id="83" name="Google Shape;83;p15"/>
+          <p:cNvCxnSpPr/>
+          <p:nvPr/>
+        </p:nvCxnSpPr>
+        <p:spPr>
+          <a:xfrm>
+            <a:off x="597452" y="162890"/>
+            <a:ext cx="7972500" cy="0"/>
+          </a:xfrm>
+          <a:prstGeom prst="straightConnector1">
+            <a:avLst/>
+          </a:prstGeom>
+          <a:noFill/>
+          <a:ln w="38100" cap="flat" cmpd="sng">
+            <a:solidFill>
+              <a:srgbClr val="000000"/>
+            </a:solidFill>
+            <a:prstDash val="solid"/>
+            <a:round/>
+            <a:headEnd type="none" w="med" len="med"/>
+            <a:tailEnd type="none" w="med" len="med"/>
+          </a:ln>
+        </p:spPr>
+      </p:cxnSp>
+      <p:sp>
+        <p:nvSpPr>
+          <p:cNvPr id="35" name="Google Shape;66;p14">
+            <a:extLst>
+              <a:ext uri="{FF2B5EF4-FFF2-40B4-BE49-F238E27FC236}">
+                <a16:creationId xmlns:a16="http://schemas.microsoft.com/office/drawing/2014/main" id="{2608D162-7457-402E-B7D4-D656D95B35A8}"/>
+              </a:ext>
+            </a:extLst>
+          </p:cNvPr>
+          <p:cNvSpPr txBox="1"/>
+          <p:nvPr/>
+        </p:nvSpPr>
+        <p:spPr>
+          <a:xfrm>
+            <a:off x="211292" y="744432"/>
+            <a:ext cx="243841" cy="4076699"/>
+          </a:xfrm>
+          <a:prstGeom prst="rect">
+            <a:avLst/>
+          </a:prstGeom>
+          <a:noFill/>
+          <a:ln>
+            <a:noFill/>
+          </a:ln>
+        </p:spPr>
+        <p:txBody>
+          <a:bodyPr spcFirstLastPara="1" vert="wordArtVert" wrap="square" lIns="91425" tIns="91425" rIns="91425" bIns="91425" anchor="ctr" anchorCtr="1">
+            <a:noAutofit/>
+          </a:bodyPr>
+          <a:lstStyle/>
+          <a:p>
+            <a:pPr marL="0" lvl="0" indent="0" algn="l" rtl="0">
+              <a:spcBef>
+                <a:spcPts val="0"/>
+              </a:spcBef>
+              <a:spcAft>
+                <a:spcPts val="0"/>
+              </a:spcAft>
+              <a:buNone/>
+            </a:pPr>
+            <a:r>
+              <a:rPr lang="en-US" sz="1500" dirty="0">
+                <a:solidFill>
+                  <a:schemeClr val="tx1"/>
+                </a:solidFill>
+                <a:latin typeface="서울한강 장체 EB" panose="02020503020101020101" pitchFamily="18" charset="-127"/>
+                <a:ea typeface="서울한강 장체 EB" panose="02020503020101020101" pitchFamily="18" charset="-127"/>
+                <a:sym typeface="Nanum Myeongjo"/>
+              </a:rPr>
+              <a:t>Ablation</a:t>
+            </a:r>
+            <a:r>
+              <a:rPr lang="ko-KR" altLang="en-US" sz="1500" dirty="0">
+                <a:solidFill>
+                  <a:schemeClr val="tx1"/>
+                </a:solidFill>
+                <a:latin typeface="서울한강 장체 EB" panose="02020503020101020101" pitchFamily="18" charset="-127"/>
+                <a:ea typeface="서울한강 장체 EB" panose="02020503020101020101" pitchFamily="18" charset="-127"/>
+                <a:sym typeface="Nanum Myeongjo"/>
+              </a:rPr>
+              <a:t> </a:t>
+            </a:r>
+            <a:r>
+              <a:rPr lang="en-US" altLang="ko-KR" sz="1500" dirty="0">
+                <a:solidFill>
+                  <a:schemeClr val="tx1"/>
+                </a:solidFill>
+                <a:latin typeface="서울한강 장체 EB" panose="02020503020101020101" pitchFamily="18" charset="-127"/>
+                <a:ea typeface="서울한강 장체 EB" panose="02020503020101020101" pitchFamily="18" charset="-127"/>
+                <a:sym typeface="Nanum Myeongjo"/>
+              </a:rPr>
+              <a:t>Study</a:t>
+            </a:r>
+            <a:endParaRPr sz="1500" dirty="0">
+              <a:solidFill>
+                <a:schemeClr val="tx1"/>
+              </a:solidFill>
+              <a:latin typeface="서울한강 장체 EB" panose="02020503020101020101" pitchFamily="18" charset="-127"/>
+              <a:ea typeface="서울한강 장체 EB" panose="02020503020101020101" pitchFamily="18" charset="-127"/>
+            </a:endParaRPr>
+          </a:p>
+        </p:txBody>
+      </p:sp>
+      <p:sp>
+        <p:nvSpPr>
+          <p:cNvPr id="37" name="TextBox 36">
+            <a:extLst>
+              <a:ext uri="{FF2B5EF4-FFF2-40B4-BE49-F238E27FC236}">
+                <a16:creationId xmlns:a16="http://schemas.microsoft.com/office/drawing/2014/main" id="{C22BF384-A5A5-4B45-919B-FDC5E27BF255}"/>
+              </a:ext>
+            </a:extLst>
+          </p:cNvPr>
+          <p:cNvSpPr txBox="1"/>
+          <p:nvPr/>
+        </p:nvSpPr>
+        <p:spPr>
+          <a:xfrm>
+            <a:off x="127358" y="473132"/>
+            <a:ext cx="431026" cy="338554"/>
+          </a:xfrm>
+          <a:prstGeom prst="rect">
+            <a:avLst/>
+          </a:prstGeom>
+          <a:noFill/>
+        </p:spPr>
+        <p:txBody>
+          <a:bodyPr wrap="square" anchor="ctr">
+            <a:spAutoFit/>
+          </a:bodyPr>
+          <a:lstStyle/>
+          <a:p>
+            <a:pPr marL="0" lvl="0" indent="0" algn="ctr" rtl="0">
+              <a:spcBef>
+                <a:spcPts val="0"/>
+              </a:spcBef>
+              <a:spcAft>
+                <a:spcPts val="0"/>
+              </a:spcAft>
+              <a:buNone/>
+            </a:pPr>
+            <a:r>
+              <a:rPr lang="en-US" altLang="ko-KR" sz="1600" dirty="0">
+                <a:solidFill>
+                  <a:schemeClr val="tx1"/>
+                </a:solidFill>
+                <a:latin typeface="서울한강 장체 EB" panose="02020503020101020101" pitchFamily="18" charset="-127"/>
+                <a:ea typeface="서울한강 장체 EB" panose="02020503020101020101" pitchFamily="18" charset="-127"/>
+                <a:cs typeface="Nanum Myeongjo"/>
+                <a:sym typeface="Nanum Myeongjo"/>
+              </a:rPr>
+              <a:t>4.4</a:t>
+            </a:r>
+          </a:p>
+        </p:txBody>
+      </p:sp>
+      <p:pic>
+        <p:nvPicPr>
+          <p:cNvPr id="15" name="그림 14">
+            <a:extLst>
+              <a:ext uri="{FF2B5EF4-FFF2-40B4-BE49-F238E27FC236}">
+                <a16:creationId xmlns:a16="http://schemas.microsoft.com/office/drawing/2014/main" id="{73132A6B-28C7-46AA-A6D3-BB996D80A0EE}"/>
+              </a:ext>
+            </a:extLst>
+          </p:cNvPr>
+          <p:cNvPicPr>
+            <a:picLocks noChangeAspect="1"/>
+          </p:cNvPicPr>
+          <p:nvPr/>
+        </p:nvPicPr>
+        <p:blipFill>
+          <a:blip r:embed="rId3"/>
+          <a:stretch>
+            <a:fillRect/>
+          </a:stretch>
+        </p:blipFill>
+        <p:spPr>
+          <a:xfrm>
+            <a:off x="726138" y="1534457"/>
+            <a:ext cx="5843344" cy="2255678"/>
+          </a:xfrm>
+          <a:prstGeom prst="rect">
+            <a:avLst/>
+          </a:prstGeom>
+        </p:spPr>
+      </p:pic>
+      <p:sp>
+        <p:nvSpPr>
+          <p:cNvPr id="17" name="직사각형 16">
+            <a:extLst>
+              <a:ext uri="{FF2B5EF4-FFF2-40B4-BE49-F238E27FC236}">
+                <a16:creationId xmlns:a16="http://schemas.microsoft.com/office/drawing/2014/main" id="{0736F6C5-9530-41AC-837F-2A2520FFE39A}"/>
+              </a:ext>
+            </a:extLst>
+          </p:cNvPr>
+          <p:cNvSpPr/>
+          <p:nvPr/>
+        </p:nvSpPr>
+        <p:spPr>
+          <a:xfrm>
+            <a:off x="6569482" y="1783226"/>
+            <a:ext cx="2288312" cy="319300"/>
+          </a:xfrm>
+          <a:prstGeom prst="rect">
+            <a:avLst/>
+          </a:prstGeom>
+          <a:solidFill>
+            <a:srgbClr val="CA8A8B">
+              <a:alpha val="27000"/>
+            </a:srgbClr>
+          </a:solidFill>
+          <a:ln>
+            <a:noFill/>
+          </a:ln>
+        </p:spPr>
+        <p:style>
+          <a:lnRef idx="2">
+            <a:schemeClr val="accent1">
+              <a:shade val="50000"/>
+            </a:schemeClr>
+          </a:lnRef>
+          <a:fillRef idx="1">
+            <a:schemeClr val="accent1"/>
+          </a:fillRef>
+          <a:effectRef idx="0">
+            <a:schemeClr val="accent1"/>
+          </a:effectRef>
+          <a:fontRef idx="minor">
+            <a:schemeClr val="lt1"/>
+          </a:fontRef>
+        </p:style>
+        <p:txBody>
+          <a:bodyPr rtlCol="0" anchor="ctr"/>
+          <a:lstStyle/>
+          <a:p>
+            <a:r>
+              <a:rPr lang="ko-KR" altLang="en-US" sz="900" dirty="0">
+                <a:solidFill>
+                  <a:schemeClr val="tx1"/>
+                </a:solidFill>
+                <a:latin typeface="서울한강체 L" panose="02020503020101020101" pitchFamily="18" charset="-127"/>
+                <a:ea typeface="서울한강체 L" panose="02020503020101020101" pitchFamily="18" charset="-127"/>
+              </a:rPr>
+              <a:t>첫번째 줄은 </a:t>
+            </a:r>
+            <a:r>
+              <a:rPr lang="en-US" altLang="ko-KR" sz="900" dirty="0" err="1">
+                <a:solidFill>
+                  <a:schemeClr val="tx1"/>
+                </a:solidFill>
+                <a:latin typeface="서울한강체 L" panose="02020503020101020101" pitchFamily="18" charset="-127"/>
+                <a:ea typeface="서울한강체 L" panose="02020503020101020101" pitchFamily="18" charset="-127"/>
+              </a:rPr>
+              <a:t>panoContext</a:t>
+            </a:r>
+            <a:r>
+              <a:rPr lang="en-US" altLang="ko-KR" sz="900" dirty="0">
+                <a:solidFill>
+                  <a:schemeClr val="tx1"/>
+                </a:solidFill>
+                <a:latin typeface="서울한강체 L" panose="02020503020101020101" pitchFamily="18" charset="-127"/>
+                <a:ea typeface="서울한강체 L" panose="02020503020101020101" pitchFamily="18" charset="-127"/>
+              </a:rPr>
+              <a:t> dataset </a:t>
+            </a:r>
+          </a:p>
+        </p:txBody>
+      </p:sp>
+      <p:sp>
+        <p:nvSpPr>
+          <p:cNvPr id="18" name="사각형: 둥근 모서리 17">
+            <a:extLst>
+              <a:ext uri="{FF2B5EF4-FFF2-40B4-BE49-F238E27FC236}">
+                <a16:creationId xmlns:a16="http://schemas.microsoft.com/office/drawing/2014/main" id="{A521221A-097C-4AD8-9B52-5BD4A479B1E6}"/>
+              </a:ext>
+            </a:extLst>
+          </p:cNvPr>
+          <p:cNvSpPr/>
+          <p:nvPr/>
+        </p:nvSpPr>
+        <p:spPr>
+          <a:xfrm>
+            <a:off x="726138" y="1534457"/>
+            <a:ext cx="5791270" cy="816839"/>
+          </a:xfrm>
+          <a:prstGeom prst="roundRect">
+            <a:avLst>
+              <a:gd name="adj" fmla="val 9396"/>
+            </a:avLst>
+          </a:prstGeom>
+          <a:solidFill>
+            <a:srgbClr val="CA8A8B">
+              <a:alpha val="27000"/>
+            </a:srgbClr>
+          </a:solidFill>
+          <a:ln>
+            <a:noFill/>
+          </a:ln>
+        </p:spPr>
+        <p:style>
+          <a:lnRef idx="2">
+            <a:schemeClr val="accent1">
+              <a:shade val="50000"/>
+            </a:schemeClr>
+          </a:lnRef>
+          <a:fillRef idx="1">
+            <a:schemeClr val="accent1"/>
+          </a:fillRef>
+          <a:effectRef idx="0">
+            <a:schemeClr val="accent1"/>
+          </a:effectRef>
+          <a:fontRef idx="minor">
+            <a:schemeClr val="lt1"/>
+          </a:fontRef>
+        </p:style>
+        <p:txBody>
+          <a:bodyPr rtlCol="0" anchor="ctr"/>
+          <a:lstStyle/>
+          <a:p>
+            <a:pPr algn="ctr"/>
+            <a:endParaRPr lang="ko-KR" altLang="en-US">
+              <a:solidFill>
+                <a:schemeClr val="tx1"/>
+              </a:solidFill>
+            </a:endParaRPr>
+          </a:p>
+        </p:txBody>
+      </p:sp>
+      <p:sp>
+        <p:nvSpPr>
+          <p:cNvPr id="19" name="사각형: 둥근 모서리 18">
+            <a:extLst>
+              <a:ext uri="{FF2B5EF4-FFF2-40B4-BE49-F238E27FC236}">
+                <a16:creationId xmlns:a16="http://schemas.microsoft.com/office/drawing/2014/main" id="{0310C13E-5015-4C0C-997C-92D275287965}"/>
+              </a:ext>
+            </a:extLst>
+          </p:cNvPr>
+          <p:cNvSpPr/>
+          <p:nvPr/>
+        </p:nvSpPr>
+        <p:spPr>
+          <a:xfrm>
+            <a:off x="726138" y="2351296"/>
+            <a:ext cx="5791270" cy="768385"/>
+          </a:xfrm>
+          <a:prstGeom prst="roundRect">
+            <a:avLst>
+              <a:gd name="adj" fmla="val 6867"/>
+            </a:avLst>
+          </a:prstGeom>
+          <a:solidFill>
+            <a:schemeClr val="accent6">
+              <a:lumMod val="60000"/>
+              <a:lumOff val="40000"/>
+              <a:alpha val="27000"/>
+            </a:schemeClr>
+          </a:solidFill>
+          <a:ln>
+            <a:noFill/>
+          </a:ln>
+        </p:spPr>
+        <p:style>
+          <a:lnRef idx="2">
+            <a:schemeClr val="accent1">
+              <a:shade val="50000"/>
+            </a:schemeClr>
+          </a:lnRef>
+          <a:fillRef idx="1">
+            <a:schemeClr val="accent1"/>
+          </a:fillRef>
+          <a:effectRef idx="0">
+            <a:schemeClr val="accent1"/>
+          </a:effectRef>
+          <a:fontRef idx="minor">
+            <a:schemeClr val="lt1"/>
+          </a:fontRef>
+        </p:style>
+        <p:txBody>
+          <a:bodyPr rtlCol="0" anchor="ctr"/>
+          <a:lstStyle/>
+          <a:p>
+            <a:pPr algn="ctr"/>
+            <a:endParaRPr lang="ko-KR" altLang="en-US">
+              <a:solidFill>
+                <a:schemeClr val="tx1"/>
+              </a:solidFill>
+            </a:endParaRPr>
+          </a:p>
+        </p:txBody>
+      </p:sp>
+      <p:sp>
+        <p:nvSpPr>
+          <p:cNvPr id="20" name="직사각형 19">
+            <a:extLst>
+              <a:ext uri="{FF2B5EF4-FFF2-40B4-BE49-F238E27FC236}">
+                <a16:creationId xmlns:a16="http://schemas.microsoft.com/office/drawing/2014/main" id="{EB050251-3037-4E93-B00D-D998ECA192DF}"/>
+              </a:ext>
+            </a:extLst>
+          </p:cNvPr>
+          <p:cNvSpPr/>
+          <p:nvPr/>
+        </p:nvSpPr>
+        <p:spPr>
+          <a:xfrm>
+            <a:off x="6569482" y="2566046"/>
+            <a:ext cx="2288312" cy="319300"/>
+          </a:xfrm>
+          <a:prstGeom prst="rect">
+            <a:avLst/>
+          </a:prstGeom>
+          <a:solidFill>
+            <a:schemeClr val="accent6">
+              <a:lumMod val="60000"/>
+              <a:lumOff val="40000"/>
+              <a:alpha val="27000"/>
+            </a:schemeClr>
+          </a:solidFill>
+          <a:ln>
+            <a:noFill/>
+          </a:ln>
+        </p:spPr>
+        <p:style>
+          <a:lnRef idx="2">
+            <a:schemeClr val="accent1">
+              <a:shade val="50000"/>
+            </a:schemeClr>
+          </a:lnRef>
+          <a:fillRef idx="1">
+            <a:schemeClr val="accent1"/>
+          </a:fillRef>
+          <a:effectRef idx="0">
+            <a:schemeClr val="accent1"/>
+          </a:effectRef>
+          <a:fontRef idx="minor">
+            <a:schemeClr val="lt1"/>
+          </a:fontRef>
+        </p:style>
+        <p:txBody>
+          <a:bodyPr rtlCol="0" anchor="ctr"/>
+          <a:lstStyle/>
+          <a:p>
+            <a:r>
+              <a:rPr lang="ko-KR" altLang="en-US" sz="900" dirty="0">
+                <a:solidFill>
+                  <a:schemeClr val="tx1"/>
+                </a:solidFill>
+                <a:latin typeface="서울한강체 L" panose="02020503020101020101" pitchFamily="18" charset="-127"/>
+                <a:ea typeface="서울한강체 L" panose="02020503020101020101" pitchFamily="18" charset="-127"/>
+              </a:rPr>
+              <a:t>두번째 줄은 </a:t>
+            </a:r>
+            <a:r>
+              <a:rPr lang="en-US" altLang="ko-KR" sz="900" dirty="0">
+                <a:solidFill>
+                  <a:schemeClr val="tx1"/>
+                </a:solidFill>
+                <a:latin typeface="서울한강체 L" panose="02020503020101020101" pitchFamily="18" charset="-127"/>
+                <a:ea typeface="서울한강체 L" panose="02020503020101020101" pitchFamily="18" charset="-127"/>
+              </a:rPr>
+              <a:t>Stanford 2d3d dataset</a:t>
+            </a:r>
+          </a:p>
+        </p:txBody>
+      </p:sp>
+    </p:spTree>
+    <p:extLst>
+      <p:ext uri="{BB962C8B-B14F-4D97-AF65-F5344CB8AC3E}">
+        <p14:creationId xmlns:p14="http://schemas.microsoft.com/office/powerpoint/2010/main" val="2119791568"/>
+      </p:ext>
+    </p:extLst>
+  </p:cSld>
+  <p:clrMapOvr>
+    <a:masterClrMapping/>
+  </p:clrMapOvr>
+</p:sld>
+</file>
+
+<file path=ppt/slides/slide16.xml><?xml version="1.0" encoding="utf-8"?>
+<p:sld xmlns:a="http://schemas.openxmlformats.org/drawingml/2006/main" xmlns:r="http://schemas.openxmlformats.org/officeDocument/2006/relationships" xmlns:p="http://schemas.openxmlformats.org/presentationml/2006/main">
+  <p:cSld>
+    <p:spTree>
+      <p:nvGrpSpPr>
+        <p:cNvPr id="1" name="Shape 81"/>
+        <p:cNvGrpSpPr/>
+        <p:nvPr/>
+      </p:nvGrpSpPr>
+      <p:grpSpPr>
+        <a:xfrm>
+          <a:off x="0" y="0"/>
+          <a:ext cx="0" cy="0"/>
+          <a:chOff x="0" y="0"/>
+          <a:chExt cx="0" cy="0"/>
+        </a:xfrm>
+      </p:grpSpPr>
+      <p:cxnSp>
+        <p:nvCxnSpPr>
+          <p:cNvPr id="83" name="Google Shape;83;p15"/>
+          <p:cNvCxnSpPr/>
+          <p:nvPr/>
+        </p:nvCxnSpPr>
+        <p:spPr>
+          <a:xfrm>
+            <a:off x="597452" y="162890"/>
+            <a:ext cx="7972500" cy="0"/>
+          </a:xfrm>
+          <a:prstGeom prst="straightConnector1">
+            <a:avLst/>
+          </a:prstGeom>
+          <a:noFill/>
+          <a:ln w="38100" cap="flat" cmpd="sng">
+            <a:solidFill>
+              <a:srgbClr val="000000"/>
+            </a:solidFill>
+            <a:prstDash val="solid"/>
+            <a:round/>
+            <a:headEnd type="none" w="med" len="med"/>
+            <a:tailEnd type="none" w="med" len="med"/>
+          </a:ln>
+        </p:spPr>
+      </p:cxnSp>
+      <p:sp>
+        <p:nvSpPr>
+          <p:cNvPr id="35" name="Google Shape;66;p14">
+            <a:extLst>
+              <a:ext uri="{FF2B5EF4-FFF2-40B4-BE49-F238E27FC236}">
+                <a16:creationId xmlns:a16="http://schemas.microsoft.com/office/drawing/2014/main" id="{2608D162-7457-402E-B7D4-D656D95B35A8}"/>
+              </a:ext>
+            </a:extLst>
+          </p:cNvPr>
+          <p:cNvSpPr txBox="1"/>
+          <p:nvPr/>
+        </p:nvSpPr>
+        <p:spPr>
+          <a:xfrm>
+            <a:off x="211292" y="744432"/>
+            <a:ext cx="243841" cy="4076699"/>
+          </a:xfrm>
+          <a:prstGeom prst="rect">
+            <a:avLst/>
+          </a:prstGeom>
+          <a:noFill/>
+          <a:ln>
+            <a:noFill/>
+          </a:ln>
+        </p:spPr>
+        <p:txBody>
+          <a:bodyPr spcFirstLastPara="1" vert="wordArtVert" wrap="square" lIns="91425" tIns="91425" rIns="91425" bIns="91425" anchor="ctr" anchorCtr="1">
+            <a:noAutofit/>
+          </a:bodyPr>
+          <a:lstStyle/>
+          <a:p>
+            <a:pPr marL="0" lvl="0" indent="0" algn="l" rtl="0">
+              <a:spcBef>
+                <a:spcPts val="0"/>
+              </a:spcBef>
+              <a:spcAft>
+                <a:spcPts val="0"/>
+              </a:spcAft>
+              <a:buNone/>
+            </a:pPr>
+            <a:r>
+              <a:rPr lang="en-US" sz="1500" dirty="0">
+                <a:solidFill>
+                  <a:schemeClr val="tx1"/>
+                </a:solidFill>
+                <a:latin typeface="서울한강 장체 EB" panose="02020503020101020101" pitchFamily="18" charset="-127"/>
+                <a:ea typeface="서울한강 장체 EB" panose="02020503020101020101" pitchFamily="18" charset="-127"/>
+                <a:sym typeface="Nanum Myeongjo"/>
+              </a:rPr>
+              <a:t>Ablation</a:t>
+            </a:r>
+            <a:r>
+              <a:rPr lang="ko-KR" altLang="en-US" sz="1500" dirty="0">
+                <a:solidFill>
+                  <a:schemeClr val="tx1"/>
+                </a:solidFill>
+                <a:latin typeface="서울한강 장체 EB" panose="02020503020101020101" pitchFamily="18" charset="-127"/>
+                <a:ea typeface="서울한강 장체 EB" panose="02020503020101020101" pitchFamily="18" charset="-127"/>
+                <a:sym typeface="Nanum Myeongjo"/>
+              </a:rPr>
+              <a:t> </a:t>
+            </a:r>
+            <a:r>
+              <a:rPr lang="en-US" altLang="ko-KR" sz="1500" dirty="0">
+                <a:solidFill>
+                  <a:schemeClr val="tx1"/>
+                </a:solidFill>
+                <a:latin typeface="서울한강 장체 EB" panose="02020503020101020101" pitchFamily="18" charset="-127"/>
+                <a:ea typeface="서울한강 장체 EB" panose="02020503020101020101" pitchFamily="18" charset="-127"/>
+                <a:sym typeface="Nanum Myeongjo"/>
+              </a:rPr>
+              <a:t>Study</a:t>
+            </a:r>
+            <a:endParaRPr sz="1500" dirty="0">
+              <a:solidFill>
+                <a:schemeClr val="tx1"/>
+              </a:solidFill>
+              <a:latin typeface="서울한강 장체 EB" panose="02020503020101020101" pitchFamily="18" charset="-127"/>
+              <a:ea typeface="서울한강 장체 EB" panose="02020503020101020101" pitchFamily="18" charset="-127"/>
+            </a:endParaRPr>
+          </a:p>
+        </p:txBody>
+      </p:sp>
+      <p:sp>
+        <p:nvSpPr>
+          <p:cNvPr id="37" name="TextBox 36">
+            <a:extLst>
+              <a:ext uri="{FF2B5EF4-FFF2-40B4-BE49-F238E27FC236}">
+                <a16:creationId xmlns:a16="http://schemas.microsoft.com/office/drawing/2014/main" id="{C22BF384-A5A5-4B45-919B-FDC5E27BF255}"/>
+              </a:ext>
+            </a:extLst>
+          </p:cNvPr>
+          <p:cNvSpPr txBox="1"/>
+          <p:nvPr/>
+        </p:nvSpPr>
+        <p:spPr>
+          <a:xfrm>
+            <a:off x="127358" y="473132"/>
+            <a:ext cx="431026" cy="338554"/>
+          </a:xfrm>
+          <a:prstGeom prst="rect">
+            <a:avLst/>
+          </a:prstGeom>
+          <a:noFill/>
+        </p:spPr>
+        <p:txBody>
+          <a:bodyPr wrap="square" anchor="ctr">
+            <a:spAutoFit/>
+          </a:bodyPr>
+          <a:lstStyle/>
+          <a:p>
+            <a:pPr marL="0" lvl="0" indent="0" algn="ctr" rtl="0">
+              <a:spcBef>
+                <a:spcPts val="0"/>
+              </a:spcBef>
+              <a:spcAft>
+                <a:spcPts val="0"/>
+              </a:spcAft>
+              <a:buNone/>
+            </a:pPr>
+            <a:r>
+              <a:rPr lang="en-US" altLang="ko-KR" sz="1600" dirty="0">
+                <a:solidFill>
+                  <a:schemeClr val="tx1"/>
+                </a:solidFill>
+                <a:latin typeface="서울한강 장체 EB" panose="02020503020101020101" pitchFamily="18" charset="-127"/>
+                <a:ea typeface="서울한강 장체 EB" panose="02020503020101020101" pitchFamily="18" charset="-127"/>
+                <a:cs typeface="Nanum Myeongjo"/>
+                <a:sym typeface="Nanum Myeongjo"/>
+              </a:rPr>
+              <a:t>4.4</a:t>
+            </a:r>
+          </a:p>
+        </p:txBody>
+      </p:sp>
+      <p:sp>
+        <p:nvSpPr>
+          <p:cNvPr id="17" name="직사각형 16">
+            <a:extLst>
+              <a:ext uri="{FF2B5EF4-FFF2-40B4-BE49-F238E27FC236}">
+                <a16:creationId xmlns:a16="http://schemas.microsoft.com/office/drawing/2014/main" id="{0736F6C5-9530-41AC-837F-2A2520FFE39A}"/>
+              </a:ext>
+            </a:extLst>
+          </p:cNvPr>
+          <p:cNvSpPr/>
+          <p:nvPr/>
+        </p:nvSpPr>
+        <p:spPr>
+          <a:xfrm>
+            <a:off x="3116650" y="232390"/>
+            <a:ext cx="2288312" cy="319300"/>
+          </a:xfrm>
+          <a:prstGeom prst="rect">
+            <a:avLst/>
+          </a:prstGeom>
+          <a:solidFill>
+            <a:srgbClr val="CA8A8B">
+              <a:alpha val="27000"/>
+            </a:srgbClr>
+          </a:solidFill>
+          <a:ln>
+            <a:noFill/>
+          </a:ln>
+        </p:spPr>
+        <p:style>
+          <a:lnRef idx="2">
+            <a:schemeClr val="accent1">
+              <a:shade val="50000"/>
+            </a:schemeClr>
+          </a:lnRef>
+          <a:fillRef idx="1">
+            <a:schemeClr val="accent1"/>
+          </a:fillRef>
+          <a:effectRef idx="0">
+            <a:schemeClr val="accent1"/>
+          </a:effectRef>
+          <a:fontRef idx="minor">
+            <a:schemeClr val="lt1"/>
+          </a:fontRef>
+        </p:style>
+        <p:txBody>
+          <a:bodyPr rtlCol="0" anchor="ctr"/>
+          <a:lstStyle/>
+          <a:p>
+            <a:pPr algn="ctr"/>
+            <a:r>
+              <a:rPr lang="en-US" altLang="ko-KR" dirty="0" err="1">
+                <a:solidFill>
+                  <a:schemeClr val="tx1"/>
+                </a:solidFill>
+                <a:latin typeface="서울한강체 EB" panose="02020503020101020101" pitchFamily="18" charset="-127"/>
+                <a:ea typeface="서울한강체 EB" panose="02020503020101020101" pitchFamily="18" charset="-127"/>
+              </a:rPr>
+              <a:t>panoContext</a:t>
+            </a:r>
+            <a:r>
+              <a:rPr lang="en-US" altLang="ko-KR" dirty="0">
+                <a:solidFill>
+                  <a:schemeClr val="tx1"/>
+                </a:solidFill>
+                <a:latin typeface="서울한강체 EB" panose="02020503020101020101" pitchFamily="18" charset="-127"/>
+                <a:ea typeface="서울한강체 EB" panose="02020503020101020101" pitchFamily="18" charset="-127"/>
+              </a:rPr>
+              <a:t> dataset </a:t>
+            </a:r>
+          </a:p>
+        </p:txBody>
+      </p:sp>
+      <p:pic>
+        <p:nvPicPr>
+          <p:cNvPr id="3" name="그림 2">
+            <a:extLst>
+              <a:ext uri="{FF2B5EF4-FFF2-40B4-BE49-F238E27FC236}">
+                <a16:creationId xmlns:a16="http://schemas.microsoft.com/office/drawing/2014/main" id="{E68A6E5A-4D02-4E24-8E2A-C5681BDC73C7}"/>
+              </a:ext>
+            </a:extLst>
+          </p:cNvPr>
+          <p:cNvPicPr>
+            <a:picLocks noChangeAspect="1"/>
+          </p:cNvPicPr>
+          <p:nvPr/>
+        </p:nvPicPr>
+        <p:blipFill>
+          <a:blip r:embed="rId3"/>
+          <a:stretch>
+            <a:fillRect/>
+          </a:stretch>
+        </p:blipFill>
+        <p:spPr>
+          <a:xfrm>
+            <a:off x="704519" y="601308"/>
+            <a:ext cx="5561127" cy="4402031"/>
+          </a:xfrm>
+          <a:prstGeom prst="rect">
+            <a:avLst/>
+          </a:prstGeom>
+        </p:spPr>
+      </p:pic>
+      <p:sp>
+        <p:nvSpPr>
+          <p:cNvPr id="12" name="직사각형 11">
+            <a:extLst>
+              <a:ext uri="{FF2B5EF4-FFF2-40B4-BE49-F238E27FC236}">
+                <a16:creationId xmlns:a16="http://schemas.microsoft.com/office/drawing/2014/main" id="{8430D45E-269E-4E50-B61B-0B3035310A23}"/>
+              </a:ext>
+            </a:extLst>
+          </p:cNvPr>
+          <p:cNvSpPr/>
+          <p:nvPr/>
+        </p:nvSpPr>
+        <p:spPr>
+          <a:xfrm>
+            <a:off x="6834522" y="1199319"/>
+            <a:ext cx="1395712" cy="319300"/>
+          </a:xfrm>
+          <a:prstGeom prst="rect">
+            <a:avLst/>
+          </a:prstGeom>
+          <a:solidFill>
+            <a:srgbClr val="F1DFE0"/>
+          </a:solidFill>
+          <a:ln>
+            <a:noFill/>
+          </a:ln>
+        </p:spPr>
+        <p:style>
+          <a:lnRef idx="2">
+            <a:schemeClr val="accent1">
+              <a:shade val="50000"/>
+            </a:schemeClr>
+          </a:lnRef>
+          <a:fillRef idx="1">
+            <a:schemeClr val="accent1"/>
+          </a:fillRef>
+          <a:effectRef idx="0">
+            <a:schemeClr val="accent1"/>
+          </a:effectRef>
+          <a:fontRef idx="minor">
+            <a:schemeClr val="lt1"/>
+          </a:fontRef>
+        </p:style>
+        <p:txBody>
+          <a:bodyPr rtlCol="0" anchor="ctr"/>
+          <a:lstStyle/>
+          <a:p>
+            <a:pPr algn="ctr"/>
+            <a:r>
+              <a:rPr lang="en-US" altLang="ko-KR" dirty="0">
+                <a:solidFill>
+                  <a:schemeClr val="tx1"/>
+                </a:solidFill>
+                <a:latin typeface="서울한강체 L" panose="02020503020101020101" pitchFamily="18" charset="-127"/>
+                <a:ea typeface="서울한강체 L" panose="02020503020101020101" pitchFamily="18" charset="-127"/>
+              </a:rPr>
+              <a:t>0-25%</a:t>
+            </a:r>
+          </a:p>
+        </p:txBody>
+      </p:sp>
+      <p:sp>
+        <p:nvSpPr>
+          <p:cNvPr id="13" name="직사각형 12">
+            <a:extLst>
+              <a:ext uri="{FF2B5EF4-FFF2-40B4-BE49-F238E27FC236}">
+                <a16:creationId xmlns:a16="http://schemas.microsoft.com/office/drawing/2014/main" id="{A4D23A73-AE70-4BAC-8F7D-EA7D182F3306}"/>
+              </a:ext>
+            </a:extLst>
+          </p:cNvPr>
+          <p:cNvSpPr/>
+          <p:nvPr/>
+        </p:nvSpPr>
+        <p:spPr>
+          <a:xfrm>
+            <a:off x="6834522" y="1915707"/>
+            <a:ext cx="1395712" cy="319300"/>
+          </a:xfrm>
+          <a:prstGeom prst="rect">
+            <a:avLst/>
+          </a:prstGeom>
+          <a:solidFill>
+            <a:srgbClr val="F1DFE0"/>
+          </a:solidFill>
+          <a:ln>
+            <a:noFill/>
+          </a:ln>
+        </p:spPr>
+        <p:style>
+          <a:lnRef idx="2">
+            <a:schemeClr val="accent1">
+              <a:shade val="50000"/>
+            </a:schemeClr>
+          </a:lnRef>
+          <a:fillRef idx="1">
+            <a:schemeClr val="accent1"/>
+          </a:fillRef>
+          <a:effectRef idx="0">
+            <a:schemeClr val="accent1"/>
+          </a:effectRef>
+          <a:fontRef idx="minor">
+            <a:schemeClr val="lt1"/>
+          </a:fontRef>
+        </p:style>
+        <p:txBody>
+          <a:bodyPr rtlCol="0" anchor="ctr"/>
+          <a:lstStyle/>
+          <a:p>
+            <a:pPr algn="ctr"/>
+            <a:r>
+              <a:rPr lang="en-US" altLang="ko-KR" dirty="0">
+                <a:solidFill>
+                  <a:schemeClr val="tx1"/>
+                </a:solidFill>
+                <a:latin typeface="서울한강체 L" panose="02020503020101020101" pitchFamily="18" charset="-127"/>
+                <a:ea typeface="서울한강체 L" panose="02020503020101020101" pitchFamily="18" charset="-127"/>
+              </a:rPr>
+              <a:t>25-50%</a:t>
+            </a:r>
+          </a:p>
+        </p:txBody>
+      </p:sp>
+      <p:sp>
+        <p:nvSpPr>
+          <p:cNvPr id="14" name="직사각형 13">
+            <a:extLst>
+              <a:ext uri="{FF2B5EF4-FFF2-40B4-BE49-F238E27FC236}">
+                <a16:creationId xmlns:a16="http://schemas.microsoft.com/office/drawing/2014/main" id="{BA3027BE-1E8B-42B3-95E4-4E5543E41EFB}"/>
+              </a:ext>
+            </a:extLst>
+          </p:cNvPr>
+          <p:cNvSpPr/>
+          <p:nvPr/>
+        </p:nvSpPr>
+        <p:spPr>
+          <a:xfrm>
+            <a:off x="6834522" y="2572490"/>
+            <a:ext cx="1395712" cy="319300"/>
+          </a:xfrm>
+          <a:prstGeom prst="rect">
+            <a:avLst/>
+          </a:prstGeom>
+          <a:solidFill>
+            <a:srgbClr val="F1DFE0"/>
+          </a:solidFill>
+          <a:ln>
+            <a:noFill/>
+          </a:ln>
+        </p:spPr>
+        <p:style>
+          <a:lnRef idx="2">
+            <a:schemeClr val="accent1">
+              <a:shade val="50000"/>
+            </a:schemeClr>
+          </a:lnRef>
+          <a:fillRef idx="1">
+            <a:schemeClr val="accent1"/>
+          </a:fillRef>
+          <a:effectRef idx="0">
+            <a:schemeClr val="accent1"/>
+          </a:effectRef>
+          <a:fontRef idx="minor">
+            <a:schemeClr val="lt1"/>
+          </a:fontRef>
+        </p:style>
+        <p:txBody>
+          <a:bodyPr rtlCol="0" anchor="ctr"/>
+          <a:lstStyle/>
+          <a:p>
+            <a:pPr algn="ctr"/>
+            <a:r>
+              <a:rPr lang="en-US" altLang="ko-KR" dirty="0">
+                <a:solidFill>
+                  <a:schemeClr val="tx1"/>
+                </a:solidFill>
+                <a:latin typeface="서울한강체 L" panose="02020503020101020101" pitchFamily="18" charset="-127"/>
+                <a:ea typeface="서울한강체 L" panose="02020503020101020101" pitchFamily="18" charset="-127"/>
+              </a:rPr>
+              <a:t>50-75%</a:t>
+            </a:r>
+          </a:p>
+        </p:txBody>
+      </p:sp>
+      <p:sp>
+        <p:nvSpPr>
+          <p:cNvPr id="16" name="직사각형 15">
+            <a:extLst>
+              <a:ext uri="{FF2B5EF4-FFF2-40B4-BE49-F238E27FC236}">
+                <a16:creationId xmlns:a16="http://schemas.microsoft.com/office/drawing/2014/main" id="{2E229834-8F23-4BAF-B535-15310D76368F}"/>
+              </a:ext>
+            </a:extLst>
+          </p:cNvPr>
+          <p:cNvSpPr/>
+          <p:nvPr/>
+        </p:nvSpPr>
+        <p:spPr>
+          <a:xfrm>
+            <a:off x="6834522" y="3248438"/>
+            <a:ext cx="1395712" cy="319300"/>
+          </a:xfrm>
+          <a:prstGeom prst="rect">
+            <a:avLst/>
+          </a:prstGeom>
+          <a:solidFill>
+            <a:srgbClr val="F1DFE0"/>
+          </a:solidFill>
+          <a:ln>
+            <a:noFill/>
+          </a:ln>
+        </p:spPr>
+        <p:style>
+          <a:lnRef idx="2">
+            <a:schemeClr val="accent1">
+              <a:shade val="50000"/>
+            </a:schemeClr>
+          </a:lnRef>
+          <a:fillRef idx="1">
+            <a:schemeClr val="accent1"/>
+          </a:fillRef>
+          <a:effectRef idx="0">
+            <a:schemeClr val="accent1"/>
+          </a:effectRef>
+          <a:fontRef idx="minor">
+            <a:schemeClr val="lt1"/>
+          </a:fontRef>
+        </p:style>
+        <p:txBody>
+          <a:bodyPr rtlCol="0" anchor="ctr"/>
+          <a:lstStyle/>
+          <a:p>
+            <a:pPr algn="ctr"/>
+            <a:r>
+              <a:rPr lang="en-US" altLang="ko-KR" dirty="0">
+                <a:solidFill>
+                  <a:schemeClr val="tx1"/>
+                </a:solidFill>
+                <a:latin typeface="서울한강체 L" panose="02020503020101020101" pitchFamily="18" charset="-127"/>
+                <a:ea typeface="서울한강체 L" panose="02020503020101020101" pitchFamily="18" charset="-127"/>
+              </a:rPr>
+              <a:t>75-100%</a:t>
+            </a:r>
+          </a:p>
+        </p:txBody>
+      </p:sp>
+      <p:sp>
+        <p:nvSpPr>
+          <p:cNvPr id="21" name="직사각형 20">
+            <a:extLst>
+              <a:ext uri="{FF2B5EF4-FFF2-40B4-BE49-F238E27FC236}">
+                <a16:creationId xmlns:a16="http://schemas.microsoft.com/office/drawing/2014/main" id="{6D5671B1-AC52-486B-B87E-CC9025F810B9}"/>
+              </a:ext>
+            </a:extLst>
+          </p:cNvPr>
+          <p:cNvSpPr/>
+          <p:nvPr/>
+        </p:nvSpPr>
+        <p:spPr>
+          <a:xfrm>
+            <a:off x="6625275" y="3924386"/>
+            <a:ext cx="1814206" cy="319300"/>
+          </a:xfrm>
+          <a:prstGeom prst="rect">
+            <a:avLst/>
+          </a:prstGeom>
+          <a:solidFill>
+            <a:srgbClr val="F1DFE0"/>
+          </a:solidFill>
+          <a:ln>
+            <a:noFill/>
+          </a:ln>
+        </p:spPr>
+        <p:style>
+          <a:lnRef idx="2">
+            <a:schemeClr val="accent1">
+              <a:shade val="50000"/>
+            </a:schemeClr>
+          </a:lnRef>
+          <a:fillRef idx="1">
+            <a:schemeClr val="accent1"/>
+          </a:fillRef>
+          <a:effectRef idx="0">
+            <a:schemeClr val="accent1"/>
+          </a:effectRef>
+          <a:fontRef idx="minor">
+            <a:schemeClr val="lt1"/>
+          </a:fontRef>
+        </p:style>
+        <p:txBody>
+          <a:bodyPr rtlCol="0" anchor="ctr"/>
+          <a:lstStyle/>
+          <a:p>
+            <a:pPr algn="ctr"/>
+            <a:r>
+              <a:rPr lang="ko-KR" altLang="en-US" sz="1100">
+                <a:solidFill>
+                  <a:schemeClr val="tx1"/>
+                </a:solidFill>
+                <a:latin typeface="서울한강체 L" panose="02020503020101020101" pitchFamily="18" charset="-127"/>
+                <a:ea typeface="서울한강체 L" panose="02020503020101020101" pitchFamily="18" charset="-127"/>
+              </a:rPr>
+              <a:t>가장 심각한 모서리 오류</a:t>
+            </a:r>
+            <a:endParaRPr lang="en-US" altLang="ko-KR" sz="1100" dirty="0">
+              <a:solidFill>
+                <a:schemeClr val="tx1"/>
+              </a:solidFill>
+              <a:latin typeface="서울한강체 L" panose="02020503020101020101" pitchFamily="18" charset="-127"/>
+              <a:ea typeface="서울한강체 L" panose="02020503020101020101" pitchFamily="18" charset="-127"/>
+            </a:endParaRPr>
+          </a:p>
+        </p:txBody>
+      </p:sp>
+    </p:spTree>
+    <p:extLst>
+      <p:ext uri="{BB962C8B-B14F-4D97-AF65-F5344CB8AC3E}">
+        <p14:creationId xmlns:p14="http://schemas.microsoft.com/office/powerpoint/2010/main" val="3639138983"/>
+      </p:ext>
+    </p:extLst>
+  </p:cSld>
+  <p:clrMapOvr>
+    <a:masterClrMapping/>
+  </p:clrMapOvr>
+</p:sld>
+</file>
+
+<file path=ppt/slides/slide17.xml><?xml version="1.0" encoding="utf-8"?>
+<p:sld xmlns:a="http://schemas.openxmlformats.org/drawingml/2006/main" xmlns:r="http://schemas.openxmlformats.org/officeDocument/2006/relationships" xmlns:p="http://schemas.openxmlformats.org/presentationml/2006/main">
+  <p:cSld>
+    <p:spTree>
+      <p:nvGrpSpPr>
+        <p:cNvPr id="1" name="Shape 81"/>
+        <p:cNvGrpSpPr/>
+        <p:nvPr/>
+      </p:nvGrpSpPr>
+      <p:grpSpPr>
+        <a:xfrm>
+          <a:off x="0" y="0"/>
+          <a:ext cx="0" cy="0"/>
+          <a:chOff x="0" y="0"/>
+          <a:chExt cx="0" cy="0"/>
+        </a:xfrm>
+      </p:grpSpPr>
+      <p:cxnSp>
+        <p:nvCxnSpPr>
+          <p:cNvPr id="83" name="Google Shape;83;p15"/>
+          <p:cNvCxnSpPr/>
+          <p:nvPr/>
+        </p:nvCxnSpPr>
+        <p:spPr>
+          <a:xfrm>
+            <a:off x="597452" y="162890"/>
+            <a:ext cx="7972500" cy="0"/>
+          </a:xfrm>
+          <a:prstGeom prst="straightConnector1">
+            <a:avLst/>
+          </a:prstGeom>
+          <a:noFill/>
+          <a:ln w="38100" cap="flat" cmpd="sng">
+            <a:solidFill>
+              <a:srgbClr val="000000"/>
+            </a:solidFill>
+            <a:prstDash val="solid"/>
+            <a:round/>
+            <a:headEnd type="none" w="med" len="med"/>
+            <a:tailEnd type="none" w="med" len="med"/>
+          </a:ln>
+        </p:spPr>
+      </p:cxnSp>
+      <p:sp>
+        <p:nvSpPr>
+          <p:cNvPr id="35" name="Google Shape;66;p14">
+            <a:extLst>
+              <a:ext uri="{FF2B5EF4-FFF2-40B4-BE49-F238E27FC236}">
+                <a16:creationId xmlns:a16="http://schemas.microsoft.com/office/drawing/2014/main" id="{2608D162-7457-402E-B7D4-D656D95B35A8}"/>
+              </a:ext>
+            </a:extLst>
+          </p:cNvPr>
+          <p:cNvSpPr txBox="1"/>
+          <p:nvPr/>
+        </p:nvSpPr>
+        <p:spPr>
+          <a:xfrm>
+            <a:off x="211292" y="744432"/>
+            <a:ext cx="243841" cy="4076699"/>
+          </a:xfrm>
+          <a:prstGeom prst="rect">
+            <a:avLst/>
+          </a:prstGeom>
+          <a:noFill/>
+          <a:ln>
+            <a:noFill/>
+          </a:ln>
+        </p:spPr>
+        <p:txBody>
+          <a:bodyPr spcFirstLastPara="1" vert="wordArtVert" wrap="square" lIns="91425" tIns="91425" rIns="91425" bIns="91425" anchor="ctr" anchorCtr="1">
+            <a:noAutofit/>
+          </a:bodyPr>
+          <a:lstStyle/>
+          <a:p>
+            <a:pPr marL="0" lvl="0" indent="0" algn="l" rtl="0">
+              <a:spcBef>
+                <a:spcPts val="0"/>
+              </a:spcBef>
+              <a:spcAft>
+                <a:spcPts val="0"/>
+              </a:spcAft>
+              <a:buNone/>
+            </a:pPr>
+            <a:r>
+              <a:rPr lang="en-US" sz="1500" dirty="0">
+                <a:solidFill>
+                  <a:schemeClr val="tx1"/>
+                </a:solidFill>
+                <a:latin typeface="서울한강 장체 EB" panose="02020503020101020101" pitchFamily="18" charset="-127"/>
+                <a:ea typeface="서울한강 장체 EB" panose="02020503020101020101" pitchFamily="18" charset="-127"/>
+                <a:sym typeface="Nanum Myeongjo"/>
+              </a:rPr>
+              <a:t>Ablation</a:t>
+            </a:r>
+            <a:r>
+              <a:rPr lang="ko-KR" altLang="en-US" sz="1500" dirty="0">
+                <a:solidFill>
+                  <a:schemeClr val="tx1"/>
+                </a:solidFill>
+                <a:latin typeface="서울한강 장체 EB" panose="02020503020101020101" pitchFamily="18" charset="-127"/>
+                <a:ea typeface="서울한강 장체 EB" panose="02020503020101020101" pitchFamily="18" charset="-127"/>
+                <a:sym typeface="Nanum Myeongjo"/>
+              </a:rPr>
+              <a:t> </a:t>
+            </a:r>
+            <a:r>
+              <a:rPr lang="en-US" altLang="ko-KR" sz="1500" dirty="0">
+                <a:solidFill>
+                  <a:schemeClr val="tx1"/>
+                </a:solidFill>
+                <a:latin typeface="서울한강 장체 EB" panose="02020503020101020101" pitchFamily="18" charset="-127"/>
+                <a:ea typeface="서울한강 장체 EB" panose="02020503020101020101" pitchFamily="18" charset="-127"/>
+                <a:sym typeface="Nanum Myeongjo"/>
+              </a:rPr>
+              <a:t>Study</a:t>
+            </a:r>
+            <a:endParaRPr sz="1500" dirty="0">
+              <a:solidFill>
+                <a:schemeClr val="tx1"/>
+              </a:solidFill>
+              <a:latin typeface="서울한강 장체 EB" panose="02020503020101020101" pitchFamily="18" charset="-127"/>
+              <a:ea typeface="서울한강 장체 EB" panose="02020503020101020101" pitchFamily="18" charset="-127"/>
+            </a:endParaRPr>
+          </a:p>
+        </p:txBody>
+      </p:sp>
+      <p:sp>
+        <p:nvSpPr>
+          <p:cNvPr id="37" name="TextBox 36">
+            <a:extLst>
+              <a:ext uri="{FF2B5EF4-FFF2-40B4-BE49-F238E27FC236}">
+                <a16:creationId xmlns:a16="http://schemas.microsoft.com/office/drawing/2014/main" id="{C22BF384-A5A5-4B45-919B-FDC5E27BF255}"/>
+              </a:ext>
+            </a:extLst>
+          </p:cNvPr>
+          <p:cNvSpPr txBox="1"/>
+          <p:nvPr/>
+        </p:nvSpPr>
+        <p:spPr>
+          <a:xfrm>
+            <a:off x="127358" y="473132"/>
+            <a:ext cx="431026" cy="338554"/>
+          </a:xfrm>
+          <a:prstGeom prst="rect">
+            <a:avLst/>
+          </a:prstGeom>
+          <a:noFill/>
+        </p:spPr>
+        <p:txBody>
+          <a:bodyPr wrap="square" anchor="ctr">
+            <a:spAutoFit/>
+          </a:bodyPr>
+          <a:lstStyle/>
+          <a:p>
+            <a:pPr marL="0" lvl="0" indent="0" algn="ctr" rtl="0">
+              <a:spcBef>
+                <a:spcPts val="0"/>
+              </a:spcBef>
+              <a:spcAft>
+                <a:spcPts val="0"/>
+              </a:spcAft>
+              <a:buNone/>
+            </a:pPr>
+            <a:r>
+              <a:rPr lang="en-US" altLang="ko-KR" sz="1600" dirty="0">
+                <a:solidFill>
+                  <a:schemeClr val="tx1"/>
+                </a:solidFill>
+                <a:latin typeface="서울한강 장체 EB" panose="02020503020101020101" pitchFamily="18" charset="-127"/>
+                <a:ea typeface="서울한강 장체 EB" panose="02020503020101020101" pitchFamily="18" charset="-127"/>
+                <a:cs typeface="Nanum Myeongjo"/>
+                <a:sym typeface="Nanum Myeongjo"/>
+              </a:rPr>
+              <a:t>4.4</a:t>
+            </a:r>
+          </a:p>
+        </p:txBody>
+      </p:sp>
+      <p:sp>
+        <p:nvSpPr>
+          <p:cNvPr id="20" name="직사각형 19">
+            <a:extLst>
+              <a:ext uri="{FF2B5EF4-FFF2-40B4-BE49-F238E27FC236}">
+                <a16:creationId xmlns:a16="http://schemas.microsoft.com/office/drawing/2014/main" id="{EB050251-3037-4E93-B00D-D998ECA192DF}"/>
+              </a:ext>
+            </a:extLst>
+          </p:cNvPr>
+          <p:cNvSpPr/>
+          <p:nvPr/>
+        </p:nvSpPr>
+        <p:spPr>
+          <a:xfrm>
+            <a:off x="2638407" y="283127"/>
+            <a:ext cx="2288312" cy="319300"/>
+          </a:xfrm>
+          <a:prstGeom prst="rect">
+            <a:avLst/>
+          </a:prstGeom>
+          <a:solidFill>
+            <a:schemeClr val="accent6">
+              <a:lumMod val="60000"/>
+              <a:lumOff val="40000"/>
+              <a:alpha val="27000"/>
+            </a:schemeClr>
+          </a:solidFill>
+          <a:ln>
+            <a:noFill/>
+          </a:ln>
+        </p:spPr>
+        <p:style>
+          <a:lnRef idx="2">
+            <a:schemeClr val="accent1">
+              <a:shade val="50000"/>
+            </a:schemeClr>
+          </a:lnRef>
+          <a:fillRef idx="1">
+            <a:schemeClr val="accent1"/>
+          </a:fillRef>
+          <a:effectRef idx="0">
+            <a:schemeClr val="accent1"/>
+          </a:effectRef>
+          <a:fontRef idx="minor">
+            <a:schemeClr val="lt1"/>
+          </a:fontRef>
+        </p:style>
+        <p:txBody>
+          <a:bodyPr rtlCol="0" anchor="ctr"/>
+          <a:lstStyle/>
+          <a:p>
+            <a:pPr algn="ctr"/>
+            <a:r>
+              <a:rPr lang="en-US" altLang="ko-KR" dirty="0">
+                <a:solidFill>
+                  <a:schemeClr val="tx1"/>
+                </a:solidFill>
+                <a:latin typeface="서울한강체 EB" panose="02020503020101020101" pitchFamily="18" charset="-127"/>
+                <a:ea typeface="서울한강체 EB" panose="02020503020101020101" pitchFamily="18" charset="-127"/>
+              </a:rPr>
+              <a:t>Stanford 2d3d dataset</a:t>
+            </a:r>
+          </a:p>
+        </p:txBody>
+      </p:sp>
+      <p:pic>
+        <p:nvPicPr>
+          <p:cNvPr id="4" name="그림 3">
+            <a:extLst>
+              <a:ext uri="{FF2B5EF4-FFF2-40B4-BE49-F238E27FC236}">
+                <a16:creationId xmlns:a16="http://schemas.microsoft.com/office/drawing/2014/main" id="{EAAA43DE-CE01-4EE9-A674-B8803678110E}"/>
+              </a:ext>
+            </a:extLst>
+          </p:cNvPr>
+          <p:cNvPicPr>
+            <a:picLocks noChangeAspect="1"/>
+          </p:cNvPicPr>
+          <p:nvPr/>
+        </p:nvPicPr>
+        <p:blipFill>
+          <a:blip r:embed="rId3"/>
+          <a:stretch>
+            <a:fillRect/>
+          </a:stretch>
+        </p:blipFill>
+        <p:spPr>
+          <a:xfrm>
+            <a:off x="700400" y="689473"/>
+            <a:ext cx="5614955" cy="4076697"/>
+          </a:xfrm>
+          <a:prstGeom prst="rect">
+            <a:avLst/>
+          </a:prstGeom>
+        </p:spPr>
+      </p:pic>
+      <p:sp>
+        <p:nvSpPr>
+          <p:cNvPr id="10" name="직사각형 9">
+            <a:extLst>
+              <a:ext uri="{FF2B5EF4-FFF2-40B4-BE49-F238E27FC236}">
+                <a16:creationId xmlns:a16="http://schemas.microsoft.com/office/drawing/2014/main" id="{89AE589B-1B55-4028-9FB9-FB854AF6592C}"/>
+              </a:ext>
+            </a:extLst>
+          </p:cNvPr>
+          <p:cNvSpPr/>
+          <p:nvPr/>
+        </p:nvSpPr>
+        <p:spPr>
+          <a:xfrm>
+            <a:off x="6975082" y="879279"/>
+            <a:ext cx="1395712" cy="319300"/>
+          </a:xfrm>
+          <a:prstGeom prst="rect">
+            <a:avLst/>
+          </a:prstGeom>
+          <a:solidFill>
+            <a:schemeClr val="accent6">
+              <a:lumMod val="60000"/>
+              <a:lumOff val="40000"/>
+              <a:alpha val="27000"/>
+            </a:schemeClr>
+          </a:solidFill>
+          <a:ln>
+            <a:noFill/>
+          </a:ln>
+        </p:spPr>
+        <p:style>
+          <a:lnRef idx="2">
+            <a:schemeClr val="accent1">
+              <a:shade val="50000"/>
+            </a:schemeClr>
+          </a:lnRef>
+          <a:fillRef idx="1">
+            <a:schemeClr val="accent1"/>
+          </a:fillRef>
+          <a:effectRef idx="0">
+            <a:schemeClr val="accent1"/>
+          </a:effectRef>
+          <a:fontRef idx="minor">
+            <a:schemeClr val="lt1"/>
+          </a:fontRef>
+        </p:style>
+        <p:txBody>
+          <a:bodyPr rtlCol="0" anchor="ctr"/>
+          <a:lstStyle/>
+          <a:p>
+            <a:pPr algn="ctr"/>
+            <a:r>
+              <a:rPr lang="en-US" altLang="ko-KR" dirty="0">
+                <a:solidFill>
+                  <a:schemeClr val="tx1"/>
+                </a:solidFill>
+                <a:latin typeface="서울한강체 L" panose="02020503020101020101" pitchFamily="18" charset="-127"/>
+                <a:ea typeface="서울한강체 L" panose="02020503020101020101" pitchFamily="18" charset="-127"/>
+              </a:rPr>
+              <a:t>0-25%</a:t>
+            </a:r>
+          </a:p>
+        </p:txBody>
+      </p:sp>
+      <p:sp>
+        <p:nvSpPr>
+          <p:cNvPr id="11" name="직사각형 10">
+            <a:extLst>
+              <a:ext uri="{FF2B5EF4-FFF2-40B4-BE49-F238E27FC236}">
+                <a16:creationId xmlns:a16="http://schemas.microsoft.com/office/drawing/2014/main" id="{C2C7D43D-EE05-460B-A9A1-25A2589DCDC9}"/>
+              </a:ext>
+            </a:extLst>
+          </p:cNvPr>
+          <p:cNvSpPr/>
+          <p:nvPr/>
+        </p:nvSpPr>
+        <p:spPr>
+          <a:xfrm>
+            <a:off x="6975082" y="1595667"/>
+            <a:ext cx="1395712" cy="319300"/>
+          </a:xfrm>
+          <a:prstGeom prst="rect">
+            <a:avLst/>
+          </a:prstGeom>
+          <a:solidFill>
+            <a:schemeClr val="accent6">
+              <a:lumMod val="60000"/>
+              <a:lumOff val="40000"/>
+              <a:alpha val="27000"/>
+            </a:schemeClr>
+          </a:solidFill>
+          <a:ln>
+            <a:noFill/>
+          </a:ln>
+        </p:spPr>
+        <p:style>
+          <a:lnRef idx="2">
+            <a:schemeClr val="accent1">
+              <a:shade val="50000"/>
+            </a:schemeClr>
+          </a:lnRef>
+          <a:fillRef idx="1">
+            <a:schemeClr val="accent1"/>
+          </a:fillRef>
+          <a:effectRef idx="0">
+            <a:schemeClr val="accent1"/>
+          </a:effectRef>
+          <a:fontRef idx="minor">
+            <a:schemeClr val="lt1"/>
+          </a:fontRef>
+        </p:style>
+        <p:txBody>
+          <a:bodyPr rtlCol="0" anchor="ctr"/>
+          <a:lstStyle/>
+          <a:p>
+            <a:pPr algn="ctr"/>
+            <a:r>
+              <a:rPr lang="en-US" altLang="ko-KR" dirty="0">
+                <a:solidFill>
+                  <a:schemeClr val="tx1"/>
+                </a:solidFill>
+                <a:latin typeface="서울한강체 L" panose="02020503020101020101" pitchFamily="18" charset="-127"/>
+                <a:ea typeface="서울한강체 L" panose="02020503020101020101" pitchFamily="18" charset="-127"/>
+              </a:rPr>
+              <a:t>25-50%</a:t>
+            </a:r>
+          </a:p>
+        </p:txBody>
+      </p:sp>
+      <p:sp>
+        <p:nvSpPr>
+          <p:cNvPr id="12" name="직사각형 11">
+            <a:extLst>
+              <a:ext uri="{FF2B5EF4-FFF2-40B4-BE49-F238E27FC236}">
+                <a16:creationId xmlns:a16="http://schemas.microsoft.com/office/drawing/2014/main" id="{EBD55656-A94D-41BD-BF3A-06C18C16F8F0}"/>
+              </a:ext>
+            </a:extLst>
+          </p:cNvPr>
+          <p:cNvSpPr/>
+          <p:nvPr/>
+        </p:nvSpPr>
+        <p:spPr>
+          <a:xfrm>
+            <a:off x="6975082" y="2252450"/>
+            <a:ext cx="1395712" cy="319300"/>
+          </a:xfrm>
+          <a:prstGeom prst="rect">
+            <a:avLst/>
+          </a:prstGeom>
+          <a:solidFill>
+            <a:schemeClr val="accent6">
+              <a:lumMod val="60000"/>
+              <a:lumOff val="40000"/>
+              <a:alpha val="27000"/>
+            </a:schemeClr>
+          </a:solidFill>
+          <a:ln>
+            <a:noFill/>
+          </a:ln>
+        </p:spPr>
+        <p:style>
+          <a:lnRef idx="2">
+            <a:schemeClr val="accent1">
+              <a:shade val="50000"/>
+            </a:schemeClr>
+          </a:lnRef>
+          <a:fillRef idx="1">
+            <a:schemeClr val="accent1"/>
+          </a:fillRef>
+          <a:effectRef idx="0">
+            <a:schemeClr val="accent1"/>
+          </a:effectRef>
+          <a:fontRef idx="minor">
+            <a:schemeClr val="lt1"/>
+          </a:fontRef>
+        </p:style>
+        <p:txBody>
+          <a:bodyPr rtlCol="0" anchor="ctr"/>
+          <a:lstStyle/>
+          <a:p>
+            <a:pPr algn="ctr"/>
+            <a:r>
+              <a:rPr lang="en-US" altLang="ko-KR" dirty="0">
+                <a:solidFill>
+                  <a:schemeClr val="tx1"/>
+                </a:solidFill>
+                <a:latin typeface="서울한강체 L" panose="02020503020101020101" pitchFamily="18" charset="-127"/>
+                <a:ea typeface="서울한강체 L" panose="02020503020101020101" pitchFamily="18" charset="-127"/>
+              </a:rPr>
+              <a:t>50-75%</a:t>
+            </a:r>
+          </a:p>
+        </p:txBody>
+      </p:sp>
+      <p:sp>
+        <p:nvSpPr>
+          <p:cNvPr id="13" name="직사각형 12">
+            <a:extLst>
+              <a:ext uri="{FF2B5EF4-FFF2-40B4-BE49-F238E27FC236}">
+                <a16:creationId xmlns:a16="http://schemas.microsoft.com/office/drawing/2014/main" id="{96AB6A85-92DD-4D4B-A88C-0395C98CD339}"/>
+              </a:ext>
+            </a:extLst>
+          </p:cNvPr>
+          <p:cNvSpPr/>
+          <p:nvPr/>
+        </p:nvSpPr>
+        <p:spPr>
+          <a:xfrm>
+            <a:off x="6975082" y="2928398"/>
+            <a:ext cx="1395712" cy="319300"/>
+          </a:xfrm>
+          <a:prstGeom prst="rect">
+            <a:avLst/>
+          </a:prstGeom>
+          <a:solidFill>
+            <a:schemeClr val="accent6">
+              <a:lumMod val="60000"/>
+              <a:lumOff val="40000"/>
+              <a:alpha val="27000"/>
+            </a:schemeClr>
+          </a:solidFill>
+          <a:ln>
+            <a:noFill/>
+          </a:ln>
+        </p:spPr>
+        <p:style>
+          <a:lnRef idx="2">
+            <a:schemeClr val="accent1">
+              <a:shade val="50000"/>
+            </a:schemeClr>
+          </a:lnRef>
+          <a:fillRef idx="1">
+            <a:schemeClr val="accent1"/>
+          </a:fillRef>
+          <a:effectRef idx="0">
+            <a:schemeClr val="accent1"/>
+          </a:effectRef>
+          <a:fontRef idx="minor">
+            <a:schemeClr val="lt1"/>
+          </a:fontRef>
+        </p:style>
+        <p:txBody>
+          <a:bodyPr rtlCol="0" anchor="ctr"/>
+          <a:lstStyle/>
+          <a:p>
+            <a:pPr algn="ctr"/>
+            <a:r>
+              <a:rPr lang="en-US" altLang="ko-KR" dirty="0">
+                <a:solidFill>
+                  <a:schemeClr val="tx1"/>
+                </a:solidFill>
+                <a:latin typeface="서울한강체 L" panose="02020503020101020101" pitchFamily="18" charset="-127"/>
+                <a:ea typeface="서울한강체 L" panose="02020503020101020101" pitchFamily="18" charset="-127"/>
+              </a:rPr>
+              <a:t>75-100%</a:t>
+            </a:r>
+          </a:p>
+        </p:txBody>
+      </p:sp>
+      <p:sp>
+        <p:nvSpPr>
+          <p:cNvPr id="14" name="직사각형 13">
+            <a:extLst>
+              <a:ext uri="{FF2B5EF4-FFF2-40B4-BE49-F238E27FC236}">
+                <a16:creationId xmlns:a16="http://schemas.microsoft.com/office/drawing/2014/main" id="{0A920CD3-9991-4E6F-85A7-22B7333EE9CE}"/>
+              </a:ext>
+            </a:extLst>
+          </p:cNvPr>
+          <p:cNvSpPr/>
+          <p:nvPr/>
+        </p:nvSpPr>
+        <p:spPr>
+          <a:xfrm>
+            <a:off x="6765835" y="3604346"/>
+            <a:ext cx="1814206" cy="319300"/>
+          </a:xfrm>
+          <a:prstGeom prst="rect">
+            <a:avLst/>
+          </a:prstGeom>
+          <a:solidFill>
+            <a:schemeClr val="accent6">
+              <a:lumMod val="60000"/>
+              <a:lumOff val="40000"/>
+              <a:alpha val="27000"/>
+            </a:schemeClr>
+          </a:solidFill>
+          <a:ln>
+            <a:noFill/>
+          </a:ln>
+        </p:spPr>
+        <p:style>
+          <a:lnRef idx="2">
+            <a:schemeClr val="accent1">
+              <a:shade val="50000"/>
+            </a:schemeClr>
+          </a:lnRef>
+          <a:fillRef idx="1">
+            <a:schemeClr val="accent1"/>
+          </a:fillRef>
+          <a:effectRef idx="0">
+            <a:schemeClr val="accent1"/>
+          </a:effectRef>
+          <a:fontRef idx="minor">
+            <a:schemeClr val="lt1"/>
+          </a:fontRef>
+        </p:style>
+        <p:txBody>
+          <a:bodyPr rtlCol="0" anchor="ctr"/>
+          <a:lstStyle/>
+          <a:p>
+            <a:pPr algn="ctr"/>
+            <a:r>
+              <a:rPr lang="ko-KR" altLang="en-US" sz="1100">
+                <a:solidFill>
+                  <a:schemeClr val="tx1"/>
+                </a:solidFill>
+                <a:latin typeface="서울한강체 L" panose="02020503020101020101" pitchFamily="18" charset="-127"/>
+                <a:ea typeface="서울한강체 L" panose="02020503020101020101" pitchFamily="18" charset="-127"/>
+              </a:rPr>
+              <a:t>가장 심각한 모서리 오류</a:t>
+            </a:r>
+            <a:endParaRPr lang="en-US" altLang="ko-KR" sz="1100" dirty="0">
+              <a:solidFill>
+                <a:schemeClr val="tx1"/>
+              </a:solidFill>
+              <a:latin typeface="서울한강체 L" panose="02020503020101020101" pitchFamily="18" charset="-127"/>
+              <a:ea typeface="서울한강체 L" panose="02020503020101020101" pitchFamily="18" charset="-127"/>
+            </a:endParaRPr>
+          </a:p>
+        </p:txBody>
+      </p:sp>
+    </p:spTree>
+    <p:extLst>
+      <p:ext uri="{BB962C8B-B14F-4D97-AF65-F5344CB8AC3E}">
+        <p14:creationId xmlns:p14="http://schemas.microsoft.com/office/powerpoint/2010/main" val="1950175237"/>
+      </p:ext>
+    </p:extLst>
+  </p:cSld>
+  <p:clrMapOvr>
+    <a:masterClrMapping/>
+  </p:clrMapOvr>
+</p:sld>
+</file>
+
+<file path=ppt/slides/slide18.xml><?xml version="1.0" encoding="utf-8"?>
 <p:sld xmlns:a="http://schemas.openxmlformats.org/drawingml/2006/main" xmlns:r="http://schemas.openxmlformats.org/officeDocument/2006/relationships" xmlns:p="http://schemas.openxmlformats.org/presentationml/2006/main">
   <p:cSld>
     <p:spTree>
@@ -17824,7 +21004,7 @@
 </p:sld>
 </file>
 
-<file path=ppt/slides/slide14.xml><?xml version="1.0" encoding="utf-8"?>
+<file path=ppt/slides/slide19.xml><?xml version="1.0" encoding="utf-8"?>
 <p:sld xmlns:a="http://schemas.openxmlformats.org/drawingml/2006/main" xmlns:r="http://schemas.openxmlformats.org/officeDocument/2006/relationships" xmlns:p="http://schemas.openxmlformats.org/presentationml/2006/main">
   <p:cSld>
     <p:spTree>
@@ -18471,183 +21651,6 @@
 </p:sld>
 </file>
 
-<file path=ppt/slides/slide15.xml><?xml version="1.0" encoding="utf-8"?>
-<p:sld xmlns:a="http://schemas.openxmlformats.org/drawingml/2006/main" xmlns:r="http://schemas.openxmlformats.org/officeDocument/2006/relationships" xmlns:p="http://schemas.openxmlformats.org/presentationml/2006/main">
-  <p:cSld>
-    <p:spTree>
-      <p:nvGrpSpPr>
-        <p:cNvPr id="1" name="Shape 189"/>
-        <p:cNvGrpSpPr/>
-        <p:nvPr/>
-      </p:nvGrpSpPr>
-      <p:grpSpPr>
-        <a:xfrm>
-          <a:off x="0" y="0"/>
-          <a:ext cx="0" cy="0"/>
-          <a:chOff x="0" y="0"/>
-          <a:chExt cx="0" cy="0"/>
-        </a:xfrm>
-      </p:grpSpPr>
-      <p:sp>
-        <p:nvSpPr>
-          <p:cNvPr id="190" name="Google Shape;190;p18"/>
-          <p:cNvSpPr/>
-          <p:nvPr/>
-        </p:nvSpPr>
-        <p:spPr>
-          <a:xfrm>
-            <a:off x="600075" y="1657375"/>
-            <a:ext cx="2457600" cy="71400"/>
-          </a:xfrm>
-          <a:prstGeom prst="rect">
-            <a:avLst/>
-          </a:prstGeom>
-          <a:solidFill>
-            <a:srgbClr val="000000"/>
-          </a:solidFill>
-          <a:ln>
-            <a:noFill/>
-          </a:ln>
-        </p:spPr>
-        <p:txBody>
-          <a:bodyPr spcFirstLastPara="1" wrap="square" lIns="91425" tIns="91425" rIns="91425" bIns="91425" anchor="ctr" anchorCtr="0">
-            <a:noAutofit/>
-          </a:bodyPr>
-          <a:lstStyle/>
-          <a:p>
-            <a:pPr marL="0" lvl="0" indent="0" algn="l" rtl="0">
-              <a:spcBef>
-                <a:spcPts val="0"/>
-              </a:spcBef>
-              <a:spcAft>
-                <a:spcPts val="0"/>
-              </a:spcAft>
-              <a:buNone/>
-            </a:pPr>
-            <a:endParaRPr/>
-          </a:p>
-        </p:txBody>
-      </p:sp>
-      <p:sp>
-        <p:nvSpPr>
-          <p:cNvPr id="191" name="Google Shape;191;p18"/>
-          <p:cNvSpPr txBox="1"/>
-          <p:nvPr/>
-        </p:nvSpPr>
-        <p:spPr>
-          <a:xfrm>
-            <a:off x="600075" y="1943100"/>
-            <a:ext cx="2457600" cy="1014300"/>
-          </a:xfrm>
-          <a:prstGeom prst="rect">
-            <a:avLst/>
-          </a:prstGeom>
-          <a:noFill/>
-          <a:ln>
-            <a:noFill/>
-          </a:ln>
-        </p:spPr>
-        <p:txBody>
-          <a:bodyPr spcFirstLastPara="1" wrap="square" lIns="91425" tIns="91425" rIns="91425" bIns="91425" anchor="t" anchorCtr="0">
-            <a:noAutofit/>
-          </a:bodyPr>
-          <a:lstStyle/>
-          <a:p>
-            <a:pPr marL="0" lvl="0" indent="0" algn="l" rtl="0">
-              <a:lnSpc>
-                <a:spcPct val="115000"/>
-              </a:lnSpc>
-              <a:spcBef>
-                <a:spcPts val="0"/>
-              </a:spcBef>
-              <a:spcAft>
-                <a:spcPts val="0"/>
-              </a:spcAft>
-              <a:buNone/>
-            </a:pPr>
-            <a:r>
-              <a:rPr lang="ko-KR" altLang="en-US" sz="2200" dirty="0">
-                <a:latin typeface="서울한강 장체 EB" panose="02020503020101020101" pitchFamily="18" charset="-127"/>
-                <a:ea typeface="서울한강 장체 EB" panose="02020503020101020101" pitchFamily="18" charset="-127"/>
-                <a:cs typeface="Nanum Myeongjo"/>
-                <a:sym typeface="Nanum Myeongjo"/>
-              </a:rPr>
-              <a:t>감사합니다</a:t>
-            </a:r>
-            <a:r>
-              <a:rPr lang="en-US" altLang="ko-KR" sz="2200" dirty="0">
-                <a:latin typeface="서울한강 장체 EB" panose="02020503020101020101" pitchFamily="18" charset="-127"/>
-                <a:ea typeface="서울한강 장체 EB" panose="02020503020101020101" pitchFamily="18" charset="-127"/>
-                <a:cs typeface="Nanum Myeongjo"/>
-                <a:sym typeface="Nanum Myeongjo"/>
-              </a:rPr>
-              <a:t>.</a:t>
-            </a:r>
-            <a:endParaRPr sz="2200" dirty="0">
-              <a:latin typeface="서울한강 장체 EB" panose="02020503020101020101" pitchFamily="18" charset="-127"/>
-              <a:ea typeface="서울한강 장체 EB" panose="02020503020101020101" pitchFamily="18" charset="-127"/>
-              <a:cs typeface="Nanum Myeongjo"/>
-              <a:sym typeface="Nanum Myeongjo"/>
-            </a:endParaRPr>
-          </a:p>
-          <a:p>
-            <a:pPr marL="0" lvl="0" indent="0" algn="l" rtl="0">
-              <a:spcBef>
-                <a:spcPts val="0"/>
-              </a:spcBef>
-              <a:spcAft>
-                <a:spcPts val="0"/>
-              </a:spcAft>
-              <a:buNone/>
-            </a:pPr>
-            <a:r>
-              <a:rPr lang="en-US" sz="1500" dirty="0">
-                <a:latin typeface="서울한강 장체 B" panose="02020503020101020101" pitchFamily="18" charset="-127"/>
-                <a:ea typeface="서울한강 장체 B" panose="02020503020101020101" pitchFamily="18" charset="-127"/>
-              </a:rPr>
-              <a:t>The End</a:t>
-            </a:r>
-            <a:endParaRPr sz="1500" dirty="0">
-              <a:latin typeface="서울한강 장체 B" panose="02020503020101020101" pitchFamily="18" charset="-127"/>
-              <a:ea typeface="서울한강 장체 B" panose="02020503020101020101" pitchFamily="18" charset="-127"/>
-            </a:endParaRPr>
-          </a:p>
-        </p:txBody>
-      </p:sp>
-      <p:cxnSp>
-        <p:nvCxnSpPr>
-          <p:cNvPr id="192" name="Google Shape;192;p18"/>
-          <p:cNvCxnSpPr/>
-          <p:nvPr/>
-        </p:nvCxnSpPr>
-        <p:spPr>
-          <a:xfrm>
-            <a:off x="628650" y="3100400"/>
-            <a:ext cx="2486100" cy="0"/>
-          </a:xfrm>
-          <a:prstGeom prst="straightConnector1">
-            <a:avLst/>
-          </a:prstGeom>
-          <a:noFill/>
-          <a:ln w="9525" cap="flat" cmpd="sng">
-            <a:solidFill>
-              <a:schemeClr val="dk2"/>
-            </a:solidFill>
-            <a:prstDash val="solid"/>
-            <a:round/>
-            <a:headEnd type="none" w="med" len="med"/>
-            <a:tailEnd type="none" w="med" len="med"/>
-          </a:ln>
-        </p:spPr>
-      </p:cxnSp>
-    </p:spTree>
-  </p:cSld>
-  <p:clrMapOvr>
-    <a:masterClrMapping/>
-  </p:clrMapOvr>
-</p:sld>
-</file>
-
 <file path=ppt/slides/slide2.xml><?xml version="1.0" encoding="utf-8"?>
 <p:sld xmlns:a="http://schemas.openxmlformats.org/drawingml/2006/main" xmlns:r="http://schemas.openxmlformats.org/officeDocument/2006/relationships" xmlns:p="http://schemas.openxmlformats.org/presentationml/2006/main">
   <p:cSld>
@@ -20329,7 +23332,384 @@
 </p:sld>
 </file>
 
+<file path=ppt/slides/slide20.xml><?xml version="1.0" encoding="utf-8"?>
+<p:sld xmlns:a="http://schemas.openxmlformats.org/drawingml/2006/main" xmlns:r="http://schemas.openxmlformats.org/officeDocument/2006/relationships" xmlns:p="http://schemas.openxmlformats.org/presentationml/2006/main">
+  <p:cSld>
+    <p:spTree>
+      <p:nvGrpSpPr>
+        <p:cNvPr id="1" name="Shape 189"/>
+        <p:cNvGrpSpPr/>
+        <p:nvPr/>
+      </p:nvGrpSpPr>
+      <p:grpSpPr>
+        <a:xfrm>
+          <a:off x="0" y="0"/>
+          <a:ext cx="0" cy="0"/>
+          <a:chOff x="0" y="0"/>
+          <a:chExt cx="0" cy="0"/>
+        </a:xfrm>
+      </p:grpSpPr>
+      <p:sp>
+        <p:nvSpPr>
+          <p:cNvPr id="190" name="Google Shape;190;p18"/>
+          <p:cNvSpPr/>
+          <p:nvPr/>
+        </p:nvSpPr>
+        <p:spPr>
+          <a:xfrm>
+            <a:off x="600075" y="1657375"/>
+            <a:ext cx="2457600" cy="71400"/>
+          </a:xfrm>
+          <a:prstGeom prst="rect">
+            <a:avLst/>
+          </a:prstGeom>
+          <a:solidFill>
+            <a:srgbClr val="000000"/>
+          </a:solidFill>
+          <a:ln>
+            <a:noFill/>
+          </a:ln>
+        </p:spPr>
+        <p:txBody>
+          <a:bodyPr spcFirstLastPara="1" wrap="square" lIns="91425" tIns="91425" rIns="91425" bIns="91425" anchor="ctr" anchorCtr="0">
+            <a:noAutofit/>
+          </a:bodyPr>
+          <a:lstStyle/>
+          <a:p>
+            <a:pPr marL="0" lvl="0" indent="0" algn="l" rtl="0">
+              <a:spcBef>
+                <a:spcPts val="0"/>
+              </a:spcBef>
+              <a:spcAft>
+                <a:spcPts val="0"/>
+              </a:spcAft>
+              <a:buNone/>
+            </a:pPr>
+            <a:endParaRPr/>
+          </a:p>
+        </p:txBody>
+      </p:sp>
+      <p:sp>
+        <p:nvSpPr>
+          <p:cNvPr id="191" name="Google Shape;191;p18"/>
+          <p:cNvSpPr txBox="1"/>
+          <p:nvPr/>
+        </p:nvSpPr>
+        <p:spPr>
+          <a:xfrm>
+            <a:off x="600075" y="1943100"/>
+            <a:ext cx="2457600" cy="1014300"/>
+          </a:xfrm>
+          <a:prstGeom prst="rect">
+            <a:avLst/>
+          </a:prstGeom>
+          <a:noFill/>
+          <a:ln>
+            <a:noFill/>
+          </a:ln>
+        </p:spPr>
+        <p:txBody>
+          <a:bodyPr spcFirstLastPara="1" wrap="square" lIns="91425" tIns="91425" rIns="91425" bIns="91425" anchor="t" anchorCtr="0">
+            <a:noAutofit/>
+          </a:bodyPr>
+          <a:lstStyle/>
+          <a:p>
+            <a:pPr marL="0" lvl="0" indent="0" algn="l" rtl="0">
+              <a:lnSpc>
+                <a:spcPct val="115000"/>
+              </a:lnSpc>
+              <a:spcBef>
+                <a:spcPts val="0"/>
+              </a:spcBef>
+              <a:spcAft>
+                <a:spcPts val="0"/>
+              </a:spcAft>
+              <a:buNone/>
+            </a:pPr>
+            <a:r>
+              <a:rPr lang="ko-KR" altLang="en-US" sz="2200" dirty="0">
+                <a:latin typeface="서울한강 장체 EB" panose="02020503020101020101" pitchFamily="18" charset="-127"/>
+                <a:ea typeface="서울한강 장체 EB" panose="02020503020101020101" pitchFamily="18" charset="-127"/>
+                <a:cs typeface="Nanum Myeongjo"/>
+                <a:sym typeface="Nanum Myeongjo"/>
+              </a:rPr>
+              <a:t>감사합니다</a:t>
+            </a:r>
+            <a:r>
+              <a:rPr lang="en-US" altLang="ko-KR" sz="2200" dirty="0">
+                <a:latin typeface="서울한강 장체 EB" panose="02020503020101020101" pitchFamily="18" charset="-127"/>
+                <a:ea typeface="서울한강 장체 EB" panose="02020503020101020101" pitchFamily="18" charset="-127"/>
+                <a:cs typeface="Nanum Myeongjo"/>
+                <a:sym typeface="Nanum Myeongjo"/>
+              </a:rPr>
+              <a:t>.</a:t>
+            </a:r>
+            <a:endParaRPr sz="2200" dirty="0">
+              <a:latin typeface="서울한강 장체 EB" panose="02020503020101020101" pitchFamily="18" charset="-127"/>
+              <a:ea typeface="서울한강 장체 EB" panose="02020503020101020101" pitchFamily="18" charset="-127"/>
+              <a:cs typeface="Nanum Myeongjo"/>
+              <a:sym typeface="Nanum Myeongjo"/>
+            </a:endParaRPr>
+          </a:p>
+          <a:p>
+            <a:pPr marL="0" lvl="0" indent="0" algn="l" rtl="0">
+              <a:spcBef>
+                <a:spcPts val="0"/>
+              </a:spcBef>
+              <a:spcAft>
+                <a:spcPts val="0"/>
+              </a:spcAft>
+              <a:buNone/>
+            </a:pPr>
+            <a:r>
+              <a:rPr lang="en-US" sz="1500" dirty="0">
+                <a:latin typeface="서울한강 장체 B" panose="02020503020101020101" pitchFamily="18" charset="-127"/>
+                <a:ea typeface="서울한강 장체 B" panose="02020503020101020101" pitchFamily="18" charset="-127"/>
+              </a:rPr>
+              <a:t>The End</a:t>
+            </a:r>
+            <a:endParaRPr sz="1500" dirty="0">
+              <a:latin typeface="서울한강 장체 B" panose="02020503020101020101" pitchFamily="18" charset="-127"/>
+              <a:ea typeface="서울한강 장체 B" panose="02020503020101020101" pitchFamily="18" charset="-127"/>
+            </a:endParaRPr>
+          </a:p>
+        </p:txBody>
+      </p:sp>
+      <p:cxnSp>
+        <p:nvCxnSpPr>
+          <p:cNvPr id="192" name="Google Shape;192;p18"/>
+          <p:cNvCxnSpPr/>
+          <p:nvPr/>
+        </p:nvCxnSpPr>
+        <p:spPr>
+          <a:xfrm>
+            <a:off x="628650" y="3100400"/>
+            <a:ext cx="2486100" cy="0"/>
+          </a:xfrm>
+          <a:prstGeom prst="straightConnector1">
+            <a:avLst/>
+          </a:prstGeom>
+          <a:noFill/>
+          <a:ln w="9525" cap="flat" cmpd="sng">
+            <a:solidFill>
+              <a:schemeClr val="dk2"/>
+            </a:solidFill>
+            <a:prstDash val="solid"/>
+            <a:round/>
+            <a:headEnd type="none" w="med" len="med"/>
+            <a:tailEnd type="none" w="med" len="med"/>
+          </a:ln>
+        </p:spPr>
+      </p:cxnSp>
+    </p:spTree>
+  </p:cSld>
+  <p:clrMapOvr>
+    <a:masterClrMapping/>
+  </p:clrMapOvr>
+</p:sld>
+</file>
+
 <file path=ppt/slides/slide3.xml><?xml version="1.0" encoding="utf-8"?>
+<p:sld xmlns:a="http://schemas.openxmlformats.org/drawingml/2006/main" xmlns:r="http://schemas.openxmlformats.org/officeDocument/2006/relationships" xmlns:p="http://schemas.openxmlformats.org/presentationml/2006/main">
+  <p:cSld>
+    <p:spTree>
+      <p:nvGrpSpPr>
+        <p:cNvPr id="1" name="Shape 81"/>
+        <p:cNvGrpSpPr/>
+        <p:nvPr/>
+      </p:nvGrpSpPr>
+      <p:grpSpPr>
+        <a:xfrm>
+          <a:off x="0" y="0"/>
+          <a:ext cx="0" cy="0"/>
+          <a:chOff x="0" y="0"/>
+          <a:chExt cx="0" cy="0"/>
+        </a:xfrm>
+      </p:grpSpPr>
+      <p:sp>
+        <p:nvSpPr>
+          <p:cNvPr id="2" name="직사각형 1">
+            <a:extLst>
+              <a:ext uri="{FF2B5EF4-FFF2-40B4-BE49-F238E27FC236}">
+                <a16:creationId xmlns:a16="http://schemas.microsoft.com/office/drawing/2014/main" id="{7F3912AF-6511-4CE6-892D-86CAD7F9E288}"/>
+              </a:ext>
+            </a:extLst>
+          </p:cNvPr>
+          <p:cNvSpPr/>
+          <p:nvPr/>
+        </p:nvSpPr>
+        <p:spPr>
+          <a:xfrm>
+            <a:off x="0" y="0"/>
+            <a:ext cx="9144000" cy="5143500"/>
+          </a:xfrm>
+          <a:prstGeom prst="rect">
+            <a:avLst/>
+          </a:prstGeom>
+          <a:solidFill>
+            <a:srgbClr val="474747"/>
+          </a:solidFill>
+          <a:ln>
+            <a:noFill/>
+          </a:ln>
+        </p:spPr>
+        <p:style>
+          <a:lnRef idx="2">
+            <a:schemeClr val="accent1">
+              <a:shade val="50000"/>
+            </a:schemeClr>
+          </a:lnRef>
+          <a:fillRef idx="1">
+            <a:schemeClr val="accent1"/>
+          </a:fillRef>
+          <a:effectRef idx="0">
+            <a:schemeClr val="accent1"/>
+          </a:effectRef>
+          <a:fontRef idx="minor">
+            <a:schemeClr val="lt1"/>
+          </a:fontRef>
+        </p:style>
+        <p:txBody>
+          <a:bodyPr rtlCol="0" anchor="ctr"/>
+          <a:lstStyle/>
+          <a:p>
+            <a:pPr algn="ctr"/>
+            <a:endParaRPr lang="ko-KR" altLang="en-US"/>
+          </a:p>
+        </p:txBody>
+      </p:sp>
+      <p:cxnSp>
+        <p:nvCxnSpPr>
+          <p:cNvPr id="83" name="Google Shape;83;p15"/>
+          <p:cNvCxnSpPr/>
+          <p:nvPr/>
+        </p:nvCxnSpPr>
+        <p:spPr>
+          <a:xfrm>
+            <a:off x="597452" y="162890"/>
+            <a:ext cx="7972500" cy="0"/>
+          </a:xfrm>
+          <a:prstGeom prst="straightConnector1">
+            <a:avLst/>
+          </a:prstGeom>
+          <a:noFill/>
+          <a:ln w="38100" cap="flat" cmpd="sng">
+            <a:solidFill>
+              <a:schemeClr val="bg1"/>
+            </a:solidFill>
+            <a:prstDash val="solid"/>
+            <a:round/>
+            <a:headEnd type="none" w="med" len="med"/>
+            <a:tailEnd type="none" w="med" len="med"/>
+          </a:ln>
+        </p:spPr>
+      </p:cxnSp>
+      <p:sp>
+        <p:nvSpPr>
+          <p:cNvPr id="32" name="Google Shape;97;p15">
+            <a:extLst>
+              <a:ext uri="{FF2B5EF4-FFF2-40B4-BE49-F238E27FC236}">
+                <a16:creationId xmlns:a16="http://schemas.microsoft.com/office/drawing/2014/main" id="{D2A99E31-8B73-4DD8-ABE9-950D5F4FC40E}"/>
+              </a:ext>
+            </a:extLst>
+          </p:cNvPr>
+          <p:cNvSpPr txBox="1"/>
+          <p:nvPr/>
+        </p:nvSpPr>
+        <p:spPr>
+          <a:xfrm>
+            <a:off x="597452" y="1872608"/>
+            <a:ext cx="4562525" cy="1419265"/>
+          </a:xfrm>
+          <a:prstGeom prst="rect">
+            <a:avLst/>
+          </a:prstGeom>
+          <a:noFill/>
+          <a:ln>
+            <a:noFill/>
+          </a:ln>
+        </p:spPr>
+        <p:txBody>
+          <a:bodyPr spcFirstLastPara="1" wrap="square" lIns="91425" tIns="91425" rIns="91425" bIns="91425" anchor="ctr" anchorCtr="0">
+            <a:noAutofit/>
+          </a:bodyPr>
+          <a:lstStyle/>
+          <a:p>
+            <a:pPr marL="0" lvl="0" indent="0" algn="l" rtl="0">
+              <a:spcBef>
+                <a:spcPts val="0"/>
+              </a:spcBef>
+              <a:spcAft>
+                <a:spcPts val="0"/>
+              </a:spcAft>
+              <a:buNone/>
+            </a:pPr>
+            <a:r>
+              <a:rPr lang="en" sz="3600" dirty="0">
+                <a:solidFill>
+                  <a:schemeClr val="bg1"/>
+                </a:solidFill>
+                <a:latin typeface="서울한강 장체 EB" panose="02020503020101020101" pitchFamily="18" charset="-127"/>
+                <a:ea typeface="서울한강 장체 EB" panose="02020503020101020101" pitchFamily="18" charset="-127"/>
+              </a:rPr>
+              <a:t>3. Approach</a:t>
+            </a:r>
+            <a:endParaRPr sz="3600" dirty="0">
+              <a:solidFill>
+                <a:schemeClr val="bg1"/>
+              </a:solidFill>
+              <a:latin typeface="서울한강 장체 EB" panose="02020503020101020101" pitchFamily="18" charset="-127"/>
+              <a:ea typeface="서울한강 장체 EB" panose="02020503020101020101" pitchFamily="18" charset="-127"/>
+            </a:endParaRPr>
+          </a:p>
+        </p:txBody>
+      </p:sp>
+      <p:cxnSp>
+        <p:nvCxnSpPr>
+          <p:cNvPr id="35" name="Google Shape;82;p15">
+            <a:extLst>
+              <a:ext uri="{FF2B5EF4-FFF2-40B4-BE49-F238E27FC236}">
+                <a16:creationId xmlns:a16="http://schemas.microsoft.com/office/drawing/2014/main" id="{307CF713-DEDE-40F9-9518-D1EB5943DA75}"/>
+              </a:ext>
+            </a:extLst>
+          </p:cNvPr>
+          <p:cNvCxnSpPr/>
+          <p:nvPr/>
+        </p:nvCxnSpPr>
+        <p:spPr>
+          <a:xfrm>
+            <a:off x="585750" y="5001590"/>
+            <a:ext cx="7972500" cy="0"/>
+          </a:xfrm>
+          <a:prstGeom prst="straightConnector1">
+            <a:avLst/>
+          </a:prstGeom>
+          <a:noFill/>
+          <a:ln w="9525" cap="flat" cmpd="sng">
+            <a:solidFill>
+              <a:schemeClr val="bg1"/>
+            </a:solidFill>
+            <a:prstDash val="solid"/>
+            <a:round/>
+            <a:headEnd type="none" w="med" len="med"/>
+            <a:tailEnd type="none" w="med" len="med"/>
+          </a:ln>
+        </p:spPr>
+      </p:cxnSp>
+    </p:spTree>
+    <p:extLst>
+      <p:ext uri="{BB962C8B-B14F-4D97-AF65-F5344CB8AC3E}">
+        <p14:creationId xmlns:p14="http://schemas.microsoft.com/office/powerpoint/2010/main" val="3929325516"/>
+      </p:ext>
+    </p:extLst>
+  </p:cSld>
+  <p:clrMapOvr>
+    <a:masterClrMapping/>
+  </p:clrMapOvr>
+</p:sld>
+</file>
+
+<file path=ppt/slides/slide4.xml><?xml version="1.0" encoding="utf-8"?>
 <p:sld xmlns:a="http://schemas.openxmlformats.org/drawingml/2006/main" xmlns:r="http://schemas.openxmlformats.org/officeDocument/2006/relationships" xmlns:p="http://schemas.openxmlformats.org/presentationml/2006/main">
   <p:cSld>
     <p:spTree>
@@ -22229,7 +25609,7 @@
 </p:sld>
 </file>
 
-<file path=ppt/slides/slide4.xml><?xml version="1.0" encoding="utf-8"?>
+<file path=ppt/slides/slide5.xml><?xml version="1.0" encoding="utf-8"?>
 <p:sld xmlns:a="http://schemas.openxmlformats.org/drawingml/2006/main" xmlns:r="http://schemas.openxmlformats.org/officeDocument/2006/relationships" xmlns:p="http://schemas.openxmlformats.org/presentationml/2006/main">
   <p:cSld>
     <p:spTree>
@@ -25148,7 +28528,7 @@
 </p:sld>
 </file>
 
-<file path=ppt/slides/slide5.xml><?xml version="1.0" encoding="utf-8"?>
+<file path=ppt/slides/slide6.xml><?xml version="1.0" encoding="utf-8"?>
 <p:sld xmlns:a="http://schemas.openxmlformats.org/drawingml/2006/main" xmlns:r="http://schemas.openxmlformats.org/officeDocument/2006/relationships" xmlns:p="http://schemas.openxmlformats.org/presentationml/2006/main">
   <p:cSld>
     <p:spTree>
@@ -28083,7 +31463,7 @@
 </p:sld>
 </file>
 
-<file path=ppt/slides/slide6.xml><?xml version="1.0" encoding="utf-8"?>
+<file path=ppt/slides/slide7.xml><?xml version="1.0" encoding="utf-8"?>
 <p:sld xmlns:a="http://schemas.openxmlformats.org/drawingml/2006/main" xmlns:r="http://schemas.openxmlformats.org/officeDocument/2006/relationships" xmlns:p="http://schemas.openxmlformats.org/presentationml/2006/main">
   <p:cSld>
     <p:spTree>
@@ -29227,7 +32607,7 @@
 </p:sld>
 </file>
 
-<file path=ppt/slides/slide7.xml><?xml version="1.0" encoding="utf-8"?>
+<file path=ppt/slides/slide8.xml><?xml version="1.0" encoding="utf-8"?>
 <p:sld xmlns:a="http://schemas.openxmlformats.org/drawingml/2006/main" xmlns:r="http://schemas.openxmlformats.org/officeDocument/2006/relationships" xmlns:p="http://schemas.openxmlformats.org/presentationml/2006/main">
   <p:cSld>
     <p:spTree>
@@ -30999,7 +34379,7 @@
 </p:sld>
 </file>
 
-<file path=ppt/slides/slide8.xml><?xml version="1.0" encoding="utf-8"?>
+<file path=ppt/slides/slide9.xml><?xml version="1.0" encoding="utf-8"?>
 <p:sld xmlns:a="http://schemas.openxmlformats.org/drawingml/2006/main" xmlns:r="http://schemas.openxmlformats.org/officeDocument/2006/relationships" xmlns:p="http://schemas.openxmlformats.org/presentationml/2006/main">
   <p:cSld>
     <p:spTree>
@@ -33516,223 +36896,6 @@
     <p:extLst>
       <p:ext uri="{BB962C8B-B14F-4D97-AF65-F5344CB8AC3E}">
         <p14:creationId xmlns:p14="http://schemas.microsoft.com/office/powerpoint/2010/main" val="2188600941"/>
-      </p:ext>
-    </p:extLst>
-  </p:cSld>
-  <p:clrMapOvr>
-    <a:masterClrMapping/>
-  </p:clrMapOvr>
-</p:sld>
-</file>
-
-<file path=ppt/slides/slide9.xml><?xml version="1.0" encoding="utf-8"?>
-<p:sld xmlns:a="http://schemas.openxmlformats.org/drawingml/2006/main" xmlns:r="http://schemas.openxmlformats.org/officeDocument/2006/relationships" xmlns:p="http://schemas.openxmlformats.org/presentationml/2006/main">
-  <p:cSld>
-    <p:spTree>
-      <p:nvGrpSpPr>
-        <p:cNvPr id="1" name="Shape 81"/>
-        <p:cNvGrpSpPr/>
-        <p:nvPr/>
-      </p:nvGrpSpPr>
-      <p:grpSpPr>
-        <a:xfrm>
-          <a:off x="0" y="0"/>
-          <a:ext cx="0" cy="0"/>
-          <a:chOff x="0" y="0"/>
-          <a:chExt cx="0" cy="0"/>
-        </a:xfrm>
-      </p:grpSpPr>
-      <p:cxnSp>
-        <p:nvCxnSpPr>
-          <p:cNvPr id="82" name="Google Shape;82;p15"/>
-          <p:cNvCxnSpPr/>
-          <p:nvPr/>
-        </p:nvCxnSpPr>
-        <p:spPr>
-          <a:xfrm>
-            <a:off x="585750" y="5001590"/>
-            <a:ext cx="7972500" cy="0"/>
-          </a:xfrm>
-          <a:prstGeom prst="straightConnector1">
-            <a:avLst/>
-          </a:prstGeom>
-          <a:noFill/>
-          <a:ln w="9525" cap="flat" cmpd="sng">
-            <a:solidFill>
-              <a:srgbClr val="000000"/>
-            </a:solidFill>
-            <a:prstDash val="solid"/>
-            <a:round/>
-            <a:headEnd type="none" w="med" len="med"/>
-            <a:tailEnd type="none" w="med" len="med"/>
-          </a:ln>
-        </p:spPr>
-      </p:cxnSp>
-      <p:cxnSp>
-        <p:nvCxnSpPr>
-          <p:cNvPr id="83" name="Google Shape;83;p15"/>
-          <p:cNvCxnSpPr/>
-          <p:nvPr/>
-        </p:nvCxnSpPr>
-        <p:spPr>
-          <a:xfrm>
-            <a:off x="597452" y="162890"/>
-            <a:ext cx="7972500" cy="0"/>
-          </a:xfrm>
-          <a:prstGeom prst="straightConnector1">
-            <a:avLst/>
-          </a:prstGeom>
-          <a:noFill/>
-          <a:ln w="38100" cap="flat" cmpd="sng">
-            <a:solidFill>
-              <a:srgbClr val="000000"/>
-            </a:solidFill>
-            <a:prstDash val="solid"/>
-            <a:round/>
-            <a:headEnd type="none" w="med" len="med"/>
-            <a:tailEnd type="none" w="med" len="med"/>
-          </a:ln>
-        </p:spPr>
-      </p:cxnSp>
-      <p:sp>
-        <p:nvSpPr>
-          <p:cNvPr id="35" name="Google Shape;66;p14">
-            <a:extLst>
-              <a:ext uri="{FF2B5EF4-FFF2-40B4-BE49-F238E27FC236}">
-                <a16:creationId xmlns:a16="http://schemas.microsoft.com/office/drawing/2014/main" id="{2608D162-7457-402E-B7D4-D656D95B35A8}"/>
-              </a:ext>
-            </a:extLst>
-          </p:cNvPr>
-          <p:cNvSpPr txBox="1"/>
-          <p:nvPr/>
-        </p:nvSpPr>
-        <p:spPr>
-          <a:xfrm>
-            <a:off x="131692" y="327660"/>
-            <a:ext cx="376695" cy="4734889"/>
-          </a:xfrm>
-          <a:prstGeom prst="rect">
-            <a:avLst/>
-          </a:prstGeom>
-          <a:noFill/>
-          <a:ln>
-            <a:noFill/>
-          </a:ln>
-        </p:spPr>
-        <p:txBody>
-          <a:bodyPr spcFirstLastPara="1" vert="wordArtVert" wrap="square" lIns="91425" tIns="91425" rIns="91425" bIns="91425" anchor="ctr" anchorCtr="1">
-            <a:noAutofit/>
-          </a:bodyPr>
-          <a:lstStyle/>
-          <a:p>
-            <a:pPr marL="0" lvl="0" indent="0" algn="l" rtl="0">
-              <a:spcBef>
-                <a:spcPts val="0"/>
-              </a:spcBef>
-              <a:spcAft>
-                <a:spcPts val="0"/>
-              </a:spcAft>
-              <a:buNone/>
-            </a:pPr>
-            <a:r>
-              <a:rPr lang="en-US" sz="1500" dirty="0" err="1">
-                <a:solidFill>
-                  <a:srgbClr val="474747"/>
-                </a:solidFill>
-                <a:latin typeface="서울한강 장체 EB" panose="02020503020101020101" pitchFamily="18" charset="-127"/>
-                <a:ea typeface="서울한강 장체 EB" panose="02020503020101020101" pitchFamily="18" charset="-127"/>
-                <a:sym typeface="Nanum Myeongjo"/>
-              </a:rPr>
-              <a:t>Pano</a:t>
-            </a:r>
-            <a:r>
-              <a:rPr lang="en-US" sz="1500" dirty="0">
-                <a:solidFill>
-                  <a:srgbClr val="474747"/>
-                </a:solidFill>
-                <a:latin typeface="서울한강 장체 EB" panose="02020503020101020101" pitchFamily="18" charset="-127"/>
-                <a:ea typeface="서울한강 장체 EB" panose="02020503020101020101" pitchFamily="18" charset="-127"/>
-                <a:sym typeface="Nanum Myeongjo"/>
-              </a:rPr>
-              <a:t> Stretch Data </a:t>
-            </a:r>
-            <a:r>
-              <a:rPr lang="en-US" sz="1500" dirty="0" err="1">
-                <a:solidFill>
-                  <a:srgbClr val="474747"/>
-                </a:solidFill>
-                <a:latin typeface="서울한강 장체 EB" panose="02020503020101020101" pitchFamily="18" charset="-127"/>
-                <a:ea typeface="서울한강 장체 EB" panose="02020503020101020101" pitchFamily="18" charset="-127"/>
-                <a:sym typeface="Nanum Myeongjo"/>
-              </a:rPr>
-              <a:t>Argumentaion</a:t>
-            </a:r>
-            <a:endParaRPr sz="1500" dirty="0">
-              <a:solidFill>
-                <a:srgbClr val="474747"/>
-              </a:solidFill>
-              <a:latin typeface="서울한강 장체 EB" panose="02020503020101020101" pitchFamily="18" charset="-127"/>
-              <a:ea typeface="서울한강 장체 EB" panose="02020503020101020101" pitchFamily="18" charset="-127"/>
-            </a:endParaRPr>
-          </a:p>
-        </p:txBody>
-      </p:sp>
-      <p:sp>
-        <p:nvSpPr>
-          <p:cNvPr id="37" name="TextBox 36">
-            <a:extLst>
-              <a:ext uri="{FF2B5EF4-FFF2-40B4-BE49-F238E27FC236}">
-                <a16:creationId xmlns:a16="http://schemas.microsoft.com/office/drawing/2014/main" id="{C22BF384-A5A5-4B45-919B-FDC5E27BF255}"/>
-              </a:ext>
-            </a:extLst>
-          </p:cNvPr>
-          <p:cNvSpPr txBox="1"/>
-          <p:nvPr/>
-        </p:nvSpPr>
-        <p:spPr>
-          <a:xfrm>
-            <a:off x="76199" y="112663"/>
-            <a:ext cx="487680" cy="338554"/>
-          </a:xfrm>
-          <a:prstGeom prst="rect">
-            <a:avLst/>
-          </a:prstGeom>
-          <a:noFill/>
-        </p:spPr>
-        <p:txBody>
-          <a:bodyPr wrap="square">
-            <a:spAutoFit/>
-          </a:bodyPr>
-          <a:lstStyle/>
-          <a:p>
-            <a:pPr marL="0" lvl="0" indent="0" algn="ctr" rtl="0">
-              <a:spcBef>
-                <a:spcPts val="0"/>
-              </a:spcBef>
-              <a:spcAft>
-                <a:spcPts val="0"/>
-              </a:spcAft>
-              <a:buNone/>
-            </a:pPr>
-            <a:r>
-              <a:rPr lang="en-US" altLang="ko-KR" sz="1600" dirty="0">
-                <a:solidFill>
-                  <a:srgbClr val="474747"/>
-                </a:solidFill>
-                <a:latin typeface="서울한강 장체 EB" panose="02020503020101020101" pitchFamily="18" charset="-127"/>
-                <a:ea typeface="서울한강 장체 EB" panose="02020503020101020101" pitchFamily="18" charset="-127"/>
-                <a:cs typeface="Nanum Myeongjo"/>
-                <a:sym typeface="Nanum Myeongjo"/>
-              </a:rPr>
-              <a:t>3.3</a:t>
-            </a:r>
-          </a:p>
-        </p:txBody>
-      </p:sp>
-    </p:spTree>
-    <p:extLst>
-      <p:ext uri="{BB962C8B-B14F-4D97-AF65-F5344CB8AC3E}">
-        <p14:creationId xmlns:p14="http://schemas.microsoft.com/office/powerpoint/2010/main" val="1945907632"/>
       </p:ext>
     </p:extLst>
   </p:cSld>
